--- a/Function calling.pptx
+++ b/Function calling.pptx
@@ -112,6 +112,11 @@
       </a:defRPr>
     </a:lvl9pPr>
   </p:defaultTextStyle>
+  <p:extLst>
+    <p:ext uri="{EFAFB233-063F-42B5-8137-9DF3F51BA10A}">
+      <p15:sldGuideLst xmlns:p15="http://schemas.microsoft.com/office/powerpoint/2012/main"/>
+    </p:ext>
+  </p:extLst>
 </p:presentation>
 </file>
 
@@ -262,7 +267,7 @@
           <a:p>
             <a:fld id="{BAD0B23A-5A61-4A5C-AD01-6CDF493C7C46}" type="datetimeFigureOut">
               <a:rPr lang="en-US" smtClean="0"/>
-              <a:t>11/29/2023</a:t>
+              <a:t>11/30/2023</a:t>
             </a:fld>
             <a:endParaRPr lang="en-US"/>
           </a:p>
@@ -460,7 +465,7 @@
           <a:p>
             <a:fld id="{BAD0B23A-5A61-4A5C-AD01-6CDF493C7C46}" type="datetimeFigureOut">
               <a:rPr lang="en-US" smtClean="0"/>
-              <a:t>11/29/2023</a:t>
+              <a:t>11/30/2023</a:t>
             </a:fld>
             <a:endParaRPr lang="en-US"/>
           </a:p>
@@ -668,7 +673,7 @@
           <a:p>
             <a:fld id="{BAD0B23A-5A61-4A5C-AD01-6CDF493C7C46}" type="datetimeFigureOut">
               <a:rPr lang="en-US" smtClean="0"/>
-              <a:t>11/29/2023</a:t>
+              <a:t>11/30/2023</a:t>
             </a:fld>
             <a:endParaRPr lang="en-US"/>
           </a:p>
@@ -866,7 +871,7 @@
           <a:p>
             <a:fld id="{BAD0B23A-5A61-4A5C-AD01-6CDF493C7C46}" type="datetimeFigureOut">
               <a:rPr lang="en-US" smtClean="0"/>
-              <a:t>11/29/2023</a:t>
+              <a:t>11/30/2023</a:t>
             </a:fld>
             <a:endParaRPr lang="en-US"/>
           </a:p>
@@ -1141,7 +1146,7 @@
           <a:p>
             <a:fld id="{BAD0B23A-5A61-4A5C-AD01-6CDF493C7C46}" type="datetimeFigureOut">
               <a:rPr lang="en-US" smtClean="0"/>
-              <a:t>11/29/2023</a:t>
+              <a:t>11/30/2023</a:t>
             </a:fld>
             <a:endParaRPr lang="en-US"/>
           </a:p>
@@ -1406,7 +1411,7 @@
           <a:p>
             <a:fld id="{BAD0B23A-5A61-4A5C-AD01-6CDF493C7C46}" type="datetimeFigureOut">
               <a:rPr lang="en-US" smtClean="0"/>
-              <a:t>11/29/2023</a:t>
+              <a:t>11/30/2023</a:t>
             </a:fld>
             <a:endParaRPr lang="en-US"/>
           </a:p>
@@ -1818,7 +1823,7 @@
           <a:p>
             <a:fld id="{BAD0B23A-5A61-4A5C-AD01-6CDF493C7C46}" type="datetimeFigureOut">
               <a:rPr lang="en-US" smtClean="0"/>
-              <a:t>11/29/2023</a:t>
+              <a:t>11/30/2023</a:t>
             </a:fld>
             <a:endParaRPr lang="en-US"/>
           </a:p>
@@ -1959,7 +1964,7 @@
           <a:p>
             <a:fld id="{BAD0B23A-5A61-4A5C-AD01-6CDF493C7C46}" type="datetimeFigureOut">
               <a:rPr lang="en-US" smtClean="0"/>
-              <a:t>11/29/2023</a:t>
+              <a:t>11/30/2023</a:t>
             </a:fld>
             <a:endParaRPr lang="en-US"/>
           </a:p>
@@ -2072,7 +2077,7 @@
           <a:p>
             <a:fld id="{BAD0B23A-5A61-4A5C-AD01-6CDF493C7C46}" type="datetimeFigureOut">
               <a:rPr lang="en-US" smtClean="0"/>
-              <a:t>11/29/2023</a:t>
+              <a:t>11/30/2023</a:t>
             </a:fld>
             <a:endParaRPr lang="en-US"/>
           </a:p>
@@ -2383,7 +2388,7 @@
           <a:p>
             <a:fld id="{BAD0B23A-5A61-4A5C-AD01-6CDF493C7C46}" type="datetimeFigureOut">
               <a:rPr lang="en-US" smtClean="0"/>
-              <a:t>11/29/2023</a:t>
+              <a:t>11/30/2023</a:t>
             </a:fld>
             <a:endParaRPr lang="en-US"/>
           </a:p>
@@ -2671,7 +2676,7 @@
           <a:p>
             <a:fld id="{BAD0B23A-5A61-4A5C-AD01-6CDF493C7C46}" type="datetimeFigureOut">
               <a:rPr lang="en-US" smtClean="0"/>
-              <a:t>11/29/2023</a:t>
+              <a:t>11/30/2023</a:t>
             </a:fld>
             <a:endParaRPr lang="en-US"/>
           </a:p>
@@ -2912,7 +2917,7 @@
           <a:p>
             <a:fld id="{BAD0B23A-5A61-4A5C-AD01-6CDF493C7C46}" type="datetimeFigureOut">
               <a:rPr lang="en-US" smtClean="0"/>
-              <a:t>11/29/2023</a:t>
+              <a:t>11/30/2023</a:t>
             </a:fld>
             <a:endParaRPr lang="en-US"/>
           </a:p>
@@ -3425,7 +3430,10 @@
           <a:bodyPr/>
           <a:lstStyle/>
           <a:p>
-            <a:endParaRPr lang="en-US"/>
+            <a:r>
+              <a:rPr lang="en-US" dirty="0"/>
+              <a:t>enrico sabbadin</a:t>
+            </a:r>
           </a:p>
         </p:txBody>
       </p:sp>
@@ -3512,13 +3520,13 @@
           <a:p>
             <a:r>
               <a:rPr lang="en-US" dirty="0"/>
-              <a:t>Functionality available in the completion-chat api endpoint </a:t>
-            </a:r>
-          </a:p>
-          <a:p>
-            <a:r>
-              <a:rPr lang="en-US" dirty="0"/>
-              <a:t>Allows to have ChatGPT convert human natural query into a </a:t>
+              <a:t>It's a functionality available in the completion-chat api endpoint </a:t>
+            </a:r>
+          </a:p>
+          <a:p>
+            <a:r>
+              <a:rPr lang="en-US" dirty="0"/>
+              <a:t>Allows to have ChatGPT convert human natural query and commands into </a:t>
             </a:r>
             <a:r>
               <a:rPr lang="en-US" dirty="0" err="1"/>
@@ -3529,7 +3537,15 @@
           <a:p>
             <a:r>
               <a:rPr lang="en-US" b="1" dirty="0"/>
-              <a:t>Ai does not call the API, it's up to your code to do the call (that's the difference with ChatGPT plug-ins)</a:t>
+              <a:t>Ai does not call an API, it's up to your code to do the call (that's the difference with ChatGPT plug-ins) using the </a:t>
+            </a:r>
+            <a:r>
+              <a:rPr lang="en-US" b="1" dirty="0" err="1"/>
+              <a:t>json</a:t>
+            </a:r>
+            <a:r>
+              <a:rPr lang="en-US" b="1" dirty="0"/>
+              <a:t> provided by the Ai </a:t>
             </a:r>
           </a:p>
           <a:p>
@@ -3615,19 +3631,26 @@
         <p:spPr/>
         <p:txBody>
           <a:bodyPr>
-            <a:normAutofit fontScale="92500"/>
+            <a:normAutofit fontScale="92500" lnSpcReduction="10000"/>
           </a:bodyPr>
           <a:lstStyle/>
           <a:p>
             <a:r>
               <a:rPr lang="en-US" dirty="0"/>
-              <a:t>Along with user prompt a list of functions definition is provided  to the AI</a:t>
-            </a:r>
-          </a:p>
-          <a:p>
-            <a:r>
-              <a:rPr lang="en-US" dirty="0"/>
-              <a:t>A function is a </a:t>
+              <a:t>How to use it:</a:t>
+            </a:r>
+            <a:br>
+              <a:rPr lang="en-US" dirty="0"/>
+            </a:br>
+            <a:r>
+              <a:rPr lang="en-US" dirty="0"/>
+              <a:t>Along with user prompt add a list of functions definition</a:t>
+            </a:r>
+          </a:p>
+          <a:p>
+            <a:r>
+              <a:rPr lang="en-US" dirty="0"/>
+              <a:t>A function definition is a </a:t>
             </a:r>
             <a:r>
               <a:rPr lang="en-US" dirty="0" err="1"/>
@@ -3643,7 +3666,14 @@
             </a:r>
             <a:r>
               <a:rPr lang="en-US" dirty="0"/>
-              <a:t> schema syntax: it is a description of the goal of the function and its parameters </a:t>
+              <a:t> schema syntax: </a:t>
+            </a:r>
+            <a:br>
+              <a:rPr lang="en-US" dirty="0"/>
+            </a:br>
+            <a:r>
+              <a:rPr lang="en-US" dirty="0"/>
+              <a:t>it is a description of the goal of the function and its parameters </a:t>
             </a:r>
             <a:br>
               <a:rPr lang="en-US" dirty="0"/>
@@ -4185,7 +4215,9 @@
         </p:nvSpPr>
         <p:spPr/>
         <p:txBody>
-          <a:bodyPr/>
+          <a:bodyPr>
+            <a:normAutofit lnSpcReduction="10000"/>
+          </a:bodyPr>
           <a:lstStyle/>
           <a:p>
             <a:r>
@@ -4200,8 +4232,475 @@
               <a:rPr lang="en-US" dirty="0">
                 <a:sym typeface="Wingdings" panose="05000000000000000000" pitchFamily="2" charset="2"/>
               </a:rPr>
-              <a:t>Return errors in Json format, stating clearly each property having problem and the action to take </a:t>
-            </a:r>
+              <a:t>Return errors in Json format, stating clearly each property having problem and the action to take</a:t>
+            </a:r>
+          </a:p>
+          <a:p>
+            <a:r>
+              <a:rPr lang="en-US" dirty="0">
+                <a:sym typeface="Wingdings" panose="05000000000000000000" pitchFamily="2" charset="2"/>
+              </a:rPr>
+              <a:t>Your validation code must be </a:t>
+            </a:r>
+            <a:r>
+              <a:rPr lang="en-US" dirty="0" err="1">
+                <a:sym typeface="Wingdings" panose="05000000000000000000" pitchFamily="2" charset="2"/>
+              </a:rPr>
+              <a:t>conversational,suggesting</a:t>
+            </a:r>
+            <a:r>
+              <a:rPr lang="en-US" dirty="0">
+                <a:sym typeface="Wingdings" panose="05000000000000000000" pitchFamily="2" charset="2"/>
+              </a:rPr>
+              <a:t> action to the chatbot,  e.g. : </a:t>
+            </a:r>
+          </a:p>
+          <a:p>
+            <a:pPr marL="0" indent="0">
+              <a:buNone/>
+            </a:pPr>
+            <a:r>
+              <a:rPr lang="en-US" sz="1100" dirty="0" err="1">
+                <a:solidFill>
+                  <a:srgbClr val="000000"/>
+                </a:solidFill>
+                <a:latin typeface="Courier New" panose="02070309020205020404" pitchFamily="49" charset="0"/>
+                <a:cs typeface="Courier New" panose="02070309020205020404" pitchFamily="49" charset="0"/>
+              </a:rPr>
+              <a:t>ret.Errors.Add</a:t>
+            </a:r>
+            <a:r>
+              <a:rPr lang="en-US" sz="1100" dirty="0">
+                <a:solidFill>
+                  <a:srgbClr val="000000"/>
+                </a:solidFill>
+                <a:latin typeface="Courier New" panose="02070309020205020404" pitchFamily="49" charset="0"/>
+                <a:cs typeface="Courier New" panose="02070309020205020404" pitchFamily="49" charset="0"/>
+              </a:rPr>
+              <a:t>(</a:t>
+            </a:r>
+            <a:r>
+              <a:rPr lang="en-US" sz="1100" dirty="0">
+                <a:solidFill>
+                  <a:srgbClr val="0000FF"/>
+                </a:solidFill>
+                <a:latin typeface="Courier New" panose="02070309020205020404" pitchFamily="49" charset="0"/>
+                <a:cs typeface="Courier New" panose="02070309020205020404" pitchFamily="49" charset="0"/>
+              </a:rPr>
+              <a:t>new</a:t>
+            </a:r>
+            <a:r>
+              <a:rPr lang="en-US" sz="1100" dirty="0">
+                <a:solidFill>
+                  <a:srgbClr val="000000"/>
+                </a:solidFill>
+                <a:latin typeface="Courier New" panose="02070309020205020404" pitchFamily="49" charset="0"/>
+                <a:cs typeface="Courier New" panose="02070309020205020404" pitchFamily="49" charset="0"/>
+              </a:rPr>
+              <a:t> </a:t>
+            </a:r>
+            <a:r>
+              <a:rPr lang="en-US" sz="1100" dirty="0" err="1">
+                <a:solidFill>
+                  <a:srgbClr val="000000"/>
+                </a:solidFill>
+                <a:latin typeface="Courier New" panose="02070309020205020404" pitchFamily="49" charset="0"/>
+                <a:cs typeface="Courier New" panose="02070309020205020404" pitchFamily="49" charset="0"/>
+              </a:rPr>
+              <a:t>ValidationFailure</a:t>
+            </a:r>
+            <a:r>
+              <a:rPr lang="en-US" sz="1100" dirty="0">
+                <a:solidFill>
+                  <a:srgbClr val="000000"/>
+                </a:solidFill>
+                <a:latin typeface="Courier New" panose="02070309020205020404" pitchFamily="49" charset="0"/>
+                <a:cs typeface="Courier New" panose="02070309020205020404" pitchFamily="49" charset="0"/>
+              </a:rPr>
+              <a:t>(</a:t>
+            </a:r>
+            <a:r>
+              <a:rPr lang="en-US" sz="1100" dirty="0" err="1">
+                <a:solidFill>
+                  <a:srgbClr val="000000"/>
+                </a:solidFill>
+                <a:latin typeface="Courier New" panose="02070309020205020404" pitchFamily="49" charset="0"/>
+                <a:cs typeface="Courier New" panose="02070309020205020404" pitchFamily="49" charset="0"/>
+              </a:rPr>
+              <a:t>propertyName</a:t>
+            </a:r>
+            <a:r>
+              <a:rPr lang="en-US" sz="1100" dirty="0">
+                <a:solidFill>
+                  <a:srgbClr val="000000"/>
+                </a:solidFill>
+                <a:latin typeface="Courier New" panose="02070309020205020404" pitchFamily="49" charset="0"/>
+                <a:cs typeface="Courier New" panose="02070309020205020404" pitchFamily="49" charset="0"/>
+              </a:rPr>
+              <a:t>,</a:t>
+            </a:r>
+          </a:p>
+          <a:p>
+            <a:pPr marL="0" indent="0">
+              <a:buNone/>
+            </a:pPr>
+            <a:r>
+              <a:rPr lang="en-US" sz="1100" dirty="0">
+                <a:solidFill>
+                  <a:srgbClr val="000000"/>
+                </a:solidFill>
+                <a:latin typeface="Courier New" panose="02070309020205020404" pitchFamily="49" charset="0"/>
+                <a:cs typeface="Courier New" panose="02070309020205020404" pitchFamily="49" charset="0"/>
+              </a:rPr>
+              <a:t>     (</a:t>
+            </a:r>
+            <a:r>
+              <a:rPr lang="en-US" sz="1100" dirty="0">
+                <a:solidFill>
+                  <a:srgbClr val="0000FF"/>
+                </a:solidFill>
+                <a:latin typeface="Courier New" panose="02070309020205020404" pitchFamily="49" charset="0"/>
+                <a:cs typeface="Courier New" panose="02070309020205020404" pitchFamily="49" charset="0"/>
+              </a:rPr>
+              <a:t>new</a:t>
+            </a:r>
+            <a:r>
+              <a:rPr lang="en-US" sz="1100" dirty="0">
+                <a:solidFill>
+                  <a:srgbClr val="000000"/>
+                </a:solidFill>
+                <a:latin typeface="Courier New" panose="02070309020205020404" pitchFamily="49" charset="0"/>
+                <a:cs typeface="Courier New" panose="02070309020205020404" pitchFamily="49" charset="0"/>
+              </a:rPr>
+              <a:t> </a:t>
+            </a:r>
+            <a:r>
+              <a:rPr lang="en-US" sz="1100" dirty="0" err="1">
+                <a:solidFill>
+                  <a:srgbClr val="000000"/>
+                </a:solidFill>
+                <a:latin typeface="Courier New" panose="02070309020205020404" pitchFamily="49" charset="0"/>
+                <a:cs typeface="Courier New" panose="02070309020205020404" pitchFamily="49" charset="0"/>
+              </a:rPr>
+              <a:t>ValidationErrorInfo</a:t>
+            </a:r>
+            <a:r>
+              <a:rPr lang="en-US" sz="1100" dirty="0">
+                <a:solidFill>
+                  <a:srgbClr val="000000"/>
+                </a:solidFill>
+                <a:latin typeface="Courier New" panose="02070309020205020404" pitchFamily="49" charset="0"/>
+                <a:cs typeface="Courier New" panose="02070309020205020404" pitchFamily="49" charset="0"/>
+              </a:rPr>
+              <a:t> { </a:t>
+            </a:r>
+            <a:r>
+              <a:rPr lang="en-US" sz="1100" dirty="0" err="1">
+                <a:solidFill>
+                  <a:srgbClr val="000000"/>
+                </a:solidFill>
+                <a:latin typeface="Courier New" panose="02070309020205020404" pitchFamily="49" charset="0"/>
+                <a:cs typeface="Courier New" panose="02070309020205020404" pitchFamily="49" charset="0"/>
+              </a:rPr>
+              <a:t>ErrorCode</a:t>
+            </a:r>
+            <a:r>
+              <a:rPr lang="en-US" sz="1100" dirty="0">
+                <a:solidFill>
+                  <a:srgbClr val="000000"/>
+                </a:solidFill>
+                <a:latin typeface="Courier New" panose="02070309020205020404" pitchFamily="49" charset="0"/>
+                <a:cs typeface="Courier New" panose="02070309020205020404" pitchFamily="49" charset="0"/>
+              </a:rPr>
+              <a:t> = </a:t>
+            </a:r>
+            <a:r>
+              <a:rPr lang="en-US" sz="1100" dirty="0">
+                <a:solidFill>
+                  <a:srgbClr val="A31515"/>
+                </a:solidFill>
+                <a:latin typeface="Courier New" panose="02070309020205020404" pitchFamily="49" charset="0"/>
+                <a:cs typeface="Courier New" panose="02070309020205020404" pitchFamily="49" charset="0"/>
+              </a:rPr>
+              <a:t>$"ambiguous value for </a:t>
+            </a:r>
+            <a:r>
+              <a:rPr lang="en-US" sz="1100" dirty="0">
+                <a:solidFill>
+                  <a:srgbClr val="000000"/>
+                </a:solidFill>
+                <a:latin typeface="Courier New" panose="02070309020205020404" pitchFamily="49" charset="0"/>
+                <a:cs typeface="Courier New" panose="02070309020205020404" pitchFamily="49" charset="0"/>
+              </a:rPr>
+              <a:t>{</a:t>
+            </a:r>
+            <a:r>
+              <a:rPr lang="en-US" sz="1100" dirty="0" err="1">
+                <a:solidFill>
+                  <a:srgbClr val="000000"/>
+                </a:solidFill>
+                <a:latin typeface="Courier New" panose="02070309020205020404" pitchFamily="49" charset="0"/>
+                <a:cs typeface="Courier New" panose="02070309020205020404" pitchFamily="49" charset="0"/>
+              </a:rPr>
+              <a:t>propertyName</a:t>
+            </a:r>
+            <a:r>
+              <a:rPr lang="en-US" sz="1100" dirty="0">
+                <a:solidFill>
+                  <a:srgbClr val="000000"/>
+                </a:solidFill>
+                <a:latin typeface="Courier New" panose="02070309020205020404" pitchFamily="49" charset="0"/>
+                <a:cs typeface="Courier New" panose="02070309020205020404" pitchFamily="49" charset="0"/>
+              </a:rPr>
+              <a:t>}</a:t>
+            </a:r>
+            <a:r>
+              <a:rPr lang="en-US" sz="1100" dirty="0">
+                <a:solidFill>
+                  <a:srgbClr val="A31515"/>
+                </a:solidFill>
+                <a:latin typeface="Courier New" panose="02070309020205020404" pitchFamily="49" charset="0"/>
+                <a:cs typeface="Courier New" panose="02070309020205020404" pitchFamily="49" charset="0"/>
+              </a:rPr>
+              <a:t>"</a:t>
+            </a:r>
+            <a:endParaRPr lang="en-US" sz="1100" dirty="0">
+              <a:solidFill>
+                <a:srgbClr val="000000"/>
+              </a:solidFill>
+              <a:latin typeface="Courier New" panose="02070309020205020404" pitchFamily="49" charset="0"/>
+              <a:cs typeface="Courier New" panose="02070309020205020404" pitchFamily="49" charset="0"/>
+            </a:endParaRPr>
+          </a:p>
+          <a:p>
+            <a:pPr marL="0" indent="0">
+              <a:buNone/>
+            </a:pPr>
+            <a:r>
+              <a:rPr lang="en-US" sz="1100" dirty="0">
+                <a:solidFill>
+                  <a:srgbClr val="000000"/>
+                </a:solidFill>
+                <a:latin typeface="Courier New" panose="02070309020205020404" pitchFamily="49" charset="0"/>
+                <a:cs typeface="Courier New" panose="02070309020205020404" pitchFamily="49" charset="0"/>
+              </a:rPr>
+              <a:t>         </a:t>
+            </a:r>
+            <a:r>
+              <a:rPr lang="en-US" sz="1100" dirty="0" err="1">
+                <a:solidFill>
+                  <a:srgbClr val="000000"/>
+                </a:solidFill>
+                <a:latin typeface="Courier New" panose="02070309020205020404" pitchFamily="49" charset="0"/>
+                <a:cs typeface="Courier New" panose="02070309020205020404" pitchFamily="49" charset="0"/>
+              </a:rPr>
+              <a:t>AssistantAction</a:t>
+            </a:r>
+            <a:r>
+              <a:rPr lang="en-US" sz="1100" dirty="0">
+                <a:solidFill>
+                  <a:srgbClr val="000000"/>
+                </a:solidFill>
+                <a:latin typeface="Courier New" panose="02070309020205020404" pitchFamily="49" charset="0"/>
+                <a:cs typeface="Courier New" panose="02070309020205020404" pitchFamily="49" charset="0"/>
+              </a:rPr>
+              <a:t> = </a:t>
+            </a:r>
+            <a:r>
+              <a:rPr lang="en-US" sz="1100" dirty="0">
+                <a:solidFill>
+                  <a:srgbClr val="A31515"/>
+                </a:solidFill>
+                <a:latin typeface="Courier New" panose="02070309020205020404" pitchFamily="49" charset="0"/>
+                <a:cs typeface="Courier New" panose="02070309020205020404" pitchFamily="49" charset="0"/>
+              </a:rPr>
+              <a:t>$"reply to the user with these exact words: \"choose among the following values for </a:t>
+            </a:r>
+            <a:r>
+              <a:rPr lang="en-US" sz="1100" dirty="0">
+                <a:solidFill>
+                  <a:srgbClr val="000000"/>
+                </a:solidFill>
+                <a:latin typeface="Courier New" panose="02070309020205020404" pitchFamily="49" charset="0"/>
+                <a:cs typeface="Courier New" panose="02070309020205020404" pitchFamily="49" charset="0"/>
+              </a:rPr>
+              <a:t>{</a:t>
+            </a:r>
+            <a:r>
+              <a:rPr lang="en-US" sz="1100" dirty="0" err="1">
+                <a:solidFill>
+                  <a:srgbClr val="000000"/>
+                </a:solidFill>
+                <a:latin typeface="Courier New" panose="02070309020205020404" pitchFamily="49" charset="0"/>
+                <a:cs typeface="Courier New" panose="02070309020205020404" pitchFamily="49" charset="0"/>
+              </a:rPr>
+              <a:t>propertyName</a:t>
+            </a:r>
+            <a:r>
+              <a:rPr lang="en-US" sz="1100" dirty="0">
+                <a:solidFill>
+                  <a:srgbClr val="000000"/>
+                </a:solidFill>
+                <a:latin typeface="Courier New" panose="02070309020205020404" pitchFamily="49" charset="0"/>
+                <a:cs typeface="Courier New" panose="02070309020205020404" pitchFamily="49" charset="0"/>
+              </a:rPr>
+              <a:t>}</a:t>
+            </a:r>
+            <a:r>
+              <a:rPr lang="en-US" sz="1100" dirty="0">
+                <a:solidFill>
+                  <a:srgbClr val="A31515"/>
+                </a:solidFill>
+                <a:latin typeface="Courier New" panose="02070309020205020404" pitchFamily="49" charset="0"/>
+                <a:cs typeface="Courier New" panose="02070309020205020404" pitchFamily="49" charset="0"/>
+              </a:rPr>
+              <a:t> : </a:t>
+            </a:r>
+            <a:r>
+              <a:rPr lang="en-US" sz="1100" dirty="0">
+                <a:solidFill>
+                  <a:srgbClr val="000000"/>
+                </a:solidFill>
+                <a:latin typeface="Courier New" panose="02070309020205020404" pitchFamily="49" charset="0"/>
+                <a:cs typeface="Courier New" panose="02070309020205020404" pitchFamily="49" charset="0"/>
+              </a:rPr>
+              <a:t>{</a:t>
+            </a:r>
+            <a:r>
+              <a:rPr lang="en-US" sz="1100" dirty="0" err="1">
+                <a:solidFill>
+                  <a:srgbClr val="0000FF"/>
+                </a:solidFill>
+                <a:latin typeface="Courier New" panose="02070309020205020404" pitchFamily="49" charset="0"/>
+                <a:cs typeface="Courier New" panose="02070309020205020404" pitchFamily="49" charset="0"/>
+              </a:rPr>
+              <a:t>string</a:t>
+            </a:r>
+            <a:r>
+              <a:rPr lang="en-US" sz="1100" dirty="0" err="1">
+                <a:solidFill>
+                  <a:srgbClr val="000000"/>
+                </a:solidFill>
+                <a:latin typeface="Courier New" panose="02070309020205020404" pitchFamily="49" charset="0"/>
+                <a:cs typeface="Courier New" panose="02070309020205020404" pitchFamily="49" charset="0"/>
+              </a:rPr>
+              <a:t>.Join</a:t>
+            </a:r>
+            <a:r>
+              <a:rPr lang="en-US" sz="1100" dirty="0">
+                <a:solidFill>
+                  <a:srgbClr val="000000"/>
+                </a:solidFill>
+                <a:latin typeface="Courier New" panose="02070309020205020404" pitchFamily="49" charset="0"/>
+                <a:cs typeface="Courier New" panose="02070309020205020404" pitchFamily="49" charset="0"/>
+              </a:rPr>
+              <a:t>(</a:t>
+            </a:r>
+            <a:r>
+              <a:rPr lang="en-US" sz="1100" dirty="0">
+                <a:solidFill>
+                  <a:srgbClr val="A31515"/>
+                </a:solidFill>
+                <a:latin typeface="Courier New" panose="02070309020205020404" pitchFamily="49" charset="0"/>
+                <a:cs typeface="Courier New" panose="02070309020205020404" pitchFamily="49" charset="0"/>
+              </a:rPr>
+              <a:t>','</a:t>
+            </a:r>
+            <a:r>
+              <a:rPr lang="en-US" sz="1100" dirty="0">
+                <a:solidFill>
+                  <a:srgbClr val="000000"/>
+                </a:solidFill>
+                <a:latin typeface="Courier New" panose="02070309020205020404" pitchFamily="49" charset="0"/>
+                <a:cs typeface="Courier New" panose="02070309020205020404" pitchFamily="49" charset="0"/>
+              </a:rPr>
+              <a:t>,</a:t>
+            </a:r>
+            <a:r>
+              <a:rPr lang="en-US" sz="1100" dirty="0" err="1">
+                <a:solidFill>
+                  <a:srgbClr val="000000"/>
+                </a:solidFill>
+                <a:latin typeface="Courier New" panose="02070309020205020404" pitchFamily="49" charset="0"/>
+                <a:cs typeface="Courier New" panose="02070309020205020404" pitchFamily="49" charset="0"/>
+              </a:rPr>
+              <a:t>candidatePorts.Take</a:t>
+            </a:r>
+            <a:r>
+              <a:rPr lang="en-US" sz="1100" dirty="0">
+                <a:solidFill>
+                  <a:srgbClr val="000000"/>
+                </a:solidFill>
+                <a:latin typeface="Courier New" panose="02070309020205020404" pitchFamily="49" charset="0"/>
+                <a:cs typeface="Courier New" panose="02070309020205020404" pitchFamily="49" charset="0"/>
+              </a:rPr>
+              <a:t>(5).Select(</a:t>
+            </a:r>
+            <a:r>
+              <a:rPr lang="en-US" sz="1100" dirty="0" err="1">
+                <a:solidFill>
+                  <a:srgbClr val="000000"/>
+                </a:solidFill>
+                <a:latin typeface="Courier New" panose="02070309020205020404" pitchFamily="49" charset="0"/>
+                <a:cs typeface="Courier New" panose="02070309020205020404" pitchFamily="49" charset="0"/>
+              </a:rPr>
+              <a:t>FormatPort</a:t>
+            </a:r>
+            <a:r>
+              <a:rPr lang="en-US" sz="1100" dirty="0">
+                <a:solidFill>
+                  <a:srgbClr val="000000"/>
+                </a:solidFill>
+                <a:latin typeface="Courier New" panose="02070309020205020404" pitchFamily="49" charset="0"/>
+                <a:cs typeface="Courier New" panose="02070309020205020404" pitchFamily="49" charset="0"/>
+              </a:rPr>
+              <a:t>))}</a:t>
+            </a:r>
+            <a:r>
+              <a:rPr lang="en-US" sz="1100" dirty="0">
+                <a:solidFill>
+                  <a:srgbClr val="A31515"/>
+                </a:solidFill>
+                <a:latin typeface="Courier New" panose="02070309020205020404" pitchFamily="49" charset="0"/>
+                <a:cs typeface="Courier New" panose="02070309020205020404" pitchFamily="49" charset="0"/>
+              </a:rPr>
+              <a:t>\"" </a:t>
+            </a:r>
+            <a:r>
+              <a:rPr lang="en-US" sz="1100" dirty="0">
+                <a:solidFill>
+                  <a:srgbClr val="000000"/>
+                </a:solidFill>
+                <a:latin typeface="Courier New" panose="02070309020205020404" pitchFamily="49" charset="0"/>
+                <a:cs typeface="Courier New" panose="02070309020205020404" pitchFamily="49" charset="0"/>
+              </a:rPr>
+              <a:t>}.</a:t>
+            </a:r>
+            <a:r>
+              <a:rPr lang="en-US" sz="1100" dirty="0" err="1">
+                <a:solidFill>
+                  <a:srgbClr val="000000"/>
+                </a:solidFill>
+                <a:latin typeface="Courier New" panose="02070309020205020404" pitchFamily="49" charset="0"/>
+                <a:cs typeface="Courier New" panose="02070309020205020404" pitchFamily="49" charset="0"/>
+              </a:rPr>
+              <a:t>ToJson</a:t>
+            </a:r>
+            <a:r>
+              <a:rPr lang="en-US" sz="1100" dirty="0">
+                <a:solidFill>
+                  <a:srgbClr val="000000"/>
+                </a:solidFill>
+                <a:latin typeface="Courier New" panose="02070309020205020404" pitchFamily="49" charset="0"/>
+                <a:cs typeface="Courier New" panose="02070309020205020404" pitchFamily="49" charset="0"/>
+              </a:rPr>
+              <a:t>())));</a:t>
+            </a:r>
+          </a:p>
+          <a:p>
+            <a:endParaRPr lang="en-US" dirty="0">
+              <a:sym typeface="Wingdings" panose="05000000000000000000" pitchFamily="2" charset="2"/>
+            </a:endParaRPr>
           </a:p>
           <a:p>
             <a:r>

--- a/Function calling.pptx
+++ b/Function calling.pptx
@@ -9,11 +9,15 @@
     <p:sldId id="257" r:id="rId3"/>
     <p:sldId id="258" r:id="rId4"/>
     <p:sldId id="263" r:id="rId5"/>
-    <p:sldId id="259" r:id="rId6"/>
-    <p:sldId id="261" r:id="rId7"/>
-    <p:sldId id="260" r:id="rId8"/>
-    <p:sldId id="264" r:id="rId9"/>
-    <p:sldId id="262" r:id="rId10"/>
+    <p:sldId id="265" r:id="rId6"/>
+    <p:sldId id="259" r:id="rId7"/>
+    <p:sldId id="261" r:id="rId8"/>
+    <p:sldId id="260" r:id="rId9"/>
+    <p:sldId id="264" r:id="rId10"/>
+    <p:sldId id="266" r:id="rId11"/>
+    <p:sldId id="267" r:id="rId12"/>
+    <p:sldId id="268" r:id="rId13"/>
+    <p:sldId id="262" r:id="rId14"/>
   </p:sldIdLst>
   <p:sldSz cx="12192000" cy="6858000"/>
   <p:notesSz cx="6858000" cy="9144000"/>
@@ -267,7 +271,7 @@
           <a:p>
             <a:fld id="{BAD0B23A-5A61-4A5C-AD01-6CDF493C7C46}" type="datetimeFigureOut">
               <a:rPr lang="en-US" smtClean="0"/>
-              <a:t>11/30/2023</a:t>
+              <a:t>1/8/2024</a:t>
             </a:fld>
             <a:endParaRPr lang="en-US"/>
           </a:p>
@@ -465,7 +469,7 @@
           <a:p>
             <a:fld id="{BAD0B23A-5A61-4A5C-AD01-6CDF493C7C46}" type="datetimeFigureOut">
               <a:rPr lang="en-US" smtClean="0"/>
-              <a:t>11/30/2023</a:t>
+              <a:t>1/8/2024</a:t>
             </a:fld>
             <a:endParaRPr lang="en-US"/>
           </a:p>
@@ -673,7 +677,7 @@
           <a:p>
             <a:fld id="{BAD0B23A-5A61-4A5C-AD01-6CDF493C7C46}" type="datetimeFigureOut">
               <a:rPr lang="en-US" smtClean="0"/>
-              <a:t>11/30/2023</a:t>
+              <a:t>1/8/2024</a:t>
             </a:fld>
             <a:endParaRPr lang="en-US"/>
           </a:p>
@@ -871,7 +875,7 @@
           <a:p>
             <a:fld id="{BAD0B23A-5A61-4A5C-AD01-6CDF493C7C46}" type="datetimeFigureOut">
               <a:rPr lang="en-US" smtClean="0"/>
-              <a:t>11/30/2023</a:t>
+              <a:t>1/8/2024</a:t>
             </a:fld>
             <a:endParaRPr lang="en-US"/>
           </a:p>
@@ -1146,7 +1150,7 @@
           <a:p>
             <a:fld id="{BAD0B23A-5A61-4A5C-AD01-6CDF493C7C46}" type="datetimeFigureOut">
               <a:rPr lang="en-US" smtClean="0"/>
-              <a:t>11/30/2023</a:t>
+              <a:t>1/8/2024</a:t>
             </a:fld>
             <a:endParaRPr lang="en-US"/>
           </a:p>
@@ -1411,7 +1415,7 @@
           <a:p>
             <a:fld id="{BAD0B23A-5A61-4A5C-AD01-6CDF493C7C46}" type="datetimeFigureOut">
               <a:rPr lang="en-US" smtClean="0"/>
-              <a:t>11/30/2023</a:t>
+              <a:t>1/8/2024</a:t>
             </a:fld>
             <a:endParaRPr lang="en-US"/>
           </a:p>
@@ -1823,7 +1827,7 @@
           <a:p>
             <a:fld id="{BAD0B23A-5A61-4A5C-AD01-6CDF493C7C46}" type="datetimeFigureOut">
               <a:rPr lang="en-US" smtClean="0"/>
-              <a:t>11/30/2023</a:t>
+              <a:t>1/8/2024</a:t>
             </a:fld>
             <a:endParaRPr lang="en-US"/>
           </a:p>
@@ -1964,7 +1968,7 @@
           <a:p>
             <a:fld id="{BAD0B23A-5A61-4A5C-AD01-6CDF493C7C46}" type="datetimeFigureOut">
               <a:rPr lang="en-US" smtClean="0"/>
-              <a:t>11/30/2023</a:t>
+              <a:t>1/8/2024</a:t>
             </a:fld>
             <a:endParaRPr lang="en-US"/>
           </a:p>
@@ -2077,7 +2081,7 @@
           <a:p>
             <a:fld id="{BAD0B23A-5A61-4A5C-AD01-6CDF493C7C46}" type="datetimeFigureOut">
               <a:rPr lang="en-US" smtClean="0"/>
-              <a:t>11/30/2023</a:t>
+              <a:t>1/8/2024</a:t>
             </a:fld>
             <a:endParaRPr lang="en-US"/>
           </a:p>
@@ -2388,7 +2392,7 @@
           <a:p>
             <a:fld id="{BAD0B23A-5A61-4A5C-AD01-6CDF493C7C46}" type="datetimeFigureOut">
               <a:rPr lang="en-US" smtClean="0"/>
-              <a:t>11/30/2023</a:t>
+              <a:t>1/8/2024</a:t>
             </a:fld>
             <a:endParaRPr lang="en-US"/>
           </a:p>
@@ -2676,7 +2680,7 @@
           <a:p>
             <a:fld id="{BAD0B23A-5A61-4A5C-AD01-6CDF493C7C46}" type="datetimeFigureOut">
               <a:rPr lang="en-US" smtClean="0"/>
-              <a:t>11/30/2023</a:t>
+              <a:t>1/8/2024</a:t>
             </a:fld>
             <a:endParaRPr lang="en-US"/>
           </a:p>
@@ -2917,7 +2921,7 @@
           <a:p>
             <a:fld id="{BAD0B23A-5A61-4A5C-AD01-6CDF493C7C46}" type="datetimeFigureOut">
               <a:rPr lang="en-US" smtClean="0"/>
-              <a:t>11/30/2023</a:t>
+              <a:t>1/8/2024</a:t>
             </a:fld>
             <a:endParaRPr lang="en-US"/>
           </a:p>
@@ -3450,6 +3454,645 @@
 </p:sld>
 </file>
 
+<file path=ppt/slides/slide10.xml><?xml version="1.0" encoding="utf-8"?>
+<p:sld xmlns:a="http://schemas.openxmlformats.org/drawingml/2006/main" xmlns:r="http://schemas.openxmlformats.org/officeDocument/2006/relationships" xmlns:p="http://schemas.openxmlformats.org/presentationml/2006/main">
+  <p:cSld>
+    <p:spTree>
+      <p:nvGrpSpPr>
+        <p:cNvPr id="1" name=""/>
+        <p:cNvGrpSpPr/>
+        <p:nvPr/>
+      </p:nvGrpSpPr>
+      <p:grpSpPr>
+        <a:xfrm>
+          <a:off x="0" y="0"/>
+          <a:ext cx="0" cy="0"/>
+          <a:chOff x="0" y="0"/>
+          <a:chExt cx="0" cy="0"/>
+        </a:xfrm>
+      </p:grpSpPr>
+      <p:sp>
+        <p:nvSpPr>
+          <p:cNvPr id="2" name="Title 1">
+            <a:extLst>
+              <a:ext uri="{FF2B5EF4-FFF2-40B4-BE49-F238E27FC236}">
+                <a16:creationId xmlns:a16="http://schemas.microsoft.com/office/drawing/2014/main" id="{34C99798-D831-0741-2031-6CC6E08DD38F}"/>
+              </a:ext>
+            </a:extLst>
+          </p:cNvPr>
+          <p:cNvSpPr>
+            <a:spLocks noGrp="1"/>
+          </p:cNvSpPr>
+          <p:nvPr>
+            <p:ph type="title"/>
+          </p:nvPr>
+        </p:nvSpPr>
+        <p:spPr/>
+        <p:txBody>
+          <a:bodyPr/>
+          <a:lstStyle/>
+          <a:p>
+            <a:r>
+              <a:rPr lang="en-US" dirty="0"/>
+              <a:t>Tools-calls</a:t>
+            </a:r>
+          </a:p>
+        </p:txBody>
+      </p:sp>
+      <p:sp>
+        <p:nvSpPr>
+          <p:cNvPr id="3" name="Content Placeholder 2">
+            <a:extLst>
+              <a:ext uri="{FF2B5EF4-FFF2-40B4-BE49-F238E27FC236}">
+                <a16:creationId xmlns:a16="http://schemas.microsoft.com/office/drawing/2014/main" id="{68F51F98-4A09-C940-F5F3-B7703CD32365}"/>
+              </a:ext>
+            </a:extLst>
+          </p:cNvPr>
+          <p:cNvSpPr>
+            <a:spLocks noGrp="1"/>
+          </p:cNvSpPr>
+          <p:nvPr>
+            <p:ph idx="1"/>
+          </p:nvPr>
+        </p:nvSpPr>
+        <p:spPr/>
+        <p:txBody>
+          <a:bodyPr/>
+          <a:lstStyle/>
+          <a:p>
+            <a:r>
+              <a:rPr lang="en-US" dirty="0"/>
+              <a:t>gpt-3.5 1106 and gpt-4 1106 have made Function calls "deprecated": they have become a possible </a:t>
+            </a:r>
+            <a:r>
+              <a:rPr lang="en-US" i="1" dirty="0"/>
+              <a:t>tool-type</a:t>
+            </a:r>
+            <a:r>
+              <a:rPr lang="en-US" dirty="0"/>
+              <a:t> value for tools-calls</a:t>
+            </a:r>
+          </a:p>
+          <a:p>
+            <a:r>
+              <a:rPr lang="en-US" dirty="0"/>
+              <a:t>Tools are an abstraction to accommodate different "external data sources" </a:t>
+            </a:r>
+          </a:p>
+          <a:p>
+            <a:pPr lvl="1"/>
+            <a:r>
+              <a:rPr lang="en-US" dirty="0"/>
+              <a:t>Currently "function" is the only tool type supported</a:t>
+            </a:r>
+          </a:p>
+          <a:p>
+            <a:pPr lvl="1"/>
+            <a:r>
+              <a:rPr lang="en-US" dirty="0"/>
+              <a:t>Chatgpt can return reply with more than one tool call</a:t>
+            </a:r>
+          </a:p>
+          <a:p>
+            <a:r>
+              <a:rPr lang="en-US" dirty="0"/>
+              <a:t>Assistant api have similar concept of tools but support more: Functions, Code interpreter, Knowledge Retrieval</a:t>
+            </a:r>
+          </a:p>
+          <a:p>
+            <a:pPr lvl="1"/>
+            <a:r>
+              <a:rPr lang="en-US" dirty="0"/>
+              <a:t>Still in beta, deserve a dedicated session</a:t>
+            </a:r>
+          </a:p>
+          <a:p>
+            <a:pPr lvl="1"/>
+            <a:endParaRPr lang="en-US" dirty="0"/>
+          </a:p>
+        </p:txBody>
+      </p:sp>
+    </p:spTree>
+    <p:extLst>
+      <p:ext uri="{BB962C8B-B14F-4D97-AF65-F5344CB8AC3E}">
+        <p14:creationId xmlns:p14="http://schemas.microsoft.com/office/powerpoint/2010/main" val="1466022549"/>
+      </p:ext>
+    </p:extLst>
+  </p:cSld>
+  <p:clrMapOvr>
+    <a:masterClrMapping/>
+  </p:clrMapOvr>
+</p:sld>
+</file>
+
+<file path=ppt/slides/slide11.xml><?xml version="1.0" encoding="utf-8"?>
+<p:sld xmlns:a="http://schemas.openxmlformats.org/drawingml/2006/main" xmlns:r="http://schemas.openxmlformats.org/officeDocument/2006/relationships" xmlns:p="http://schemas.openxmlformats.org/presentationml/2006/main">
+  <p:cSld>
+    <p:spTree>
+      <p:nvGrpSpPr>
+        <p:cNvPr id="1" name=""/>
+        <p:cNvGrpSpPr/>
+        <p:nvPr/>
+      </p:nvGrpSpPr>
+      <p:grpSpPr>
+        <a:xfrm>
+          <a:off x="0" y="0"/>
+          <a:ext cx="0" cy="0"/>
+          <a:chOff x="0" y="0"/>
+          <a:chExt cx="0" cy="0"/>
+        </a:xfrm>
+      </p:grpSpPr>
+      <p:sp>
+        <p:nvSpPr>
+          <p:cNvPr id="3" name="Content Placeholder 2">
+            <a:extLst>
+              <a:ext uri="{FF2B5EF4-FFF2-40B4-BE49-F238E27FC236}">
+                <a16:creationId xmlns:a16="http://schemas.microsoft.com/office/drawing/2014/main" id="{962A1F63-26DC-0AF6-E788-C9BDEA11A97E}"/>
+              </a:ext>
+            </a:extLst>
+          </p:cNvPr>
+          <p:cNvSpPr>
+            <a:spLocks noGrp="1"/>
+          </p:cNvSpPr>
+          <p:nvPr>
+            <p:ph idx="1"/>
+          </p:nvPr>
+        </p:nvSpPr>
+        <p:spPr>
+          <a:xfrm>
+            <a:off x="536448" y="115696"/>
+            <a:ext cx="11497056" cy="6413119"/>
+          </a:xfrm>
+        </p:spPr>
+        <p:txBody>
+          <a:bodyPr>
+            <a:noAutofit/>
+          </a:bodyPr>
+          <a:lstStyle/>
+          <a:p>
+            <a:pPr marL="0" indent="0">
+              <a:buNone/>
+            </a:pPr>
+            <a:r>
+              <a:rPr lang="en-US" sz="1800" dirty="0"/>
+              <a:t>tools = [     {</a:t>
+            </a:r>
+            <a:br>
+              <a:rPr lang="en-US" sz="1800" dirty="0"/>
+            </a:br>
+            <a:r>
+              <a:rPr lang="en-US" sz="1800" dirty="0"/>
+              <a:t>        "type": "function",</a:t>
+            </a:r>
+            <a:br>
+              <a:rPr lang="en-US" sz="1800" dirty="0"/>
+            </a:br>
+            <a:r>
+              <a:rPr lang="en-US" sz="1800" dirty="0"/>
+              <a:t>        "function": { "name": "</a:t>
+            </a:r>
+            <a:r>
+              <a:rPr lang="en-US" sz="1800" dirty="0" err="1"/>
+              <a:t>get_current_weather</a:t>
+            </a:r>
+            <a:r>
+              <a:rPr lang="en-US" sz="1800" dirty="0"/>
+              <a:t>",             "description": "Get the current weather",</a:t>
+            </a:r>
+            <a:br>
+              <a:rPr lang="en-US" sz="1800" dirty="0"/>
+            </a:br>
+            <a:r>
+              <a:rPr lang="en-US" sz="1800" dirty="0"/>
+              <a:t>            "parameters": {</a:t>
+            </a:r>
+            <a:br>
+              <a:rPr lang="en-US" sz="1800" dirty="0"/>
+            </a:br>
+            <a:r>
+              <a:rPr lang="en-US" sz="1800" dirty="0"/>
+              <a:t>                "type": "object",</a:t>
+            </a:r>
+            <a:br>
+              <a:rPr lang="en-US" sz="1800" dirty="0"/>
+            </a:br>
+            <a:r>
+              <a:rPr lang="en-US" sz="1800" dirty="0"/>
+              <a:t>                "properties": { </a:t>
+            </a:r>
+            <a:br>
+              <a:rPr lang="en-US" sz="1800" dirty="0"/>
+            </a:br>
+            <a:r>
+              <a:rPr lang="en-US" sz="1800" dirty="0"/>
+              <a:t>                    "location": { "type": "string",  "description": "The city and state, e.g. San Francisco, CA" } </a:t>
+            </a:r>
+            <a:br>
+              <a:rPr lang="en-US" sz="1800" dirty="0"/>
+            </a:br>
+            <a:r>
+              <a:rPr lang="en-US" sz="1800" dirty="0"/>
+              <a:t>                },</a:t>
+            </a:r>
+            <a:br>
+              <a:rPr lang="en-US" sz="1800" dirty="0"/>
+            </a:br>
+            <a:r>
+              <a:rPr lang="en-US" sz="1800" dirty="0"/>
+              <a:t>                "required": ["location"]</a:t>
+            </a:r>
+            <a:br>
+              <a:rPr lang="en-US" sz="1800" dirty="0"/>
+            </a:br>
+            <a:r>
+              <a:rPr lang="en-US" sz="1800" dirty="0"/>
+              <a:t>            },</a:t>
+            </a:r>
+            <a:br>
+              <a:rPr lang="en-US" sz="1800" dirty="0"/>
+            </a:br>
+            <a:r>
+              <a:rPr lang="en-US" sz="1800" dirty="0"/>
+              <a:t>        }</a:t>
+            </a:r>
+            <a:br>
+              <a:rPr lang="en-US" sz="1800" dirty="0"/>
+            </a:br>
+            <a:r>
+              <a:rPr lang="en-US" sz="1800" dirty="0"/>
+              <a:t>    },</a:t>
+            </a:r>
+            <a:br>
+              <a:rPr lang="en-US" sz="1800" dirty="0"/>
+            </a:br>
+            <a:r>
+              <a:rPr lang="en-US" sz="1800" dirty="0"/>
+              <a:t>    {</a:t>
+            </a:r>
+            <a:br>
+              <a:rPr lang="en-US" sz="1800" dirty="0"/>
+            </a:br>
+            <a:r>
+              <a:rPr lang="en-US" sz="1800" dirty="0"/>
+              <a:t>        "type": "function",</a:t>
+            </a:r>
+            <a:br>
+              <a:rPr lang="en-US" sz="1800" dirty="0"/>
+            </a:br>
+            <a:r>
+              <a:rPr lang="en-US" sz="1800" dirty="0"/>
+              <a:t>        "function": { "name": "</a:t>
+            </a:r>
+            <a:r>
+              <a:rPr lang="en-US" sz="1800" dirty="0" err="1"/>
+              <a:t>get_n_day_weather_forecast</a:t>
+            </a:r>
+            <a:r>
+              <a:rPr lang="en-US" sz="1800" dirty="0"/>
+              <a:t>", "description": "Get an N-day weather forecast",</a:t>
+            </a:r>
+            <a:br>
+              <a:rPr lang="en-US" sz="1800" dirty="0"/>
+            </a:br>
+            <a:r>
+              <a:rPr lang="en-US" sz="1800" dirty="0"/>
+              <a:t>            "parameters": {</a:t>
+            </a:r>
+            <a:br>
+              <a:rPr lang="en-US" sz="1800" dirty="0"/>
+            </a:br>
+            <a:r>
+              <a:rPr lang="en-US" sz="1800" dirty="0"/>
+              <a:t>                "type": "object",                </a:t>
+            </a:r>
+            <a:br>
+              <a:rPr lang="en-US" sz="1800" dirty="0"/>
+            </a:br>
+            <a:r>
+              <a:rPr lang="en-US" sz="1800" dirty="0"/>
+              <a:t>                "properties": { </a:t>
+            </a:r>
+            <a:br>
+              <a:rPr lang="en-US" sz="1800" dirty="0"/>
+            </a:br>
+            <a:r>
+              <a:rPr lang="en-US" sz="1800" dirty="0"/>
+              <a:t>                       "location": { "type": "string", "description": "The city and state, e.g. San Francisco, CA"},   </a:t>
+            </a:r>
+            <a:br>
+              <a:rPr lang="en-US" sz="1800" dirty="0"/>
+            </a:br>
+            <a:r>
+              <a:rPr lang="en-US" sz="1800" dirty="0"/>
+              <a:t>                       "</a:t>
+            </a:r>
+            <a:r>
+              <a:rPr lang="en-US" sz="1800" dirty="0" err="1"/>
+              <a:t>num_days</a:t>
+            </a:r>
+            <a:r>
+              <a:rPr lang="en-US" sz="1800" dirty="0"/>
+              <a:t>": {"type": "integer", "description": "The number of days to forecast"}</a:t>
+            </a:r>
+            <a:br>
+              <a:rPr lang="en-US" sz="1800" dirty="0"/>
+            </a:br>
+            <a:r>
+              <a:rPr lang="en-US" sz="1800" dirty="0"/>
+              <a:t>                 },</a:t>
+            </a:r>
+            <a:br>
+              <a:rPr lang="en-US" sz="1800" dirty="0"/>
+            </a:br>
+            <a:r>
+              <a:rPr lang="en-US" sz="1800" dirty="0"/>
+              <a:t>                "required": ["location", "</a:t>
+            </a:r>
+            <a:r>
+              <a:rPr lang="en-US" sz="1800" dirty="0" err="1"/>
+              <a:t>num_days</a:t>
+            </a:r>
+            <a:r>
+              <a:rPr lang="en-US" sz="1800" dirty="0"/>
+              <a:t>"]</a:t>
+            </a:r>
+            <a:br>
+              <a:rPr lang="en-US" sz="1800" dirty="0"/>
+            </a:br>
+            <a:r>
+              <a:rPr lang="en-US" sz="1800" dirty="0"/>
+              <a:t>            },</a:t>
+            </a:r>
+            <a:br>
+              <a:rPr lang="en-US" sz="1800" dirty="0"/>
+            </a:br>
+            <a:r>
+              <a:rPr lang="en-US" sz="1800" dirty="0"/>
+              <a:t>        }</a:t>
+            </a:r>
+            <a:br>
+              <a:rPr lang="en-US" sz="1800" dirty="0"/>
+            </a:br>
+            <a:r>
+              <a:rPr lang="en-US" sz="1800" dirty="0"/>
+              <a:t>    },</a:t>
+            </a:r>
+            <a:br>
+              <a:rPr lang="en-US" sz="1800" dirty="0"/>
+            </a:br>
+            <a:r>
+              <a:rPr lang="en-US" sz="1800" dirty="0"/>
+              <a:t>]</a:t>
+            </a:r>
+          </a:p>
+        </p:txBody>
+      </p:sp>
+    </p:spTree>
+    <p:extLst>
+      <p:ext uri="{BB962C8B-B14F-4D97-AF65-F5344CB8AC3E}">
+        <p14:creationId xmlns:p14="http://schemas.microsoft.com/office/powerpoint/2010/main" val="2373887976"/>
+      </p:ext>
+    </p:extLst>
+  </p:cSld>
+  <p:clrMapOvr>
+    <a:masterClrMapping/>
+  </p:clrMapOvr>
+</p:sld>
+</file>
+
+<file path=ppt/slides/slide12.xml><?xml version="1.0" encoding="utf-8"?>
+<p:sld xmlns:a="http://schemas.openxmlformats.org/drawingml/2006/main" xmlns:r="http://schemas.openxmlformats.org/officeDocument/2006/relationships" xmlns:p="http://schemas.openxmlformats.org/presentationml/2006/main">
+  <p:cSld>
+    <p:spTree>
+      <p:nvGrpSpPr>
+        <p:cNvPr id="1" name=""/>
+        <p:cNvGrpSpPr/>
+        <p:nvPr/>
+      </p:nvGrpSpPr>
+      <p:grpSpPr>
+        <a:xfrm>
+          <a:off x="0" y="0"/>
+          <a:ext cx="0" cy="0"/>
+          <a:chOff x="0" y="0"/>
+          <a:chExt cx="0" cy="0"/>
+        </a:xfrm>
+      </p:grpSpPr>
+      <p:sp>
+        <p:nvSpPr>
+          <p:cNvPr id="2" name="Title 1">
+            <a:extLst>
+              <a:ext uri="{FF2B5EF4-FFF2-40B4-BE49-F238E27FC236}">
+                <a16:creationId xmlns:a16="http://schemas.microsoft.com/office/drawing/2014/main" id="{7A3CD463-38BF-B1AD-F428-F521A5C27A15}"/>
+              </a:ext>
+            </a:extLst>
+          </p:cNvPr>
+          <p:cNvSpPr>
+            <a:spLocks noGrp="1"/>
+          </p:cNvSpPr>
+          <p:nvPr>
+            <p:ph type="title"/>
+          </p:nvPr>
+        </p:nvSpPr>
+        <p:spPr/>
+        <p:txBody>
+          <a:bodyPr/>
+          <a:lstStyle/>
+          <a:p>
+            <a:r>
+              <a:rPr lang="en-US" dirty="0"/>
+              <a:t>Migrate function calls to tools-call </a:t>
+            </a:r>
+            <a:br>
+              <a:rPr lang="en-US" dirty="0"/>
+            </a:br>
+            <a:endParaRPr lang="en-US" dirty="0"/>
+          </a:p>
+        </p:txBody>
+      </p:sp>
+      <p:sp>
+        <p:nvSpPr>
+          <p:cNvPr id="3" name="Content Placeholder 2">
+            <a:extLst>
+              <a:ext uri="{FF2B5EF4-FFF2-40B4-BE49-F238E27FC236}">
+                <a16:creationId xmlns:a16="http://schemas.microsoft.com/office/drawing/2014/main" id="{38A01988-4E4F-7E8B-DBEA-CBC2AF8020B6}"/>
+              </a:ext>
+            </a:extLst>
+          </p:cNvPr>
+          <p:cNvSpPr>
+            <a:spLocks noGrp="1"/>
+          </p:cNvSpPr>
+          <p:nvPr>
+            <p:ph idx="1"/>
+          </p:nvPr>
+        </p:nvSpPr>
+        <p:spPr/>
+        <p:txBody>
+          <a:bodyPr/>
+          <a:lstStyle/>
+          <a:p>
+            <a:r>
+              <a:rPr lang="en-US" dirty="0"/>
+              <a:t>Along with the </a:t>
+            </a:r>
+            <a:r>
+              <a:rPr lang="en-US" dirty="0" err="1"/>
+              <a:t>json</a:t>
+            </a:r>
+            <a:r>
+              <a:rPr lang="en-US" dirty="0"/>
+              <a:t> reply from the api, need to pass also the corresponding </a:t>
+            </a:r>
+            <a:r>
+              <a:rPr lang="en-US" dirty="0" err="1"/>
+              <a:t>json</a:t>
+            </a:r>
+            <a:r>
+              <a:rPr lang="en-US" dirty="0"/>
+              <a:t> returned by the ai in previous step (used as input of the api call)</a:t>
+            </a:r>
+          </a:p>
+          <a:p>
+            <a:r>
+              <a:rPr lang="en-US" dirty="0"/>
+              <a:t>Each function call reply has got an </a:t>
+            </a:r>
+            <a:r>
+              <a:rPr lang="en-US" i="1" dirty="0"/>
+              <a:t>id</a:t>
+            </a:r>
+            <a:r>
+              <a:rPr lang="en-US" dirty="0"/>
+              <a:t> that must be "copied" to the corresponding api reply when passing the </a:t>
+            </a:r>
+            <a:r>
+              <a:rPr lang="en-US" dirty="0" err="1"/>
+              <a:t>json</a:t>
+            </a:r>
+            <a:r>
+              <a:rPr lang="en-US" dirty="0"/>
+              <a:t> reply to the ai </a:t>
+            </a:r>
+          </a:p>
+          <a:p>
+            <a:pPr lvl="1"/>
+            <a:r>
+              <a:rPr lang="en-US" dirty="0"/>
+              <a:t>Likely required to correlate input-output of each function call (there could be more than one)</a:t>
+            </a:r>
+          </a:p>
+        </p:txBody>
+      </p:sp>
+    </p:spTree>
+    <p:extLst>
+      <p:ext uri="{BB962C8B-B14F-4D97-AF65-F5344CB8AC3E}">
+        <p14:creationId xmlns:p14="http://schemas.microsoft.com/office/powerpoint/2010/main" val="1882048807"/>
+      </p:ext>
+    </p:extLst>
+  </p:cSld>
+  <p:clrMapOvr>
+    <a:masterClrMapping/>
+  </p:clrMapOvr>
+</p:sld>
+</file>
+
+<file path=ppt/slides/slide13.xml><?xml version="1.0" encoding="utf-8"?>
+<p:sld xmlns:a="http://schemas.openxmlformats.org/drawingml/2006/main" xmlns:r="http://schemas.openxmlformats.org/officeDocument/2006/relationships" xmlns:p="http://schemas.openxmlformats.org/presentationml/2006/main">
+  <p:cSld>
+    <p:spTree>
+      <p:nvGrpSpPr>
+        <p:cNvPr id="1" name=""/>
+        <p:cNvGrpSpPr/>
+        <p:nvPr/>
+      </p:nvGrpSpPr>
+      <p:grpSpPr>
+        <a:xfrm>
+          <a:off x="0" y="0"/>
+          <a:ext cx="0" cy="0"/>
+          <a:chOff x="0" y="0"/>
+          <a:chExt cx="0" cy="0"/>
+        </a:xfrm>
+      </p:grpSpPr>
+      <p:sp>
+        <p:nvSpPr>
+          <p:cNvPr id="2" name="Title 1">
+            <a:extLst>
+              <a:ext uri="{FF2B5EF4-FFF2-40B4-BE49-F238E27FC236}">
+                <a16:creationId xmlns:a16="http://schemas.microsoft.com/office/drawing/2014/main" id="{21C4ECC1-82EF-B64D-D088-64D7586C53F7}"/>
+              </a:ext>
+            </a:extLst>
+          </p:cNvPr>
+          <p:cNvSpPr>
+            <a:spLocks noGrp="1"/>
+          </p:cNvSpPr>
+          <p:nvPr>
+            <p:ph type="title"/>
+          </p:nvPr>
+        </p:nvSpPr>
+        <p:spPr/>
+        <p:txBody>
+          <a:bodyPr/>
+          <a:lstStyle/>
+          <a:p>
+            <a:endParaRPr lang="en-US"/>
+          </a:p>
+        </p:txBody>
+      </p:sp>
+      <p:sp>
+        <p:nvSpPr>
+          <p:cNvPr id="3" name="Content Placeholder 2">
+            <a:extLst>
+              <a:ext uri="{FF2B5EF4-FFF2-40B4-BE49-F238E27FC236}">
+                <a16:creationId xmlns:a16="http://schemas.microsoft.com/office/drawing/2014/main" id="{07A69565-55FA-6904-454D-1F4EE036EA04}"/>
+              </a:ext>
+            </a:extLst>
+          </p:cNvPr>
+          <p:cNvSpPr>
+            <a:spLocks noGrp="1"/>
+          </p:cNvSpPr>
+          <p:nvPr>
+            <p:ph idx="1"/>
+          </p:nvPr>
+        </p:nvSpPr>
+        <p:spPr/>
+        <p:txBody>
+          <a:bodyPr/>
+          <a:lstStyle/>
+          <a:p>
+            <a:r>
+              <a:rPr lang="en-US" dirty="0">
+                <a:hlinkClick r:id="rId2"/>
+              </a:rPr>
+              <a:t>https://platform.openai.com/docs/guides/function-calling</a:t>
+            </a:r>
+            <a:endParaRPr lang="en-US" dirty="0"/>
+          </a:p>
+          <a:p>
+            <a:r>
+              <a:rPr lang="en-US" dirty="0">
+                <a:hlinkClick r:id="rId3"/>
+              </a:rPr>
+              <a:t>https://cookbook.openai.com/examples/how_to_call_functions_with_chat_models</a:t>
+            </a:r>
+            <a:endParaRPr lang="en-US" dirty="0"/>
+          </a:p>
+          <a:p>
+            <a:endParaRPr lang="en-US" dirty="0"/>
+          </a:p>
+        </p:txBody>
+      </p:sp>
+    </p:spTree>
+    <p:extLst>
+      <p:ext uri="{BB962C8B-B14F-4D97-AF65-F5344CB8AC3E}">
+        <p14:creationId xmlns:p14="http://schemas.microsoft.com/office/powerpoint/2010/main" val="2568979085"/>
+      </p:ext>
+    </p:extLst>
+  </p:cSld>
+  <p:clrMapOvr>
+    <a:masterClrMapping/>
+  </p:clrMapOvr>
+</p:sld>
+</file>
+
 <file path=ppt/slides/slide2.xml><?xml version="1.0" encoding="utf-8"?>
 <p:sld xmlns:a="http://schemas.openxmlformats.org/drawingml/2006/main" xmlns:r="http://schemas.openxmlformats.org/officeDocument/2006/relationships" xmlns:p="http://schemas.openxmlformats.org/presentationml/2006/main">
   <p:cSld>
@@ -3521,6 +4164,27 @@
             <a:r>
               <a:rPr lang="en-US" dirty="0"/>
               <a:t>It's a functionality available in the completion-chat api endpoint </a:t>
+            </a:r>
+          </a:p>
+          <a:p>
+            <a:pPr lvl="1"/>
+            <a:r>
+              <a:rPr lang="en-US" dirty="0"/>
+              <a:t>Gpt-3.5 turbo 0613</a:t>
+            </a:r>
+          </a:p>
+          <a:p>
+            <a:pPr lvl="1"/>
+            <a:r>
+              <a:rPr lang="en-US" dirty="0"/>
+              <a:t>gpt-4-0613</a:t>
+            </a:r>
+          </a:p>
+          <a:p>
+            <a:pPr lvl="1"/>
+            <a:r>
+              <a:rPr lang="en-US" dirty="0"/>
+              <a:t>"embedded/abstracted" into tools-calls in gpt-3.5 1106 and gpt-4 1106</a:t>
             </a:r>
           </a:p>
           <a:p>
@@ -3698,7 +4362,7 @@
           <a:p>
             <a:r>
               <a:rPr lang="en-US" dirty="0"/>
-              <a:t>The Json reply from the api call has to be passed to ChatGPT that will make up a human readable reply from the provided </a:t>
+              <a:t>The Json reply from the api call must then be passed to ChatGPT that will make up a human readable reply from the provided </a:t>
             </a:r>
             <a:r>
               <a:rPr lang="en-US" dirty="0" err="1"/>
@@ -3756,7 +4420,7 @@
         <p:spPr>
           <a:xfrm>
             <a:off x="457200" y="427813"/>
-            <a:ext cx="11229474" cy="6186309"/>
+            <a:ext cx="11229474" cy="4801314"/>
           </a:xfrm>
           <a:prstGeom prst="rect">
             <a:avLst/>
@@ -3789,15 +4453,7 @@
           <a:p>
             <a:r>
               <a:rPr lang="en-US" dirty="0"/>
-              <a:t>            "name": "</a:t>
-            </a:r>
-            <a:r>
-              <a:rPr lang="en-US" dirty="0" err="1"/>
-              <a:t>get_current_weather</a:t>
-            </a:r>
-            <a:r>
-              <a:rPr lang="en-US" dirty="0"/>
-              <a:t>",</a:t>
+              <a:t>            "name": "get-weather",</a:t>
             </a:r>
           </a:p>
           <a:p>
@@ -3845,61 +4501,7 @@
           <a:p>
             <a:r>
               <a:rPr lang="en-US" dirty="0"/>
-              <a:t>                    },</a:t>
-            </a:r>
-          </a:p>
-          <a:p>
-            <a:r>
-              <a:rPr lang="en-US" dirty="0"/>
-              <a:t>                    "format": {</a:t>
-            </a:r>
-          </a:p>
-          <a:p>
-            <a:r>
-              <a:rPr lang="en-US" dirty="0"/>
-              <a:t>                        "type": "string",</a:t>
-            </a:r>
-          </a:p>
-          <a:p>
-            <a:r>
-              <a:rPr lang="en-US" dirty="0"/>
-              <a:t>                        "</a:t>
-            </a:r>
-            <a:r>
-              <a:rPr lang="en-US" dirty="0" err="1"/>
-              <a:t>enum</a:t>
-            </a:r>
-            <a:r>
-              <a:rPr lang="en-US" dirty="0"/>
-              <a:t>": ["</a:t>
-            </a:r>
-            <a:r>
-              <a:rPr lang="en-US" dirty="0" err="1"/>
-              <a:t>celsius</a:t>
-            </a:r>
-            <a:r>
-              <a:rPr lang="en-US" dirty="0"/>
-              <a:t>", "</a:t>
-            </a:r>
-            <a:r>
-              <a:rPr lang="en-US" dirty="0" err="1"/>
-              <a:t>fahrenheit</a:t>
-            </a:r>
-            <a:r>
-              <a:rPr lang="en-US" dirty="0"/>
-              <a:t>"],</a:t>
-            </a:r>
-          </a:p>
-          <a:p>
-            <a:r>
-              <a:rPr lang="en-US" dirty="0"/>
-              <a:t>                        "description": "The temperature unit to use. Infer this from the users location.",</a:t>
-            </a:r>
-          </a:p>
-          <a:p>
-            <a:r>
-              <a:rPr lang="en-US" dirty="0"/>
-              <a:t>                    },</a:t>
+              <a:t>                    }</a:t>
             </a:r>
           </a:p>
           <a:p>
@@ -3911,7 +4513,7 @@
           <a:p>
             <a:r>
               <a:rPr lang="en-US" dirty="0"/>
-              <a:t>                "required": ["location", "format"],</a:t>
+              <a:t>                "required": ["location"]</a:t>
             </a:r>
           </a:p>
           <a:p>
@@ -3930,6 +4532,41 @@
             <a:r>
               <a:rPr lang="en-US" dirty="0"/>
               <a:t>    },</a:t>
+            </a:r>
+          </a:p>
+        </p:txBody>
+      </p:sp>
+      <p:sp>
+        <p:nvSpPr>
+          <p:cNvPr id="2" name="TextBox 1">
+            <a:extLst>
+              <a:ext uri="{FF2B5EF4-FFF2-40B4-BE49-F238E27FC236}">
+                <a16:creationId xmlns:a16="http://schemas.microsoft.com/office/drawing/2014/main" id="{11FF27F2-3810-9393-5046-13F258796858}"/>
+              </a:ext>
+            </a:extLst>
+          </p:cNvPr>
+          <p:cNvSpPr txBox="1"/>
+          <p:nvPr/>
+        </p:nvSpPr>
+        <p:spPr>
+          <a:xfrm>
+            <a:off x="950976" y="5678424"/>
+            <a:ext cx="5259197" cy="369332"/>
+          </a:xfrm>
+          <a:prstGeom prst="rect">
+            <a:avLst/>
+          </a:prstGeom>
+          <a:noFill/>
+        </p:spPr>
+        <p:txBody>
+          <a:bodyPr wrap="none" rtlCol="0">
+            <a:spAutoFit/>
+          </a:bodyPr>
+          <a:lstStyle/>
+          <a:p>
+            <a:r>
+              <a:rPr lang="en-US" dirty="0"/>
+              <a:t>Note: no need to document the corresponding output</a:t>
             </a:r>
           </a:p>
         </p:txBody>
@@ -3966,189 +4603,1954 @@
       </p:grpSpPr>
       <p:sp>
         <p:nvSpPr>
-          <p:cNvPr id="2" name="Title 1">
-            <a:extLst>
-              <a:ext uri="{FF2B5EF4-FFF2-40B4-BE49-F238E27FC236}">
-                <a16:creationId xmlns:a16="http://schemas.microsoft.com/office/drawing/2014/main" id="{EBFCB1D2-0B81-312E-ED64-DBBDE9F62224}"/>
-              </a:ext>
-            </a:extLst>
-          </p:cNvPr>
-          <p:cNvSpPr>
-            <a:spLocks noGrp="1"/>
-          </p:cNvSpPr>
-          <p:nvPr>
-            <p:ph type="title"/>
-          </p:nvPr>
-        </p:nvSpPr>
-        <p:spPr/>
-        <p:txBody>
-          <a:bodyPr/>
+          <p:cNvPr id="4" name="Rectangle 3">
+            <a:extLst>
+              <a:ext uri="{FF2B5EF4-FFF2-40B4-BE49-F238E27FC236}">
+                <a16:creationId xmlns:a16="http://schemas.microsoft.com/office/drawing/2014/main" id="{D2C41E20-70BB-EE57-9DCE-0A2EB43DD90C}"/>
+              </a:ext>
+            </a:extLst>
+          </p:cNvPr>
+          <p:cNvSpPr/>
+          <p:nvPr/>
+        </p:nvSpPr>
+        <p:spPr>
+          <a:xfrm>
+            <a:off x="2382475" y="1489352"/>
+            <a:ext cx="67112" cy="4684945"/>
+          </a:xfrm>
+          <a:prstGeom prst="rect">
+            <a:avLst/>
+          </a:prstGeom>
+        </p:spPr>
+        <p:style>
+          <a:lnRef idx="2">
+            <a:schemeClr val="accent1">
+              <a:shade val="15000"/>
+            </a:schemeClr>
+          </a:lnRef>
+          <a:fillRef idx="1">
+            <a:schemeClr val="accent1"/>
+          </a:fillRef>
+          <a:effectRef idx="0">
+            <a:schemeClr val="accent1"/>
+          </a:effectRef>
+          <a:fontRef idx="minor">
+            <a:schemeClr val="lt1"/>
+          </a:fontRef>
+        </p:style>
+        <p:txBody>
+          <a:bodyPr rtlCol="0" anchor="ctr"/>
+          <a:lstStyle/>
+          <a:p>
+            <a:pPr algn="ctr"/>
+            <a:endParaRPr lang="en-US"/>
+          </a:p>
+        </p:txBody>
+      </p:sp>
+      <p:sp>
+        <p:nvSpPr>
+          <p:cNvPr id="5" name="Rectangle 4">
+            <a:extLst>
+              <a:ext uri="{FF2B5EF4-FFF2-40B4-BE49-F238E27FC236}">
+                <a16:creationId xmlns:a16="http://schemas.microsoft.com/office/drawing/2014/main" id="{199E4A24-FC9F-6330-38DB-0C5A5C651D38}"/>
+              </a:ext>
+            </a:extLst>
+          </p:cNvPr>
+          <p:cNvSpPr/>
+          <p:nvPr/>
+        </p:nvSpPr>
+        <p:spPr>
+          <a:xfrm>
+            <a:off x="5294853" y="1489351"/>
+            <a:ext cx="67112" cy="4684945"/>
+          </a:xfrm>
+          <a:prstGeom prst="rect">
+            <a:avLst/>
+          </a:prstGeom>
+        </p:spPr>
+        <p:style>
+          <a:lnRef idx="2">
+            <a:schemeClr val="accent1">
+              <a:shade val="15000"/>
+            </a:schemeClr>
+          </a:lnRef>
+          <a:fillRef idx="1">
+            <a:schemeClr val="accent1"/>
+          </a:fillRef>
+          <a:effectRef idx="0">
+            <a:schemeClr val="accent1"/>
+          </a:effectRef>
+          <a:fontRef idx="minor">
+            <a:schemeClr val="lt1"/>
+          </a:fontRef>
+        </p:style>
+        <p:txBody>
+          <a:bodyPr rtlCol="0" anchor="ctr"/>
+          <a:lstStyle/>
+          <a:p>
+            <a:pPr algn="ctr"/>
+            <a:endParaRPr lang="en-US"/>
+          </a:p>
+        </p:txBody>
+      </p:sp>
+      <p:sp>
+        <p:nvSpPr>
+          <p:cNvPr id="6" name="Rectangle 5">
+            <a:extLst>
+              <a:ext uri="{FF2B5EF4-FFF2-40B4-BE49-F238E27FC236}">
+                <a16:creationId xmlns:a16="http://schemas.microsoft.com/office/drawing/2014/main" id="{F8FDA0C5-011A-F09B-A043-ADB488DCB00A}"/>
+              </a:ext>
+            </a:extLst>
+          </p:cNvPr>
+          <p:cNvSpPr/>
+          <p:nvPr/>
+        </p:nvSpPr>
+        <p:spPr>
+          <a:xfrm>
+            <a:off x="11185321" y="1442335"/>
+            <a:ext cx="67112" cy="4684945"/>
+          </a:xfrm>
+          <a:prstGeom prst="rect">
+            <a:avLst/>
+          </a:prstGeom>
+        </p:spPr>
+        <p:style>
+          <a:lnRef idx="2">
+            <a:schemeClr val="accent1">
+              <a:shade val="15000"/>
+            </a:schemeClr>
+          </a:lnRef>
+          <a:fillRef idx="1">
+            <a:schemeClr val="accent1"/>
+          </a:fillRef>
+          <a:effectRef idx="0">
+            <a:schemeClr val="accent1"/>
+          </a:effectRef>
+          <a:fontRef idx="minor">
+            <a:schemeClr val="lt1"/>
+          </a:fontRef>
+        </p:style>
+        <p:txBody>
+          <a:bodyPr rtlCol="0" anchor="ctr"/>
+          <a:lstStyle/>
+          <a:p>
+            <a:pPr algn="ctr"/>
+            <a:endParaRPr lang="en-US"/>
+          </a:p>
+        </p:txBody>
+      </p:sp>
+      <p:cxnSp>
+        <p:nvCxnSpPr>
+          <p:cNvPr id="8" name="Straight Arrow Connector 7">
+            <a:extLst>
+              <a:ext uri="{FF2B5EF4-FFF2-40B4-BE49-F238E27FC236}">
+                <a16:creationId xmlns:a16="http://schemas.microsoft.com/office/drawing/2014/main" id="{6FEC4BBE-27D9-E350-0349-13D0767633A6}"/>
+              </a:ext>
+            </a:extLst>
+          </p:cNvPr>
+          <p:cNvCxnSpPr>
+            <a:cxnSpLocks/>
+          </p:cNvCxnSpPr>
+          <p:nvPr/>
+        </p:nvCxnSpPr>
+        <p:spPr>
+          <a:xfrm>
+            <a:off x="192947" y="1963024"/>
+            <a:ext cx="5048077" cy="0"/>
+          </a:xfrm>
+          <a:prstGeom prst="straightConnector1">
+            <a:avLst/>
+          </a:prstGeom>
+          <a:ln>
+            <a:tailEnd type="triangle"/>
+          </a:ln>
+        </p:spPr>
+        <p:style>
+          <a:lnRef idx="1">
+            <a:schemeClr val="accent1"/>
+          </a:lnRef>
+          <a:fillRef idx="0">
+            <a:schemeClr val="accent1"/>
+          </a:fillRef>
+          <a:effectRef idx="0">
+            <a:schemeClr val="accent1"/>
+          </a:effectRef>
+          <a:fontRef idx="minor">
+            <a:schemeClr val="tx1"/>
+          </a:fontRef>
+        </p:style>
+      </p:cxnSp>
+      <p:cxnSp>
+        <p:nvCxnSpPr>
+          <p:cNvPr id="9" name="Straight Arrow Connector 8">
+            <a:extLst>
+              <a:ext uri="{FF2B5EF4-FFF2-40B4-BE49-F238E27FC236}">
+                <a16:creationId xmlns:a16="http://schemas.microsoft.com/office/drawing/2014/main" id="{461075B4-FB28-400F-F4C3-BACA2B9C5EDE}"/>
+              </a:ext>
+            </a:extLst>
+          </p:cNvPr>
+          <p:cNvCxnSpPr>
+            <a:cxnSpLocks/>
+          </p:cNvCxnSpPr>
+          <p:nvPr/>
+        </p:nvCxnSpPr>
+        <p:spPr>
+          <a:xfrm flipH="1">
+            <a:off x="220211" y="2148980"/>
+            <a:ext cx="5020813" cy="0"/>
+          </a:xfrm>
+          <a:prstGeom prst="straightConnector1">
+            <a:avLst/>
+          </a:prstGeom>
+          <a:ln>
+            <a:tailEnd type="triangle"/>
+          </a:ln>
+        </p:spPr>
+        <p:style>
+          <a:lnRef idx="1">
+            <a:schemeClr val="accent1"/>
+          </a:lnRef>
+          <a:fillRef idx="0">
+            <a:schemeClr val="accent1"/>
+          </a:fillRef>
+          <a:effectRef idx="0">
+            <a:schemeClr val="accent1"/>
+          </a:effectRef>
+          <a:fontRef idx="minor">
+            <a:schemeClr val="tx1"/>
+          </a:fontRef>
+        </p:style>
+      </p:cxnSp>
+      <p:cxnSp>
+        <p:nvCxnSpPr>
+          <p:cNvPr id="12" name="Straight Arrow Connector 11">
+            <a:extLst>
+              <a:ext uri="{FF2B5EF4-FFF2-40B4-BE49-F238E27FC236}">
+                <a16:creationId xmlns:a16="http://schemas.microsoft.com/office/drawing/2014/main" id="{F18E9915-9753-E859-E47D-93D021D62978}"/>
+              </a:ext>
+            </a:extLst>
+          </p:cNvPr>
+          <p:cNvCxnSpPr>
+            <a:cxnSpLocks/>
+          </p:cNvCxnSpPr>
+          <p:nvPr/>
+        </p:nvCxnSpPr>
+        <p:spPr>
+          <a:xfrm>
+            <a:off x="192947" y="3180825"/>
+            <a:ext cx="5048077" cy="0"/>
+          </a:xfrm>
+          <a:prstGeom prst="straightConnector1">
+            <a:avLst/>
+          </a:prstGeom>
+          <a:ln>
+            <a:tailEnd type="triangle"/>
+          </a:ln>
+        </p:spPr>
+        <p:style>
+          <a:lnRef idx="1">
+            <a:schemeClr val="accent1"/>
+          </a:lnRef>
+          <a:fillRef idx="0">
+            <a:schemeClr val="accent1"/>
+          </a:fillRef>
+          <a:effectRef idx="0">
+            <a:schemeClr val="accent1"/>
+          </a:effectRef>
+          <a:fontRef idx="minor">
+            <a:schemeClr val="tx1"/>
+          </a:fontRef>
+        </p:style>
+      </p:cxnSp>
+      <p:cxnSp>
+        <p:nvCxnSpPr>
+          <p:cNvPr id="13" name="Straight Arrow Connector 12">
+            <a:extLst>
+              <a:ext uri="{FF2B5EF4-FFF2-40B4-BE49-F238E27FC236}">
+                <a16:creationId xmlns:a16="http://schemas.microsoft.com/office/drawing/2014/main" id="{667890AF-F2BB-2671-5A2D-8044C740D1F9}"/>
+              </a:ext>
+            </a:extLst>
+          </p:cNvPr>
+          <p:cNvCxnSpPr>
+            <a:cxnSpLocks/>
+          </p:cNvCxnSpPr>
+          <p:nvPr/>
+        </p:nvCxnSpPr>
+        <p:spPr>
+          <a:xfrm flipH="1">
+            <a:off x="2449587" y="3426903"/>
+            <a:ext cx="2794932" cy="0"/>
+          </a:xfrm>
+          <a:prstGeom prst="straightConnector1">
+            <a:avLst/>
+          </a:prstGeom>
+          <a:ln>
+            <a:tailEnd type="triangle"/>
+          </a:ln>
+        </p:spPr>
+        <p:style>
+          <a:lnRef idx="2">
+            <a:schemeClr val="accent2"/>
+          </a:lnRef>
+          <a:fillRef idx="0">
+            <a:schemeClr val="accent2"/>
+          </a:fillRef>
+          <a:effectRef idx="1">
+            <a:schemeClr val="accent2"/>
+          </a:effectRef>
+          <a:fontRef idx="minor">
+            <a:schemeClr val="tx1"/>
+          </a:fontRef>
+        </p:style>
+      </p:cxnSp>
+      <p:cxnSp>
+        <p:nvCxnSpPr>
+          <p:cNvPr id="14" name="Straight Arrow Connector 13">
+            <a:extLst>
+              <a:ext uri="{FF2B5EF4-FFF2-40B4-BE49-F238E27FC236}">
+                <a16:creationId xmlns:a16="http://schemas.microsoft.com/office/drawing/2014/main" id="{81E74C8A-D851-75A6-8BD3-16A2FDFCAEFA}"/>
+              </a:ext>
+            </a:extLst>
+          </p:cNvPr>
+          <p:cNvCxnSpPr>
+            <a:cxnSpLocks/>
+          </p:cNvCxnSpPr>
+          <p:nvPr/>
+        </p:nvCxnSpPr>
+        <p:spPr>
+          <a:xfrm>
+            <a:off x="2499921" y="3604244"/>
+            <a:ext cx="8598714" cy="0"/>
+          </a:xfrm>
+          <a:prstGeom prst="straightConnector1">
+            <a:avLst/>
+          </a:prstGeom>
+          <a:ln>
+            <a:tailEnd type="triangle"/>
+          </a:ln>
+        </p:spPr>
+        <p:style>
+          <a:lnRef idx="2">
+            <a:schemeClr val="accent2"/>
+          </a:lnRef>
+          <a:fillRef idx="0">
+            <a:schemeClr val="accent2"/>
+          </a:fillRef>
+          <a:effectRef idx="1">
+            <a:schemeClr val="accent2"/>
+          </a:effectRef>
+          <a:fontRef idx="minor">
+            <a:schemeClr val="tx1"/>
+          </a:fontRef>
+        </p:style>
+      </p:cxnSp>
+      <p:cxnSp>
+        <p:nvCxnSpPr>
+          <p:cNvPr id="16" name="Straight Arrow Connector 15">
+            <a:extLst>
+              <a:ext uri="{FF2B5EF4-FFF2-40B4-BE49-F238E27FC236}">
+                <a16:creationId xmlns:a16="http://schemas.microsoft.com/office/drawing/2014/main" id="{0D6A7CFC-387A-F949-91EA-8B1E6DE2AAB1}"/>
+              </a:ext>
+            </a:extLst>
+          </p:cNvPr>
+          <p:cNvCxnSpPr/>
+          <p:nvPr/>
+        </p:nvCxnSpPr>
+        <p:spPr>
+          <a:xfrm>
+            <a:off x="2499921" y="4423795"/>
+            <a:ext cx="2794932" cy="0"/>
+          </a:xfrm>
+          <a:prstGeom prst="straightConnector1">
+            <a:avLst/>
+          </a:prstGeom>
+          <a:ln>
+            <a:tailEnd type="triangle"/>
+          </a:ln>
+        </p:spPr>
+        <p:style>
+          <a:lnRef idx="2">
+            <a:schemeClr val="accent2"/>
+          </a:lnRef>
+          <a:fillRef idx="0">
+            <a:schemeClr val="accent2"/>
+          </a:fillRef>
+          <a:effectRef idx="1">
+            <a:schemeClr val="accent2"/>
+          </a:effectRef>
+          <a:fontRef idx="minor">
+            <a:schemeClr val="tx1"/>
+          </a:fontRef>
+        </p:style>
+      </p:cxnSp>
+      <p:cxnSp>
+        <p:nvCxnSpPr>
+          <p:cNvPr id="17" name="Straight Arrow Connector 16">
+            <a:extLst>
+              <a:ext uri="{FF2B5EF4-FFF2-40B4-BE49-F238E27FC236}">
+                <a16:creationId xmlns:a16="http://schemas.microsoft.com/office/drawing/2014/main" id="{F0546C6C-EB6E-E579-B98D-21932CC631D0}"/>
+              </a:ext>
+            </a:extLst>
+          </p:cNvPr>
+          <p:cNvCxnSpPr>
+            <a:cxnSpLocks/>
+          </p:cNvCxnSpPr>
+          <p:nvPr/>
+        </p:nvCxnSpPr>
+        <p:spPr>
+          <a:xfrm flipH="1" flipV="1">
+            <a:off x="220211" y="5507372"/>
+            <a:ext cx="5074642" cy="51058"/>
+          </a:xfrm>
+          <a:prstGeom prst="straightConnector1">
+            <a:avLst/>
+          </a:prstGeom>
+          <a:ln>
+            <a:tailEnd type="triangle"/>
+          </a:ln>
+        </p:spPr>
+        <p:style>
+          <a:lnRef idx="1">
+            <a:schemeClr val="accent1"/>
+          </a:lnRef>
+          <a:fillRef idx="0">
+            <a:schemeClr val="accent1"/>
+          </a:fillRef>
+          <a:effectRef idx="0">
+            <a:schemeClr val="accent1"/>
+          </a:effectRef>
+          <a:fontRef idx="minor">
+            <a:schemeClr val="tx1"/>
+          </a:fontRef>
+        </p:style>
+      </p:cxnSp>
+      <p:cxnSp>
+        <p:nvCxnSpPr>
+          <p:cNvPr id="18" name="Straight Arrow Connector 17">
+            <a:extLst>
+              <a:ext uri="{FF2B5EF4-FFF2-40B4-BE49-F238E27FC236}">
+                <a16:creationId xmlns:a16="http://schemas.microsoft.com/office/drawing/2014/main" id="{49996111-4D26-9D58-B814-97E8B02EFC58}"/>
+              </a:ext>
+            </a:extLst>
+          </p:cNvPr>
+          <p:cNvCxnSpPr>
+            <a:cxnSpLocks/>
+          </p:cNvCxnSpPr>
+          <p:nvPr/>
+        </p:nvCxnSpPr>
+        <p:spPr>
+          <a:xfrm flipH="1">
+            <a:off x="2499921" y="3831822"/>
+            <a:ext cx="8598714" cy="0"/>
+          </a:xfrm>
+          <a:prstGeom prst="straightConnector1">
+            <a:avLst/>
+          </a:prstGeom>
+          <a:ln>
+            <a:tailEnd type="triangle"/>
+          </a:ln>
+        </p:spPr>
+        <p:style>
+          <a:lnRef idx="2">
+            <a:schemeClr val="accent2"/>
+          </a:lnRef>
+          <a:fillRef idx="0">
+            <a:schemeClr val="accent2"/>
+          </a:fillRef>
+          <a:effectRef idx="1">
+            <a:schemeClr val="accent2"/>
+          </a:effectRef>
+          <a:fontRef idx="minor">
+            <a:schemeClr val="tx1"/>
+          </a:fontRef>
+        </p:style>
+      </p:cxnSp>
+      <p:sp>
+        <p:nvSpPr>
+          <p:cNvPr id="20" name="Callout: Line with Border and Accent Bar 19">
+            <a:extLst>
+              <a:ext uri="{FF2B5EF4-FFF2-40B4-BE49-F238E27FC236}">
+                <a16:creationId xmlns:a16="http://schemas.microsoft.com/office/drawing/2014/main" id="{4E8EA378-9474-8650-375A-B9C5F80CE253}"/>
+              </a:ext>
+            </a:extLst>
+          </p:cNvPr>
+          <p:cNvSpPr/>
+          <p:nvPr/>
+        </p:nvSpPr>
+        <p:spPr>
+          <a:xfrm>
+            <a:off x="3305264" y="1136011"/>
+            <a:ext cx="1803633" cy="612648"/>
+          </a:xfrm>
+          <a:prstGeom prst="accentBorderCallout1">
+            <a:avLst>
+              <a:gd name="adj1" fmla="val 18750"/>
+              <a:gd name="adj2" fmla="val -8333"/>
+              <a:gd name="adj3" fmla="val 128932"/>
+              <a:gd name="adj4" fmla="val -37868"/>
+            </a:avLst>
+          </a:prstGeom>
+          <a:solidFill>
+            <a:schemeClr val="accent4">
+              <a:lumMod val="20000"/>
+              <a:lumOff val="80000"/>
+            </a:schemeClr>
+          </a:solidFill>
+        </p:spPr>
+        <p:style>
+          <a:lnRef idx="2">
+            <a:schemeClr val="accent1">
+              <a:shade val="15000"/>
+            </a:schemeClr>
+          </a:lnRef>
+          <a:fillRef idx="1">
+            <a:schemeClr val="accent1"/>
+          </a:fillRef>
+          <a:effectRef idx="0">
+            <a:schemeClr val="accent1"/>
+          </a:effectRef>
+          <a:fontRef idx="minor">
+            <a:schemeClr val="lt1"/>
+          </a:fontRef>
+        </p:style>
+        <p:txBody>
+          <a:bodyPr rtlCol="0" anchor="ctr"/>
+          <a:lstStyle/>
+          <a:p>
+            <a:pPr algn="ctr"/>
+            <a:r>
+              <a:rPr lang="en-US" sz="1200" dirty="0">
+                <a:solidFill>
+                  <a:schemeClr val="tx1"/>
+                </a:solidFill>
+              </a:rPr>
+              <a:t>- function: get-weather</a:t>
+            </a:r>
+            <a:br>
+              <a:rPr lang="en-US" sz="1200" dirty="0">
+                <a:solidFill>
+                  <a:schemeClr val="tx1"/>
+                </a:solidFill>
+              </a:rPr>
+            </a:br>
+            <a:r>
+              <a:rPr lang="en-US" sz="1200" dirty="0">
+                <a:solidFill>
+                  <a:schemeClr val="tx1"/>
+                </a:solidFill>
+              </a:rPr>
+              <a:t>- user : "how is the weather today?"</a:t>
+            </a:r>
+          </a:p>
+        </p:txBody>
+      </p:sp>
+      <p:sp>
+        <p:nvSpPr>
+          <p:cNvPr id="21" name="Callout: Line with Border and Accent Bar 20">
+            <a:extLst>
+              <a:ext uri="{FF2B5EF4-FFF2-40B4-BE49-F238E27FC236}">
+                <a16:creationId xmlns:a16="http://schemas.microsoft.com/office/drawing/2014/main" id="{46509E57-EC1E-77E4-E8A6-2472D2ED7B5D}"/>
+              </a:ext>
+            </a:extLst>
+          </p:cNvPr>
+          <p:cNvSpPr/>
+          <p:nvPr/>
+        </p:nvSpPr>
+        <p:spPr>
+          <a:xfrm>
+            <a:off x="3305264" y="2230003"/>
+            <a:ext cx="1866551" cy="823520"/>
+          </a:xfrm>
+          <a:prstGeom prst="accentBorderCallout1">
+            <a:avLst/>
+          </a:prstGeom>
+          <a:solidFill>
+            <a:schemeClr val="accent4">
+              <a:lumMod val="20000"/>
+              <a:lumOff val="80000"/>
+            </a:schemeClr>
+          </a:solidFill>
+        </p:spPr>
+        <p:style>
+          <a:lnRef idx="2">
+            <a:schemeClr val="accent1">
+              <a:shade val="15000"/>
+            </a:schemeClr>
+          </a:lnRef>
+          <a:fillRef idx="1">
+            <a:schemeClr val="accent1"/>
+          </a:fillRef>
+          <a:effectRef idx="0">
+            <a:schemeClr val="accent1"/>
+          </a:effectRef>
+          <a:fontRef idx="minor">
+            <a:schemeClr val="lt1"/>
+          </a:fontRef>
+        </p:style>
+        <p:txBody>
+          <a:bodyPr rtlCol="0" anchor="ctr"/>
+          <a:lstStyle/>
+          <a:p>
+            <a:pPr algn="ctr"/>
+            <a:r>
+              <a:rPr lang="en-US" sz="1200" dirty="0">
+                <a:solidFill>
+                  <a:schemeClr val="tx1"/>
+                </a:solidFill>
+              </a:rPr>
+              <a:t>- function: Get-weather</a:t>
+            </a:r>
+            <a:br>
+              <a:rPr lang="en-US" sz="1200" dirty="0">
+                <a:solidFill>
+                  <a:schemeClr val="tx1"/>
+                </a:solidFill>
+              </a:rPr>
+            </a:br>
+            <a:r>
+              <a:rPr lang="en-US" sz="1200" dirty="0">
+                <a:solidFill>
+                  <a:schemeClr val="tx1"/>
+                </a:solidFill>
+              </a:rPr>
+              <a:t>- conversation history </a:t>
+            </a:r>
+            <a:br>
+              <a:rPr lang="en-US" sz="1200" dirty="0">
+                <a:solidFill>
+                  <a:schemeClr val="tx1"/>
+                </a:solidFill>
+              </a:rPr>
+            </a:br>
+            <a:r>
+              <a:rPr lang="en-US" sz="1200" dirty="0">
+                <a:solidFill>
+                  <a:schemeClr val="tx1"/>
+                </a:solidFill>
+              </a:rPr>
+              <a:t>- user: "how is the weather today in London ?"</a:t>
+            </a:r>
+          </a:p>
+        </p:txBody>
+      </p:sp>
+      <p:sp>
+        <p:nvSpPr>
+          <p:cNvPr id="22" name="Callout: Line with Border and Accent Bar 21">
+            <a:extLst>
+              <a:ext uri="{FF2B5EF4-FFF2-40B4-BE49-F238E27FC236}">
+                <a16:creationId xmlns:a16="http://schemas.microsoft.com/office/drawing/2014/main" id="{9E28DCCE-A049-6E38-B24B-ED2ADEEDD4F4}"/>
+              </a:ext>
+            </a:extLst>
+          </p:cNvPr>
+          <p:cNvSpPr/>
+          <p:nvPr/>
+        </p:nvSpPr>
+        <p:spPr>
+          <a:xfrm>
+            <a:off x="6931405" y="1123174"/>
+            <a:ext cx="1803633" cy="612648"/>
+          </a:xfrm>
+          <a:prstGeom prst="accentBorderCallout1">
+            <a:avLst>
+              <a:gd name="adj1" fmla="val 18750"/>
+              <a:gd name="adj2" fmla="val -8333"/>
+              <a:gd name="adj3" fmla="val 157667"/>
+              <a:gd name="adj4" fmla="val -117724"/>
+            </a:avLst>
+          </a:prstGeom>
+          <a:solidFill>
+            <a:schemeClr val="bg2"/>
+          </a:solidFill>
+        </p:spPr>
+        <p:style>
+          <a:lnRef idx="2">
+            <a:schemeClr val="accent1">
+              <a:shade val="15000"/>
+            </a:schemeClr>
+          </a:lnRef>
+          <a:fillRef idx="1">
+            <a:schemeClr val="accent1"/>
+          </a:fillRef>
+          <a:effectRef idx="0">
+            <a:schemeClr val="accent1"/>
+          </a:effectRef>
+          <a:fontRef idx="minor">
+            <a:schemeClr val="lt1"/>
+          </a:fontRef>
+        </p:style>
+        <p:txBody>
+          <a:bodyPr rtlCol="0" anchor="ctr"/>
+          <a:lstStyle/>
+          <a:p>
+            <a:pPr algn="ctr"/>
+            <a:r>
+              <a:rPr lang="en-US" sz="1200" dirty="0">
+                <a:solidFill>
+                  <a:schemeClr val="tx1"/>
+                </a:solidFill>
+              </a:rPr>
+              <a:t>A: Please specify the location </a:t>
+            </a:r>
+          </a:p>
+        </p:txBody>
+      </p:sp>
+      <p:sp>
+        <p:nvSpPr>
+          <p:cNvPr id="23" name="Callout: Line with Border and Accent Bar 22">
+            <a:extLst>
+              <a:ext uri="{FF2B5EF4-FFF2-40B4-BE49-F238E27FC236}">
+                <a16:creationId xmlns:a16="http://schemas.microsoft.com/office/drawing/2014/main" id="{2D496048-2991-5838-D924-F459D741EF4F}"/>
+              </a:ext>
+            </a:extLst>
+          </p:cNvPr>
+          <p:cNvSpPr/>
+          <p:nvPr/>
+        </p:nvSpPr>
+        <p:spPr>
+          <a:xfrm>
+            <a:off x="6774811" y="2241634"/>
+            <a:ext cx="1803633" cy="612648"/>
+          </a:xfrm>
+          <a:prstGeom prst="accentBorderCallout1">
+            <a:avLst>
+              <a:gd name="adj1" fmla="val 18750"/>
+              <a:gd name="adj2" fmla="val -8333"/>
+              <a:gd name="adj3" fmla="val 189180"/>
+              <a:gd name="adj4" fmla="val -106240"/>
+            </a:avLst>
+          </a:prstGeom>
+          <a:solidFill>
+            <a:schemeClr val="bg2"/>
+          </a:solidFill>
+        </p:spPr>
+        <p:style>
+          <a:lnRef idx="2">
+            <a:schemeClr val="accent1">
+              <a:shade val="15000"/>
+            </a:schemeClr>
+          </a:lnRef>
+          <a:fillRef idx="1">
+            <a:schemeClr val="accent1"/>
+          </a:fillRef>
+          <a:effectRef idx="0">
+            <a:schemeClr val="accent1"/>
+          </a:effectRef>
+          <a:fontRef idx="minor">
+            <a:schemeClr val="lt1"/>
+          </a:fontRef>
+        </p:style>
+        <p:txBody>
+          <a:bodyPr rtlCol="0" anchor="ctr"/>
+          <a:lstStyle/>
+          <a:p>
+            <a:pPr algn="ctr"/>
+            <a:r>
+              <a:rPr lang="en-US" sz="1200" dirty="0">
+                <a:solidFill>
+                  <a:schemeClr val="tx1"/>
+                </a:solidFill>
+              </a:rPr>
+              <a:t>A: function "get-weather"</a:t>
+            </a:r>
+            <a:br>
+              <a:rPr lang="en-US" sz="1200" dirty="0">
+                <a:solidFill>
+                  <a:schemeClr val="tx1"/>
+                </a:solidFill>
+              </a:rPr>
+            </a:br>
+            <a:r>
+              <a:rPr lang="en-US" sz="1200" i="1" dirty="0">
+                <a:solidFill>
+                  <a:schemeClr val="tx1"/>
+                </a:solidFill>
+              </a:rPr>
+              <a:t>{ "location" : "London" }</a:t>
+            </a:r>
+            <a:br>
+              <a:rPr lang="en-US" sz="1200" i="1" dirty="0">
+                <a:solidFill>
+                  <a:schemeClr val="tx1"/>
+                </a:solidFill>
+              </a:rPr>
+            </a:br>
+            <a:endParaRPr lang="en-US" sz="1200" i="1" dirty="0">
+              <a:solidFill>
+                <a:schemeClr val="tx1"/>
+              </a:solidFill>
+            </a:endParaRPr>
+          </a:p>
+        </p:txBody>
+      </p:sp>
+      <p:sp>
+        <p:nvSpPr>
+          <p:cNvPr id="24" name="Callout: Line with Border and Accent Bar 23">
+            <a:extLst>
+              <a:ext uri="{FF2B5EF4-FFF2-40B4-BE49-F238E27FC236}">
+                <a16:creationId xmlns:a16="http://schemas.microsoft.com/office/drawing/2014/main" id="{B2B952EF-A129-7035-4FC4-9A7F7E784ABD}"/>
+              </a:ext>
+            </a:extLst>
+          </p:cNvPr>
+          <p:cNvSpPr/>
+          <p:nvPr/>
+        </p:nvSpPr>
+        <p:spPr>
+          <a:xfrm>
+            <a:off x="6867790" y="2940645"/>
+            <a:ext cx="2320954" cy="612648"/>
+          </a:xfrm>
+          <a:prstGeom prst="accentBorderCallout1">
+            <a:avLst>
+              <a:gd name="adj1" fmla="val 18750"/>
+              <a:gd name="adj2" fmla="val -8333"/>
+              <a:gd name="adj3" fmla="val 104285"/>
+              <a:gd name="adj4" fmla="val -41948"/>
+            </a:avLst>
+          </a:prstGeom>
+          <a:solidFill>
+            <a:schemeClr val="bg1"/>
+          </a:solidFill>
+        </p:spPr>
+        <p:style>
+          <a:lnRef idx="2">
+            <a:schemeClr val="accent1">
+              <a:shade val="15000"/>
+            </a:schemeClr>
+          </a:lnRef>
+          <a:fillRef idx="1">
+            <a:schemeClr val="accent1"/>
+          </a:fillRef>
+          <a:effectRef idx="0">
+            <a:schemeClr val="accent1"/>
+          </a:effectRef>
+          <a:fontRef idx="minor">
+            <a:schemeClr val="lt1"/>
+          </a:fontRef>
+        </p:style>
+        <p:txBody>
+          <a:bodyPr rtlCol="0" anchor="ctr"/>
+          <a:lstStyle/>
+          <a:p>
+            <a:pPr algn="ctr"/>
+            <a:r>
+              <a:rPr lang="en-US" sz="1200" dirty="0">
+                <a:solidFill>
+                  <a:schemeClr val="tx1"/>
+                </a:solidFill>
+              </a:rPr>
+              <a:t>api call  : </a:t>
+            </a:r>
+            <a:r>
+              <a:rPr lang="en-US" sz="1200" b="1" i="1" dirty="0">
+                <a:solidFill>
+                  <a:schemeClr val="tx1"/>
+                </a:solidFill>
+              </a:rPr>
+              <a:t>https://../api/weather/</a:t>
+            </a:r>
+            <a:r>
+              <a:rPr lang="en-US" sz="1200" dirty="0">
+                <a:solidFill>
+                  <a:schemeClr val="tx1"/>
+                </a:solidFill>
+              </a:rPr>
+              <a:t> </a:t>
+            </a:r>
+            <a:r>
+              <a:rPr lang="en-US" sz="1200" i="1" dirty="0">
+                <a:solidFill>
+                  <a:schemeClr val="tx1"/>
+                </a:solidFill>
+              </a:rPr>
+              <a:t>{ "location" : "London" }</a:t>
+            </a:r>
+            <a:br>
+              <a:rPr lang="en-US" sz="1200" i="1" dirty="0">
+                <a:solidFill>
+                  <a:schemeClr val="tx1"/>
+                </a:solidFill>
+              </a:rPr>
+            </a:br>
+            <a:endParaRPr lang="en-US" sz="1200" i="1" dirty="0">
+              <a:solidFill>
+                <a:schemeClr val="tx1"/>
+              </a:solidFill>
+            </a:endParaRPr>
+          </a:p>
+        </p:txBody>
+      </p:sp>
+      <p:sp>
+        <p:nvSpPr>
+          <p:cNvPr id="25" name="Callout: Line with Border and Accent Bar 24">
+            <a:extLst>
+              <a:ext uri="{FF2B5EF4-FFF2-40B4-BE49-F238E27FC236}">
+                <a16:creationId xmlns:a16="http://schemas.microsoft.com/office/drawing/2014/main" id="{02F4EDA0-BF67-DC54-2A3B-0D6592D49E8F}"/>
+              </a:ext>
+            </a:extLst>
+          </p:cNvPr>
+          <p:cNvSpPr/>
+          <p:nvPr/>
+        </p:nvSpPr>
+        <p:spPr>
+          <a:xfrm>
+            <a:off x="6672745" y="4047883"/>
+            <a:ext cx="2320954" cy="612648"/>
+          </a:xfrm>
+          <a:prstGeom prst="accentBorderCallout1">
+            <a:avLst>
+              <a:gd name="adj1" fmla="val 18750"/>
+              <a:gd name="adj2" fmla="val -8333"/>
+              <a:gd name="adj3" fmla="val -28538"/>
+              <a:gd name="adj4" fmla="val -38695"/>
+            </a:avLst>
+          </a:prstGeom>
+          <a:solidFill>
+            <a:schemeClr val="bg1"/>
+          </a:solidFill>
+        </p:spPr>
+        <p:style>
+          <a:lnRef idx="2">
+            <a:schemeClr val="accent1">
+              <a:shade val="15000"/>
+            </a:schemeClr>
+          </a:lnRef>
+          <a:fillRef idx="1">
+            <a:schemeClr val="accent1"/>
+          </a:fillRef>
+          <a:effectRef idx="0">
+            <a:schemeClr val="accent1"/>
+          </a:effectRef>
+          <a:fontRef idx="minor">
+            <a:schemeClr val="lt1"/>
+          </a:fontRef>
+        </p:style>
+        <p:txBody>
+          <a:bodyPr rtlCol="0" anchor="ctr"/>
+          <a:lstStyle/>
+          <a:p>
+            <a:pPr algn="ctr"/>
+            <a:r>
+              <a:rPr lang="en-US" sz="1200" dirty="0">
+                <a:solidFill>
+                  <a:schemeClr val="tx1"/>
+                </a:solidFill>
+              </a:rPr>
+              <a:t>api reply  </a:t>
+            </a:r>
+            <a:r>
+              <a:rPr lang="en-US" sz="1200" i="1" dirty="0">
+                <a:solidFill>
+                  <a:schemeClr val="tx1"/>
+                </a:solidFill>
+              </a:rPr>
+              <a:t>: { "location" : "London" , "weather" : "rainy", temperature : "17" }</a:t>
+            </a:r>
+          </a:p>
+        </p:txBody>
+      </p:sp>
+      <p:sp>
+        <p:nvSpPr>
+          <p:cNvPr id="26" name="Callout: Line with Border and Accent Bar 25">
+            <a:extLst>
+              <a:ext uri="{FF2B5EF4-FFF2-40B4-BE49-F238E27FC236}">
+                <a16:creationId xmlns:a16="http://schemas.microsoft.com/office/drawing/2014/main" id="{7D5B9656-3FD0-2410-E578-96C420C160AD}"/>
+              </a:ext>
+            </a:extLst>
+          </p:cNvPr>
+          <p:cNvSpPr/>
+          <p:nvPr/>
+        </p:nvSpPr>
+        <p:spPr>
+          <a:xfrm>
+            <a:off x="6637792" y="5059508"/>
+            <a:ext cx="2320954" cy="997844"/>
+          </a:xfrm>
+          <a:prstGeom prst="accentBorderCallout1">
+            <a:avLst>
+              <a:gd name="adj1" fmla="val 18750"/>
+              <a:gd name="adj2" fmla="val -8333"/>
+              <a:gd name="adj3" fmla="val -61401"/>
+              <a:gd name="adj4" fmla="val -82430"/>
+            </a:avLst>
+          </a:prstGeom>
+          <a:solidFill>
+            <a:schemeClr val="accent4">
+              <a:lumMod val="20000"/>
+              <a:lumOff val="80000"/>
+            </a:schemeClr>
+          </a:solidFill>
+        </p:spPr>
+        <p:style>
+          <a:lnRef idx="2">
+            <a:schemeClr val="accent1">
+              <a:shade val="15000"/>
+            </a:schemeClr>
+          </a:lnRef>
+          <a:fillRef idx="1">
+            <a:schemeClr val="accent1"/>
+          </a:fillRef>
+          <a:effectRef idx="0">
+            <a:schemeClr val="accent1"/>
+          </a:effectRef>
+          <a:fontRef idx="minor">
+            <a:schemeClr val="lt1"/>
+          </a:fontRef>
+        </p:style>
+        <p:txBody>
+          <a:bodyPr rtlCol="0" anchor="ctr"/>
+          <a:lstStyle/>
+          <a:p>
+            <a:pPr algn="ctr"/>
+            <a:r>
+              <a:rPr lang="en-US" sz="1200" dirty="0">
+                <a:solidFill>
+                  <a:schemeClr val="tx1"/>
+                </a:solidFill>
+              </a:rPr>
+              <a:t>function: none</a:t>
+            </a:r>
+            <a:br>
+              <a:rPr lang="en-US" sz="1200" dirty="0">
+                <a:solidFill>
+                  <a:schemeClr val="tx1"/>
+                </a:solidFill>
+              </a:rPr>
+            </a:br>
+            <a:r>
+              <a:rPr lang="en-US" sz="1200" dirty="0">
+                <a:solidFill>
+                  <a:schemeClr val="tx1"/>
+                </a:solidFill>
+              </a:rPr>
+              <a:t>conversation history </a:t>
+            </a:r>
+            <a:br>
+              <a:rPr lang="en-US" sz="1200" dirty="0">
+                <a:solidFill>
+                  <a:schemeClr val="tx1"/>
+                </a:solidFill>
+              </a:rPr>
+            </a:br>
+            <a:r>
+              <a:rPr lang="en-US" sz="1200" dirty="0">
+                <a:solidFill>
+                  <a:schemeClr val="tx1"/>
+                </a:solidFill>
+              </a:rPr>
+              <a:t>Api reply  : </a:t>
+            </a:r>
+            <a:r>
+              <a:rPr lang="en-US" sz="1200" i="1" dirty="0">
+                <a:solidFill>
+                  <a:schemeClr val="tx1"/>
+                </a:solidFill>
+              </a:rPr>
+              <a:t>{ "location" : "London" , "weather" : "rainy", temperature : "17" }</a:t>
+            </a:r>
+          </a:p>
+        </p:txBody>
+      </p:sp>
+      <p:sp>
+        <p:nvSpPr>
+          <p:cNvPr id="27" name="Callout: Line with Border and Accent Bar 26">
+            <a:extLst>
+              <a:ext uri="{FF2B5EF4-FFF2-40B4-BE49-F238E27FC236}">
+                <a16:creationId xmlns:a16="http://schemas.microsoft.com/office/drawing/2014/main" id="{40FC7280-28DF-9546-F384-69DEEB8D223D}"/>
+              </a:ext>
+            </a:extLst>
+          </p:cNvPr>
+          <p:cNvSpPr/>
+          <p:nvPr/>
+        </p:nvSpPr>
+        <p:spPr>
+          <a:xfrm>
+            <a:off x="6114877" y="6188974"/>
+            <a:ext cx="1803633" cy="612648"/>
+          </a:xfrm>
+          <a:prstGeom prst="accentBorderCallout1">
+            <a:avLst>
+              <a:gd name="adj1" fmla="val 18750"/>
+              <a:gd name="adj2" fmla="val -8333"/>
+              <a:gd name="adj3" fmla="val -105218"/>
+              <a:gd name="adj4" fmla="val -129031"/>
+            </a:avLst>
+          </a:prstGeom>
+          <a:solidFill>
+            <a:schemeClr val="bg2"/>
+          </a:solidFill>
+        </p:spPr>
+        <p:style>
+          <a:lnRef idx="2">
+            <a:schemeClr val="accent1">
+              <a:shade val="15000"/>
+            </a:schemeClr>
+          </a:lnRef>
+          <a:fillRef idx="1">
+            <a:schemeClr val="accent1"/>
+          </a:fillRef>
+          <a:effectRef idx="0">
+            <a:schemeClr val="accent1"/>
+          </a:effectRef>
+          <a:fontRef idx="minor">
+            <a:schemeClr val="lt1"/>
+          </a:fontRef>
+        </p:style>
+        <p:txBody>
+          <a:bodyPr rtlCol="0" anchor="ctr"/>
+          <a:lstStyle/>
+          <a:p>
+            <a:pPr algn="ctr"/>
+            <a:r>
+              <a:rPr lang="en-US" sz="1200" dirty="0">
+                <a:solidFill>
+                  <a:schemeClr val="tx1"/>
+                </a:solidFill>
+              </a:rPr>
+              <a:t>A: Today in London is rainy, with a temperature of 17 degrees</a:t>
+            </a:r>
+          </a:p>
+        </p:txBody>
+      </p:sp>
+      <p:sp>
+        <p:nvSpPr>
+          <p:cNvPr id="30" name="Rectangle 29">
+            <a:extLst>
+              <a:ext uri="{FF2B5EF4-FFF2-40B4-BE49-F238E27FC236}">
+                <a16:creationId xmlns:a16="http://schemas.microsoft.com/office/drawing/2014/main" id="{35036F75-CCD5-76D5-1F0A-859A189B45E5}"/>
+              </a:ext>
+            </a:extLst>
+          </p:cNvPr>
+          <p:cNvSpPr/>
+          <p:nvPr/>
+        </p:nvSpPr>
+        <p:spPr>
+          <a:xfrm>
+            <a:off x="153099" y="1489350"/>
+            <a:ext cx="67112" cy="4684945"/>
+          </a:xfrm>
+          <a:prstGeom prst="rect">
+            <a:avLst/>
+          </a:prstGeom>
+        </p:spPr>
+        <p:style>
+          <a:lnRef idx="2">
+            <a:schemeClr val="accent1">
+              <a:shade val="15000"/>
+            </a:schemeClr>
+          </a:lnRef>
+          <a:fillRef idx="1">
+            <a:schemeClr val="accent1"/>
+          </a:fillRef>
+          <a:effectRef idx="0">
+            <a:schemeClr val="accent1"/>
+          </a:effectRef>
+          <a:fontRef idx="minor">
+            <a:schemeClr val="lt1"/>
+          </a:fontRef>
+        </p:style>
+        <p:txBody>
+          <a:bodyPr rtlCol="0" anchor="ctr"/>
+          <a:lstStyle/>
+          <a:p>
+            <a:pPr algn="ctr"/>
+            <a:endParaRPr lang="en-US"/>
+          </a:p>
+        </p:txBody>
+      </p:sp>
+      <p:sp>
+        <p:nvSpPr>
+          <p:cNvPr id="35" name="TextBox 34">
+            <a:extLst>
+              <a:ext uri="{FF2B5EF4-FFF2-40B4-BE49-F238E27FC236}">
+                <a16:creationId xmlns:a16="http://schemas.microsoft.com/office/drawing/2014/main" id="{454E9031-3650-1263-FD43-B9A8323B9F60}"/>
+              </a:ext>
+            </a:extLst>
+          </p:cNvPr>
+          <p:cNvSpPr txBox="1"/>
+          <p:nvPr/>
+        </p:nvSpPr>
+        <p:spPr>
+          <a:xfrm>
+            <a:off x="39004" y="1023047"/>
+            <a:ext cx="1021433" cy="369332"/>
+          </a:xfrm>
+          <a:prstGeom prst="rect">
+            <a:avLst/>
+          </a:prstGeom>
+          <a:solidFill>
+            <a:schemeClr val="accent6">
+              <a:lumMod val="20000"/>
+              <a:lumOff val="80000"/>
+            </a:schemeClr>
+          </a:solidFill>
+        </p:spPr>
+        <p:txBody>
+          <a:bodyPr wrap="none" rtlCol="0">
+            <a:spAutoFit/>
+          </a:bodyPr>
           <a:lstStyle/>
           <a:p>
             <a:r>
               <a:rPr lang="en-US" dirty="0"/>
-              <a:t>Api design for function calling</a:t>
-            </a:r>
-          </a:p>
-        </p:txBody>
-      </p:sp>
-      <p:sp>
-        <p:nvSpPr>
-          <p:cNvPr id="3" name="Content Placeholder 2">
-            <a:extLst>
-              <a:ext uri="{FF2B5EF4-FFF2-40B4-BE49-F238E27FC236}">
-                <a16:creationId xmlns:a16="http://schemas.microsoft.com/office/drawing/2014/main" id="{2F435063-D202-BDFA-876B-EF1DA0371544}"/>
-              </a:ext>
-            </a:extLst>
-          </p:cNvPr>
-          <p:cNvSpPr>
-            <a:spLocks noGrp="1"/>
-          </p:cNvSpPr>
-          <p:nvPr>
-            <p:ph idx="1"/>
-          </p:nvPr>
-        </p:nvSpPr>
-        <p:spPr/>
-        <p:txBody>
-          <a:bodyPr/>
-          <a:lstStyle/>
+              <a:t>end-user</a:t>
+            </a:r>
+          </a:p>
+        </p:txBody>
+      </p:sp>
+      <p:sp>
+        <p:nvSpPr>
+          <p:cNvPr id="43" name="TextBox 42">
+            <a:extLst>
+              <a:ext uri="{FF2B5EF4-FFF2-40B4-BE49-F238E27FC236}">
+                <a16:creationId xmlns:a16="http://schemas.microsoft.com/office/drawing/2014/main" id="{7D988E6C-B0B4-AF30-2B35-B997AA4C4789}"/>
+              </a:ext>
+            </a:extLst>
+          </p:cNvPr>
+          <p:cNvSpPr txBox="1"/>
+          <p:nvPr/>
+        </p:nvSpPr>
+        <p:spPr>
+          <a:xfrm>
+            <a:off x="1735401" y="967423"/>
+            <a:ext cx="1070037" cy="369332"/>
+          </a:xfrm>
+          <a:prstGeom prst="rect">
+            <a:avLst/>
+          </a:prstGeom>
+          <a:solidFill>
+            <a:schemeClr val="accent6">
+              <a:lumMod val="20000"/>
+              <a:lumOff val="80000"/>
+            </a:schemeClr>
+          </a:solidFill>
+        </p:spPr>
+        <p:txBody>
+          <a:bodyPr wrap="none" rtlCol="0">
+            <a:spAutoFit/>
+          </a:bodyPr>
+          <a:lstStyle>
+            <a:defPPr>
+              <a:defRPr lang="en-US"/>
+            </a:defPPr>
+            <a:lvl1pPr>
+              <a:defRPr/>
+            </a:lvl1pPr>
+          </a:lstStyle>
           <a:p>
             <a:r>
               <a:rPr lang="en-US" dirty="0"/>
-              <a:t>The Json schema syntax (to be provided as function) is the same used to define input – output </a:t>
+              <a:t>your app </a:t>
+            </a:r>
+          </a:p>
+        </p:txBody>
+      </p:sp>
+      <p:sp>
+        <p:nvSpPr>
+          <p:cNvPr id="44" name="TextBox 43">
+            <a:extLst>
+              <a:ext uri="{FF2B5EF4-FFF2-40B4-BE49-F238E27FC236}">
+                <a16:creationId xmlns:a16="http://schemas.microsoft.com/office/drawing/2014/main" id="{BA9D93CF-381A-C7C0-5DD8-F87081CBBA11}"/>
+              </a:ext>
+            </a:extLst>
+          </p:cNvPr>
+          <p:cNvSpPr txBox="1"/>
+          <p:nvPr/>
+        </p:nvSpPr>
+        <p:spPr>
+          <a:xfrm>
+            <a:off x="5198157" y="951345"/>
+            <a:ext cx="966996" cy="369332"/>
+          </a:xfrm>
+          <a:prstGeom prst="rect">
+            <a:avLst/>
+          </a:prstGeom>
+          <a:solidFill>
+            <a:schemeClr val="accent6">
+              <a:lumMod val="20000"/>
+              <a:lumOff val="80000"/>
+            </a:schemeClr>
+          </a:solidFill>
+        </p:spPr>
+        <p:txBody>
+          <a:bodyPr wrap="none" rtlCol="0">
+            <a:spAutoFit/>
+          </a:bodyPr>
+          <a:lstStyle>
+            <a:defPPr>
+              <a:defRPr lang="en-US"/>
+            </a:defPPr>
+            <a:lvl1pPr>
+              <a:defRPr/>
+            </a:lvl1pPr>
+          </a:lstStyle>
+          <a:p>
+            <a:r>
+              <a:rPr lang="en-US" dirty="0"/>
+              <a:t>chat-</a:t>
             </a:r>
             <a:r>
               <a:rPr lang="en-US" dirty="0" err="1"/>
-              <a:t>dto</a:t>
-            </a:r>
+              <a:t>gpt</a:t>
+            </a:r>
+            <a:endParaRPr lang="en-US" dirty="0"/>
+          </a:p>
+        </p:txBody>
+      </p:sp>
+      <p:sp>
+        <p:nvSpPr>
+          <p:cNvPr id="45" name="TextBox 44">
+            <a:extLst>
+              <a:ext uri="{FF2B5EF4-FFF2-40B4-BE49-F238E27FC236}">
+                <a16:creationId xmlns:a16="http://schemas.microsoft.com/office/drawing/2014/main" id="{3A1A78FE-E643-6162-5CF6-262D45E87FF7}"/>
+              </a:ext>
+            </a:extLst>
+          </p:cNvPr>
+          <p:cNvSpPr txBox="1"/>
+          <p:nvPr/>
+        </p:nvSpPr>
+        <p:spPr>
+          <a:xfrm>
+            <a:off x="9961299" y="951345"/>
+            <a:ext cx="1835311" cy="369332"/>
+          </a:xfrm>
+          <a:prstGeom prst="rect">
+            <a:avLst/>
+          </a:prstGeom>
+          <a:solidFill>
+            <a:schemeClr val="accent6">
+              <a:lumMod val="20000"/>
+              <a:lumOff val="80000"/>
+            </a:schemeClr>
+          </a:solidFill>
+        </p:spPr>
+        <p:txBody>
+          <a:bodyPr wrap="none" rtlCol="0">
+            <a:spAutoFit/>
+          </a:bodyPr>
+          <a:lstStyle>
+            <a:defPPr>
+              <a:defRPr lang="en-US"/>
+            </a:defPPr>
+            <a:lvl1pPr>
+              <a:defRPr/>
+            </a:lvl1pPr>
+          </a:lstStyle>
+          <a:p>
             <a:r>
               <a:rPr lang="en-US" dirty="0"/>
-              <a:t> in an open-api document (swagger)</a:t>
-            </a:r>
-          </a:p>
-          <a:p>
-            <a:pPr lvl="1"/>
-            <a:r>
-              <a:rPr lang="en-US" dirty="0"/>
-              <a:t>Extract dynamically from the open api document of your target api</a:t>
-            </a:r>
-          </a:p>
-          <a:p>
-            <a:pPr lvl="1"/>
-            <a:r>
-              <a:rPr lang="en-US" dirty="0"/>
-              <a:t>Put clear description on input </a:t>
-            </a:r>
-            <a:r>
-              <a:rPr lang="en-US" dirty="0" err="1"/>
-              <a:t>Dto</a:t>
-            </a:r>
-            <a:r>
-              <a:rPr lang="en-US" dirty="0"/>
-              <a:t> and its properties (</a:t>
-            </a:r>
-            <a:r>
-              <a:rPr lang="en-US" b="1" dirty="0"/>
-              <a:t>prompt engineer applied on a swagger doc </a:t>
-            </a:r>
-            <a:r>
-              <a:rPr lang="en-US" b="1" dirty="0">
-                <a:sym typeface="Wingdings" panose="05000000000000000000" pitchFamily="2" charset="2"/>
-              </a:rPr>
-              <a:t></a:t>
-            </a:r>
-            <a:r>
-              <a:rPr lang="en-US" dirty="0">
-                <a:sym typeface="Wingdings" panose="05000000000000000000" pitchFamily="2" charset="2"/>
-              </a:rPr>
-              <a:t>)</a:t>
-            </a:r>
-          </a:p>
-          <a:p>
-            <a:pPr lvl="1"/>
-            <a:r>
-              <a:rPr lang="en-US" dirty="0">
-                <a:sym typeface="Wingdings" panose="05000000000000000000" pitchFamily="2" charset="2"/>
-              </a:rPr>
-              <a:t>Document </a:t>
-            </a:r>
-            <a:r>
-              <a:rPr lang="en-US" b="1" dirty="0">
-                <a:sym typeface="Wingdings" panose="05000000000000000000" pitchFamily="2" charset="2"/>
-              </a:rPr>
-              <a:t>required</a:t>
-            </a:r>
-            <a:r>
-              <a:rPr lang="en-US" dirty="0">
-                <a:sym typeface="Wingdings" panose="05000000000000000000" pitchFamily="2" charset="2"/>
-              </a:rPr>
-              <a:t> properties </a:t>
-            </a:r>
-          </a:p>
-          <a:p>
-            <a:pPr lvl="1"/>
-            <a:r>
-              <a:rPr lang="en-US" dirty="0">
-                <a:sym typeface="Wingdings" panose="05000000000000000000" pitchFamily="2" charset="2"/>
-              </a:rPr>
-              <a:t>Make sure </a:t>
-            </a:r>
-            <a:r>
-              <a:rPr lang="en-US" dirty="0" err="1">
-                <a:sym typeface="Wingdings" panose="05000000000000000000" pitchFamily="2" charset="2"/>
-              </a:rPr>
-              <a:t>enums</a:t>
-            </a:r>
-            <a:r>
-              <a:rPr lang="en-US" dirty="0">
-                <a:sym typeface="Wingdings" panose="05000000000000000000" pitchFamily="2" charset="2"/>
-              </a:rPr>
-              <a:t> are exposed in the swagger doc as strings</a:t>
-            </a:r>
-          </a:p>
-          <a:p>
-            <a:pPr lvl="1"/>
-            <a:r>
-              <a:rPr lang="en-US" dirty="0">
-                <a:sym typeface="Wingdings" panose="05000000000000000000" pitchFamily="2" charset="2"/>
-              </a:rPr>
-              <a:t>Make sure </a:t>
-            </a:r>
-            <a:r>
-              <a:rPr lang="en-US" dirty="0" err="1">
-                <a:sym typeface="Wingdings" panose="05000000000000000000" pitchFamily="2" charset="2"/>
-              </a:rPr>
-              <a:t>enums</a:t>
-            </a:r>
-            <a:r>
-              <a:rPr lang="en-US" dirty="0">
-                <a:sym typeface="Wingdings" panose="05000000000000000000" pitchFamily="2" charset="2"/>
-              </a:rPr>
-              <a:t> as strings are accepted as input at run time</a:t>
-            </a:r>
-          </a:p>
-          <a:p>
-            <a:pPr lvl="2"/>
-            <a:endParaRPr lang="en-US" dirty="0">
-              <a:sym typeface="Wingdings" panose="05000000000000000000" pitchFamily="2" charset="2"/>
-            </a:endParaRPr>
-          </a:p>
-          <a:p>
-            <a:pPr lvl="1"/>
-            <a:endParaRPr lang="en-US" dirty="0"/>
+              <a:t>your weather api </a:t>
+            </a:r>
           </a:p>
         </p:txBody>
       </p:sp>
     </p:spTree>
     <p:extLst>
       <p:ext uri="{BB962C8B-B14F-4D97-AF65-F5344CB8AC3E}">
-        <p14:creationId xmlns:p14="http://schemas.microsoft.com/office/powerpoint/2010/main" val="803272294"/>
+        <p14:creationId xmlns:p14="http://schemas.microsoft.com/office/powerpoint/2010/main" val="311172512"/>
       </p:ext>
     </p:extLst>
   </p:cSld>
   <p:clrMapOvr>
     <a:masterClrMapping/>
   </p:clrMapOvr>
+  <p:timing>
+    <p:tnLst>
+      <p:par>
+        <p:cTn id="1" dur="indefinite" restart="never" nodeType="tmRoot">
+          <p:childTnLst>
+            <p:seq concurrent="1" nextAc="seek">
+              <p:cTn id="2" dur="indefinite" nodeType="mainSeq">
+                <p:childTnLst>
+                  <p:par>
+                    <p:cTn id="3" fill="hold">
+                      <p:stCondLst>
+                        <p:cond delay="indefinite"/>
+                      </p:stCondLst>
+                      <p:childTnLst>
+                        <p:par>
+                          <p:cTn id="4" fill="hold">
+                            <p:stCondLst>
+                              <p:cond delay="0"/>
+                            </p:stCondLst>
+                            <p:childTnLst>
+                              <p:par>
+                                <p:cTn id="5" presetID="1" presetClass="entr" presetSubtype="0" fill="hold" grpId="0" nodeType="clickEffect">
+                                  <p:stCondLst>
+                                    <p:cond delay="0"/>
+                                  </p:stCondLst>
+                                  <p:childTnLst>
+                                    <p:set>
+                                      <p:cBhvr>
+                                        <p:cTn id="6" dur="1" fill="hold">
+                                          <p:stCondLst>
+                                            <p:cond delay="0"/>
+                                          </p:stCondLst>
+                                        </p:cTn>
+                                        <p:tgtEl>
+                                          <p:spTgt spid="20"/>
+                                        </p:tgtEl>
+                                        <p:attrNameLst>
+                                          <p:attrName>style.visibility</p:attrName>
+                                        </p:attrNameLst>
+                                      </p:cBhvr>
+                                      <p:to>
+                                        <p:strVal val="visible"/>
+                                      </p:to>
+                                    </p:set>
+                                  </p:childTnLst>
+                                </p:cTn>
+                              </p:par>
+                              <p:par>
+                                <p:cTn id="7" presetID="1" presetClass="entr" presetSubtype="0" fill="hold" nodeType="withEffect">
+                                  <p:stCondLst>
+                                    <p:cond delay="0"/>
+                                  </p:stCondLst>
+                                  <p:childTnLst>
+                                    <p:set>
+                                      <p:cBhvr>
+                                        <p:cTn id="8" dur="1" fill="hold">
+                                          <p:stCondLst>
+                                            <p:cond delay="0"/>
+                                          </p:stCondLst>
+                                        </p:cTn>
+                                        <p:tgtEl>
+                                          <p:spTgt spid="8"/>
+                                        </p:tgtEl>
+                                        <p:attrNameLst>
+                                          <p:attrName>style.visibility</p:attrName>
+                                        </p:attrNameLst>
+                                      </p:cBhvr>
+                                      <p:to>
+                                        <p:strVal val="visible"/>
+                                      </p:to>
+                                    </p:set>
+                                  </p:childTnLst>
+                                </p:cTn>
+                              </p:par>
+                            </p:childTnLst>
+                          </p:cTn>
+                        </p:par>
+                      </p:childTnLst>
+                    </p:cTn>
+                  </p:par>
+                  <p:par>
+                    <p:cTn id="9" fill="hold">
+                      <p:stCondLst>
+                        <p:cond delay="indefinite"/>
+                      </p:stCondLst>
+                      <p:childTnLst>
+                        <p:par>
+                          <p:cTn id="10" fill="hold">
+                            <p:stCondLst>
+                              <p:cond delay="0"/>
+                            </p:stCondLst>
+                            <p:childTnLst>
+                              <p:par>
+                                <p:cTn id="11" presetID="1" presetClass="entr" presetSubtype="0" fill="hold" nodeType="clickEffect">
+                                  <p:stCondLst>
+                                    <p:cond delay="0"/>
+                                  </p:stCondLst>
+                                  <p:childTnLst>
+                                    <p:set>
+                                      <p:cBhvr>
+                                        <p:cTn id="12" dur="1" fill="hold">
+                                          <p:stCondLst>
+                                            <p:cond delay="0"/>
+                                          </p:stCondLst>
+                                        </p:cTn>
+                                        <p:tgtEl>
+                                          <p:spTgt spid="9"/>
+                                        </p:tgtEl>
+                                        <p:attrNameLst>
+                                          <p:attrName>style.visibility</p:attrName>
+                                        </p:attrNameLst>
+                                      </p:cBhvr>
+                                      <p:to>
+                                        <p:strVal val="visible"/>
+                                      </p:to>
+                                    </p:set>
+                                  </p:childTnLst>
+                                </p:cTn>
+                              </p:par>
+                              <p:par>
+                                <p:cTn id="13" presetID="1" presetClass="entr" presetSubtype="0" fill="hold" grpId="0" nodeType="withEffect">
+                                  <p:stCondLst>
+                                    <p:cond delay="0"/>
+                                  </p:stCondLst>
+                                  <p:childTnLst>
+                                    <p:set>
+                                      <p:cBhvr>
+                                        <p:cTn id="14" dur="1" fill="hold">
+                                          <p:stCondLst>
+                                            <p:cond delay="0"/>
+                                          </p:stCondLst>
+                                        </p:cTn>
+                                        <p:tgtEl>
+                                          <p:spTgt spid="22"/>
+                                        </p:tgtEl>
+                                        <p:attrNameLst>
+                                          <p:attrName>style.visibility</p:attrName>
+                                        </p:attrNameLst>
+                                      </p:cBhvr>
+                                      <p:to>
+                                        <p:strVal val="visible"/>
+                                      </p:to>
+                                    </p:set>
+                                  </p:childTnLst>
+                                </p:cTn>
+                              </p:par>
+                            </p:childTnLst>
+                          </p:cTn>
+                        </p:par>
+                      </p:childTnLst>
+                    </p:cTn>
+                  </p:par>
+                  <p:par>
+                    <p:cTn id="15" fill="hold">
+                      <p:stCondLst>
+                        <p:cond delay="indefinite"/>
+                      </p:stCondLst>
+                      <p:childTnLst>
+                        <p:par>
+                          <p:cTn id="16" fill="hold">
+                            <p:stCondLst>
+                              <p:cond delay="0"/>
+                            </p:stCondLst>
+                            <p:childTnLst>
+                              <p:par>
+                                <p:cTn id="17" presetID="1" presetClass="entr" presetSubtype="0" fill="hold" nodeType="clickEffect">
+                                  <p:stCondLst>
+                                    <p:cond delay="0"/>
+                                  </p:stCondLst>
+                                  <p:childTnLst>
+                                    <p:set>
+                                      <p:cBhvr>
+                                        <p:cTn id="18" dur="1" fill="hold">
+                                          <p:stCondLst>
+                                            <p:cond delay="0"/>
+                                          </p:stCondLst>
+                                        </p:cTn>
+                                        <p:tgtEl>
+                                          <p:spTgt spid="12"/>
+                                        </p:tgtEl>
+                                        <p:attrNameLst>
+                                          <p:attrName>style.visibility</p:attrName>
+                                        </p:attrNameLst>
+                                      </p:cBhvr>
+                                      <p:to>
+                                        <p:strVal val="visible"/>
+                                      </p:to>
+                                    </p:set>
+                                  </p:childTnLst>
+                                </p:cTn>
+                              </p:par>
+                              <p:par>
+                                <p:cTn id="19" presetID="1" presetClass="entr" presetSubtype="0" fill="hold" grpId="0" nodeType="withEffect">
+                                  <p:stCondLst>
+                                    <p:cond delay="0"/>
+                                  </p:stCondLst>
+                                  <p:childTnLst>
+                                    <p:set>
+                                      <p:cBhvr>
+                                        <p:cTn id="20" dur="1" fill="hold">
+                                          <p:stCondLst>
+                                            <p:cond delay="0"/>
+                                          </p:stCondLst>
+                                        </p:cTn>
+                                        <p:tgtEl>
+                                          <p:spTgt spid="21"/>
+                                        </p:tgtEl>
+                                        <p:attrNameLst>
+                                          <p:attrName>style.visibility</p:attrName>
+                                        </p:attrNameLst>
+                                      </p:cBhvr>
+                                      <p:to>
+                                        <p:strVal val="visible"/>
+                                      </p:to>
+                                    </p:set>
+                                  </p:childTnLst>
+                                </p:cTn>
+                              </p:par>
+                            </p:childTnLst>
+                          </p:cTn>
+                        </p:par>
+                      </p:childTnLst>
+                    </p:cTn>
+                  </p:par>
+                  <p:par>
+                    <p:cTn id="21" fill="hold">
+                      <p:stCondLst>
+                        <p:cond delay="indefinite"/>
+                      </p:stCondLst>
+                      <p:childTnLst>
+                        <p:par>
+                          <p:cTn id="22" fill="hold">
+                            <p:stCondLst>
+                              <p:cond delay="0"/>
+                            </p:stCondLst>
+                            <p:childTnLst>
+                              <p:par>
+                                <p:cTn id="23" presetID="1" presetClass="entr" presetSubtype="0" fill="hold" nodeType="clickEffect">
+                                  <p:stCondLst>
+                                    <p:cond delay="0"/>
+                                  </p:stCondLst>
+                                  <p:childTnLst>
+                                    <p:set>
+                                      <p:cBhvr>
+                                        <p:cTn id="24" dur="1" fill="hold">
+                                          <p:stCondLst>
+                                            <p:cond delay="0"/>
+                                          </p:stCondLst>
+                                        </p:cTn>
+                                        <p:tgtEl>
+                                          <p:spTgt spid="13"/>
+                                        </p:tgtEl>
+                                        <p:attrNameLst>
+                                          <p:attrName>style.visibility</p:attrName>
+                                        </p:attrNameLst>
+                                      </p:cBhvr>
+                                      <p:to>
+                                        <p:strVal val="visible"/>
+                                      </p:to>
+                                    </p:set>
+                                  </p:childTnLst>
+                                </p:cTn>
+                              </p:par>
+                              <p:par>
+                                <p:cTn id="25" presetID="1" presetClass="entr" presetSubtype="0" fill="hold" grpId="0" nodeType="withEffect">
+                                  <p:stCondLst>
+                                    <p:cond delay="0"/>
+                                  </p:stCondLst>
+                                  <p:childTnLst>
+                                    <p:set>
+                                      <p:cBhvr>
+                                        <p:cTn id="26" dur="1" fill="hold">
+                                          <p:stCondLst>
+                                            <p:cond delay="0"/>
+                                          </p:stCondLst>
+                                        </p:cTn>
+                                        <p:tgtEl>
+                                          <p:spTgt spid="23"/>
+                                        </p:tgtEl>
+                                        <p:attrNameLst>
+                                          <p:attrName>style.visibility</p:attrName>
+                                        </p:attrNameLst>
+                                      </p:cBhvr>
+                                      <p:to>
+                                        <p:strVal val="visible"/>
+                                      </p:to>
+                                    </p:set>
+                                  </p:childTnLst>
+                                </p:cTn>
+                              </p:par>
+                            </p:childTnLst>
+                          </p:cTn>
+                        </p:par>
+                      </p:childTnLst>
+                    </p:cTn>
+                  </p:par>
+                  <p:par>
+                    <p:cTn id="27" fill="hold">
+                      <p:stCondLst>
+                        <p:cond delay="indefinite"/>
+                      </p:stCondLst>
+                      <p:childTnLst>
+                        <p:par>
+                          <p:cTn id="28" fill="hold">
+                            <p:stCondLst>
+                              <p:cond delay="0"/>
+                            </p:stCondLst>
+                            <p:childTnLst>
+                              <p:par>
+                                <p:cTn id="29" presetID="1" presetClass="entr" presetSubtype="0" fill="hold" nodeType="clickEffect">
+                                  <p:stCondLst>
+                                    <p:cond delay="0"/>
+                                  </p:stCondLst>
+                                  <p:childTnLst>
+                                    <p:set>
+                                      <p:cBhvr>
+                                        <p:cTn id="30" dur="1" fill="hold">
+                                          <p:stCondLst>
+                                            <p:cond delay="0"/>
+                                          </p:stCondLst>
+                                        </p:cTn>
+                                        <p:tgtEl>
+                                          <p:spTgt spid="14"/>
+                                        </p:tgtEl>
+                                        <p:attrNameLst>
+                                          <p:attrName>style.visibility</p:attrName>
+                                        </p:attrNameLst>
+                                      </p:cBhvr>
+                                      <p:to>
+                                        <p:strVal val="visible"/>
+                                      </p:to>
+                                    </p:set>
+                                  </p:childTnLst>
+                                </p:cTn>
+                              </p:par>
+                              <p:par>
+                                <p:cTn id="31" presetID="1" presetClass="entr" presetSubtype="0" fill="hold" grpId="0" nodeType="withEffect">
+                                  <p:stCondLst>
+                                    <p:cond delay="0"/>
+                                  </p:stCondLst>
+                                  <p:childTnLst>
+                                    <p:set>
+                                      <p:cBhvr>
+                                        <p:cTn id="32" dur="1" fill="hold">
+                                          <p:stCondLst>
+                                            <p:cond delay="0"/>
+                                          </p:stCondLst>
+                                        </p:cTn>
+                                        <p:tgtEl>
+                                          <p:spTgt spid="24"/>
+                                        </p:tgtEl>
+                                        <p:attrNameLst>
+                                          <p:attrName>style.visibility</p:attrName>
+                                        </p:attrNameLst>
+                                      </p:cBhvr>
+                                      <p:to>
+                                        <p:strVal val="visible"/>
+                                      </p:to>
+                                    </p:set>
+                                  </p:childTnLst>
+                                </p:cTn>
+                              </p:par>
+                              <p:par>
+                                <p:cTn id="33" presetID="1" presetClass="entr" presetSubtype="0" fill="hold" nodeType="withEffect">
+                                  <p:stCondLst>
+                                    <p:cond delay="0"/>
+                                  </p:stCondLst>
+                                  <p:childTnLst>
+                                    <p:set>
+                                      <p:cBhvr>
+                                        <p:cTn id="34" dur="1" fill="hold">
+                                          <p:stCondLst>
+                                            <p:cond delay="0"/>
+                                          </p:stCondLst>
+                                        </p:cTn>
+                                        <p:tgtEl>
+                                          <p:spTgt spid="18"/>
+                                        </p:tgtEl>
+                                        <p:attrNameLst>
+                                          <p:attrName>style.visibility</p:attrName>
+                                        </p:attrNameLst>
+                                      </p:cBhvr>
+                                      <p:to>
+                                        <p:strVal val="visible"/>
+                                      </p:to>
+                                    </p:set>
+                                  </p:childTnLst>
+                                </p:cTn>
+                              </p:par>
+                              <p:par>
+                                <p:cTn id="35" presetID="1" presetClass="entr" presetSubtype="0" fill="hold" grpId="0" nodeType="withEffect">
+                                  <p:stCondLst>
+                                    <p:cond delay="0"/>
+                                  </p:stCondLst>
+                                  <p:childTnLst>
+                                    <p:set>
+                                      <p:cBhvr>
+                                        <p:cTn id="36" dur="1" fill="hold">
+                                          <p:stCondLst>
+                                            <p:cond delay="0"/>
+                                          </p:stCondLst>
+                                        </p:cTn>
+                                        <p:tgtEl>
+                                          <p:spTgt spid="25"/>
+                                        </p:tgtEl>
+                                        <p:attrNameLst>
+                                          <p:attrName>style.visibility</p:attrName>
+                                        </p:attrNameLst>
+                                      </p:cBhvr>
+                                      <p:to>
+                                        <p:strVal val="visible"/>
+                                      </p:to>
+                                    </p:set>
+                                  </p:childTnLst>
+                                </p:cTn>
+                              </p:par>
+                            </p:childTnLst>
+                          </p:cTn>
+                        </p:par>
+                      </p:childTnLst>
+                    </p:cTn>
+                  </p:par>
+                  <p:par>
+                    <p:cTn id="37" fill="hold">
+                      <p:stCondLst>
+                        <p:cond delay="indefinite"/>
+                      </p:stCondLst>
+                      <p:childTnLst>
+                        <p:par>
+                          <p:cTn id="38" fill="hold">
+                            <p:stCondLst>
+                              <p:cond delay="0"/>
+                            </p:stCondLst>
+                            <p:childTnLst>
+                              <p:par>
+                                <p:cTn id="39" presetID="1" presetClass="entr" presetSubtype="0" fill="hold" nodeType="clickEffect">
+                                  <p:stCondLst>
+                                    <p:cond delay="0"/>
+                                  </p:stCondLst>
+                                  <p:childTnLst>
+                                    <p:set>
+                                      <p:cBhvr>
+                                        <p:cTn id="40" dur="1" fill="hold">
+                                          <p:stCondLst>
+                                            <p:cond delay="0"/>
+                                          </p:stCondLst>
+                                        </p:cTn>
+                                        <p:tgtEl>
+                                          <p:spTgt spid="16"/>
+                                        </p:tgtEl>
+                                        <p:attrNameLst>
+                                          <p:attrName>style.visibility</p:attrName>
+                                        </p:attrNameLst>
+                                      </p:cBhvr>
+                                      <p:to>
+                                        <p:strVal val="visible"/>
+                                      </p:to>
+                                    </p:set>
+                                  </p:childTnLst>
+                                </p:cTn>
+                              </p:par>
+                              <p:par>
+                                <p:cTn id="41" presetID="1" presetClass="entr" presetSubtype="0" fill="hold" grpId="0" nodeType="withEffect">
+                                  <p:stCondLst>
+                                    <p:cond delay="0"/>
+                                  </p:stCondLst>
+                                  <p:childTnLst>
+                                    <p:set>
+                                      <p:cBhvr>
+                                        <p:cTn id="42" dur="1" fill="hold">
+                                          <p:stCondLst>
+                                            <p:cond delay="0"/>
+                                          </p:stCondLst>
+                                        </p:cTn>
+                                        <p:tgtEl>
+                                          <p:spTgt spid="26"/>
+                                        </p:tgtEl>
+                                        <p:attrNameLst>
+                                          <p:attrName>style.visibility</p:attrName>
+                                        </p:attrNameLst>
+                                      </p:cBhvr>
+                                      <p:to>
+                                        <p:strVal val="visible"/>
+                                      </p:to>
+                                    </p:set>
+                                  </p:childTnLst>
+                                </p:cTn>
+                              </p:par>
+                            </p:childTnLst>
+                          </p:cTn>
+                        </p:par>
+                      </p:childTnLst>
+                    </p:cTn>
+                  </p:par>
+                  <p:par>
+                    <p:cTn id="43" fill="hold">
+                      <p:stCondLst>
+                        <p:cond delay="indefinite"/>
+                      </p:stCondLst>
+                      <p:childTnLst>
+                        <p:par>
+                          <p:cTn id="44" fill="hold">
+                            <p:stCondLst>
+                              <p:cond delay="0"/>
+                            </p:stCondLst>
+                            <p:childTnLst>
+                              <p:par>
+                                <p:cTn id="45" presetID="1" presetClass="entr" presetSubtype="0" fill="hold" nodeType="clickEffect">
+                                  <p:stCondLst>
+                                    <p:cond delay="0"/>
+                                  </p:stCondLst>
+                                  <p:childTnLst>
+                                    <p:set>
+                                      <p:cBhvr>
+                                        <p:cTn id="46" dur="1" fill="hold">
+                                          <p:stCondLst>
+                                            <p:cond delay="0"/>
+                                          </p:stCondLst>
+                                        </p:cTn>
+                                        <p:tgtEl>
+                                          <p:spTgt spid="17"/>
+                                        </p:tgtEl>
+                                        <p:attrNameLst>
+                                          <p:attrName>style.visibility</p:attrName>
+                                        </p:attrNameLst>
+                                      </p:cBhvr>
+                                      <p:to>
+                                        <p:strVal val="visible"/>
+                                      </p:to>
+                                    </p:set>
+                                  </p:childTnLst>
+                                </p:cTn>
+                              </p:par>
+                              <p:par>
+                                <p:cTn id="47" presetID="1" presetClass="entr" presetSubtype="0" fill="hold" grpId="0" nodeType="withEffect">
+                                  <p:stCondLst>
+                                    <p:cond delay="0"/>
+                                  </p:stCondLst>
+                                  <p:childTnLst>
+                                    <p:set>
+                                      <p:cBhvr>
+                                        <p:cTn id="48" dur="1" fill="hold">
+                                          <p:stCondLst>
+                                            <p:cond delay="0"/>
+                                          </p:stCondLst>
+                                        </p:cTn>
+                                        <p:tgtEl>
+                                          <p:spTgt spid="27"/>
+                                        </p:tgtEl>
+                                        <p:attrNameLst>
+                                          <p:attrName>style.visibility</p:attrName>
+                                        </p:attrNameLst>
+                                      </p:cBhvr>
+                                      <p:to>
+                                        <p:strVal val="visible"/>
+                                      </p:to>
+                                    </p:set>
+                                  </p:childTnLst>
+                                </p:cTn>
+                              </p:par>
+                            </p:childTnLst>
+                          </p:cTn>
+                        </p:par>
+                      </p:childTnLst>
+                    </p:cTn>
+                  </p:par>
+                </p:childTnLst>
+              </p:cTn>
+              <p:prevCondLst>
+                <p:cond evt="onPrev" delay="0">
+                  <p:tgtEl>
+                    <p:sldTgt/>
+                  </p:tgtEl>
+                </p:cond>
+              </p:prevCondLst>
+              <p:nextCondLst>
+                <p:cond evt="onNext" delay="0">
+                  <p:tgtEl>
+                    <p:sldTgt/>
+                  </p:tgtEl>
+                </p:cond>
+              </p:nextCondLst>
+            </p:seq>
+          </p:childTnLst>
+        </p:cTn>
+      </p:par>
+    </p:tnLst>
+    <p:bldLst>
+      <p:bldP spid="20" grpId="0" animBg="1"/>
+      <p:bldP spid="21" grpId="0" animBg="1"/>
+      <p:bldP spid="22" grpId="0" animBg="1"/>
+      <p:bldP spid="23" grpId="0" animBg="1"/>
+      <p:bldP spid="24" grpId="0" animBg="1"/>
+      <p:bldP spid="25" grpId="0" animBg="1"/>
+      <p:bldP spid="26" grpId="0" animBg="1"/>
+      <p:bldP spid="27" grpId="0" animBg="1"/>
+    </p:bldLst>
+  </p:timing>
 </p:sld>
 </file>
 
@@ -4174,7 +6576,7 @@
           <p:cNvPr id="2" name="Title 1">
             <a:extLst>
               <a:ext uri="{FF2B5EF4-FFF2-40B4-BE49-F238E27FC236}">
-                <a16:creationId xmlns:a16="http://schemas.microsoft.com/office/drawing/2014/main" id="{472CA6C5-D301-54EC-AECC-79D1CFECC62C}"/>
+                <a16:creationId xmlns:a16="http://schemas.microsoft.com/office/drawing/2014/main" id="{EBFCB1D2-0B81-312E-ED64-DBBDE9F62224}"/>
               </a:ext>
             </a:extLst>
           </p:cNvPr>
@@ -4192,7 +6594,7 @@
           <a:p>
             <a:r>
               <a:rPr lang="en-US" dirty="0"/>
-              <a:t>Api design for function calling..  continue</a:t>
+              <a:t>Api design for function calling</a:t>
             </a:r>
           </a:p>
         </p:txBody>
@@ -4202,7 +6604,7 @@
           <p:cNvPr id="3" name="Content Placeholder 2">
             <a:extLst>
               <a:ext uri="{FF2B5EF4-FFF2-40B4-BE49-F238E27FC236}">
-                <a16:creationId xmlns:a16="http://schemas.microsoft.com/office/drawing/2014/main" id="{50582BAB-C074-1583-004B-0E400A787E29}"/>
+                <a16:creationId xmlns:a16="http://schemas.microsoft.com/office/drawing/2014/main" id="{2F435063-D202-BDFA-876B-EF1DA0371544}"/>
               </a:ext>
             </a:extLst>
           </p:cNvPr>
@@ -4215,502 +6617,131 @@
         </p:nvSpPr>
         <p:spPr/>
         <p:txBody>
-          <a:bodyPr>
-            <a:normAutofit lnSpcReduction="10000"/>
-          </a:bodyPr>
-          <a:lstStyle/>
-          <a:p>
+          <a:bodyPr/>
+          <a:lstStyle/>
+          <a:p>
+            <a:r>
+              <a:rPr lang="en-US" dirty="0"/>
+              <a:t>The Json schema syntax (to be provided as function) is the same used to define input – output </a:t>
+            </a:r>
+            <a:r>
+              <a:rPr lang="en-US" dirty="0" err="1"/>
+              <a:t>dto</a:t>
+            </a:r>
+            <a:r>
+              <a:rPr lang="en-US" dirty="0"/>
+              <a:t> in an open-api document (swagger)</a:t>
+            </a:r>
+          </a:p>
+          <a:p>
+            <a:pPr lvl="1"/>
+            <a:r>
+              <a:rPr lang="en-US" dirty="0"/>
+              <a:t>Extract dynamically from the open api document of your target api</a:t>
+            </a:r>
+          </a:p>
+          <a:p>
+            <a:pPr lvl="1"/>
+            <a:r>
+              <a:rPr lang="en-US" dirty="0"/>
+              <a:t>Put clear description on input </a:t>
+            </a:r>
+            <a:r>
+              <a:rPr lang="en-US" dirty="0" err="1"/>
+              <a:t>dto</a:t>
+            </a:r>
+            <a:r>
+              <a:rPr lang="en-US" dirty="0"/>
+              <a:t> and its properties (</a:t>
+            </a:r>
+            <a:r>
+              <a:rPr lang="en-US" b="1" dirty="0"/>
+              <a:t>prompt engineer applied on a swagger doc </a:t>
+            </a:r>
+            <a:r>
+              <a:rPr lang="en-US" b="1" dirty="0">
+                <a:sym typeface="Wingdings" panose="05000000000000000000" pitchFamily="2" charset="2"/>
+              </a:rPr>
+              <a:t></a:t>
+            </a:r>
             <a:r>
               <a:rPr lang="en-US" dirty="0">
                 <a:sym typeface="Wingdings" panose="05000000000000000000" pitchFamily="2" charset="2"/>
               </a:rPr>
-              <a:t>Validate the input with care (fluent validation)</a:t>
-            </a:r>
-          </a:p>
-          <a:p>
+              <a:t>)</a:t>
+            </a:r>
+          </a:p>
+          <a:p>
+            <a:pPr lvl="1"/>
             <a:r>
               <a:rPr lang="en-US" dirty="0">
                 <a:sym typeface="Wingdings" panose="05000000000000000000" pitchFamily="2" charset="2"/>
               </a:rPr>
-              <a:t>Return errors in Json format, stating clearly each property having problem and the action to take</a:t>
-            </a:r>
-          </a:p>
-          <a:p>
+              <a:t>Document </a:t>
+            </a:r>
+            <a:r>
+              <a:rPr lang="en-US" b="1" dirty="0">
+                <a:sym typeface="Wingdings" panose="05000000000000000000" pitchFamily="2" charset="2"/>
+              </a:rPr>
+              <a:t>required</a:t>
+            </a:r>
             <a:r>
               <a:rPr lang="en-US" dirty="0">
                 <a:sym typeface="Wingdings" panose="05000000000000000000" pitchFamily="2" charset="2"/>
               </a:rPr>
-              <a:t>Your validation code must be </a:t>
+              <a:t> properties </a:t>
+            </a:r>
+          </a:p>
+          <a:p>
+            <a:pPr lvl="1"/>
+            <a:r>
+              <a:rPr lang="en-US" dirty="0">
+                <a:sym typeface="Wingdings" panose="05000000000000000000" pitchFamily="2" charset="2"/>
+              </a:rPr>
+              <a:t>Make sure </a:t>
             </a:r>
             <a:r>
               <a:rPr lang="en-US" dirty="0" err="1">
                 <a:sym typeface="Wingdings" panose="05000000000000000000" pitchFamily="2" charset="2"/>
               </a:rPr>
-              <a:t>conversational,suggesting</a:t>
+              <a:t>enums</a:t>
             </a:r>
             <a:r>
               <a:rPr lang="en-US" dirty="0">
                 <a:sym typeface="Wingdings" panose="05000000000000000000" pitchFamily="2" charset="2"/>
               </a:rPr>
-              <a:t> action to the chatbot,  e.g. : </a:t>
-            </a:r>
-          </a:p>
-          <a:p>
-            <a:pPr marL="0" indent="0">
-              <a:buNone/>
-            </a:pPr>
-            <a:r>
-              <a:rPr lang="en-US" sz="1100" dirty="0" err="1">
-                <a:solidFill>
-                  <a:srgbClr val="000000"/>
-                </a:solidFill>
-                <a:latin typeface="Courier New" panose="02070309020205020404" pitchFamily="49" charset="0"/>
-                <a:cs typeface="Courier New" panose="02070309020205020404" pitchFamily="49" charset="0"/>
-              </a:rPr>
-              <a:t>ret.Errors.Add</a:t>
-            </a:r>
-            <a:r>
-              <a:rPr lang="en-US" sz="1100" dirty="0">
-                <a:solidFill>
-                  <a:srgbClr val="000000"/>
-                </a:solidFill>
-                <a:latin typeface="Courier New" panose="02070309020205020404" pitchFamily="49" charset="0"/>
-                <a:cs typeface="Courier New" panose="02070309020205020404" pitchFamily="49" charset="0"/>
-              </a:rPr>
-              <a:t>(</a:t>
-            </a:r>
-            <a:r>
-              <a:rPr lang="en-US" sz="1100" dirty="0">
-                <a:solidFill>
-                  <a:srgbClr val="0000FF"/>
-                </a:solidFill>
-                <a:latin typeface="Courier New" panose="02070309020205020404" pitchFamily="49" charset="0"/>
-                <a:cs typeface="Courier New" panose="02070309020205020404" pitchFamily="49" charset="0"/>
-              </a:rPr>
-              <a:t>new</a:t>
-            </a:r>
-            <a:r>
-              <a:rPr lang="en-US" sz="1100" dirty="0">
-                <a:solidFill>
-                  <a:srgbClr val="000000"/>
-                </a:solidFill>
-                <a:latin typeface="Courier New" panose="02070309020205020404" pitchFamily="49" charset="0"/>
-                <a:cs typeface="Courier New" panose="02070309020205020404" pitchFamily="49" charset="0"/>
-              </a:rPr>
-              <a:t> </a:t>
-            </a:r>
-            <a:r>
-              <a:rPr lang="en-US" sz="1100" dirty="0" err="1">
-                <a:solidFill>
-                  <a:srgbClr val="000000"/>
-                </a:solidFill>
-                <a:latin typeface="Courier New" panose="02070309020205020404" pitchFamily="49" charset="0"/>
-                <a:cs typeface="Courier New" panose="02070309020205020404" pitchFamily="49" charset="0"/>
-              </a:rPr>
-              <a:t>ValidationFailure</a:t>
-            </a:r>
-            <a:r>
-              <a:rPr lang="en-US" sz="1100" dirty="0">
-                <a:solidFill>
-                  <a:srgbClr val="000000"/>
-                </a:solidFill>
-                <a:latin typeface="Courier New" panose="02070309020205020404" pitchFamily="49" charset="0"/>
-                <a:cs typeface="Courier New" panose="02070309020205020404" pitchFamily="49" charset="0"/>
-              </a:rPr>
-              <a:t>(</a:t>
-            </a:r>
-            <a:r>
-              <a:rPr lang="en-US" sz="1100" dirty="0" err="1">
-                <a:solidFill>
-                  <a:srgbClr val="000000"/>
-                </a:solidFill>
-                <a:latin typeface="Courier New" panose="02070309020205020404" pitchFamily="49" charset="0"/>
-                <a:cs typeface="Courier New" panose="02070309020205020404" pitchFamily="49" charset="0"/>
-              </a:rPr>
-              <a:t>propertyName</a:t>
-            </a:r>
-            <a:r>
-              <a:rPr lang="en-US" sz="1100" dirty="0">
-                <a:solidFill>
-                  <a:srgbClr val="000000"/>
-                </a:solidFill>
-                <a:latin typeface="Courier New" panose="02070309020205020404" pitchFamily="49" charset="0"/>
-                <a:cs typeface="Courier New" panose="02070309020205020404" pitchFamily="49" charset="0"/>
-              </a:rPr>
-              <a:t>,</a:t>
-            </a:r>
-          </a:p>
-          <a:p>
-            <a:pPr marL="0" indent="0">
-              <a:buNone/>
-            </a:pPr>
-            <a:r>
-              <a:rPr lang="en-US" sz="1100" dirty="0">
-                <a:solidFill>
-                  <a:srgbClr val="000000"/>
-                </a:solidFill>
-                <a:latin typeface="Courier New" panose="02070309020205020404" pitchFamily="49" charset="0"/>
-                <a:cs typeface="Courier New" panose="02070309020205020404" pitchFamily="49" charset="0"/>
-              </a:rPr>
-              <a:t>     (</a:t>
-            </a:r>
-            <a:r>
-              <a:rPr lang="en-US" sz="1100" dirty="0">
-                <a:solidFill>
-                  <a:srgbClr val="0000FF"/>
-                </a:solidFill>
-                <a:latin typeface="Courier New" panose="02070309020205020404" pitchFamily="49" charset="0"/>
-                <a:cs typeface="Courier New" panose="02070309020205020404" pitchFamily="49" charset="0"/>
-              </a:rPr>
-              <a:t>new</a:t>
-            </a:r>
-            <a:r>
-              <a:rPr lang="en-US" sz="1100" dirty="0">
-                <a:solidFill>
-                  <a:srgbClr val="000000"/>
-                </a:solidFill>
-                <a:latin typeface="Courier New" panose="02070309020205020404" pitchFamily="49" charset="0"/>
-                <a:cs typeface="Courier New" panose="02070309020205020404" pitchFamily="49" charset="0"/>
-              </a:rPr>
-              <a:t> </a:t>
-            </a:r>
-            <a:r>
-              <a:rPr lang="en-US" sz="1100" dirty="0" err="1">
-                <a:solidFill>
-                  <a:srgbClr val="000000"/>
-                </a:solidFill>
-                <a:latin typeface="Courier New" panose="02070309020205020404" pitchFamily="49" charset="0"/>
-                <a:cs typeface="Courier New" panose="02070309020205020404" pitchFamily="49" charset="0"/>
-              </a:rPr>
-              <a:t>ValidationErrorInfo</a:t>
-            </a:r>
-            <a:r>
-              <a:rPr lang="en-US" sz="1100" dirty="0">
-                <a:solidFill>
-                  <a:srgbClr val="000000"/>
-                </a:solidFill>
-                <a:latin typeface="Courier New" panose="02070309020205020404" pitchFamily="49" charset="0"/>
-                <a:cs typeface="Courier New" panose="02070309020205020404" pitchFamily="49" charset="0"/>
-              </a:rPr>
-              <a:t> { </a:t>
-            </a:r>
-            <a:r>
-              <a:rPr lang="en-US" sz="1100" dirty="0" err="1">
-                <a:solidFill>
-                  <a:srgbClr val="000000"/>
-                </a:solidFill>
-                <a:latin typeface="Courier New" panose="02070309020205020404" pitchFamily="49" charset="0"/>
-                <a:cs typeface="Courier New" panose="02070309020205020404" pitchFamily="49" charset="0"/>
-              </a:rPr>
-              <a:t>ErrorCode</a:t>
-            </a:r>
-            <a:r>
-              <a:rPr lang="en-US" sz="1100" dirty="0">
-                <a:solidFill>
-                  <a:srgbClr val="000000"/>
-                </a:solidFill>
-                <a:latin typeface="Courier New" panose="02070309020205020404" pitchFamily="49" charset="0"/>
-                <a:cs typeface="Courier New" panose="02070309020205020404" pitchFamily="49" charset="0"/>
-              </a:rPr>
-              <a:t> = </a:t>
-            </a:r>
-            <a:r>
-              <a:rPr lang="en-US" sz="1100" dirty="0">
-                <a:solidFill>
-                  <a:srgbClr val="A31515"/>
-                </a:solidFill>
-                <a:latin typeface="Courier New" panose="02070309020205020404" pitchFamily="49" charset="0"/>
-                <a:cs typeface="Courier New" panose="02070309020205020404" pitchFamily="49" charset="0"/>
-              </a:rPr>
-              <a:t>$"ambiguous value for </a:t>
-            </a:r>
-            <a:r>
-              <a:rPr lang="en-US" sz="1100" dirty="0">
-                <a:solidFill>
-                  <a:srgbClr val="000000"/>
-                </a:solidFill>
-                <a:latin typeface="Courier New" panose="02070309020205020404" pitchFamily="49" charset="0"/>
-                <a:cs typeface="Courier New" panose="02070309020205020404" pitchFamily="49" charset="0"/>
-              </a:rPr>
-              <a:t>{</a:t>
-            </a:r>
-            <a:r>
-              <a:rPr lang="en-US" sz="1100" dirty="0" err="1">
-                <a:solidFill>
-                  <a:srgbClr val="000000"/>
-                </a:solidFill>
-                <a:latin typeface="Courier New" panose="02070309020205020404" pitchFamily="49" charset="0"/>
-                <a:cs typeface="Courier New" panose="02070309020205020404" pitchFamily="49" charset="0"/>
-              </a:rPr>
-              <a:t>propertyName</a:t>
-            </a:r>
-            <a:r>
-              <a:rPr lang="en-US" sz="1100" dirty="0">
-                <a:solidFill>
-                  <a:srgbClr val="000000"/>
-                </a:solidFill>
-                <a:latin typeface="Courier New" panose="02070309020205020404" pitchFamily="49" charset="0"/>
-                <a:cs typeface="Courier New" panose="02070309020205020404" pitchFamily="49" charset="0"/>
-              </a:rPr>
-              <a:t>}</a:t>
-            </a:r>
-            <a:r>
-              <a:rPr lang="en-US" sz="1100" dirty="0">
-                <a:solidFill>
-                  <a:srgbClr val="A31515"/>
-                </a:solidFill>
-                <a:latin typeface="Courier New" panose="02070309020205020404" pitchFamily="49" charset="0"/>
-                <a:cs typeface="Courier New" panose="02070309020205020404" pitchFamily="49" charset="0"/>
-              </a:rPr>
-              <a:t>"</a:t>
-            </a:r>
-            <a:endParaRPr lang="en-US" sz="1100" dirty="0">
-              <a:solidFill>
-                <a:srgbClr val="000000"/>
-              </a:solidFill>
-              <a:latin typeface="Courier New" panose="02070309020205020404" pitchFamily="49" charset="0"/>
-              <a:cs typeface="Courier New" panose="02070309020205020404" pitchFamily="49" charset="0"/>
-            </a:endParaRPr>
-          </a:p>
-          <a:p>
-            <a:pPr marL="0" indent="0">
-              <a:buNone/>
-            </a:pPr>
-            <a:r>
-              <a:rPr lang="en-US" sz="1100" dirty="0">
-                <a:solidFill>
-                  <a:srgbClr val="000000"/>
-                </a:solidFill>
-                <a:latin typeface="Courier New" panose="02070309020205020404" pitchFamily="49" charset="0"/>
-                <a:cs typeface="Courier New" panose="02070309020205020404" pitchFamily="49" charset="0"/>
-              </a:rPr>
-              <a:t>         </a:t>
-            </a:r>
-            <a:r>
-              <a:rPr lang="en-US" sz="1100" dirty="0" err="1">
-                <a:solidFill>
-                  <a:srgbClr val="000000"/>
-                </a:solidFill>
-                <a:latin typeface="Courier New" panose="02070309020205020404" pitchFamily="49" charset="0"/>
-                <a:cs typeface="Courier New" panose="02070309020205020404" pitchFamily="49" charset="0"/>
-              </a:rPr>
-              <a:t>AssistantAction</a:t>
-            </a:r>
-            <a:r>
-              <a:rPr lang="en-US" sz="1100" dirty="0">
-                <a:solidFill>
-                  <a:srgbClr val="000000"/>
-                </a:solidFill>
-                <a:latin typeface="Courier New" panose="02070309020205020404" pitchFamily="49" charset="0"/>
-                <a:cs typeface="Courier New" panose="02070309020205020404" pitchFamily="49" charset="0"/>
-              </a:rPr>
-              <a:t> = </a:t>
-            </a:r>
-            <a:r>
-              <a:rPr lang="en-US" sz="1100" dirty="0">
-                <a:solidFill>
-                  <a:srgbClr val="A31515"/>
-                </a:solidFill>
-                <a:latin typeface="Courier New" panose="02070309020205020404" pitchFamily="49" charset="0"/>
-                <a:cs typeface="Courier New" panose="02070309020205020404" pitchFamily="49" charset="0"/>
-              </a:rPr>
-              <a:t>$"reply to the user with these exact words: \"choose among the following values for </a:t>
-            </a:r>
-            <a:r>
-              <a:rPr lang="en-US" sz="1100" dirty="0">
-                <a:solidFill>
-                  <a:srgbClr val="000000"/>
-                </a:solidFill>
-                <a:latin typeface="Courier New" panose="02070309020205020404" pitchFamily="49" charset="0"/>
-                <a:cs typeface="Courier New" panose="02070309020205020404" pitchFamily="49" charset="0"/>
-              </a:rPr>
-              <a:t>{</a:t>
-            </a:r>
-            <a:r>
-              <a:rPr lang="en-US" sz="1100" dirty="0" err="1">
-                <a:solidFill>
-                  <a:srgbClr val="000000"/>
-                </a:solidFill>
-                <a:latin typeface="Courier New" panose="02070309020205020404" pitchFamily="49" charset="0"/>
-                <a:cs typeface="Courier New" panose="02070309020205020404" pitchFamily="49" charset="0"/>
-              </a:rPr>
-              <a:t>propertyName</a:t>
-            </a:r>
-            <a:r>
-              <a:rPr lang="en-US" sz="1100" dirty="0">
-                <a:solidFill>
-                  <a:srgbClr val="000000"/>
-                </a:solidFill>
-                <a:latin typeface="Courier New" panose="02070309020205020404" pitchFamily="49" charset="0"/>
-                <a:cs typeface="Courier New" panose="02070309020205020404" pitchFamily="49" charset="0"/>
-              </a:rPr>
-              <a:t>}</a:t>
-            </a:r>
-            <a:r>
-              <a:rPr lang="en-US" sz="1100" dirty="0">
-                <a:solidFill>
-                  <a:srgbClr val="A31515"/>
-                </a:solidFill>
-                <a:latin typeface="Courier New" panose="02070309020205020404" pitchFamily="49" charset="0"/>
-                <a:cs typeface="Courier New" panose="02070309020205020404" pitchFamily="49" charset="0"/>
-              </a:rPr>
-              <a:t> : </a:t>
-            </a:r>
-            <a:r>
-              <a:rPr lang="en-US" sz="1100" dirty="0">
-                <a:solidFill>
-                  <a:srgbClr val="000000"/>
-                </a:solidFill>
-                <a:latin typeface="Courier New" panose="02070309020205020404" pitchFamily="49" charset="0"/>
-                <a:cs typeface="Courier New" panose="02070309020205020404" pitchFamily="49" charset="0"/>
-              </a:rPr>
-              <a:t>{</a:t>
-            </a:r>
-            <a:r>
-              <a:rPr lang="en-US" sz="1100" dirty="0" err="1">
-                <a:solidFill>
-                  <a:srgbClr val="0000FF"/>
-                </a:solidFill>
-                <a:latin typeface="Courier New" panose="02070309020205020404" pitchFamily="49" charset="0"/>
-                <a:cs typeface="Courier New" panose="02070309020205020404" pitchFamily="49" charset="0"/>
-              </a:rPr>
-              <a:t>string</a:t>
-            </a:r>
-            <a:r>
-              <a:rPr lang="en-US" sz="1100" dirty="0" err="1">
-                <a:solidFill>
-                  <a:srgbClr val="000000"/>
-                </a:solidFill>
-                <a:latin typeface="Courier New" panose="02070309020205020404" pitchFamily="49" charset="0"/>
-                <a:cs typeface="Courier New" panose="02070309020205020404" pitchFamily="49" charset="0"/>
-              </a:rPr>
-              <a:t>.Join</a:t>
-            </a:r>
-            <a:r>
-              <a:rPr lang="en-US" sz="1100" dirty="0">
-                <a:solidFill>
-                  <a:srgbClr val="000000"/>
-                </a:solidFill>
-                <a:latin typeface="Courier New" panose="02070309020205020404" pitchFamily="49" charset="0"/>
-                <a:cs typeface="Courier New" panose="02070309020205020404" pitchFamily="49" charset="0"/>
-              </a:rPr>
-              <a:t>(</a:t>
-            </a:r>
-            <a:r>
-              <a:rPr lang="en-US" sz="1100" dirty="0">
-                <a:solidFill>
-                  <a:srgbClr val="A31515"/>
-                </a:solidFill>
-                <a:latin typeface="Courier New" panose="02070309020205020404" pitchFamily="49" charset="0"/>
-                <a:cs typeface="Courier New" panose="02070309020205020404" pitchFamily="49" charset="0"/>
-              </a:rPr>
-              <a:t>','</a:t>
-            </a:r>
-            <a:r>
-              <a:rPr lang="en-US" sz="1100" dirty="0">
-                <a:solidFill>
-                  <a:srgbClr val="000000"/>
-                </a:solidFill>
-                <a:latin typeface="Courier New" panose="02070309020205020404" pitchFamily="49" charset="0"/>
-                <a:cs typeface="Courier New" panose="02070309020205020404" pitchFamily="49" charset="0"/>
-              </a:rPr>
-              <a:t>,</a:t>
-            </a:r>
-            <a:r>
-              <a:rPr lang="en-US" sz="1100" dirty="0" err="1">
-                <a:solidFill>
-                  <a:srgbClr val="000000"/>
-                </a:solidFill>
-                <a:latin typeface="Courier New" panose="02070309020205020404" pitchFamily="49" charset="0"/>
-                <a:cs typeface="Courier New" panose="02070309020205020404" pitchFamily="49" charset="0"/>
-              </a:rPr>
-              <a:t>candidatePorts.Take</a:t>
-            </a:r>
-            <a:r>
-              <a:rPr lang="en-US" sz="1100" dirty="0">
-                <a:solidFill>
-                  <a:srgbClr val="000000"/>
-                </a:solidFill>
-                <a:latin typeface="Courier New" panose="02070309020205020404" pitchFamily="49" charset="0"/>
-                <a:cs typeface="Courier New" panose="02070309020205020404" pitchFamily="49" charset="0"/>
-              </a:rPr>
-              <a:t>(5).Select(</a:t>
-            </a:r>
-            <a:r>
-              <a:rPr lang="en-US" sz="1100" dirty="0" err="1">
-                <a:solidFill>
-                  <a:srgbClr val="000000"/>
-                </a:solidFill>
-                <a:latin typeface="Courier New" panose="02070309020205020404" pitchFamily="49" charset="0"/>
-                <a:cs typeface="Courier New" panose="02070309020205020404" pitchFamily="49" charset="0"/>
-              </a:rPr>
-              <a:t>FormatPort</a:t>
-            </a:r>
-            <a:r>
-              <a:rPr lang="en-US" sz="1100" dirty="0">
-                <a:solidFill>
-                  <a:srgbClr val="000000"/>
-                </a:solidFill>
-                <a:latin typeface="Courier New" panose="02070309020205020404" pitchFamily="49" charset="0"/>
-                <a:cs typeface="Courier New" panose="02070309020205020404" pitchFamily="49" charset="0"/>
-              </a:rPr>
-              <a:t>))}</a:t>
-            </a:r>
-            <a:r>
-              <a:rPr lang="en-US" sz="1100" dirty="0">
-                <a:solidFill>
-                  <a:srgbClr val="A31515"/>
-                </a:solidFill>
-                <a:latin typeface="Courier New" panose="02070309020205020404" pitchFamily="49" charset="0"/>
-                <a:cs typeface="Courier New" panose="02070309020205020404" pitchFamily="49" charset="0"/>
-              </a:rPr>
-              <a:t>\"" </a:t>
-            </a:r>
-            <a:r>
-              <a:rPr lang="en-US" sz="1100" dirty="0">
-                <a:solidFill>
-                  <a:srgbClr val="000000"/>
-                </a:solidFill>
-                <a:latin typeface="Courier New" panose="02070309020205020404" pitchFamily="49" charset="0"/>
-                <a:cs typeface="Courier New" panose="02070309020205020404" pitchFamily="49" charset="0"/>
-              </a:rPr>
-              <a:t>}.</a:t>
-            </a:r>
-            <a:r>
-              <a:rPr lang="en-US" sz="1100" dirty="0" err="1">
-                <a:solidFill>
-                  <a:srgbClr val="000000"/>
-                </a:solidFill>
-                <a:latin typeface="Courier New" panose="02070309020205020404" pitchFamily="49" charset="0"/>
-                <a:cs typeface="Courier New" panose="02070309020205020404" pitchFamily="49" charset="0"/>
-              </a:rPr>
-              <a:t>ToJson</a:t>
-            </a:r>
-            <a:r>
-              <a:rPr lang="en-US" sz="1100" dirty="0">
-                <a:solidFill>
-                  <a:srgbClr val="000000"/>
-                </a:solidFill>
-                <a:latin typeface="Courier New" panose="02070309020205020404" pitchFamily="49" charset="0"/>
-                <a:cs typeface="Courier New" panose="02070309020205020404" pitchFamily="49" charset="0"/>
-              </a:rPr>
-              <a:t>())));</a:t>
-            </a:r>
-          </a:p>
-          <a:p>
+              <a:t> are exposed in the swagger doc as strings</a:t>
+            </a:r>
+          </a:p>
+          <a:p>
+            <a:pPr lvl="1"/>
+            <a:r>
+              <a:rPr lang="en-US" dirty="0">
+                <a:sym typeface="Wingdings" panose="05000000000000000000" pitchFamily="2" charset="2"/>
+              </a:rPr>
+              <a:t>Make sure </a:t>
+            </a:r>
+            <a:r>
+              <a:rPr lang="en-US" dirty="0" err="1">
+                <a:sym typeface="Wingdings" panose="05000000000000000000" pitchFamily="2" charset="2"/>
+              </a:rPr>
+              <a:t>enums</a:t>
+            </a:r>
+            <a:r>
+              <a:rPr lang="en-US" dirty="0">
+                <a:sym typeface="Wingdings" panose="05000000000000000000" pitchFamily="2" charset="2"/>
+              </a:rPr>
+              <a:t> as strings are accepted as input at run time</a:t>
+            </a:r>
+          </a:p>
+          <a:p>
+            <a:pPr lvl="2"/>
             <a:endParaRPr lang="en-US" dirty="0">
               <a:sym typeface="Wingdings" panose="05000000000000000000" pitchFamily="2" charset="2"/>
             </a:endParaRPr>
           </a:p>
           <a:p>
-            <a:r>
-              <a:rPr lang="en-US" dirty="0">
-                <a:sym typeface="Wingdings" panose="05000000000000000000" pitchFamily="2" charset="2"/>
-              </a:rPr>
-              <a:t>Given this requirements the api you target the call will be likely a proxy to an actual existing api. </a:t>
-            </a:r>
-          </a:p>
-          <a:p>
+            <a:pPr lvl="1"/>
             <a:endParaRPr lang="en-US" dirty="0"/>
           </a:p>
         </p:txBody>
@@ -4718,7 +6749,7 @@
     </p:spTree>
     <p:extLst>
       <p:ext uri="{BB962C8B-B14F-4D97-AF65-F5344CB8AC3E}">
-        <p14:creationId xmlns:p14="http://schemas.microsoft.com/office/powerpoint/2010/main" val="2234336054"/>
+        <p14:creationId xmlns:p14="http://schemas.microsoft.com/office/powerpoint/2010/main" val="803272294"/>
       </p:ext>
     </p:extLst>
   </p:cSld>
@@ -4750,7 +6781,7 @@
           <p:cNvPr id="2" name="Title 1">
             <a:extLst>
               <a:ext uri="{FF2B5EF4-FFF2-40B4-BE49-F238E27FC236}">
-                <a16:creationId xmlns:a16="http://schemas.microsoft.com/office/drawing/2014/main" id="{738CD57D-70E7-1BDF-4AB1-754912A38D39}"/>
+                <a16:creationId xmlns:a16="http://schemas.microsoft.com/office/drawing/2014/main" id="{472CA6C5-D301-54EC-AECC-79D1CFECC62C}"/>
               </a:ext>
             </a:extLst>
           </p:cNvPr>
@@ -4768,7 +6799,7 @@
           <a:p>
             <a:r>
               <a:rPr lang="en-US" dirty="0"/>
-              <a:t>gotchas</a:t>
+              <a:t>Api design for function calling..  continue</a:t>
             </a:r>
           </a:p>
         </p:txBody>
@@ -4778,7 +6809,7 @@
           <p:cNvPr id="3" name="Content Placeholder 2">
             <a:extLst>
               <a:ext uri="{FF2B5EF4-FFF2-40B4-BE49-F238E27FC236}">
-                <a16:creationId xmlns:a16="http://schemas.microsoft.com/office/drawing/2014/main" id="{5D6012E5-8589-D8A0-5999-F8C417FFAA30}"/>
+                <a16:creationId xmlns:a16="http://schemas.microsoft.com/office/drawing/2014/main" id="{50582BAB-C074-1583-004B-0E400A787E29}"/>
               </a:ext>
             </a:extLst>
           </p:cNvPr>
@@ -4791,24 +6822,499 @@
         </p:nvSpPr>
         <p:spPr/>
         <p:txBody>
-          <a:bodyPr/>
-          <a:lstStyle/>
-          <a:p>
-            <a:r>
-              <a:rPr lang="en-US" dirty="0"/>
-              <a:t>The AI sometime make up parameters (e.g. : email)</a:t>
-            </a:r>
-          </a:p>
-          <a:p>
-            <a:r>
-              <a:rPr lang="en-US" dirty="0"/>
-              <a:t>Put up a good system message</a:t>
-            </a:r>
-          </a:p>
-          <a:p>
-            <a:r>
-              <a:rPr lang="en-US" dirty="0"/>
-              <a:t>Do not expect that required setting is always respected for the properties</a:t>
+          <a:bodyPr>
+            <a:normAutofit lnSpcReduction="10000"/>
+          </a:bodyPr>
+          <a:lstStyle/>
+          <a:p>
+            <a:r>
+              <a:rPr lang="en-US" dirty="0">
+                <a:sym typeface="Wingdings" panose="05000000000000000000" pitchFamily="2" charset="2"/>
+              </a:rPr>
+              <a:t>Validate the input with care (fluent validation)</a:t>
+            </a:r>
+          </a:p>
+          <a:p>
+            <a:r>
+              <a:rPr lang="en-US" dirty="0">
+                <a:sym typeface="Wingdings" panose="05000000000000000000" pitchFamily="2" charset="2"/>
+              </a:rPr>
+              <a:t>Return errors in Json format, stating clearly each property having problem and the action to take</a:t>
+            </a:r>
+          </a:p>
+          <a:p>
+            <a:r>
+              <a:rPr lang="en-US" dirty="0">
+                <a:sym typeface="Wingdings" panose="05000000000000000000" pitchFamily="2" charset="2"/>
+              </a:rPr>
+              <a:t>Your validation code must be </a:t>
+            </a:r>
+            <a:r>
+              <a:rPr lang="en-US" dirty="0" err="1">
+                <a:sym typeface="Wingdings" panose="05000000000000000000" pitchFamily="2" charset="2"/>
+              </a:rPr>
+              <a:t>conversational,suggesting</a:t>
+            </a:r>
+            <a:r>
+              <a:rPr lang="en-US" dirty="0">
+                <a:sym typeface="Wingdings" panose="05000000000000000000" pitchFamily="2" charset="2"/>
+              </a:rPr>
+              <a:t> action to the chatbot,  e.g. : </a:t>
+            </a:r>
+          </a:p>
+          <a:p>
+            <a:pPr marL="0" indent="0">
+              <a:buNone/>
+            </a:pPr>
+            <a:r>
+              <a:rPr lang="en-US" sz="1100" dirty="0" err="1">
+                <a:solidFill>
+                  <a:srgbClr val="000000"/>
+                </a:solidFill>
+                <a:latin typeface="Courier New" panose="02070309020205020404" pitchFamily="49" charset="0"/>
+                <a:cs typeface="Courier New" panose="02070309020205020404" pitchFamily="49" charset="0"/>
+              </a:rPr>
+              <a:t>ret.Errors.Add</a:t>
+            </a:r>
+            <a:r>
+              <a:rPr lang="en-US" sz="1100" dirty="0">
+                <a:solidFill>
+                  <a:srgbClr val="000000"/>
+                </a:solidFill>
+                <a:latin typeface="Courier New" panose="02070309020205020404" pitchFamily="49" charset="0"/>
+                <a:cs typeface="Courier New" panose="02070309020205020404" pitchFamily="49" charset="0"/>
+              </a:rPr>
+              <a:t>(</a:t>
+            </a:r>
+            <a:r>
+              <a:rPr lang="en-US" sz="1100" dirty="0">
+                <a:solidFill>
+                  <a:srgbClr val="0000FF"/>
+                </a:solidFill>
+                <a:latin typeface="Courier New" panose="02070309020205020404" pitchFamily="49" charset="0"/>
+                <a:cs typeface="Courier New" panose="02070309020205020404" pitchFamily="49" charset="0"/>
+              </a:rPr>
+              <a:t>new</a:t>
+            </a:r>
+            <a:r>
+              <a:rPr lang="en-US" sz="1100" dirty="0">
+                <a:solidFill>
+                  <a:srgbClr val="000000"/>
+                </a:solidFill>
+                <a:latin typeface="Courier New" panose="02070309020205020404" pitchFamily="49" charset="0"/>
+                <a:cs typeface="Courier New" panose="02070309020205020404" pitchFamily="49" charset="0"/>
+              </a:rPr>
+              <a:t> </a:t>
+            </a:r>
+            <a:r>
+              <a:rPr lang="en-US" sz="1100" dirty="0" err="1">
+                <a:solidFill>
+                  <a:srgbClr val="000000"/>
+                </a:solidFill>
+                <a:latin typeface="Courier New" panose="02070309020205020404" pitchFamily="49" charset="0"/>
+                <a:cs typeface="Courier New" panose="02070309020205020404" pitchFamily="49" charset="0"/>
+              </a:rPr>
+              <a:t>ValidationFailure</a:t>
+            </a:r>
+            <a:r>
+              <a:rPr lang="en-US" sz="1100" dirty="0">
+                <a:solidFill>
+                  <a:srgbClr val="000000"/>
+                </a:solidFill>
+                <a:latin typeface="Courier New" panose="02070309020205020404" pitchFamily="49" charset="0"/>
+                <a:cs typeface="Courier New" panose="02070309020205020404" pitchFamily="49" charset="0"/>
+              </a:rPr>
+              <a:t>(</a:t>
+            </a:r>
+            <a:r>
+              <a:rPr lang="en-US" sz="1100" dirty="0" err="1">
+                <a:solidFill>
+                  <a:srgbClr val="000000"/>
+                </a:solidFill>
+                <a:latin typeface="Courier New" panose="02070309020205020404" pitchFamily="49" charset="0"/>
+                <a:cs typeface="Courier New" panose="02070309020205020404" pitchFamily="49" charset="0"/>
+              </a:rPr>
+              <a:t>propertyName</a:t>
+            </a:r>
+            <a:r>
+              <a:rPr lang="en-US" sz="1100" dirty="0">
+                <a:solidFill>
+                  <a:srgbClr val="000000"/>
+                </a:solidFill>
+                <a:latin typeface="Courier New" panose="02070309020205020404" pitchFamily="49" charset="0"/>
+                <a:cs typeface="Courier New" panose="02070309020205020404" pitchFamily="49" charset="0"/>
+              </a:rPr>
+              <a:t>,</a:t>
+            </a:r>
+          </a:p>
+          <a:p>
+            <a:pPr marL="0" indent="0">
+              <a:buNone/>
+            </a:pPr>
+            <a:r>
+              <a:rPr lang="en-US" sz="1100" dirty="0">
+                <a:solidFill>
+                  <a:srgbClr val="000000"/>
+                </a:solidFill>
+                <a:latin typeface="Courier New" panose="02070309020205020404" pitchFamily="49" charset="0"/>
+                <a:cs typeface="Courier New" panose="02070309020205020404" pitchFamily="49" charset="0"/>
+              </a:rPr>
+              <a:t>     (</a:t>
+            </a:r>
+            <a:r>
+              <a:rPr lang="en-US" sz="1100" dirty="0">
+                <a:solidFill>
+                  <a:srgbClr val="0000FF"/>
+                </a:solidFill>
+                <a:latin typeface="Courier New" panose="02070309020205020404" pitchFamily="49" charset="0"/>
+                <a:cs typeface="Courier New" panose="02070309020205020404" pitchFamily="49" charset="0"/>
+              </a:rPr>
+              <a:t>new</a:t>
+            </a:r>
+            <a:r>
+              <a:rPr lang="en-US" sz="1100" dirty="0">
+                <a:solidFill>
+                  <a:srgbClr val="000000"/>
+                </a:solidFill>
+                <a:latin typeface="Courier New" panose="02070309020205020404" pitchFamily="49" charset="0"/>
+                <a:cs typeface="Courier New" panose="02070309020205020404" pitchFamily="49" charset="0"/>
+              </a:rPr>
+              <a:t> </a:t>
+            </a:r>
+            <a:r>
+              <a:rPr lang="en-US" sz="1100" dirty="0" err="1">
+                <a:solidFill>
+                  <a:srgbClr val="000000"/>
+                </a:solidFill>
+                <a:latin typeface="Courier New" panose="02070309020205020404" pitchFamily="49" charset="0"/>
+                <a:cs typeface="Courier New" panose="02070309020205020404" pitchFamily="49" charset="0"/>
+              </a:rPr>
+              <a:t>ValidationErrorInfo</a:t>
+            </a:r>
+            <a:r>
+              <a:rPr lang="en-US" sz="1100" dirty="0">
+                <a:solidFill>
+                  <a:srgbClr val="000000"/>
+                </a:solidFill>
+                <a:latin typeface="Courier New" panose="02070309020205020404" pitchFamily="49" charset="0"/>
+                <a:cs typeface="Courier New" panose="02070309020205020404" pitchFamily="49" charset="0"/>
+              </a:rPr>
+              <a:t> { </a:t>
+            </a:r>
+            <a:r>
+              <a:rPr lang="en-US" sz="1100" dirty="0" err="1">
+                <a:solidFill>
+                  <a:srgbClr val="000000"/>
+                </a:solidFill>
+                <a:latin typeface="Courier New" panose="02070309020205020404" pitchFamily="49" charset="0"/>
+                <a:cs typeface="Courier New" panose="02070309020205020404" pitchFamily="49" charset="0"/>
+              </a:rPr>
+              <a:t>ErrorCode</a:t>
+            </a:r>
+            <a:r>
+              <a:rPr lang="en-US" sz="1100" dirty="0">
+                <a:solidFill>
+                  <a:srgbClr val="000000"/>
+                </a:solidFill>
+                <a:latin typeface="Courier New" panose="02070309020205020404" pitchFamily="49" charset="0"/>
+                <a:cs typeface="Courier New" panose="02070309020205020404" pitchFamily="49" charset="0"/>
+              </a:rPr>
+              <a:t> = </a:t>
+            </a:r>
+            <a:r>
+              <a:rPr lang="en-US" sz="1100" dirty="0">
+                <a:solidFill>
+                  <a:srgbClr val="A31515"/>
+                </a:solidFill>
+                <a:latin typeface="Courier New" panose="02070309020205020404" pitchFamily="49" charset="0"/>
+                <a:cs typeface="Courier New" panose="02070309020205020404" pitchFamily="49" charset="0"/>
+              </a:rPr>
+              <a:t>$"ambiguous value for </a:t>
+            </a:r>
+            <a:r>
+              <a:rPr lang="en-US" sz="1100" dirty="0">
+                <a:solidFill>
+                  <a:srgbClr val="000000"/>
+                </a:solidFill>
+                <a:latin typeface="Courier New" panose="02070309020205020404" pitchFamily="49" charset="0"/>
+                <a:cs typeface="Courier New" panose="02070309020205020404" pitchFamily="49" charset="0"/>
+              </a:rPr>
+              <a:t>{</a:t>
+            </a:r>
+            <a:r>
+              <a:rPr lang="en-US" sz="1100" dirty="0" err="1">
+                <a:solidFill>
+                  <a:srgbClr val="000000"/>
+                </a:solidFill>
+                <a:latin typeface="Courier New" panose="02070309020205020404" pitchFamily="49" charset="0"/>
+                <a:cs typeface="Courier New" panose="02070309020205020404" pitchFamily="49" charset="0"/>
+              </a:rPr>
+              <a:t>propertyName</a:t>
+            </a:r>
+            <a:r>
+              <a:rPr lang="en-US" sz="1100" dirty="0">
+                <a:solidFill>
+                  <a:srgbClr val="000000"/>
+                </a:solidFill>
+                <a:latin typeface="Courier New" panose="02070309020205020404" pitchFamily="49" charset="0"/>
+                <a:cs typeface="Courier New" panose="02070309020205020404" pitchFamily="49" charset="0"/>
+              </a:rPr>
+              <a:t>}</a:t>
+            </a:r>
+            <a:r>
+              <a:rPr lang="en-US" sz="1100" dirty="0">
+                <a:solidFill>
+                  <a:srgbClr val="A31515"/>
+                </a:solidFill>
+                <a:latin typeface="Courier New" panose="02070309020205020404" pitchFamily="49" charset="0"/>
+                <a:cs typeface="Courier New" panose="02070309020205020404" pitchFamily="49" charset="0"/>
+              </a:rPr>
+              <a:t>"</a:t>
+            </a:r>
+            <a:endParaRPr lang="en-US" sz="1100" dirty="0">
+              <a:solidFill>
+                <a:srgbClr val="000000"/>
+              </a:solidFill>
+              <a:latin typeface="Courier New" panose="02070309020205020404" pitchFamily="49" charset="0"/>
+              <a:cs typeface="Courier New" panose="02070309020205020404" pitchFamily="49" charset="0"/>
+            </a:endParaRPr>
+          </a:p>
+          <a:p>
+            <a:pPr marL="0" indent="0">
+              <a:buNone/>
+            </a:pPr>
+            <a:r>
+              <a:rPr lang="en-US" sz="1100" dirty="0">
+                <a:solidFill>
+                  <a:srgbClr val="000000"/>
+                </a:solidFill>
+                <a:latin typeface="Courier New" panose="02070309020205020404" pitchFamily="49" charset="0"/>
+                <a:cs typeface="Courier New" panose="02070309020205020404" pitchFamily="49" charset="0"/>
+              </a:rPr>
+              <a:t>         </a:t>
+            </a:r>
+            <a:r>
+              <a:rPr lang="en-US" sz="1100" dirty="0" err="1">
+                <a:solidFill>
+                  <a:srgbClr val="000000"/>
+                </a:solidFill>
+                <a:latin typeface="Courier New" panose="02070309020205020404" pitchFamily="49" charset="0"/>
+                <a:cs typeface="Courier New" panose="02070309020205020404" pitchFamily="49" charset="0"/>
+              </a:rPr>
+              <a:t>AssistantAction</a:t>
+            </a:r>
+            <a:r>
+              <a:rPr lang="en-US" sz="1100" dirty="0">
+                <a:solidFill>
+                  <a:srgbClr val="000000"/>
+                </a:solidFill>
+                <a:latin typeface="Courier New" panose="02070309020205020404" pitchFamily="49" charset="0"/>
+                <a:cs typeface="Courier New" panose="02070309020205020404" pitchFamily="49" charset="0"/>
+              </a:rPr>
+              <a:t> = </a:t>
+            </a:r>
+            <a:r>
+              <a:rPr lang="en-US" sz="1100" dirty="0">
+                <a:solidFill>
+                  <a:srgbClr val="A31515"/>
+                </a:solidFill>
+                <a:latin typeface="Courier New" panose="02070309020205020404" pitchFamily="49" charset="0"/>
+                <a:cs typeface="Courier New" panose="02070309020205020404" pitchFamily="49" charset="0"/>
+              </a:rPr>
+              <a:t>$"reply to the user with these exact words: \"choose among the following values for </a:t>
+            </a:r>
+            <a:r>
+              <a:rPr lang="en-US" sz="1100" dirty="0">
+                <a:solidFill>
+                  <a:srgbClr val="000000"/>
+                </a:solidFill>
+                <a:latin typeface="Courier New" panose="02070309020205020404" pitchFamily="49" charset="0"/>
+                <a:cs typeface="Courier New" panose="02070309020205020404" pitchFamily="49" charset="0"/>
+              </a:rPr>
+              <a:t>{</a:t>
+            </a:r>
+            <a:r>
+              <a:rPr lang="en-US" sz="1100" dirty="0" err="1">
+                <a:solidFill>
+                  <a:srgbClr val="000000"/>
+                </a:solidFill>
+                <a:latin typeface="Courier New" panose="02070309020205020404" pitchFamily="49" charset="0"/>
+                <a:cs typeface="Courier New" panose="02070309020205020404" pitchFamily="49" charset="0"/>
+              </a:rPr>
+              <a:t>propertyName</a:t>
+            </a:r>
+            <a:r>
+              <a:rPr lang="en-US" sz="1100" dirty="0">
+                <a:solidFill>
+                  <a:srgbClr val="000000"/>
+                </a:solidFill>
+                <a:latin typeface="Courier New" panose="02070309020205020404" pitchFamily="49" charset="0"/>
+                <a:cs typeface="Courier New" panose="02070309020205020404" pitchFamily="49" charset="0"/>
+              </a:rPr>
+              <a:t>}</a:t>
+            </a:r>
+            <a:r>
+              <a:rPr lang="en-US" sz="1100" dirty="0">
+                <a:solidFill>
+                  <a:srgbClr val="A31515"/>
+                </a:solidFill>
+                <a:latin typeface="Courier New" panose="02070309020205020404" pitchFamily="49" charset="0"/>
+                <a:cs typeface="Courier New" panose="02070309020205020404" pitchFamily="49" charset="0"/>
+              </a:rPr>
+              <a:t> : </a:t>
+            </a:r>
+            <a:r>
+              <a:rPr lang="en-US" sz="1100" dirty="0">
+                <a:solidFill>
+                  <a:srgbClr val="000000"/>
+                </a:solidFill>
+                <a:latin typeface="Courier New" panose="02070309020205020404" pitchFamily="49" charset="0"/>
+                <a:cs typeface="Courier New" panose="02070309020205020404" pitchFamily="49" charset="0"/>
+              </a:rPr>
+              <a:t>{</a:t>
+            </a:r>
+            <a:r>
+              <a:rPr lang="en-US" sz="1100" dirty="0" err="1">
+                <a:solidFill>
+                  <a:srgbClr val="0000FF"/>
+                </a:solidFill>
+                <a:latin typeface="Courier New" panose="02070309020205020404" pitchFamily="49" charset="0"/>
+                <a:cs typeface="Courier New" panose="02070309020205020404" pitchFamily="49" charset="0"/>
+              </a:rPr>
+              <a:t>string</a:t>
+            </a:r>
+            <a:r>
+              <a:rPr lang="en-US" sz="1100" dirty="0" err="1">
+                <a:solidFill>
+                  <a:srgbClr val="000000"/>
+                </a:solidFill>
+                <a:latin typeface="Courier New" panose="02070309020205020404" pitchFamily="49" charset="0"/>
+                <a:cs typeface="Courier New" panose="02070309020205020404" pitchFamily="49" charset="0"/>
+              </a:rPr>
+              <a:t>.Join</a:t>
+            </a:r>
+            <a:r>
+              <a:rPr lang="en-US" sz="1100" dirty="0">
+                <a:solidFill>
+                  <a:srgbClr val="000000"/>
+                </a:solidFill>
+                <a:latin typeface="Courier New" panose="02070309020205020404" pitchFamily="49" charset="0"/>
+                <a:cs typeface="Courier New" panose="02070309020205020404" pitchFamily="49" charset="0"/>
+              </a:rPr>
+              <a:t>(</a:t>
+            </a:r>
+            <a:r>
+              <a:rPr lang="en-US" sz="1100" dirty="0">
+                <a:solidFill>
+                  <a:srgbClr val="A31515"/>
+                </a:solidFill>
+                <a:latin typeface="Courier New" panose="02070309020205020404" pitchFamily="49" charset="0"/>
+                <a:cs typeface="Courier New" panose="02070309020205020404" pitchFamily="49" charset="0"/>
+              </a:rPr>
+              <a:t>','</a:t>
+            </a:r>
+            <a:r>
+              <a:rPr lang="en-US" sz="1100" dirty="0">
+                <a:solidFill>
+                  <a:srgbClr val="000000"/>
+                </a:solidFill>
+                <a:latin typeface="Courier New" panose="02070309020205020404" pitchFamily="49" charset="0"/>
+                <a:cs typeface="Courier New" panose="02070309020205020404" pitchFamily="49" charset="0"/>
+              </a:rPr>
+              <a:t>,</a:t>
+            </a:r>
+            <a:r>
+              <a:rPr lang="en-US" sz="1100" dirty="0" err="1">
+                <a:solidFill>
+                  <a:srgbClr val="000000"/>
+                </a:solidFill>
+                <a:latin typeface="Courier New" panose="02070309020205020404" pitchFamily="49" charset="0"/>
+                <a:cs typeface="Courier New" panose="02070309020205020404" pitchFamily="49" charset="0"/>
+              </a:rPr>
+              <a:t>candidatePorts.Take</a:t>
+            </a:r>
+            <a:r>
+              <a:rPr lang="en-US" sz="1100" dirty="0">
+                <a:solidFill>
+                  <a:srgbClr val="000000"/>
+                </a:solidFill>
+                <a:latin typeface="Courier New" panose="02070309020205020404" pitchFamily="49" charset="0"/>
+                <a:cs typeface="Courier New" panose="02070309020205020404" pitchFamily="49" charset="0"/>
+              </a:rPr>
+              <a:t>(5).Select(</a:t>
+            </a:r>
+            <a:r>
+              <a:rPr lang="en-US" sz="1100" dirty="0" err="1">
+                <a:solidFill>
+                  <a:srgbClr val="000000"/>
+                </a:solidFill>
+                <a:latin typeface="Courier New" panose="02070309020205020404" pitchFamily="49" charset="0"/>
+                <a:cs typeface="Courier New" panose="02070309020205020404" pitchFamily="49" charset="0"/>
+              </a:rPr>
+              <a:t>FormatPort</a:t>
+            </a:r>
+            <a:r>
+              <a:rPr lang="en-US" sz="1100" dirty="0">
+                <a:solidFill>
+                  <a:srgbClr val="000000"/>
+                </a:solidFill>
+                <a:latin typeface="Courier New" panose="02070309020205020404" pitchFamily="49" charset="0"/>
+                <a:cs typeface="Courier New" panose="02070309020205020404" pitchFamily="49" charset="0"/>
+              </a:rPr>
+              <a:t>))}</a:t>
+            </a:r>
+            <a:r>
+              <a:rPr lang="en-US" sz="1100" dirty="0">
+                <a:solidFill>
+                  <a:srgbClr val="A31515"/>
+                </a:solidFill>
+                <a:latin typeface="Courier New" panose="02070309020205020404" pitchFamily="49" charset="0"/>
+                <a:cs typeface="Courier New" panose="02070309020205020404" pitchFamily="49" charset="0"/>
+              </a:rPr>
+              <a:t>\"" </a:t>
+            </a:r>
+            <a:r>
+              <a:rPr lang="en-US" sz="1100" dirty="0">
+                <a:solidFill>
+                  <a:srgbClr val="000000"/>
+                </a:solidFill>
+                <a:latin typeface="Courier New" panose="02070309020205020404" pitchFamily="49" charset="0"/>
+                <a:cs typeface="Courier New" panose="02070309020205020404" pitchFamily="49" charset="0"/>
+              </a:rPr>
+              <a:t>}.</a:t>
+            </a:r>
+            <a:r>
+              <a:rPr lang="en-US" sz="1100" dirty="0" err="1">
+                <a:solidFill>
+                  <a:srgbClr val="000000"/>
+                </a:solidFill>
+                <a:latin typeface="Courier New" panose="02070309020205020404" pitchFamily="49" charset="0"/>
+                <a:cs typeface="Courier New" panose="02070309020205020404" pitchFamily="49" charset="0"/>
+              </a:rPr>
+              <a:t>ToJson</a:t>
+            </a:r>
+            <a:r>
+              <a:rPr lang="en-US" sz="1100" dirty="0">
+                <a:solidFill>
+                  <a:srgbClr val="000000"/>
+                </a:solidFill>
+                <a:latin typeface="Courier New" panose="02070309020205020404" pitchFamily="49" charset="0"/>
+                <a:cs typeface="Courier New" panose="02070309020205020404" pitchFamily="49" charset="0"/>
+              </a:rPr>
+              <a:t>())));</a:t>
+            </a:r>
+          </a:p>
+          <a:p>
+            <a:endParaRPr lang="en-US" dirty="0">
+              <a:sym typeface="Wingdings" panose="05000000000000000000" pitchFamily="2" charset="2"/>
+            </a:endParaRPr>
+          </a:p>
+          <a:p>
+            <a:r>
+              <a:rPr lang="en-US" dirty="0">
+                <a:sym typeface="Wingdings" panose="05000000000000000000" pitchFamily="2" charset="2"/>
+              </a:rPr>
+              <a:t>Given this requirements the api you target the call will be likely a proxy to an actual existing api. </a:t>
             </a:r>
           </a:p>
           <a:p>
@@ -4819,7 +7325,7 @@
     </p:spTree>
     <p:extLst>
       <p:ext uri="{BB962C8B-B14F-4D97-AF65-F5344CB8AC3E}">
-        <p14:creationId xmlns:p14="http://schemas.microsoft.com/office/powerpoint/2010/main" val="3032493198"/>
+        <p14:creationId xmlns:p14="http://schemas.microsoft.com/office/powerpoint/2010/main" val="2234336054"/>
       </p:ext>
     </p:extLst>
   </p:cSld>
@@ -4851,7 +7357,7 @@
           <p:cNvPr id="2" name="Title 1">
             <a:extLst>
               <a:ext uri="{FF2B5EF4-FFF2-40B4-BE49-F238E27FC236}">
-                <a16:creationId xmlns:a16="http://schemas.microsoft.com/office/drawing/2014/main" id="{14C425C7-5AD3-A208-089A-82DD7DC3B7F0}"/>
+                <a16:creationId xmlns:a16="http://schemas.microsoft.com/office/drawing/2014/main" id="{738CD57D-70E7-1BDF-4AB1-754912A38D39}"/>
               </a:ext>
             </a:extLst>
           </p:cNvPr>
@@ -4869,7 +7375,7 @@
           <a:p>
             <a:r>
               <a:rPr lang="en-US" dirty="0"/>
-              <a:t>EXAMPLE</a:t>
+              <a:t>gotchas</a:t>
             </a:r>
           </a:p>
         </p:txBody>
@@ -4879,7 +7385,7 @@
           <p:cNvPr id="3" name="Content Placeholder 2">
             <a:extLst>
               <a:ext uri="{FF2B5EF4-FFF2-40B4-BE49-F238E27FC236}">
-                <a16:creationId xmlns:a16="http://schemas.microsoft.com/office/drawing/2014/main" id="{3E9314EB-C74E-4EDF-32DE-93724FB6B3D8}"/>
+                <a16:creationId xmlns:a16="http://schemas.microsoft.com/office/drawing/2014/main" id="{5D6012E5-8589-D8A0-5999-F8C417FFAA30}"/>
               </a:ext>
             </a:extLst>
           </p:cNvPr>
@@ -4897,12 +7403,22 @@
           <a:p>
             <a:r>
               <a:rPr lang="en-US" dirty="0"/>
-              <a:t>List, Create quotes </a:t>
-            </a:r>
-            <a:r>
-              <a:rPr lang="en-US"/>
-              <a:t>in mymsc</a:t>
-            </a:r>
+              <a:t>The AI sometime make up parameters (e.g. : email)</a:t>
+            </a:r>
+          </a:p>
+          <a:p>
+            <a:r>
+              <a:rPr lang="en-US" dirty="0"/>
+              <a:t>Put up a good system message</a:t>
+            </a:r>
+          </a:p>
+          <a:p>
+            <a:r>
+              <a:rPr lang="en-US" dirty="0"/>
+              <a:t>Do not expect that required setting is always respected for the properties</a:t>
+            </a:r>
+          </a:p>
+          <a:p>
             <a:endParaRPr lang="en-US" dirty="0"/>
           </a:p>
         </p:txBody>
@@ -4910,7 +7426,7 @@
     </p:spTree>
     <p:extLst>
       <p:ext uri="{BB962C8B-B14F-4D97-AF65-F5344CB8AC3E}">
-        <p14:creationId xmlns:p14="http://schemas.microsoft.com/office/powerpoint/2010/main" val="886877064"/>
+        <p14:creationId xmlns:p14="http://schemas.microsoft.com/office/powerpoint/2010/main" val="3032493198"/>
       </p:ext>
     </p:extLst>
   </p:cSld>
@@ -4942,7 +7458,7 @@
           <p:cNvPr id="2" name="Title 1">
             <a:extLst>
               <a:ext uri="{FF2B5EF4-FFF2-40B4-BE49-F238E27FC236}">
-                <a16:creationId xmlns:a16="http://schemas.microsoft.com/office/drawing/2014/main" id="{21C4ECC1-82EF-B64D-D088-64D7586C53F7}"/>
+                <a16:creationId xmlns:a16="http://schemas.microsoft.com/office/drawing/2014/main" id="{14C425C7-5AD3-A208-089A-82DD7DC3B7F0}"/>
               </a:ext>
             </a:extLst>
           </p:cNvPr>
@@ -4958,7 +7474,10 @@
           <a:bodyPr/>
           <a:lstStyle/>
           <a:p>
-            <a:endParaRPr lang="en-US"/>
+            <a:r>
+              <a:rPr lang="en-US" dirty="0"/>
+              <a:t>EXAMPLE</a:t>
+            </a:r>
           </a:p>
         </p:txBody>
       </p:sp>
@@ -4967,7 +7486,7 @@
           <p:cNvPr id="3" name="Content Placeholder 2">
             <a:extLst>
               <a:ext uri="{FF2B5EF4-FFF2-40B4-BE49-F238E27FC236}">
-                <a16:creationId xmlns:a16="http://schemas.microsoft.com/office/drawing/2014/main" id="{07A69565-55FA-6904-454D-1F4EE036EA04}"/>
+                <a16:creationId xmlns:a16="http://schemas.microsoft.com/office/drawing/2014/main" id="{3E9314EB-C74E-4EDF-32DE-93724FB6B3D8}"/>
               </a:ext>
             </a:extLst>
           </p:cNvPr>
@@ -4985,15 +7504,20 @@
           <a:p>
             <a:r>
               <a:rPr lang="en-US" dirty="0"/>
-              <a:t>https://platform.openai.com/docs/guides/function-calling</a:t>
-            </a:r>
+              <a:t>List, Create quotes </a:t>
+            </a:r>
+            <a:r>
+              <a:rPr lang="en-US"/>
+              <a:t>in mymsc</a:t>
+            </a:r>
+            <a:endParaRPr lang="en-US" dirty="0"/>
           </a:p>
         </p:txBody>
       </p:sp>
     </p:spTree>
     <p:extLst>
       <p:ext uri="{BB962C8B-B14F-4D97-AF65-F5344CB8AC3E}">
-        <p14:creationId xmlns:p14="http://schemas.microsoft.com/office/powerpoint/2010/main" val="2568979085"/>
+        <p14:creationId xmlns:p14="http://schemas.microsoft.com/office/powerpoint/2010/main" val="886877064"/>
       </p:ext>
     </p:extLst>
   </p:cSld>

--- a/Function calling.pptx
+++ b/Function calling.pptx
@@ -6,18 +6,19 @@
   </p:sldMasterIdLst>
   <p:sldIdLst>
     <p:sldId id="256" r:id="rId2"/>
-    <p:sldId id="257" r:id="rId3"/>
-    <p:sldId id="258" r:id="rId4"/>
-    <p:sldId id="263" r:id="rId5"/>
-    <p:sldId id="265" r:id="rId6"/>
-    <p:sldId id="259" r:id="rId7"/>
-    <p:sldId id="261" r:id="rId8"/>
-    <p:sldId id="260" r:id="rId9"/>
-    <p:sldId id="264" r:id="rId10"/>
-    <p:sldId id="266" r:id="rId11"/>
-    <p:sldId id="267" r:id="rId12"/>
-    <p:sldId id="268" r:id="rId13"/>
-    <p:sldId id="262" r:id="rId14"/>
+    <p:sldId id="269" r:id="rId3"/>
+    <p:sldId id="257" r:id="rId4"/>
+    <p:sldId id="258" r:id="rId5"/>
+    <p:sldId id="263" r:id="rId6"/>
+    <p:sldId id="265" r:id="rId7"/>
+    <p:sldId id="259" r:id="rId8"/>
+    <p:sldId id="261" r:id="rId9"/>
+    <p:sldId id="260" r:id="rId10"/>
+    <p:sldId id="264" r:id="rId11"/>
+    <p:sldId id="266" r:id="rId12"/>
+    <p:sldId id="267" r:id="rId13"/>
+    <p:sldId id="268" r:id="rId14"/>
+    <p:sldId id="262" r:id="rId15"/>
   </p:sldIdLst>
   <p:sldSz cx="12192000" cy="6858000"/>
   <p:notesSz cx="6858000" cy="9144000"/>
@@ -271,7 +272,7 @@
           <a:p>
             <a:fld id="{BAD0B23A-5A61-4A5C-AD01-6CDF493C7C46}" type="datetimeFigureOut">
               <a:rPr lang="en-US" smtClean="0"/>
-              <a:t>1/8/2024</a:t>
+              <a:t>2/8/2024</a:t>
             </a:fld>
             <a:endParaRPr lang="en-US"/>
           </a:p>
@@ -469,7 +470,7 @@
           <a:p>
             <a:fld id="{BAD0B23A-5A61-4A5C-AD01-6CDF493C7C46}" type="datetimeFigureOut">
               <a:rPr lang="en-US" smtClean="0"/>
-              <a:t>1/8/2024</a:t>
+              <a:t>2/8/2024</a:t>
             </a:fld>
             <a:endParaRPr lang="en-US"/>
           </a:p>
@@ -677,7 +678,7 @@
           <a:p>
             <a:fld id="{BAD0B23A-5A61-4A5C-AD01-6CDF493C7C46}" type="datetimeFigureOut">
               <a:rPr lang="en-US" smtClean="0"/>
-              <a:t>1/8/2024</a:t>
+              <a:t>2/8/2024</a:t>
             </a:fld>
             <a:endParaRPr lang="en-US"/>
           </a:p>
@@ -875,7 +876,7 @@
           <a:p>
             <a:fld id="{BAD0B23A-5A61-4A5C-AD01-6CDF493C7C46}" type="datetimeFigureOut">
               <a:rPr lang="en-US" smtClean="0"/>
-              <a:t>1/8/2024</a:t>
+              <a:t>2/8/2024</a:t>
             </a:fld>
             <a:endParaRPr lang="en-US"/>
           </a:p>
@@ -1150,7 +1151,7 @@
           <a:p>
             <a:fld id="{BAD0B23A-5A61-4A5C-AD01-6CDF493C7C46}" type="datetimeFigureOut">
               <a:rPr lang="en-US" smtClean="0"/>
-              <a:t>1/8/2024</a:t>
+              <a:t>2/8/2024</a:t>
             </a:fld>
             <a:endParaRPr lang="en-US"/>
           </a:p>
@@ -1415,7 +1416,7 @@
           <a:p>
             <a:fld id="{BAD0B23A-5A61-4A5C-AD01-6CDF493C7C46}" type="datetimeFigureOut">
               <a:rPr lang="en-US" smtClean="0"/>
-              <a:t>1/8/2024</a:t>
+              <a:t>2/8/2024</a:t>
             </a:fld>
             <a:endParaRPr lang="en-US"/>
           </a:p>
@@ -1827,7 +1828,7 @@
           <a:p>
             <a:fld id="{BAD0B23A-5A61-4A5C-AD01-6CDF493C7C46}" type="datetimeFigureOut">
               <a:rPr lang="en-US" smtClean="0"/>
-              <a:t>1/8/2024</a:t>
+              <a:t>2/8/2024</a:t>
             </a:fld>
             <a:endParaRPr lang="en-US"/>
           </a:p>
@@ -1968,7 +1969,7 @@
           <a:p>
             <a:fld id="{BAD0B23A-5A61-4A5C-AD01-6CDF493C7C46}" type="datetimeFigureOut">
               <a:rPr lang="en-US" smtClean="0"/>
-              <a:t>1/8/2024</a:t>
+              <a:t>2/8/2024</a:t>
             </a:fld>
             <a:endParaRPr lang="en-US"/>
           </a:p>
@@ -2081,7 +2082,7 @@
           <a:p>
             <a:fld id="{BAD0B23A-5A61-4A5C-AD01-6CDF493C7C46}" type="datetimeFigureOut">
               <a:rPr lang="en-US" smtClean="0"/>
-              <a:t>1/8/2024</a:t>
+              <a:t>2/8/2024</a:t>
             </a:fld>
             <a:endParaRPr lang="en-US"/>
           </a:p>
@@ -2392,7 +2393,7 @@
           <a:p>
             <a:fld id="{BAD0B23A-5A61-4A5C-AD01-6CDF493C7C46}" type="datetimeFigureOut">
               <a:rPr lang="en-US" smtClean="0"/>
-              <a:t>1/8/2024</a:t>
+              <a:t>2/8/2024</a:t>
             </a:fld>
             <a:endParaRPr lang="en-US"/>
           </a:p>
@@ -2680,7 +2681,7 @@
           <a:p>
             <a:fld id="{BAD0B23A-5A61-4A5C-AD01-6CDF493C7C46}" type="datetimeFigureOut">
               <a:rPr lang="en-US" smtClean="0"/>
-              <a:t>1/8/2024</a:t>
+              <a:t>2/8/2024</a:t>
             </a:fld>
             <a:endParaRPr lang="en-US"/>
           </a:p>
@@ -2921,7 +2922,7 @@
           <a:p>
             <a:fld id="{BAD0B23A-5A61-4A5C-AD01-6CDF493C7C46}" type="datetimeFigureOut">
               <a:rPr lang="en-US" smtClean="0"/>
-              <a:t>1/8/2024</a:t>
+              <a:t>2/8/2024</a:t>
             </a:fld>
             <a:endParaRPr lang="en-US"/>
           </a:p>
@@ -3401,14 +3402,24 @@
             <p:ph type="ctrTitle"/>
           </p:nvPr>
         </p:nvSpPr>
-        <p:spPr/>
-        <p:txBody>
-          <a:bodyPr/>
-          <a:lstStyle/>
-          <a:p>
-            <a:r>
+        <p:spPr>
+          <a:xfrm>
+            <a:off x="1524000" y="3668401"/>
+            <a:ext cx="9144000" cy="548649"/>
+          </a:xfrm>
+        </p:spPr>
+        <p:txBody>
+          <a:bodyPr>
+            <a:normAutofit fontScale="90000"/>
+          </a:bodyPr>
+          <a:lstStyle/>
+          <a:p>
+            <a:br>
               <a:rPr lang="en-US" dirty="0"/>
-              <a:t>Function calling</a:t>
+            </a:br>
+            <a:r>
+              <a:rPr lang="en-US" sz="2800" dirty="0"/>
+              <a:t>"Copilot on steroids"</a:t>
             </a:r>
           </a:p>
         </p:txBody>
@@ -3429,7 +3440,12 @@
             <p:ph type="subTitle" idx="1"/>
           </p:nvPr>
         </p:nvSpPr>
-        <p:spPr/>
+        <p:spPr>
+          <a:xfrm>
+            <a:off x="1641446" y="4429919"/>
+            <a:ext cx="9144000" cy="1655762"/>
+          </a:xfrm>
+        </p:spPr>
         <p:txBody>
           <a:bodyPr/>
           <a:lstStyle/>
@@ -3437,6 +3453,63 @@
             <a:r>
               <a:rPr lang="en-US" dirty="0"/>
               <a:t>enrico sabbadin</a:t>
+            </a:r>
+          </a:p>
+        </p:txBody>
+      </p:sp>
+      <p:sp>
+        <p:nvSpPr>
+          <p:cNvPr id="4" name="Title 1">
+            <a:extLst>
+              <a:ext uri="{FF2B5EF4-FFF2-40B4-BE49-F238E27FC236}">
+                <a16:creationId xmlns:a16="http://schemas.microsoft.com/office/drawing/2014/main" id="{16A2EA26-143A-24EF-70D7-F5C151DAB9C5}"/>
+              </a:ext>
+            </a:extLst>
+          </p:cNvPr>
+          <p:cNvSpPr txBox="1">
+            <a:spLocks/>
+          </p:cNvSpPr>
+          <p:nvPr/>
+        </p:nvSpPr>
+        <p:spPr>
+          <a:xfrm>
+            <a:off x="1407953" y="1623068"/>
+            <a:ext cx="9144000" cy="2045333"/>
+          </a:xfrm>
+          <a:prstGeom prst="rect">
+            <a:avLst/>
+          </a:prstGeom>
+        </p:spPr>
+        <p:txBody>
+          <a:bodyPr vert="horz" lIns="91440" tIns="45720" rIns="91440" bIns="45720" rtlCol="0" anchor="b">
+            <a:noAutofit/>
+          </a:bodyPr>
+          <a:lstStyle>
+            <a:lvl1pPr algn="ctr" defTabSz="914400" rtl="0" eaLnBrk="1" latinLnBrk="0" hangingPunct="1">
+              <a:lnSpc>
+                <a:spcPct val="90000"/>
+              </a:lnSpc>
+              <a:spcBef>
+                <a:spcPct val="0"/>
+              </a:spcBef>
+              <a:buNone/>
+              <a:defRPr sz="6000" kern="1200">
+                <a:solidFill>
+                  <a:schemeClr val="tx1"/>
+                </a:solidFill>
+                <a:latin typeface="+mj-lt"/>
+                <a:ea typeface="+mj-ea"/>
+                <a:cs typeface="+mj-cs"/>
+              </a:defRPr>
+            </a:lvl1pPr>
+          </a:lstStyle>
+          <a:p>
+            <a:br>
+              <a:rPr lang="en-US" sz="4800" dirty="0"/>
+            </a:br>
+            <a:r>
+              <a:rPr lang="en-US" sz="4800" dirty="0"/>
+              <a:t>Give a conversational interface to your enterprise API using ChatGPT and tools/function calling</a:t>
             </a:r>
           </a:p>
         </p:txBody>
@@ -3476,7 +3549,7 @@
           <p:cNvPr id="2" name="Title 1">
             <a:extLst>
               <a:ext uri="{FF2B5EF4-FFF2-40B4-BE49-F238E27FC236}">
-                <a16:creationId xmlns:a16="http://schemas.microsoft.com/office/drawing/2014/main" id="{34C99798-D831-0741-2031-6CC6E08DD38F}"/>
+                <a16:creationId xmlns:a16="http://schemas.microsoft.com/office/drawing/2014/main" id="{14C425C7-5AD3-A208-089A-82DD7DC3B7F0}"/>
               </a:ext>
             </a:extLst>
           </p:cNvPr>
@@ -3494,7 +3567,7 @@
           <a:p>
             <a:r>
               <a:rPr lang="en-US" dirty="0"/>
-              <a:t>Tools-calls</a:t>
+              <a:t>EXAMPLE</a:t>
             </a:r>
           </a:p>
         </p:txBody>
@@ -3504,7 +3577,7 @@
           <p:cNvPr id="3" name="Content Placeholder 2">
             <a:extLst>
               <a:ext uri="{FF2B5EF4-FFF2-40B4-BE49-F238E27FC236}">
-                <a16:creationId xmlns:a16="http://schemas.microsoft.com/office/drawing/2014/main" id="{68F51F98-4A09-C940-F5F3-B7703CD32365}"/>
+                <a16:creationId xmlns:a16="http://schemas.microsoft.com/office/drawing/2014/main" id="{3E9314EB-C74E-4EDF-32DE-93724FB6B3D8}"/>
               </a:ext>
             </a:extLst>
           </p:cNvPr>
@@ -3522,52 +3595,12 @@
           <a:p>
             <a:r>
               <a:rPr lang="en-US" dirty="0"/>
-              <a:t>gpt-3.5 1106 and gpt-4 1106 have made Function calls "deprecated": they have become a possible </a:t>
-            </a:r>
-            <a:r>
-              <a:rPr lang="en-US" i="1" dirty="0"/>
-              <a:t>tool-type</a:t>
-            </a:r>
-            <a:r>
-              <a:rPr lang="en-US" dirty="0"/>
-              <a:t> value for tools-calls</a:t>
-            </a:r>
-          </a:p>
-          <a:p>
-            <a:r>
-              <a:rPr lang="en-US" dirty="0"/>
-              <a:t>Tools are an abstraction to accommodate different "external data sources" </a:t>
-            </a:r>
-          </a:p>
-          <a:p>
-            <a:pPr lvl="1"/>
-            <a:r>
-              <a:rPr lang="en-US" dirty="0"/>
-              <a:t>Currently "function" is the only tool type supported</a:t>
-            </a:r>
-          </a:p>
-          <a:p>
-            <a:pPr lvl="1"/>
-            <a:r>
-              <a:rPr lang="en-US" dirty="0"/>
-              <a:t>Chatgpt can return reply with more than one tool call</a:t>
-            </a:r>
-          </a:p>
-          <a:p>
-            <a:r>
-              <a:rPr lang="en-US" dirty="0"/>
-              <a:t>Assistant api have similar concept of tools but support more: Functions, Code interpreter, Knowledge Retrieval</a:t>
-            </a:r>
-          </a:p>
-          <a:p>
-            <a:pPr lvl="1"/>
-            <a:r>
-              <a:rPr lang="en-US" dirty="0"/>
-              <a:t>Still in beta, deserve a dedicated session</a:t>
-            </a:r>
-          </a:p>
-          <a:p>
-            <a:pPr lvl="1"/>
+              <a:t>List, Create quotes </a:t>
+            </a:r>
+            <a:r>
+              <a:rPr lang="en-US"/>
+              <a:t>in mymsc</a:t>
+            </a:r>
             <a:endParaRPr lang="en-US" dirty="0"/>
           </a:p>
         </p:txBody>
@@ -3575,7 +3608,7 @@
     </p:spTree>
     <p:extLst>
       <p:ext uri="{BB962C8B-B14F-4D97-AF65-F5344CB8AC3E}">
-        <p14:creationId xmlns:p14="http://schemas.microsoft.com/office/powerpoint/2010/main" val="1466022549"/>
+        <p14:creationId xmlns:p14="http://schemas.microsoft.com/office/powerpoint/2010/main" val="886877064"/>
       </p:ext>
     </p:extLst>
   </p:cSld>
@@ -3604,10 +3637,38 @@
       </p:grpSpPr>
       <p:sp>
         <p:nvSpPr>
+          <p:cNvPr id="2" name="Title 1">
+            <a:extLst>
+              <a:ext uri="{FF2B5EF4-FFF2-40B4-BE49-F238E27FC236}">
+                <a16:creationId xmlns:a16="http://schemas.microsoft.com/office/drawing/2014/main" id="{34C99798-D831-0741-2031-6CC6E08DD38F}"/>
+              </a:ext>
+            </a:extLst>
+          </p:cNvPr>
+          <p:cNvSpPr>
+            <a:spLocks noGrp="1"/>
+          </p:cNvSpPr>
+          <p:nvPr>
+            <p:ph type="title"/>
+          </p:nvPr>
+        </p:nvSpPr>
+        <p:spPr/>
+        <p:txBody>
+          <a:bodyPr/>
+          <a:lstStyle/>
+          <a:p>
+            <a:r>
+              <a:rPr lang="en-US" dirty="0"/>
+              <a:t>Tools-calls</a:t>
+            </a:r>
+          </a:p>
+        </p:txBody>
+      </p:sp>
+      <p:sp>
+        <p:nvSpPr>
           <p:cNvPr id="3" name="Content Placeholder 2">
             <a:extLst>
               <a:ext uri="{FF2B5EF4-FFF2-40B4-BE49-F238E27FC236}">
-                <a16:creationId xmlns:a16="http://schemas.microsoft.com/office/drawing/2014/main" id="{962A1F63-26DC-0AF6-E788-C9BDEA11A97E}"/>
+                <a16:creationId xmlns:a16="http://schemas.microsoft.com/office/drawing/2014/main" id="{68F51F98-4A09-C940-F5F3-B7703CD32365}"/>
               </a:ext>
             </a:extLst>
           </p:cNvPr>
@@ -3618,239 +3679,95 @@
             <p:ph idx="1"/>
           </p:nvPr>
         </p:nvSpPr>
-        <p:spPr>
-          <a:xfrm>
-            <a:off x="536448" y="115696"/>
-            <a:ext cx="11497056" cy="6413119"/>
-          </a:xfrm>
-        </p:spPr>
+        <p:spPr/>
         <p:txBody>
           <a:bodyPr>
-            <a:noAutofit/>
+            <a:normAutofit lnSpcReduction="10000"/>
           </a:bodyPr>
           <a:lstStyle/>
           <a:p>
-            <a:pPr marL="0" indent="0">
-              <a:buNone/>
-            </a:pPr>
-            <a:r>
-              <a:rPr lang="en-US" sz="1800" dirty="0"/>
-              <a:t>tools = [     {</a:t>
-            </a:r>
-            <a:br>
-              <a:rPr lang="en-US" sz="1800" dirty="0"/>
-            </a:br>
-            <a:r>
-              <a:rPr lang="en-US" sz="1800" dirty="0"/>
-              <a:t>        "type": "function",</a:t>
-            </a:r>
-            <a:br>
-              <a:rPr lang="en-US" sz="1800" dirty="0"/>
-            </a:br>
-            <a:r>
-              <a:rPr lang="en-US" sz="1800" dirty="0"/>
-              <a:t>        "function": { "name": "</a:t>
-            </a:r>
-            <a:r>
-              <a:rPr lang="en-US" sz="1800" dirty="0" err="1"/>
-              <a:t>get_current_weather</a:t>
-            </a:r>
-            <a:r>
-              <a:rPr lang="en-US" sz="1800" dirty="0"/>
-              <a:t>",             "description": "Get the current weather",</a:t>
-            </a:r>
-            <a:br>
-              <a:rPr lang="en-US" sz="1800" dirty="0"/>
-            </a:br>
-            <a:r>
-              <a:rPr lang="en-US" sz="1800" dirty="0"/>
-              <a:t>            "parameters": {</a:t>
-            </a:r>
-            <a:br>
-              <a:rPr lang="en-US" sz="1800" dirty="0"/>
-            </a:br>
-            <a:r>
-              <a:rPr lang="en-US" sz="1800" dirty="0"/>
-              <a:t>                "type": "object",</a:t>
-            </a:r>
-            <a:br>
-              <a:rPr lang="en-US" sz="1800" dirty="0"/>
-            </a:br>
-            <a:r>
-              <a:rPr lang="en-US" sz="1800" dirty="0"/>
-              <a:t>                "properties": { </a:t>
-            </a:r>
-            <a:br>
-              <a:rPr lang="en-US" sz="1800" dirty="0"/>
-            </a:br>
-            <a:r>
-              <a:rPr lang="en-US" sz="1800" dirty="0"/>
-              <a:t>                    "location": { "type": "string",  "description": "The city and state, e.g. San Francisco, CA" } </a:t>
-            </a:r>
-            <a:br>
-              <a:rPr lang="en-US" sz="1800" dirty="0"/>
-            </a:br>
-            <a:r>
-              <a:rPr lang="en-US" sz="1800" dirty="0"/>
-              <a:t>                },</a:t>
-            </a:r>
-            <a:br>
-              <a:rPr lang="en-US" sz="1800" dirty="0"/>
-            </a:br>
-            <a:r>
-              <a:rPr lang="en-US" sz="1800" dirty="0"/>
-              <a:t>                "required": ["location"]</a:t>
-            </a:r>
-            <a:br>
-              <a:rPr lang="en-US" sz="1800" dirty="0"/>
-            </a:br>
-            <a:r>
-              <a:rPr lang="en-US" sz="1800" dirty="0"/>
-              <a:t>            },</a:t>
-            </a:r>
-            <a:br>
-              <a:rPr lang="en-US" sz="1800" dirty="0"/>
-            </a:br>
-            <a:r>
-              <a:rPr lang="en-US" sz="1800" dirty="0"/>
-              <a:t>        }</a:t>
-            </a:r>
-            <a:br>
-              <a:rPr lang="en-US" sz="1800" dirty="0"/>
-            </a:br>
-            <a:r>
-              <a:rPr lang="en-US" sz="1800" dirty="0"/>
-              <a:t>    },</a:t>
-            </a:r>
-            <a:br>
-              <a:rPr lang="en-US" sz="1800" dirty="0"/>
-            </a:br>
-            <a:r>
-              <a:rPr lang="en-US" sz="1800" dirty="0"/>
-              <a:t>    {</a:t>
-            </a:r>
-            <a:br>
-              <a:rPr lang="en-US" sz="1800" dirty="0"/>
-            </a:br>
-            <a:r>
-              <a:rPr lang="en-US" sz="1800" dirty="0"/>
-              <a:t>        "type": "function",</a:t>
-            </a:r>
-            <a:br>
-              <a:rPr lang="en-US" sz="1800" dirty="0"/>
-            </a:br>
-            <a:r>
-              <a:rPr lang="en-US" sz="1800" dirty="0"/>
-              <a:t>        "function": { "name": "</a:t>
-            </a:r>
-            <a:r>
-              <a:rPr lang="en-US" sz="1800" dirty="0" err="1"/>
-              <a:t>get_n_day_weather_forecast</a:t>
-            </a:r>
-            <a:r>
-              <a:rPr lang="en-US" sz="1800" dirty="0"/>
-              <a:t>", "description": "Get an N-day weather forecast",</a:t>
-            </a:r>
-            <a:br>
-              <a:rPr lang="en-US" sz="1800" dirty="0"/>
-            </a:br>
-            <a:r>
-              <a:rPr lang="en-US" sz="1800" dirty="0"/>
-              <a:t>            "parameters": {</a:t>
-            </a:r>
-            <a:br>
-              <a:rPr lang="en-US" sz="1800" dirty="0"/>
-            </a:br>
-            <a:r>
-              <a:rPr lang="en-US" sz="1800" dirty="0"/>
-              <a:t>                "type": "object",                </a:t>
-            </a:r>
-            <a:br>
-              <a:rPr lang="en-US" sz="1800" dirty="0"/>
-            </a:br>
-            <a:r>
-              <a:rPr lang="en-US" sz="1800" dirty="0"/>
-              <a:t>                "properties": { </a:t>
-            </a:r>
-            <a:br>
-              <a:rPr lang="en-US" sz="1800" dirty="0"/>
-            </a:br>
-            <a:r>
-              <a:rPr lang="en-US" sz="1800" dirty="0"/>
-              <a:t>                       "location": { "type": "string", "description": "The city and state, e.g. San Francisco, CA"},   </a:t>
-            </a:r>
-            <a:br>
-              <a:rPr lang="en-US" sz="1800" dirty="0"/>
-            </a:br>
-            <a:r>
-              <a:rPr lang="en-US" sz="1800" dirty="0"/>
-              <a:t>                       "</a:t>
-            </a:r>
-            <a:r>
-              <a:rPr lang="en-US" sz="1800" dirty="0" err="1"/>
-              <a:t>num_days</a:t>
-            </a:r>
-            <a:r>
-              <a:rPr lang="en-US" sz="1800" dirty="0"/>
-              <a:t>": {"type": "integer", "description": "The number of days to forecast"}</a:t>
-            </a:r>
-            <a:br>
-              <a:rPr lang="en-US" sz="1800" dirty="0"/>
-            </a:br>
-            <a:r>
-              <a:rPr lang="en-US" sz="1800" dirty="0"/>
-              <a:t>                 },</a:t>
-            </a:r>
-            <a:br>
-              <a:rPr lang="en-US" sz="1800" dirty="0"/>
-            </a:br>
-            <a:r>
-              <a:rPr lang="en-US" sz="1800" dirty="0"/>
-              <a:t>                "required": ["location", "</a:t>
-            </a:r>
-            <a:r>
-              <a:rPr lang="en-US" sz="1800" dirty="0" err="1"/>
-              <a:t>num_days</a:t>
-            </a:r>
-            <a:r>
-              <a:rPr lang="en-US" sz="1800" dirty="0"/>
-              <a:t>"]</a:t>
-            </a:r>
-            <a:br>
-              <a:rPr lang="en-US" sz="1800" dirty="0"/>
-            </a:br>
-            <a:r>
-              <a:rPr lang="en-US" sz="1800" dirty="0"/>
-              <a:t>            },</a:t>
-            </a:r>
-            <a:br>
-              <a:rPr lang="en-US" sz="1800" dirty="0"/>
-            </a:br>
-            <a:r>
-              <a:rPr lang="en-US" sz="1800" dirty="0"/>
-              <a:t>        }</a:t>
-            </a:r>
-            <a:br>
-              <a:rPr lang="en-US" sz="1800" dirty="0"/>
-            </a:br>
-            <a:r>
-              <a:rPr lang="en-US" sz="1800" dirty="0"/>
-              <a:t>    },</a:t>
-            </a:r>
-            <a:br>
-              <a:rPr lang="en-US" sz="1800" dirty="0"/>
-            </a:br>
-            <a:r>
-              <a:rPr lang="en-US" sz="1800" dirty="0"/>
-              <a:t>]</a:t>
-            </a:r>
+            <a:r>
+              <a:rPr lang="en-US" dirty="0"/>
+              <a:t>Available starting from </a:t>
+            </a:r>
+            <a:r>
+              <a:rPr lang="en-US" i="1" dirty="0"/>
+              <a:t>gpt-3.5 1106 </a:t>
+            </a:r>
+            <a:r>
+              <a:rPr lang="en-US" dirty="0"/>
+              <a:t>and </a:t>
+            </a:r>
+            <a:r>
+              <a:rPr lang="en-US" i="1" dirty="0"/>
+              <a:t>gpt-4 1106 </a:t>
+            </a:r>
+          </a:p>
+          <a:p>
+            <a:pPr lvl="1"/>
+            <a:r>
+              <a:rPr lang="en-US" dirty="0"/>
+              <a:t>Function calls have become "deprecated": they have become a possible </a:t>
+            </a:r>
+            <a:r>
+              <a:rPr lang="en-US" i="1" dirty="0"/>
+              <a:t>tool-type</a:t>
+            </a:r>
+            <a:r>
+              <a:rPr lang="en-US" dirty="0"/>
+              <a:t> value for tools-calls</a:t>
+            </a:r>
+          </a:p>
+          <a:p>
+            <a:r>
+              <a:rPr lang="en-US" dirty="0"/>
+              <a:t>Tools are an abstraction to accommodate different "external data sources" </a:t>
+            </a:r>
+          </a:p>
+          <a:p>
+            <a:pPr lvl="1"/>
+            <a:r>
+              <a:rPr lang="en-US" i="1" dirty="0"/>
+              <a:t>Currently "function" is the only tool type supported in chat-completion api</a:t>
+            </a:r>
+          </a:p>
+          <a:p>
+            <a:pPr lvl="1"/>
+            <a:r>
+              <a:rPr lang="en-US" i="1" dirty="0"/>
+              <a:t>Assistant Api have more, but that is out of the talk scope</a:t>
+            </a:r>
+          </a:p>
+          <a:p>
+            <a:pPr lvl="1"/>
+            <a:r>
+              <a:rPr lang="en-US" dirty="0"/>
+              <a:t>Chatgpt can return reply with more than one tool call</a:t>
+            </a:r>
+          </a:p>
+          <a:p>
+            <a:r>
+              <a:rPr lang="en-US" dirty="0"/>
+              <a:t>Assistant api have similar concept of tools but support more: Functions, Code interpreter, Knowledge Retrieval</a:t>
+            </a:r>
+          </a:p>
+          <a:p>
+            <a:pPr lvl="1"/>
+            <a:r>
+              <a:rPr lang="en-US" dirty="0"/>
+              <a:t>Still in beta, deserve a dedicated session</a:t>
+            </a:r>
+          </a:p>
+          <a:p>
+            <a:pPr lvl="1"/>
+            <a:endParaRPr lang="en-US" dirty="0"/>
           </a:p>
         </p:txBody>
       </p:sp>
     </p:spTree>
     <p:extLst>
       <p:ext uri="{BB962C8B-B14F-4D97-AF65-F5344CB8AC3E}">
-        <p14:creationId xmlns:p14="http://schemas.microsoft.com/office/powerpoint/2010/main" val="2373887976"/>
+        <p14:creationId xmlns:p14="http://schemas.microsoft.com/office/powerpoint/2010/main" val="1466022549"/>
       </p:ext>
     </p:extLst>
   </p:cSld>
@@ -3879,6 +3796,281 @@
       </p:grpSpPr>
       <p:sp>
         <p:nvSpPr>
+          <p:cNvPr id="3" name="Content Placeholder 2">
+            <a:extLst>
+              <a:ext uri="{FF2B5EF4-FFF2-40B4-BE49-F238E27FC236}">
+                <a16:creationId xmlns:a16="http://schemas.microsoft.com/office/drawing/2014/main" id="{962A1F63-26DC-0AF6-E788-C9BDEA11A97E}"/>
+              </a:ext>
+            </a:extLst>
+          </p:cNvPr>
+          <p:cNvSpPr>
+            <a:spLocks noGrp="1"/>
+          </p:cNvSpPr>
+          <p:nvPr>
+            <p:ph idx="1"/>
+          </p:nvPr>
+        </p:nvSpPr>
+        <p:spPr>
+          <a:xfrm>
+            <a:off x="536448" y="115696"/>
+            <a:ext cx="11497056" cy="6413119"/>
+          </a:xfrm>
+        </p:spPr>
+        <p:txBody>
+          <a:bodyPr>
+            <a:noAutofit/>
+          </a:bodyPr>
+          <a:lstStyle/>
+          <a:p>
+            <a:pPr marL="0" indent="0">
+              <a:buNone/>
+            </a:pPr>
+            <a:r>
+              <a:rPr lang="en-US" sz="1800" dirty="0"/>
+              <a:t>tools = [     {</a:t>
+            </a:r>
+            <a:br>
+              <a:rPr lang="en-US" sz="1800" dirty="0"/>
+            </a:br>
+            <a:r>
+              <a:rPr lang="en-US" sz="1800" dirty="0"/>
+              <a:t>        "type": "function",</a:t>
+            </a:r>
+            <a:br>
+              <a:rPr lang="en-US" sz="1800" dirty="0"/>
+            </a:br>
+            <a:r>
+              <a:rPr lang="en-US" sz="1800" dirty="0"/>
+              <a:t>        "function": { "name": "</a:t>
+            </a:r>
+            <a:r>
+              <a:rPr lang="en-US" sz="1800" dirty="0" err="1"/>
+              <a:t>get_current_weather</a:t>
+            </a:r>
+            <a:r>
+              <a:rPr lang="en-US" sz="1800" dirty="0"/>
+              <a:t>",             "description": "Get the current weather",</a:t>
+            </a:r>
+            <a:br>
+              <a:rPr lang="en-US" sz="1800" dirty="0"/>
+            </a:br>
+            <a:r>
+              <a:rPr lang="en-US" sz="1800" dirty="0"/>
+              <a:t>            "parameters": {</a:t>
+            </a:r>
+            <a:br>
+              <a:rPr lang="en-US" sz="1800" dirty="0"/>
+            </a:br>
+            <a:r>
+              <a:rPr lang="en-US" sz="1800" dirty="0"/>
+              <a:t>                "type": "object",</a:t>
+            </a:r>
+            <a:br>
+              <a:rPr lang="en-US" sz="1800" dirty="0"/>
+            </a:br>
+            <a:r>
+              <a:rPr lang="en-US" sz="1800" dirty="0"/>
+              <a:t>                "properties": { </a:t>
+            </a:r>
+            <a:br>
+              <a:rPr lang="en-US" sz="1800" dirty="0"/>
+            </a:br>
+            <a:r>
+              <a:rPr lang="en-US" sz="1800" dirty="0"/>
+              <a:t>                    "location": { "type": "string",  "description": "The city and state, e.g. San Francisco, CA" } </a:t>
+            </a:r>
+            <a:br>
+              <a:rPr lang="en-US" sz="1800" dirty="0"/>
+            </a:br>
+            <a:r>
+              <a:rPr lang="en-US" sz="1800" dirty="0"/>
+              <a:t>                },</a:t>
+            </a:r>
+            <a:br>
+              <a:rPr lang="en-US" sz="1800" dirty="0"/>
+            </a:br>
+            <a:r>
+              <a:rPr lang="en-US" sz="1800" dirty="0"/>
+              <a:t>                "required": ["location"]</a:t>
+            </a:r>
+            <a:br>
+              <a:rPr lang="en-US" sz="1800" dirty="0"/>
+            </a:br>
+            <a:r>
+              <a:rPr lang="en-US" sz="1800" dirty="0"/>
+              <a:t>            },</a:t>
+            </a:r>
+            <a:br>
+              <a:rPr lang="en-US" sz="1800" dirty="0"/>
+            </a:br>
+            <a:r>
+              <a:rPr lang="en-US" sz="1800" dirty="0"/>
+              <a:t>        }</a:t>
+            </a:r>
+            <a:br>
+              <a:rPr lang="en-US" sz="1800" dirty="0"/>
+            </a:br>
+            <a:r>
+              <a:rPr lang="en-US" sz="1800" dirty="0"/>
+              <a:t>    },</a:t>
+            </a:r>
+            <a:br>
+              <a:rPr lang="en-US" sz="1800" dirty="0"/>
+            </a:br>
+            <a:r>
+              <a:rPr lang="en-US" sz="1800" dirty="0"/>
+              <a:t>    {</a:t>
+            </a:r>
+            <a:br>
+              <a:rPr lang="en-US" sz="1800" dirty="0"/>
+            </a:br>
+            <a:r>
+              <a:rPr lang="en-US" sz="1800" dirty="0"/>
+              <a:t>        "type": "function",</a:t>
+            </a:r>
+            <a:br>
+              <a:rPr lang="en-US" sz="1800" dirty="0"/>
+            </a:br>
+            <a:r>
+              <a:rPr lang="en-US" sz="1800" dirty="0"/>
+              <a:t>        "function": { "name": "</a:t>
+            </a:r>
+            <a:r>
+              <a:rPr lang="en-US" sz="1800" dirty="0" err="1"/>
+              <a:t>get_n_day_weather_forecast</a:t>
+            </a:r>
+            <a:r>
+              <a:rPr lang="en-US" sz="1800" dirty="0"/>
+              <a:t>", "description": "Get an N-day weather forecast",</a:t>
+            </a:r>
+            <a:br>
+              <a:rPr lang="en-US" sz="1800" dirty="0"/>
+            </a:br>
+            <a:r>
+              <a:rPr lang="en-US" sz="1800" dirty="0"/>
+              <a:t>            "parameters": {</a:t>
+            </a:r>
+            <a:br>
+              <a:rPr lang="en-US" sz="1800" dirty="0"/>
+            </a:br>
+            <a:r>
+              <a:rPr lang="en-US" sz="1800" dirty="0"/>
+              <a:t>                "type": "object",                </a:t>
+            </a:r>
+            <a:br>
+              <a:rPr lang="en-US" sz="1800" dirty="0"/>
+            </a:br>
+            <a:r>
+              <a:rPr lang="en-US" sz="1800" dirty="0"/>
+              <a:t>                "properties": { </a:t>
+            </a:r>
+            <a:br>
+              <a:rPr lang="en-US" sz="1800" dirty="0"/>
+            </a:br>
+            <a:r>
+              <a:rPr lang="en-US" sz="1800" dirty="0"/>
+              <a:t>                       "location": { "type": "string", "description": "The city and state, e.g. San Francisco, CA"},   </a:t>
+            </a:r>
+            <a:br>
+              <a:rPr lang="en-US" sz="1800" dirty="0"/>
+            </a:br>
+            <a:r>
+              <a:rPr lang="en-US" sz="1800" dirty="0"/>
+              <a:t>                       "</a:t>
+            </a:r>
+            <a:r>
+              <a:rPr lang="en-US" sz="1800" dirty="0" err="1"/>
+              <a:t>num_days</a:t>
+            </a:r>
+            <a:r>
+              <a:rPr lang="en-US" sz="1800" dirty="0"/>
+              <a:t>": {"type": "integer", "description": "The number of days to forecast"}</a:t>
+            </a:r>
+            <a:br>
+              <a:rPr lang="en-US" sz="1800" dirty="0"/>
+            </a:br>
+            <a:r>
+              <a:rPr lang="en-US" sz="1800" dirty="0"/>
+              <a:t>                 },</a:t>
+            </a:r>
+            <a:br>
+              <a:rPr lang="en-US" sz="1800" dirty="0"/>
+            </a:br>
+            <a:r>
+              <a:rPr lang="en-US" sz="1800" dirty="0"/>
+              <a:t>                "required": ["location", "</a:t>
+            </a:r>
+            <a:r>
+              <a:rPr lang="en-US" sz="1800" dirty="0" err="1"/>
+              <a:t>num_days</a:t>
+            </a:r>
+            <a:r>
+              <a:rPr lang="en-US" sz="1800" dirty="0"/>
+              <a:t>"]</a:t>
+            </a:r>
+            <a:br>
+              <a:rPr lang="en-US" sz="1800" dirty="0"/>
+            </a:br>
+            <a:r>
+              <a:rPr lang="en-US" sz="1800" dirty="0"/>
+              <a:t>            },</a:t>
+            </a:r>
+            <a:br>
+              <a:rPr lang="en-US" sz="1800" dirty="0"/>
+            </a:br>
+            <a:r>
+              <a:rPr lang="en-US" sz="1800" dirty="0"/>
+              <a:t>        }</a:t>
+            </a:r>
+            <a:br>
+              <a:rPr lang="en-US" sz="1800" dirty="0"/>
+            </a:br>
+            <a:r>
+              <a:rPr lang="en-US" sz="1800" dirty="0"/>
+              <a:t>    },</a:t>
+            </a:r>
+            <a:br>
+              <a:rPr lang="en-US" sz="1800" dirty="0"/>
+            </a:br>
+            <a:r>
+              <a:rPr lang="en-US" sz="1800" dirty="0"/>
+              <a:t>]</a:t>
+            </a:r>
+          </a:p>
+        </p:txBody>
+      </p:sp>
+    </p:spTree>
+    <p:extLst>
+      <p:ext uri="{BB962C8B-B14F-4D97-AF65-F5344CB8AC3E}">
+        <p14:creationId xmlns:p14="http://schemas.microsoft.com/office/powerpoint/2010/main" val="2373887976"/>
+      </p:ext>
+    </p:extLst>
+  </p:cSld>
+  <p:clrMapOvr>
+    <a:masterClrMapping/>
+  </p:clrMapOvr>
+</p:sld>
+</file>
+
+<file path=ppt/slides/slide13.xml><?xml version="1.0" encoding="utf-8"?>
+<p:sld xmlns:a="http://schemas.openxmlformats.org/drawingml/2006/main" xmlns:r="http://schemas.openxmlformats.org/officeDocument/2006/relationships" xmlns:p="http://schemas.openxmlformats.org/presentationml/2006/main">
+  <p:cSld>
+    <p:spTree>
+      <p:nvGrpSpPr>
+        <p:cNvPr id="1" name=""/>
+        <p:cNvGrpSpPr/>
+        <p:nvPr/>
+      </p:nvGrpSpPr>
+      <p:grpSpPr>
+        <a:xfrm>
+          <a:off x="0" y="0"/>
+          <a:ext cx="0" cy="0"/>
+          <a:chOff x="0" y="0"/>
+          <a:chExt cx="0" cy="0"/>
+        </a:xfrm>
+      </p:grpSpPr>
+      <p:sp>
+        <p:nvSpPr>
           <p:cNvPr id="2" name="Title 1">
             <a:extLst>
               <a:ext uri="{FF2B5EF4-FFF2-40B4-BE49-F238E27FC236}">
@@ -3995,7 +4187,7 @@
 </p:sld>
 </file>
 
-<file path=ppt/slides/slide13.xml><?xml version="1.0" encoding="utf-8"?>
+<file path=ppt/slides/slide14.xml><?xml version="1.0" encoding="utf-8"?>
 <p:sld xmlns:a="http://schemas.openxmlformats.org/drawingml/2006/main" xmlns:r="http://schemas.openxmlformats.org/officeDocument/2006/relationships" xmlns:p="http://schemas.openxmlformats.org/presentationml/2006/main">
   <p:cSld>
     <p:spTree>
@@ -4115,7 +4307,7 @@
           <p:cNvPr id="2" name="Title 1">
             <a:extLst>
               <a:ext uri="{FF2B5EF4-FFF2-40B4-BE49-F238E27FC236}">
-                <a16:creationId xmlns:a16="http://schemas.microsoft.com/office/drawing/2014/main" id="{0E128FBD-D898-56BC-C281-E6B8ECAA7826}"/>
+                <a16:creationId xmlns:a16="http://schemas.microsoft.com/office/drawing/2014/main" id="{899C6497-7525-A403-ACDD-7A3A718D19B7}"/>
               </a:ext>
             </a:extLst>
           </p:cNvPr>
@@ -4133,95 +4325,50 @@
           <a:p>
             <a:r>
               <a:rPr lang="en-US" dirty="0"/>
-              <a:t>What is function calling</a:t>
-            </a:r>
-          </a:p>
-        </p:txBody>
-      </p:sp>
-      <p:sp>
-        <p:nvSpPr>
-          <p:cNvPr id="3" name="Content Placeholder 2">
-            <a:extLst>
-              <a:ext uri="{FF2B5EF4-FFF2-40B4-BE49-F238E27FC236}">
-                <a16:creationId xmlns:a16="http://schemas.microsoft.com/office/drawing/2014/main" id="{1B5F3137-D397-34CE-1086-6686C6B8B6B1}"/>
-              </a:ext>
-            </a:extLst>
-          </p:cNvPr>
-          <p:cNvSpPr>
-            <a:spLocks noGrp="1"/>
-          </p:cNvSpPr>
+              <a:t>Copilot 365</a:t>
+            </a:r>
+          </a:p>
+        </p:txBody>
+      </p:sp>
+      <p:pic>
+        <p:nvPicPr>
+          <p:cNvPr id="5" name="Content Placeholder 4" descr="A diagram of a software company&#10;&#10;Description automatically generated">
+            <a:extLst>
+              <a:ext uri="{FF2B5EF4-FFF2-40B4-BE49-F238E27FC236}">
+                <a16:creationId xmlns:a16="http://schemas.microsoft.com/office/drawing/2014/main" id="{3653F78B-FC8F-0126-3204-97D6838622E2}"/>
+              </a:ext>
+            </a:extLst>
+          </p:cNvPr>
+          <p:cNvPicPr>
+            <a:picLocks noGrp="1" noChangeAspect="1"/>
+          </p:cNvPicPr>
           <p:nvPr>
             <p:ph idx="1"/>
           </p:nvPr>
-        </p:nvSpPr>
-        <p:spPr/>
-        <p:txBody>
-          <a:bodyPr>
-            <a:normAutofit/>
-          </a:bodyPr>
-          <a:lstStyle/>
-          <a:p>
-            <a:r>
-              <a:rPr lang="en-US" dirty="0"/>
-              <a:t>It's a functionality available in the completion-chat api endpoint </a:t>
-            </a:r>
-          </a:p>
-          <a:p>
-            <a:pPr lvl="1"/>
-            <a:r>
-              <a:rPr lang="en-US" dirty="0"/>
-              <a:t>Gpt-3.5 turbo 0613</a:t>
-            </a:r>
-          </a:p>
-          <a:p>
-            <a:pPr lvl="1"/>
-            <a:r>
-              <a:rPr lang="en-US" dirty="0"/>
-              <a:t>gpt-4-0613</a:t>
-            </a:r>
-          </a:p>
-          <a:p>
-            <a:pPr lvl="1"/>
-            <a:r>
-              <a:rPr lang="en-US" dirty="0"/>
-              <a:t>"embedded/abstracted" into tools-calls in gpt-3.5 1106 and gpt-4 1106</a:t>
-            </a:r>
-          </a:p>
-          <a:p>
-            <a:r>
-              <a:rPr lang="en-US" dirty="0"/>
-              <a:t>Allows to have ChatGPT convert human natural query and commands into </a:t>
-            </a:r>
-            <a:r>
-              <a:rPr lang="en-US" dirty="0" err="1"/>
-              <a:t>json</a:t>
-            </a:r>
-            <a:endParaRPr lang="en-US" dirty="0"/>
-          </a:p>
-          <a:p>
-            <a:r>
-              <a:rPr lang="en-US" b="1" dirty="0"/>
-              <a:t>Ai does not call an API, it's up to your code to do the call (that's the difference with ChatGPT plug-ins) using the </a:t>
-            </a:r>
-            <a:r>
-              <a:rPr lang="en-US" b="1" dirty="0" err="1"/>
-              <a:t>json</a:t>
-            </a:r>
-            <a:r>
-              <a:rPr lang="en-US" b="1" dirty="0"/>
-              <a:t> provided by the Ai </a:t>
-            </a:r>
-          </a:p>
-          <a:p>
-            <a:pPr lvl="1"/>
-            <a:endParaRPr lang="en-US" dirty="0"/>
-          </a:p>
-        </p:txBody>
-      </p:sp>
+        </p:nvPicPr>
+        <p:blipFill>
+          <a:blip r:embed="rId2">
+            <a:extLst>
+              <a:ext uri="{28A0092B-C50C-407E-A947-70E740481C1C}">
+                <a14:useLocalDpi xmlns:a14="http://schemas.microsoft.com/office/drawing/2010/main" val="0"/>
+              </a:ext>
+            </a:extLst>
+          </a:blip>
+          <a:stretch>
+            <a:fillRect/>
+          </a:stretch>
+        </p:blipFill>
+        <p:spPr>
+          <a:xfrm>
+            <a:off x="2149438" y="1825625"/>
+            <a:ext cx="7893124" cy="4351338"/>
+          </a:xfrm>
+        </p:spPr>
+      </p:pic>
     </p:spTree>
     <p:extLst>
       <p:ext uri="{BB962C8B-B14F-4D97-AF65-F5344CB8AC3E}">
-        <p14:creationId xmlns:p14="http://schemas.microsoft.com/office/powerpoint/2010/main" val="2135332399"/>
+        <p14:creationId xmlns:p14="http://schemas.microsoft.com/office/powerpoint/2010/main" val="2527575947"/>
       </p:ext>
     </p:extLst>
   </p:cSld>
@@ -4253,7 +4400,7 @@
           <p:cNvPr id="2" name="Title 1">
             <a:extLst>
               <a:ext uri="{FF2B5EF4-FFF2-40B4-BE49-F238E27FC236}">
-                <a16:creationId xmlns:a16="http://schemas.microsoft.com/office/drawing/2014/main" id="{3DE6240D-8006-51BB-6F04-2EF1DD882834}"/>
+                <a16:creationId xmlns:a16="http://schemas.microsoft.com/office/drawing/2014/main" id="{0E128FBD-D898-56BC-C281-E6B8ECAA7826}"/>
               </a:ext>
             </a:extLst>
           </p:cNvPr>
@@ -4271,7 +4418,7 @@
           <a:p>
             <a:r>
               <a:rPr lang="en-US" dirty="0"/>
-              <a:t>What is function calling.. continue</a:t>
+              <a:t>What is function calling</a:t>
             </a:r>
           </a:p>
         </p:txBody>
@@ -4281,7 +4428,7 @@
           <p:cNvPr id="3" name="Content Placeholder 2">
             <a:extLst>
               <a:ext uri="{FF2B5EF4-FFF2-40B4-BE49-F238E27FC236}">
-                <a16:creationId xmlns:a16="http://schemas.microsoft.com/office/drawing/2014/main" id="{C862D9BB-96CA-1B26-4EDE-3902B705F137}"/>
+                <a16:creationId xmlns:a16="http://schemas.microsoft.com/office/drawing/2014/main" id="{1B5F3137-D397-34CE-1086-6686C6B8B6B1}"/>
               </a:ext>
             </a:extLst>
           </p:cNvPr>
@@ -4295,82 +4442,76 @@
         <p:spPr/>
         <p:txBody>
           <a:bodyPr>
-            <a:normAutofit fontScale="92500" lnSpcReduction="10000"/>
+            <a:normAutofit/>
           </a:bodyPr>
           <a:lstStyle/>
           <a:p>
             <a:r>
               <a:rPr lang="en-US" dirty="0"/>
-              <a:t>How to use it:</a:t>
-            </a:r>
-            <a:br>
+              <a:t>It's a functionality available in the </a:t>
+            </a:r>
+            <a:r>
+              <a:rPr lang="en-US" i="1" dirty="0"/>
+              <a:t>completion-chat</a:t>
+            </a:r>
+            <a:r>
               <a:rPr lang="en-US" dirty="0"/>
-            </a:br>
+              <a:t> api endpoint </a:t>
+            </a:r>
+          </a:p>
+          <a:p>
+            <a:pPr lvl="1"/>
             <a:r>
               <a:rPr lang="en-US" dirty="0"/>
-              <a:t>Along with user prompt add a list of functions definition</a:t>
-            </a:r>
-          </a:p>
-          <a:p>
+              <a:t>Gpt-3.5 turbo 0613</a:t>
+            </a:r>
+          </a:p>
+          <a:p>
+            <a:pPr lvl="1"/>
             <a:r>
               <a:rPr lang="en-US" dirty="0"/>
-              <a:t>A function definition is a </a:t>
+              <a:t>gpt-4-0613</a:t>
+            </a:r>
+          </a:p>
+          <a:p>
+            <a:pPr lvl="1"/>
+            <a:r>
+              <a:rPr lang="en-US" dirty="0"/>
+              <a:t>"embedded/abstracted" into tools-calls in gpt-3.5 1106 and </a:t>
+            </a:r>
+            <a:r>
+              <a:rPr lang="en-US"/>
+              <a:t>gpt-4 1106 (and above)</a:t>
+            </a:r>
+            <a:endParaRPr lang="en-US" dirty="0"/>
+          </a:p>
+          <a:p>
+            <a:r>
+              <a:rPr lang="en-US" dirty="0"/>
+              <a:t>Allows to have ChatGPT convert human natural query and commands into </a:t>
             </a:r>
             <a:r>
               <a:rPr lang="en-US" dirty="0" err="1"/>
               <a:t>json</a:t>
             </a:r>
-            <a:r>
-              <a:rPr lang="en-US" dirty="0"/>
-              <a:t> following the </a:t>
-            </a:r>
-            <a:r>
-              <a:rPr lang="en-US" dirty="0" err="1"/>
+            <a:endParaRPr lang="en-US" dirty="0"/>
+          </a:p>
+          <a:p>
+            <a:r>
+              <a:rPr lang="en-US" b="1" dirty="0"/>
+              <a:t>Ai does not call an API, it's up to your code to do the call (that's the difference with ChatGPT plug-ins) using the </a:t>
+            </a:r>
+            <a:r>
+              <a:rPr lang="en-US" b="1" dirty="0" err="1"/>
               <a:t>json</a:t>
             </a:r>
             <a:r>
-              <a:rPr lang="en-US" dirty="0"/>
-              <a:t> schema syntax: </a:t>
-            </a:r>
-            <a:br>
-              <a:rPr lang="en-US" dirty="0"/>
-            </a:br>
-            <a:r>
-              <a:rPr lang="en-US" dirty="0"/>
-              <a:t>it is a description of the goal of the function and its parameters </a:t>
-            </a:r>
-            <a:br>
-              <a:rPr lang="en-US" dirty="0"/>
-            </a:br>
-            <a:r>
-              <a:rPr lang="en-US" dirty="0"/>
-              <a:t>(e.g. : temperature given a town name)</a:t>
-            </a:r>
-          </a:p>
-          <a:p>
-            <a:r>
-              <a:rPr lang="en-US" dirty="0"/>
-              <a:t>The AI tries to match the intent of the user with a function and its parameters. </a:t>
-            </a:r>
-          </a:p>
-          <a:p>
-            <a:r>
-              <a:rPr lang="en-US" dirty="0"/>
-              <a:t>If user intent match a function but some parameters are missing the AI "should" ask for the missing values </a:t>
-            </a:r>
-          </a:p>
-          <a:p>
-            <a:r>
-              <a:rPr lang="en-US" dirty="0"/>
-              <a:t>The Json reply from the api call must then be passed to ChatGPT that will make up a human readable reply from the provided </a:t>
-            </a:r>
-            <a:r>
-              <a:rPr lang="en-US" dirty="0" err="1"/>
-              <a:t>json</a:t>
-            </a:r>
-            <a:endParaRPr lang="en-US" dirty="0"/>
-          </a:p>
-          <a:p>
+              <a:rPr lang="en-US" b="1" dirty="0"/>
+              <a:t> provided by the Ai </a:t>
+            </a:r>
+          </a:p>
+          <a:p>
+            <a:pPr lvl="1"/>
             <a:endParaRPr lang="en-US" dirty="0"/>
           </a:p>
         </p:txBody>
@@ -4378,7 +4519,7 @@
     </p:spTree>
     <p:extLst>
       <p:ext uri="{BB962C8B-B14F-4D97-AF65-F5344CB8AC3E}">
-        <p14:creationId xmlns:p14="http://schemas.microsoft.com/office/powerpoint/2010/main" val="1955413383"/>
+        <p14:creationId xmlns:p14="http://schemas.microsoft.com/office/powerpoint/2010/main" val="2135332399"/>
       </p:ext>
     </p:extLst>
   </p:cSld>
@@ -4407,6 +4548,163 @@
       </p:grpSpPr>
       <p:sp>
         <p:nvSpPr>
+          <p:cNvPr id="2" name="Title 1">
+            <a:extLst>
+              <a:ext uri="{FF2B5EF4-FFF2-40B4-BE49-F238E27FC236}">
+                <a16:creationId xmlns:a16="http://schemas.microsoft.com/office/drawing/2014/main" id="{3DE6240D-8006-51BB-6F04-2EF1DD882834}"/>
+              </a:ext>
+            </a:extLst>
+          </p:cNvPr>
+          <p:cNvSpPr>
+            <a:spLocks noGrp="1"/>
+          </p:cNvSpPr>
+          <p:nvPr>
+            <p:ph type="title"/>
+          </p:nvPr>
+        </p:nvSpPr>
+        <p:spPr/>
+        <p:txBody>
+          <a:bodyPr/>
+          <a:lstStyle/>
+          <a:p>
+            <a:r>
+              <a:rPr lang="en-US" dirty="0"/>
+              <a:t>What is function calling.. continue</a:t>
+            </a:r>
+          </a:p>
+        </p:txBody>
+      </p:sp>
+      <p:sp>
+        <p:nvSpPr>
+          <p:cNvPr id="3" name="Content Placeholder 2">
+            <a:extLst>
+              <a:ext uri="{FF2B5EF4-FFF2-40B4-BE49-F238E27FC236}">
+                <a16:creationId xmlns:a16="http://schemas.microsoft.com/office/drawing/2014/main" id="{C862D9BB-96CA-1B26-4EDE-3902B705F137}"/>
+              </a:ext>
+            </a:extLst>
+          </p:cNvPr>
+          <p:cNvSpPr>
+            <a:spLocks noGrp="1"/>
+          </p:cNvSpPr>
+          <p:nvPr>
+            <p:ph idx="1"/>
+          </p:nvPr>
+        </p:nvSpPr>
+        <p:spPr/>
+        <p:txBody>
+          <a:bodyPr>
+            <a:normAutofit fontScale="92500" lnSpcReduction="10000"/>
+          </a:bodyPr>
+          <a:lstStyle/>
+          <a:p>
+            <a:r>
+              <a:rPr lang="en-US" dirty="0"/>
+              <a:t>How to use it:</a:t>
+            </a:r>
+            <a:br>
+              <a:rPr lang="en-US" dirty="0"/>
+            </a:br>
+            <a:r>
+              <a:rPr lang="en-US" dirty="0"/>
+              <a:t>Along with user prompt add a list of functions definition</a:t>
+            </a:r>
+          </a:p>
+          <a:p>
+            <a:r>
+              <a:rPr lang="en-US" dirty="0"/>
+              <a:t>A function definition is a </a:t>
+            </a:r>
+            <a:r>
+              <a:rPr lang="en-US" dirty="0" err="1"/>
+              <a:t>json</a:t>
+            </a:r>
+            <a:r>
+              <a:rPr lang="en-US" dirty="0"/>
+              <a:t> following the </a:t>
+            </a:r>
+            <a:r>
+              <a:rPr lang="en-US" dirty="0" err="1"/>
+              <a:t>json</a:t>
+            </a:r>
+            <a:r>
+              <a:rPr lang="en-US" dirty="0"/>
+              <a:t> schema syntax: </a:t>
+            </a:r>
+            <a:br>
+              <a:rPr lang="en-US" dirty="0"/>
+            </a:br>
+            <a:r>
+              <a:rPr lang="en-US" dirty="0"/>
+              <a:t>it is a description of the goal of the function and its parameters </a:t>
+            </a:r>
+            <a:br>
+              <a:rPr lang="en-US" dirty="0"/>
+            </a:br>
+            <a:r>
+              <a:rPr lang="en-US" dirty="0"/>
+              <a:t>(e.g. : temperature given a town name)</a:t>
+            </a:r>
+          </a:p>
+          <a:p>
+            <a:r>
+              <a:rPr lang="en-US" dirty="0"/>
+              <a:t>The AI tries to match the intent of the user with a function and its parameters. </a:t>
+            </a:r>
+          </a:p>
+          <a:p>
+            <a:r>
+              <a:rPr lang="en-US" dirty="0"/>
+              <a:t>If user intent match a function but some parameters are missing the AI "should" ask for the missing values </a:t>
+            </a:r>
+          </a:p>
+          <a:p>
+            <a:r>
+              <a:rPr lang="en-US" dirty="0"/>
+              <a:t>The Json reply from the api call must then be passed to ChatGPT that will make up a human readable reply from the provided </a:t>
+            </a:r>
+            <a:r>
+              <a:rPr lang="en-US" dirty="0" err="1"/>
+              <a:t>json</a:t>
+            </a:r>
+            <a:endParaRPr lang="en-US" dirty="0"/>
+          </a:p>
+          <a:p>
+            <a:endParaRPr lang="en-US" dirty="0"/>
+          </a:p>
+        </p:txBody>
+      </p:sp>
+    </p:spTree>
+    <p:extLst>
+      <p:ext uri="{BB962C8B-B14F-4D97-AF65-F5344CB8AC3E}">
+        <p14:creationId xmlns:p14="http://schemas.microsoft.com/office/powerpoint/2010/main" val="1955413383"/>
+      </p:ext>
+    </p:extLst>
+  </p:cSld>
+  <p:clrMapOvr>
+    <a:masterClrMapping/>
+  </p:clrMapOvr>
+</p:sld>
+</file>
+
+<file path=ppt/slides/slide5.xml><?xml version="1.0" encoding="utf-8"?>
+<p:sld xmlns:a="http://schemas.openxmlformats.org/drawingml/2006/main" xmlns:r="http://schemas.openxmlformats.org/officeDocument/2006/relationships" xmlns:p="http://schemas.openxmlformats.org/presentationml/2006/main">
+  <p:cSld>
+    <p:spTree>
+      <p:nvGrpSpPr>
+        <p:cNvPr id="1" name=""/>
+        <p:cNvGrpSpPr/>
+        <p:nvPr/>
+      </p:nvGrpSpPr>
+      <p:grpSpPr>
+        <a:xfrm>
+          <a:off x="0" y="0"/>
+          <a:ext cx="0" cy="0"/>
+          <a:chOff x="0" y="0"/>
+          <a:chExt cx="0" cy="0"/>
+        </a:xfrm>
+      </p:grpSpPr>
+      <p:sp>
+        <p:nvSpPr>
           <p:cNvPr id="5" name="TextBox 4">
             <a:extLst>
               <a:ext uri="{FF2B5EF4-FFF2-40B4-BE49-F238E27FC236}">
@@ -4584,7 +4882,7 @@
 </p:sld>
 </file>
 
-<file path=ppt/slides/slide5.xml><?xml version="1.0" encoding="utf-8"?>
+<file path=ppt/slides/slide6.xml><?xml version="1.0" encoding="utf-8"?>
 <p:sld xmlns:a="http://schemas.openxmlformats.org/drawingml/2006/main" xmlns:r="http://schemas.openxmlformats.org/officeDocument/2006/relationships" xmlns:p="http://schemas.openxmlformats.org/presentationml/2006/main">
   <p:cSld>
     <p:spTree>
@@ -6554,211 +6852,6 @@
 </p:sld>
 </file>
 
-<file path=ppt/slides/slide6.xml><?xml version="1.0" encoding="utf-8"?>
-<p:sld xmlns:a="http://schemas.openxmlformats.org/drawingml/2006/main" xmlns:r="http://schemas.openxmlformats.org/officeDocument/2006/relationships" xmlns:p="http://schemas.openxmlformats.org/presentationml/2006/main">
-  <p:cSld>
-    <p:spTree>
-      <p:nvGrpSpPr>
-        <p:cNvPr id="1" name=""/>
-        <p:cNvGrpSpPr/>
-        <p:nvPr/>
-      </p:nvGrpSpPr>
-      <p:grpSpPr>
-        <a:xfrm>
-          <a:off x="0" y="0"/>
-          <a:ext cx="0" cy="0"/>
-          <a:chOff x="0" y="0"/>
-          <a:chExt cx="0" cy="0"/>
-        </a:xfrm>
-      </p:grpSpPr>
-      <p:sp>
-        <p:nvSpPr>
-          <p:cNvPr id="2" name="Title 1">
-            <a:extLst>
-              <a:ext uri="{FF2B5EF4-FFF2-40B4-BE49-F238E27FC236}">
-                <a16:creationId xmlns:a16="http://schemas.microsoft.com/office/drawing/2014/main" id="{EBFCB1D2-0B81-312E-ED64-DBBDE9F62224}"/>
-              </a:ext>
-            </a:extLst>
-          </p:cNvPr>
-          <p:cNvSpPr>
-            <a:spLocks noGrp="1"/>
-          </p:cNvSpPr>
-          <p:nvPr>
-            <p:ph type="title"/>
-          </p:nvPr>
-        </p:nvSpPr>
-        <p:spPr/>
-        <p:txBody>
-          <a:bodyPr/>
-          <a:lstStyle/>
-          <a:p>
-            <a:r>
-              <a:rPr lang="en-US" dirty="0"/>
-              <a:t>Api design for function calling</a:t>
-            </a:r>
-          </a:p>
-        </p:txBody>
-      </p:sp>
-      <p:sp>
-        <p:nvSpPr>
-          <p:cNvPr id="3" name="Content Placeholder 2">
-            <a:extLst>
-              <a:ext uri="{FF2B5EF4-FFF2-40B4-BE49-F238E27FC236}">
-                <a16:creationId xmlns:a16="http://schemas.microsoft.com/office/drawing/2014/main" id="{2F435063-D202-BDFA-876B-EF1DA0371544}"/>
-              </a:ext>
-            </a:extLst>
-          </p:cNvPr>
-          <p:cNvSpPr>
-            <a:spLocks noGrp="1"/>
-          </p:cNvSpPr>
-          <p:nvPr>
-            <p:ph idx="1"/>
-          </p:nvPr>
-        </p:nvSpPr>
-        <p:spPr/>
-        <p:txBody>
-          <a:bodyPr/>
-          <a:lstStyle/>
-          <a:p>
-            <a:r>
-              <a:rPr lang="en-US" dirty="0"/>
-              <a:t>The Json schema syntax (to be provided as function) is the same used to define input – output </a:t>
-            </a:r>
-            <a:r>
-              <a:rPr lang="en-US" dirty="0" err="1"/>
-              <a:t>dto</a:t>
-            </a:r>
-            <a:r>
-              <a:rPr lang="en-US" dirty="0"/>
-              <a:t> in an open-api document (swagger)</a:t>
-            </a:r>
-          </a:p>
-          <a:p>
-            <a:pPr lvl="1"/>
-            <a:r>
-              <a:rPr lang="en-US" dirty="0"/>
-              <a:t>Extract dynamically from the open api document of your target api</a:t>
-            </a:r>
-          </a:p>
-          <a:p>
-            <a:pPr lvl="1"/>
-            <a:r>
-              <a:rPr lang="en-US" dirty="0"/>
-              <a:t>Put clear description on input </a:t>
-            </a:r>
-            <a:r>
-              <a:rPr lang="en-US" dirty="0" err="1"/>
-              <a:t>dto</a:t>
-            </a:r>
-            <a:r>
-              <a:rPr lang="en-US" dirty="0"/>
-              <a:t> and its properties (</a:t>
-            </a:r>
-            <a:r>
-              <a:rPr lang="en-US" b="1" dirty="0"/>
-              <a:t>prompt engineer applied on a swagger doc </a:t>
-            </a:r>
-            <a:r>
-              <a:rPr lang="en-US" b="1" dirty="0">
-                <a:sym typeface="Wingdings" panose="05000000000000000000" pitchFamily="2" charset="2"/>
-              </a:rPr>
-              <a:t></a:t>
-            </a:r>
-            <a:r>
-              <a:rPr lang="en-US" dirty="0">
-                <a:sym typeface="Wingdings" panose="05000000000000000000" pitchFamily="2" charset="2"/>
-              </a:rPr>
-              <a:t>)</a:t>
-            </a:r>
-          </a:p>
-          <a:p>
-            <a:pPr lvl="1"/>
-            <a:r>
-              <a:rPr lang="en-US" dirty="0">
-                <a:sym typeface="Wingdings" panose="05000000000000000000" pitchFamily="2" charset="2"/>
-              </a:rPr>
-              <a:t>Document </a:t>
-            </a:r>
-            <a:r>
-              <a:rPr lang="en-US" b="1" dirty="0">
-                <a:sym typeface="Wingdings" panose="05000000000000000000" pitchFamily="2" charset="2"/>
-              </a:rPr>
-              <a:t>required</a:t>
-            </a:r>
-            <a:r>
-              <a:rPr lang="en-US" dirty="0">
-                <a:sym typeface="Wingdings" panose="05000000000000000000" pitchFamily="2" charset="2"/>
-              </a:rPr>
-              <a:t> properties </a:t>
-            </a:r>
-          </a:p>
-          <a:p>
-            <a:pPr lvl="1"/>
-            <a:r>
-              <a:rPr lang="en-US" dirty="0">
-                <a:sym typeface="Wingdings" panose="05000000000000000000" pitchFamily="2" charset="2"/>
-              </a:rPr>
-              <a:t>Make sure </a:t>
-            </a:r>
-            <a:r>
-              <a:rPr lang="en-US" dirty="0" err="1">
-                <a:sym typeface="Wingdings" panose="05000000000000000000" pitchFamily="2" charset="2"/>
-              </a:rPr>
-              <a:t>enums</a:t>
-            </a:r>
-            <a:r>
-              <a:rPr lang="en-US" dirty="0">
-                <a:sym typeface="Wingdings" panose="05000000000000000000" pitchFamily="2" charset="2"/>
-              </a:rPr>
-              <a:t> are exposed in the swagger doc as strings</a:t>
-            </a:r>
-          </a:p>
-          <a:p>
-            <a:pPr lvl="1"/>
-            <a:r>
-              <a:rPr lang="en-US" dirty="0">
-                <a:sym typeface="Wingdings" panose="05000000000000000000" pitchFamily="2" charset="2"/>
-              </a:rPr>
-              <a:t>Make sure </a:t>
-            </a:r>
-            <a:r>
-              <a:rPr lang="en-US" dirty="0" err="1">
-                <a:sym typeface="Wingdings" panose="05000000000000000000" pitchFamily="2" charset="2"/>
-              </a:rPr>
-              <a:t>enums</a:t>
-            </a:r>
-            <a:r>
-              <a:rPr lang="en-US" dirty="0">
-                <a:sym typeface="Wingdings" panose="05000000000000000000" pitchFamily="2" charset="2"/>
-              </a:rPr>
-              <a:t> as strings are accepted as input at run time</a:t>
-            </a:r>
-          </a:p>
-          <a:p>
-            <a:pPr lvl="2"/>
-            <a:endParaRPr lang="en-US" dirty="0">
-              <a:sym typeface="Wingdings" panose="05000000000000000000" pitchFamily="2" charset="2"/>
-            </a:endParaRPr>
-          </a:p>
-          <a:p>
-            <a:pPr lvl="1"/>
-            <a:endParaRPr lang="en-US" dirty="0"/>
-          </a:p>
-        </p:txBody>
-      </p:sp>
-    </p:spTree>
-    <p:extLst>
-      <p:ext uri="{BB962C8B-B14F-4D97-AF65-F5344CB8AC3E}">
-        <p14:creationId xmlns:p14="http://schemas.microsoft.com/office/powerpoint/2010/main" val="803272294"/>
-      </p:ext>
-    </p:extLst>
-  </p:cSld>
-  <p:clrMapOvr>
-    <a:masterClrMapping/>
-  </p:clrMapOvr>
-</p:sld>
-</file>
-
 <file path=ppt/slides/slide7.xml><?xml version="1.0" encoding="utf-8"?>
 <p:sld xmlns:a="http://schemas.openxmlformats.org/drawingml/2006/main" xmlns:r="http://schemas.openxmlformats.org/officeDocument/2006/relationships" xmlns:p="http://schemas.openxmlformats.org/presentationml/2006/main">
   <p:cSld>
@@ -6781,7 +6874,7 @@
           <p:cNvPr id="2" name="Title 1">
             <a:extLst>
               <a:ext uri="{FF2B5EF4-FFF2-40B4-BE49-F238E27FC236}">
-                <a16:creationId xmlns:a16="http://schemas.microsoft.com/office/drawing/2014/main" id="{472CA6C5-D301-54EC-AECC-79D1CFECC62C}"/>
+                <a16:creationId xmlns:a16="http://schemas.microsoft.com/office/drawing/2014/main" id="{EBFCB1D2-0B81-312E-ED64-DBBDE9F62224}"/>
               </a:ext>
             </a:extLst>
           </p:cNvPr>
@@ -6799,7 +6892,7 @@
           <a:p>
             <a:r>
               <a:rPr lang="en-US" dirty="0"/>
-              <a:t>Api design for function calling..  continue</a:t>
+              <a:t>Api design for function calling</a:t>
             </a:r>
           </a:p>
         </p:txBody>
@@ -6809,7 +6902,7 @@
           <p:cNvPr id="3" name="Content Placeholder 2">
             <a:extLst>
               <a:ext uri="{FF2B5EF4-FFF2-40B4-BE49-F238E27FC236}">
-                <a16:creationId xmlns:a16="http://schemas.microsoft.com/office/drawing/2014/main" id="{50582BAB-C074-1583-004B-0E400A787E29}"/>
+                <a16:creationId xmlns:a16="http://schemas.microsoft.com/office/drawing/2014/main" id="{2F435063-D202-BDFA-876B-EF1DA0371544}"/>
               </a:ext>
             </a:extLst>
           </p:cNvPr>
@@ -6822,502 +6915,131 @@
         </p:nvSpPr>
         <p:spPr/>
         <p:txBody>
-          <a:bodyPr>
-            <a:normAutofit lnSpcReduction="10000"/>
-          </a:bodyPr>
-          <a:lstStyle/>
-          <a:p>
+          <a:bodyPr/>
+          <a:lstStyle/>
+          <a:p>
+            <a:r>
+              <a:rPr lang="en-US" dirty="0"/>
+              <a:t>The Json schema syntax (to be provided as function) is the same used to define input – output </a:t>
+            </a:r>
+            <a:r>
+              <a:rPr lang="en-US" dirty="0" err="1"/>
+              <a:t>dto</a:t>
+            </a:r>
+            <a:r>
+              <a:rPr lang="en-US" dirty="0"/>
+              <a:t> in an open-api document (swagger)</a:t>
+            </a:r>
+          </a:p>
+          <a:p>
+            <a:pPr lvl="1"/>
+            <a:r>
+              <a:rPr lang="en-US" dirty="0"/>
+              <a:t>Extract dynamically from the open api document of your target api</a:t>
+            </a:r>
+          </a:p>
+          <a:p>
+            <a:pPr lvl="1"/>
+            <a:r>
+              <a:rPr lang="en-US" dirty="0"/>
+              <a:t>Put clear description on input </a:t>
+            </a:r>
+            <a:r>
+              <a:rPr lang="en-US" dirty="0" err="1"/>
+              <a:t>dto</a:t>
+            </a:r>
+            <a:r>
+              <a:rPr lang="en-US" dirty="0"/>
+              <a:t> and its properties (</a:t>
+            </a:r>
+            <a:r>
+              <a:rPr lang="en-US" b="1" dirty="0"/>
+              <a:t>prompt engineer applied on a swagger doc </a:t>
+            </a:r>
+            <a:r>
+              <a:rPr lang="en-US" b="1" dirty="0">
+                <a:sym typeface="Wingdings" panose="05000000000000000000" pitchFamily="2" charset="2"/>
+              </a:rPr>
+              <a:t></a:t>
+            </a:r>
             <a:r>
               <a:rPr lang="en-US" dirty="0">
                 <a:sym typeface="Wingdings" panose="05000000000000000000" pitchFamily="2" charset="2"/>
               </a:rPr>
-              <a:t>Validate the input with care (fluent validation)</a:t>
-            </a:r>
-          </a:p>
-          <a:p>
+              <a:t>)</a:t>
+            </a:r>
+          </a:p>
+          <a:p>
+            <a:pPr lvl="1"/>
             <a:r>
               <a:rPr lang="en-US" dirty="0">
                 <a:sym typeface="Wingdings" panose="05000000000000000000" pitchFamily="2" charset="2"/>
               </a:rPr>
-              <a:t>Return errors in Json format, stating clearly each property having problem and the action to take</a:t>
-            </a:r>
-          </a:p>
-          <a:p>
+              <a:t>Document </a:t>
+            </a:r>
+            <a:r>
+              <a:rPr lang="en-US" b="1" dirty="0">
+                <a:sym typeface="Wingdings" panose="05000000000000000000" pitchFamily="2" charset="2"/>
+              </a:rPr>
+              <a:t>required</a:t>
+            </a:r>
             <a:r>
               <a:rPr lang="en-US" dirty="0">
                 <a:sym typeface="Wingdings" panose="05000000000000000000" pitchFamily="2" charset="2"/>
               </a:rPr>
-              <a:t>Your validation code must be </a:t>
+              <a:t> properties </a:t>
+            </a:r>
+          </a:p>
+          <a:p>
+            <a:pPr lvl="1"/>
+            <a:r>
+              <a:rPr lang="en-US" dirty="0">
+                <a:sym typeface="Wingdings" panose="05000000000000000000" pitchFamily="2" charset="2"/>
+              </a:rPr>
+              <a:t>Make sure </a:t>
             </a:r>
             <a:r>
               <a:rPr lang="en-US" dirty="0" err="1">
                 <a:sym typeface="Wingdings" panose="05000000000000000000" pitchFamily="2" charset="2"/>
               </a:rPr>
-              <a:t>conversational,suggesting</a:t>
+              <a:t>enums</a:t>
             </a:r>
             <a:r>
               <a:rPr lang="en-US" dirty="0">
                 <a:sym typeface="Wingdings" panose="05000000000000000000" pitchFamily="2" charset="2"/>
               </a:rPr>
-              <a:t> action to the chatbot,  e.g. : </a:t>
-            </a:r>
-          </a:p>
-          <a:p>
-            <a:pPr marL="0" indent="0">
-              <a:buNone/>
-            </a:pPr>
-            <a:r>
-              <a:rPr lang="en-US" sz="1100" dirty="0" err="1">
-                <a:solidFill>
-                  <a:srgbClr val="000000"/>
-                </a:solidFill>
-                <a:latin typeface="Courier New" panose="02070309020205020404" pitchFamily="49" charset="0"/>
-                <a:cs typeface="Courier New" panose="02070309020205020404" pitchFamily="49" charset="0"/>
-              </a:rPr>
-              <a:t>ret.Errors.Add</a:t>
-            </a:r>
-            <a:r>
-              <a:rPr lang="en-US" sz="1100" dirty="0">
-                <a:solidFill>
-                  <a:srgbClr val="000000"/>
-                </a:solidFill>
-                <a:latin typeface="Courier New" panose="02070309020205020404" pitchFamily="49" charset="0"/>
-                <a:cs typeface="Courier New" panose="02070309020205020404" pitchFamily="49" charset="0"/>
-              </a:rPr>
-              <a:t>(</a:t>
-            </a:r>
-            <a:r>
-              <a:rPr lang="en-US" sz="1100" dirty="0">
-                <a:solidFill>
-                  <a:srgbClr val="0000FF"/>
-                </a:solidFill>
-                <a:latin typeface="Courier New" panose="02070309020205020404" pitchFamily="49" charset="0"/>
-                <a:cs typeface="Courier New" panose="02070309020205020404" pitchFamily="49" charset="0"/>
-              </a:rPr>
-              <a:t>new</a:t>
-            </a:r>
-            <a:r>
-              <a:rPr lang="en-US" sz="1100" dirty="0">
-                <a:solidFill>
-                  <a:srgbClr val="000000"/>
-                </a:solidFill>
-                <a:latin typeface="Courier New" panose="02070309020205020404" pitchFamily="49" charset="0"/>
-                <a:cs typeface="Courier New" panose="02070309020205020404" pitchFamily="49" charset="0"/>
-              </a:rPr>
-              <a:t> </a:t>
-            </a:r>
-            <a:r>
-              <a:rPr lang="en-US" sz="1100" dirty="0" err="1">
-                <a:solidFill>
-                  <a:srgbClr val="000000"/>
-                </a:solidFill>
-                <a:latin typeface="Courier New" panose="02070309020205020404" pitchFamily="49" charset="0"/>
-                <a:cs typeface="Courier New" panose="02070309020205020404" pitchFamily="49" charset="0"/>
-              </a:rPr>
-              <a:t>ValidationFailure</a:t>
-            </a:r>
-            <a:r>
-              <a:rPr lang="en-US" sz="1100" dirty="0">
-                <a:solidFill>
-                  <a:srgbClr val="000000"/>
-                </a:solidFill>
-                <a:latin typeface="Courier New" panose="02070309020205020404" pitchFamily="49" charset="0"/>
-                <a:cs typeface="Courier New" panose="02070309020205020404" pitchFamily="49" charset="0"/>
-              </a:rPr>
-              <a:t>(</a:t>
-            </a:r>
-            <a:r>
-              <a:rPr lang="en-US" sz="1100" dirty="0" err="1">
-                <a:solidFill>
-                  <a:srgbClr val="000000"/>
-                </a:solidFill>
-                <a:latin typeface="Courier New" panose="02070309020205020404" pitchFamily="49" charset="0"/>
-                <a:cs typeface="Courier New" panose="02070309020205020404" pitchFamily="49" charset="0"/>
-              </a:rPr>
-              <a:t>propertyName</a:t>
-            </a:r>
-            <a:r>
-              <a:rPr lang="en-US" sz="1100" dirty="0">
-                <a:solidFill>
-                  <a:srgbClr val="000000"/>
-                </a:solidFill>
-                <a:latin typeface="Courier New" panose="02070309020205020404" pitchFamily="49" charset="0"/>
-                <a:cs typeface="Courier New" panose="02070309020205020404" pitchFamily="49" charset="0"/>
-              </a:rPr>
-              <a:t>,</a:t>
-            </a:r>
-          </a:p>
-          <a:p>
-            <a:pPr marL="0" indent="0">
-              <a:buNone/>
-            </a:pPr>
-            <a:r>
-              <a:rPr lang="en-US" sz="1100" dirty="0">
-                <a:solidFill>
-                  <a:srgbClr val="000000"/>
-                </a:solidFill>
-                <a:latin typeface="Courier New" panose="02070309020205020404" pitchFamily="49" charset="0"/>
-                <a:cs typeface="Courier New" panose="02070309020205020404" pitchFamily="49" charset="0"/>
-              </a:rPr>
-              <a:t>     (</a:t>
-            </a:r>
-            <a:r>
-              <a:rPr lang="en-US" sz="1100" dirty="0">
-                <a:solidFill>
-                  <a:srgbClr val="0000FF"/>
-                </a:solidFill>
-                <a:latin typeface="Courier New" panose="02070309020205020404" pitchFamily="49" charset="0"/>
-                <a:cs typeface="Courier New" panose="02070309020205020404" pitchFamily="49" charset="0"/>
-              </a:rPr>
-              <a:t>new</a:t>
-            </a:r>
-            <a:r>
-              <a:rPr lang="en-US" sz="1100" dirty="0">
-                <a:solidFill>
-                  <a:srgbClr val="000000"/>
-                </a:solidFill>
-                <a:latin typeface="Courier New" panose="02070309020205020404" pitchFamily="49" charset="0"/>
-                <a:cs typeface="Courier New" panose="02070309020205020404" pitchFamily="49" charset="0"/>
-              </a:rPr>
-              <a:t> </a:t>
-            </a:r>
-            <a:r>
-              <a:rPr lang="en-US" sz="1100" dirty="0" err="1">
-                <a:solidFill>
-                  <a:srgbClr val="000000"/>
-                </a:solidFill>
-                <a:latin typeface="Courier New" panose="02070309020205020404" pitchFamily="49" charset="0"/>
-                <a:cs typeface="Courier New" panose="02070309020205020404" pitchFamily="49" charset="0"/>
-              </a:rPr>
-              <a:t>ValidationErrorInfo</a:t>
-            </a:r>
-            <a:r>
-              <a:rPr lang="en-US" sz="1100" dirty="0">
-                <a:solidFill>
-                  <a:srgbClr val="000000"/>
-                </a:solidFill>
-                <a:latin typeface="Courier New" panose="02070309020205020404" pitchFamily="49" charset="0"/>
-                <a:cs typeface="Courier New" panose="02070309020205020404" pitchFamily="49" charset="0"/>
-              </a:rPr>
-              <a:t> { </a:t>
-            </a:r>
-            <a:r>
-              <a:rPr lang="en-US" sz="1100" dirty="0" err="1">
-                <a:solidFill>
-                  <a:srgbClr val="000000"/>
-                </a:solidFill>
-                <a:latin typeface="Courier New" panose="02070309020205020404" pitchFamily="49" charset="0"/>
-                <a:cs typeface="Courier New" panose="02070309020205020404" pitchFamily="49" charset="0"/>
-              </a:rPr>
-              <a:t>ErrorCode</a:t>
-            </a:r>
-            <a:r>
-              <a:rPr lang="en-US" sz="1100" dirty="0">
-                <a:solidFill>
-                  <a:srgbClr val="000000"/>
-                </a:solidFill>
-                <a:latin typeface="Courier New" panose="02070309020205020404" pitchFamily="49" charset="0"/>
-                <a:cs typeface="Courier New" panose="02070309020205020404" pitchFamily="49" charset="0"/>
-              </a:rPr>
-              <a:t> = </a:t>
-            </a:r>
-            <a:r>
-              <a:rPr lang="en-US" sz="1100" dirty="0">
-                <a:solidFill>
-                  <a:srgbClr val="A31515"/>
-                </a:solidFill>
-                <a:latin typeface="Courier New" panose="02070309020205020404" pitchFamily="49" charset="0"/>
-                <a:cs typeface="Courier New" panose="02070309020205020404" pitchFamily="49" charset="0"/>
-              </a:rPr>
-              <a:t>$"ambiguous value for </a:t>
-            </a:r>
-            <a:r>
-              <a:rPr lang="en-US" sz="1100" dirty="0">
-                <a:solidFill>
-                  <a:srgbClr val="000000"/>
-                </a:solidFill>
-                <a:latin typeface="Courier New" panose="02070309020205020404" pitchFamily="49" charset="0"/>
-                <a:cs typeface="Courier New" panose="02070309020205020404" pitchFamily="49" charset="0"/>
-              </a:rPr>
-              <a:t>{</a:t>
-            </a:r>
-            <a:r>
-              <a:rPr lang="en-US" sz="1100" dirty="0" err="1">
-                <a:solidFill>
-                  <a:srgbClr val="000000"/>
-                </a:solidFill>
-                <a:latin typeface="Courier New" panose="02070309020205020404" pitchFamily="49" charset="0"/>
-                <a:cs typeface="Courier New" panose="02070309020205020404" pitchFamily="49" charset="0"/>
-              </a:rPr>
-              <a:t>propertyName</a:t>
-            </a:r>
-            <a:r>
-              <a:rPr lang="en-US" sz="1100" dirty="0">
-                <a:solidFill>
-                  <a:srgbClr val="000000"/>
-                </a:solidFill>
-                <a:latin typeface="Courier New" panose="02070309020205020404" pitchFamily="49" charset="0"/>
-                <a:cs typeface="Courier New" panose="02070309020205020404" pitchFamily="49" charset="0"/>
-              </a:rPr>
-              <a:t>}</a:t>
-            </a:r>
-            <a:r>
-              <a:rPr lang="en-US" sz="1100" dirty="0">
-                <a:solidFill>
-                  <a:srgbClr val="A31515"/>
-                </a:solidFill>
-                <a:latin typeface="Courier New" panose="02070309020205020404" pitchFamily="49" charset="0"/>
-                <a:cs typeface="Courier New" panose="02070309020205020404" pitchFamily="49" charset="0"/>
-              </a:rPr>
-              <a:t>"</a:t>
-            </a:r>
-            <a:endParaRPr lang="en-US" sz="1100" dirty="0">
-              <a:solidFill>
-                <a:srgbClr val="000000"/>
-              </a:solidFill>
-              <a:latin typeface="Courier New" panose="02070309020205020404" pitchFamily="49" charset="0"/>
-              <a:cs typeface="Courier New" panose="02070309020205020404" pitchFamily="49" charset="0"/>
-            </a:endParaRPr>
-          </a:p>
-          <a:p>
-            <a:pPr marL="0" indent="0">
-              <a:buNone/>
-            </a:pPr>
-            <a:r>
-              <a:rPr lang="en-US" sz="1100" dirty="0">
-                <a:solidFill>
-                  <a:srgbClr val="000000"/>
-                </a:solidFill>
-                <a:latin typeface="Courier New" panose="02070309020205020404" pitchFamily="49" charset="0"/>
-                <a:cs typeface="Courier New" panose="02070309020205020404" pitchFamily="49" charset="0"/>
-              </a:rPr>
-              <a:t>         </a:t>
-            </a:r>
-            <a:r>
-              <a:rPr lang="en-US" sz="1100" dirty="0" err="1">
-                <a:solidFill>
-                  <a:srgbClr val="000000"/>
-                </a:solidFill>
-                <a:latin typeface="Courier New" panose="02070309020205020404" pitchFamily="49" charset="0"/>
-                <a:cs typeface="Courier New" panose="02070309020205020404" pitchFamily="49" charset="0"/>
-              </a:rPr>
-              <a:t>AssistantAction</a:t>
-            </a:r>
-            <a:r>
-              <a:rPr lang="en-US" sz="1100" dirty="0">
-                <a:solidFill>
-                  <a:srgbClr val="000000"/>
-                </a:solidFill>
-                <a:latin typeface="Courier New" panose="02070309020205020404" pitchFamily="49" charset="0"/>
-                <a:cs typeface="Courier New" panose="02070309020205020404" pitchFamily="49" charset="0"/>
-              </a:rPr>
-              <a:t> = </a:t>
-            </a:r>
-            <a:r>
-              <a:rPr lang="en-US" sz="1100" dirty="0">
-                <a:solidFill>
-                  <a:srgbClr val="A31515"/>
-                </a:solidFill>
-                <a:latin typeface="Courier New" panose="02070309020205020404" pitchFamily="49" charset="0"/>
-                <a:cs typeface="Courier New" panose="02070309020205020404" pitchFamily="49" charset="0"/>
-              </a:rPr>
-              <a:t>$"reply to the user with these exact words: \"choose among the following values for </a:t>
-            </a:r>
-            <a:r>
-              <a:rPr lang="en-US" sz="1100" dirty="0">
-                <a:solidFill>
-                  <a:srgbClr val="000000"/>
-                </a:solidFill>
-                <a:latin typeface="Courier New" panose="02070309020205020404" pitchFamily="49" charset="0"/>
-                <a:cs typeface="Courier New" panose="02070309020205020404" pitchFamily="49" charset="0"/>
-              </a:rPr>
-              <a:t>{</a:t>
-            </a:r>
-            <a:r>
-              <a:rPr lang="en-US" sz="1100" dirty="0" err="1">
-                <a:solidFill>
-                  <a:srgbClr val="000000"/>
-                </a:solidFill>
-                <a:latin typeface="Courier New" panose="02070309020205020404" pitchFamily="49" charset="0"/>
-                <a:cs typeface="Courier New" panose="02070309020205020404" pitchFamily="49" charset="0"/>
-              </a:rPr>
-              <a:t>propertyName</a:t>
-            </a:r>
-            <a:r>
-              <a:rPr lang="en-US" sz="1100" dirty="0">
-                <a:solidFill>
-                  <a:srgbClr val="000000"/>
-                </a:solidFill>
-                <a:latin typeface="Courier New" panose="02070309020205020404" pitchFamily="49" charset="0"/>
-                <a:cs typeface="Courier New" panose="02070309020205020404" pitchFamily="49" charset="0"/>
-              </a:rPr>
-              <a:t>}</a:t>
-            </a:r>
-            <a:r>
-              <a:rPr lang="en-US" sz="1100" dirty="0">
-                <a:solidFill>
-                  <a:srgbClr val="A31515"/>
-                </a:solidFill>
-                <a:latin typeface="Courier New" panose="02070309020205020404" pitchFamily="49" charset="0"/>
-                <a:cs typeface="Courier New" panose="02070309020205020404" pitchFamily="49" charset="0"/>
-              </a:rPr>
-              <a:t> : </a:t>
-            </a:r>
-            <a:r>
-              <a:rPr lang="en-US" sz="1100" dirty="0">
-                <a:solidFill>
-                  <a:srgbClr val="000000"/>
-                </a:solidFill>
-                <a:latin typeface="Courier New" panose="02070309020205020404" pitchFamily="49" charset="0"/>
-                <a:cs typeface="Courier New" panose="02070309020205020404" pitchFamily="49" charset="0"/>
-              </a:rPr>
-              <a:t>{</a:t>
-            </a:r>
-            <a:r>
-              <a:rPr lang="en-US" sz="1100" dirty="0" err="1">
-                <a:solidFill>
-                  <a:srgbClr val="0000FF"/>
-                </a:solidFill>
-                <a:latin typeface="Courier New" panose="02070309020205020404" pitchFamily="49" charset="0"/>
-                <a:cs typeface="Courier New" panose="02070309020205020404" pitchFamily="49" charset="0"/>
-              </a:rPr>
-              <a:t>string</a:t>
-            </a:r>
-            <a:r>
-              <a:rPr lang="en-US" sz="1100" dirty="0" err="1">
-                <a:solidFill>
-                  <a:srgbClr val="000000"/>
-                </a:solidFill>
-                <a:latin typeface="Courier New" panose="02070309020205020404" pitchFamily="49" charset="0"/>
-                <a:cs typeface="Courier New" panose="02070309020205020404" pitchFamily="49" charset="0"/>
-              </a:rPr>
-              <a:t>.Join</a:t>
-            </a:r>
-            <a:r>
-              <a:rPr lang="en-US" sz="1100" dirty="0">
-                <a:solidFill>
-                  <a:srgbClr val="000000"/>
-                </a:solidFill>
-                <a:latin typeface="Courier New" panose="02070309020205020404" pitchFamily="49" charset="0"/>
-                <a:cs typeface="Courier New" panose="02070309020205020404" pitchFamily="49" charset="0"/>
-              </a:rPr>
-              <a:t>(</a:t>
-            </a:r>
-            <a:r>
-              <a:rPr lang="en-US" sz="1100" dirty="0">
-                <a:solidFill>
-                  <a:srgbClr val="A31515"/>
-                </a:solidFill>
-                <a:latin typeface="Courier New" panose="02070309020205020404" pitchFamily="49" charset="0"/>
-                <a:cs typeface="Courier New" panose="02070309020205020404" pitchFamily="49" charset="0"/>
-              </a:rPr>
-              <a:t>','</a:t>
-            </a:r>
-            <a:r>
-              <a:rPr lang="en-US" sz="1100" dirty="0">
-                <a:solidFill>
-                  <a:srgbClr val="000000"/>
-                </a:solidFill>
-                <a:latin typeface="Courier New" panose="02070309020205020404" pitchFamily="49" charset="0"/>
-                <a:cs typeface="Courier New" panose="02070309020205020404" pitchFamily="49" charset="0"/>
-              </a:rPr>
-              <a:t>,</a:t>
-            </a:r>
-            <a:r>
-              <a:rPr lang="en-US" sz="1100" dirty="0" err="1">
-                <a:solidFill>
-                  <a:srgbClr val="000000"/>
-                </a:solidFill>
-                <a:latin typeface="Courier New" panose="02070309020205020404" pitchFamily="49" charset="0"/>
-                <a:cs typeface="Courier New" panose="02070309020205020404" pitchFamily="49" charset="0"/>
-              </a:rPr>
-              <a:t>candidatePorts.Take</a:t>
-            </a:r>
-            <a:r>
-              <a:rPr lang="en-US" sz="1100" dirty="0">
-                <a:solidFill>
-                  <a:srgbClr val="000000"/>
-                </a:solidFill>
-                <a:latin typeface="Courier New" panose="02070309020205020404" pitchFamily="49" charset="0"/>
-                <a:cs typeface="Courier New" panose="02070309020205020404" pitchFamily="49" charset="0"/>
-              </a:rPr>
-              <a:t>(5).Select(</a:t>
-            </a:r>
-            <a:r>
-              <a:rPr lang="en-US" sz="1100" dirty="0" err="1">
-                <a:solidFill>
-                  <a:srgbClr val="000000"/>
-                </a:solidFill>
-                <a:latin typeface="Courier New" panose="02070309020205020404" pitchFamily="49" charset="0"/>
-                <a:cs typeface="Courier New" panose="02070309020205020404" pitchFamily="49" charset="0"/>
-              </a:rPr>
-              <a:t>FormatPort</a:t>
-            </a:r>
-            <a:r>
-              <a:rPr lang="en-US" sz="1100" dirty="0">
-                <a:solidFill>
-                  <a:srgbClr val="000000"/>
-                </a:solidFill>
-                <a:latin typeface="Courier New" panose="02070309020205020404" pitchFamily="49" charset="0"/>
-                <a:cs typeface="Courier New" panose="02070309020205020404" pitchFamily="49" charset="0"/>
-              </a:rPr>
-              <a:t>))}</a:t>
-            </a:r>
-            <a:r>
-              <a:rPr lang="en-US" sz="1100" dirty="0">
-                <a:solidFill>
-                  <a:srgbClr val="A31515"/>
-                </a:solidFill>
-                <a:latin typeface="Courier New" panose="02070309020205020404" pitchFamily="49" charset="0"/>
-                <a:cs typeface="Courier New" panose="02070309020205020404" pitchFamily="49" charset="0"/>
-              </a:rPr>
-              <a:t>\"" </a:t>
-            </a:r>
-            <a:r>
-              <a:rPr lang="en-US" sz="1100" dirty="0">
-                <a:solidFill>
-                  <a:srgbClr val="000000"/>
-                </a:solidFill>
-                <a:latin typeface="Courier New" panose="02070309020205020404" pitchFamily="49" charset="0"/>
-                <a:cs typeface="Courier New" panose="02070309020205020404" pitchFamily="49" charset="0"/>
-              </a:rPr>
-              <a:t>}.</a:t>
-            </a:r>
-            <a:r>
-              <a:rPr lang="en-US" sz="1100" dirty="0" err="1">
-                <a:solidFill>
-                  <a:srgbClr val="000000"/>
-                </a:solidFill>
-                <a:latin typeface="Courier New" panose="02070309020205020404" pitchFamily="49" charset="0"/>
-                <a:cs typeface="Courier New" panose="02070309020205020404" pitchFamily="49" charset="0"/>
-              </a:rPr>
-              <a:t>ToJson</a:t>
-            </a:r>
-            <a:r>
-              <a:rPr lang="en-US" sz="1100" dirty="0">
-                <a:solidFill>
-                  <a:srgbClr val="000000"/>
-                </a:solidFill>
-                <a:latin typeface="Courier New" panose="02070309020205020404" pitchFamily="49" charset="0"/>
-                <a:cs typeface="Courier New" panose="02070309020205020404" pitchFamily="49" charset="0"/>
-              </a:rPr>
-              <a:t>())));</a:t>
-            </a:r>
-          </a:p>
-          <a:p>
+              <a:t> are exposed in the swagger doc as strings</a:t>
+            </a:r>
+          </a:p>
+          <a:p>
+            <a:pPr lvl="1"/>
+            <a:r>
+              <a:rPr lang="en-US" dirty="0">
+                <a:sym typeface="Wingdings" panose="05000000000000000000" pitchFamily="2" charset="2"/>
+              </a:rPr>
+              <a:t>Make sure </a:t>
+            </a:r>
+            <a:r>
+              <a:rPr lang="en-US" dirty="0" err="1">
+                <a:sym typeface="Wingdings" panose="05000000000000000000" pitchFamily="2" charset="2"/>
+              </a:rPr>
+              <a:t>enums</a:t>
+            </a:r>
+            <a:r>
+              <a:rPr lang="en-US" dirty="0">
+                <a:sym typeface="Wingdings" panose="05000000000000000000" pitchFamily="2" charset="2"/>
+              </a:rPr>
+              <a:t> as strings are accepted as input at run time</a:t>
+            </a:r>
+          </a:p>
+          <a:p>
+            <a:pPr lvl="2"/>
             <a:endParaRPr lang="en-US" dirty="0">
               <a:sym typeface="Wingdings" panose="05000000000000000000" pitchFamily="2" charset="2"/>
             </a:endParaRPr>
           </a:p>
           <a:p>
-            <a:r>
-              <a:rPr lang="en-US" dirty="0">
-                <a:sym typeface="Wingdings" panose="05000000000000000000" pitchFamily="2" charset="2"/>
-              </a:rPr>
-              <a:t>Given this requirements the api you target the call will be likely a proxy to an actual existing api. </a:t>
-            </a:r>
-          </a:p>
-          <a:p>
+            <a:pPr lvl="1"/>
             <a:endParaRPr lang="en-US" dirty="0"/>
           </a:p>
         </p:txBody>
@@ -7325,7 +7047,7 @@
     </p:spTree>
     <p:extLst>
       <p:ext uri="{BB962C8B-B14F-4D97-AF65-F5344CB8AC3E}">
-        <p14:creationId xmlns:p14="http://schemas.microsoft.com/office/powerpoint/2010/main" val="2234336054"/>
+        <p14:creationId xmlns:p14="http://schemas.microsoft.com/office/powerpoint/2010/main" val="803272294"/>
       </p:ext>
     </p:extLst>
   </p:cSld>
@@ -7357,7 +7079,7 @@
           <p:cNvPr id="2" name="Title 1">
             <a:extLst>
               <a:ext uri="{FF2B5EF4-FFF2-40B4-BE49-F238E27FC236}">
-                <a16:creationId xmlns:a16="http://schemas.microsoft.com/office/drawing/2014/main" id="{738CD57D-70E7-1BDF-4AB1-754912A38D39}"/>
+                <a16:creationId xmlns:a16="http://schemas.microsoft.com/office/drawing/2014/main" id="{472CA6C5-D301-54EC-AECC-79D1CFECC62C}"/>
               </a:ext>
             </a:extLst>
           </p:cNvPr>
@@ -7375,7 +7097,7 @@
           <a:p>
             <a:r>
               <a:rPr lang="en-US" dirty="0"/>
-              <a:t>gotchas</a:t>
+              <a:t>Api design for function calling..  continue</a:t>
             </a:r>
           </a:p>
         </p:txBody>
@@ -7385,7 +7107,7 @@
           <p:cNvPr id="3" name="Content Placeholder 2">
             <a:extLst>
               <a:ext uri="{FF2B5EF4-FFF2-40B4-BE49-F238E27FC236}">
-                <a16:creationId xmlns:a16="http://schemas.microsoft.com/office/drawing/2014/main" id="{5D6012E5-8589-D8A0-5999-F8C417FFAA30}"/>
+                <a16:creationId xmlns:a16="http://schemas.microsoft.com/office/drawing/2014/main" id="{50582BAB-C074-1583-004B-0E400A787E29}"/>
               </a:ext>
             </a:extLst>
           </p:cNvPr>
@@ -7398,24 +7120,499 @@
         </p:nvSpPr>
         <p:spPr/>
         <p:txBody>
-          <a:bodyPr/>
-          <a:lstStyle/>
-          <a:p>
-            <a:r>
-              <a:rPr lang="en-US" dirty="0"/>
-              <a:t>The AI sometime make up parameters (e.g. : email)</a:t>
-            </a:r>
-          </a:p>
-          <a:p>
-            <a:r>
-              <a:rPr lang="en-US" dirty="0"/>
-              <a:t>Put up a good system message</a:t>
-            </a:r>
-          </a:p>
-          <a:p>
-            <a:r>
-              <a:rPr lang="en-US" dirty="0"/>
-              <a:t>Do not expect that required setting is always respected for the properties</a:t>
+          <a:bodyPr>
+            <a:normAutofit lnSpcReduction="10000"/>
+          </a:bodyPr>
+          <a:lstStyle/>
+          <a:p>
+            <a:r>
+              <a:rPr lang="en-US" dirty="0">
+                <a:sym typeface="Wingdings" panose="05000000000000000000" pitchFamily="2" charset="2"/>
+              </a:rPr>
+              <a:t>Validate the input with care (fluent validation)</a:t>
+            </a:r>
+          </a:p>
+          <a:p>
+            <a:r>
+              <a:rPr lang="en-US" dirty="0">
+                <a:sym typeface="Wingdings" panose="05000000000000000000" pitchFamily="2" charset="2"/>
+              </a:rPr>
+              <a:t>Return errors in Json format, stating clearly each property having problem and the action to take</a:t>
+            </a:r>
+          </a:p>
+          <a:p>
+            <a:r>
+              <a:rPr lang="en-US" dirty="0">
+                <a:sym typeface="Wingdings" panose="05000000000000000000" pitchFamily="2" charset="2"/>
+              </a:rPr>
+              <a:t>Your validation code must be </a:t>
+            </a:r>
+            <a:r>
+              <a:rPr lang="en-US" dirty="0" err="1">
+                <a:sym typeface="Wingdings" panose="05000000000000000000" pitchFamily="2" charset="2"/>
+              </a:rPr>
+              <a:t>conversational,suggesting</a:t>
+            </a:r>
+            <a:r>
+              <a:rPr lang="en-US" dirty="0">
+                <a:sym typeface="Wingdings" panose="05000000000000000000" pitchFamily="2" charset="2"/>
+              </a:rPr>
+              <a:t> action to the chatbot,  e.g. : </a:t>
+            </a:r>
+          </a:p>
+          <a:p>
+            <a:pPr marL="0" indent="0">
+              <a:buNone/>
+            </a:pPr>
+            <a:r>
+              <a:rPr lang="en-US" sz="1100" dirty="0" err="1">
+                <a:solidFill>
+                  <a:srgbClr val="000000"/>
+                </a:solidFill>
+                <a:latin typeface="Courier New" panose="02070309020205020404" pitchFamily="49" charset="0"/>
+                <a:cs typeface="Courier New" panose="02070309020205020404" pitchFamily="49" charset="0"/>
+              </a:rPr>
+              <a:t>ret.Errors.Add</a:t>
+            </a:r>
+            <a:r>
+              <a:rPr lang="en-US" sz="1100" dirty="0">
+                <a:solidFill>
+                  <a:srgbClr val="000000"/>
+                </a:solidFill>
+                <a:latin typeface="Courier New" panose="02070309020205020404" pitchFamily="49" charset="0"/>
+                <a:cs typeface="Courier New" panose="02070309020205020404" pitchFamily="49" charset="0"/>
+              </a:rPr>
+              <a:t>(</a:t>
+            </a:r>
+            <a:r>
+              <a:rPr lang="en-US" sz="1100" dirty="0">
+                <a:solidFill>
+                  <a:srgbClr val="0000FF"/>
+                </a:solidFill>
+                <a:latin typeface="Courier New" panose="02070309020205020404" pitchFamily="49" charset="0"/>
+                <a:cs typeface="Courier New" panose="02070309020205020404" pitchFamily="49" charset="0"/>
+              </a:rPr>
+              <a:t>new</a:t>
+            </a:r>
+            <a:r>
+              <a:rPr lang="en-US" sz="1100" dirty="0">
+                <a:solidFill>
+                  <a:srgbClr val="000000"/>
+                </a:solidFill>
+                <a:latin typeface="Courier New" panose="02070309020205020404" pitchFamily="49" charset="0"/>
+                <a:cs typeface="Courier New" panose="02070309020205020404" pitchFamily="49" charset="0"/>
+              </a:rPr>
+              <a:t> </a:t>
+            </a:r>
+            <a:r>
+              <a:rPr lang="en-US" sz="1100" dirty="0" err="1">
+                <a:solidFill>
+                  <a:srgbClr val="000000"/>
+                </a:solidFill>
+                <a:latin typeface="Courier New" panose="02070309020205020404" pitchFamily="49" charset="0"/>
+                <a:cs typeface="Courier New" panose="02070309020205020404" pitchFamily="49" charset="0"/>
+              </a:rPr>
+              <a:t>ValidationFailure</a:t>
+            </a:r>
+            <a:r>
+              <a:rPr lang="en-US" sz="1100" dirty="0">
+                <a:solidFill>
+                  <a:srgbClr val="000000"/>
+                </a:solidFill>
+                <a:latin typeface="Courier New" panose="02070309020205020404" pitchFamily="49" charset="0"/>
+                <a:cs typeface="Courier New" panose="02070309020205020404" pitchFamily="49" charset="0"/>
+              </a:rPr>
+              <a:t>(</a:t>
+            </a:r>
+            <a:r>
+              <a:rPr lang="en-US" sz="1100" dirty="0" err="1">
+                <a:solidFill>
+                  <a:srgbClr val="000000"/>
+                </a:solidFill>
+                <a:latin typeface="Courier New" panose="02070309020205020404" pitchFamily="49" charset="0"/>
+                <a:cs typeface="Courier New" panose="02070309020205020404" pitchFamily="49" charset="0"/>
+              </a:rPr>
+              <a:t>propertyName</a:t>
+            </a:r>
+            <a:r>
+              <a:rPr lang="en-US" sz="1100" dirty="0">
+                <a:solidFill>
+                  <a:srgbClr val="000000"/>
+                </a:solidFill>
+                <a:latin typeface="Courier New" panose="02070309020205020404" pitchFamily="49" charset="0"/>
+                <a:cs typeface="Courier New" panose="02070309020205020404" pitchFamily="49" charset="0"/>
+              </a:rPr>
+              <a:t>,</a:t>
+            </a:r>
+          </a:p>
+          <a:p>
+            <a:pPr marL="0" indent="0">
+              <a:buNone/>
+            </a:pPr>
+            <a:r>
+              <a:rPr lang="en-US" sz="1100" dirty="0">
+                <a:solidFill>
+                  <a:srgbClr val="000000"/>
+                </a:solidFill>
+                <a:latin typeface="Courier New" panose="02070309020205020404" pitchFamily="49" charset="0"/>
+                <a:cs typeface="Courier New" panose="02070309020205020404" pitchFamily="49" charset="0"/>
+              </a:rPr>
+              <a:t>     (</a:t>
+            </a:r>
+            <a:r>
+              <a:rPr lang="en-US" sz="1100" dirty="0">
+                <a:solidFill>
+                  <a:srgbClr val="0000FF"/>
+                </a:solidFill>
+                <a:latin typeface="Courier New" panose="02070309020205020404" pitchFamily="49" charset="0"/>
+                <a:cs typeface="Courier New" panose="02070309020205020404" pitchFamily="49" charset="0"/>
+              </a:rPr>
+              <a:t>new</a:t>
+            </a:r>
+            <a:r>
+              <a:rPr lang="en-US" sz="1100" dirty="0">
+                <a:solidFill>
+                  <a:srgbClr val="000000"/>
+                </a:solidFill>
+                <a:latin typeface="Courier New" panose="02070309020205020404" pitchFamily="49" charset="0"/>
+                <a:cs typeface="Courier New" panose="02070309020205020404" pitchFamily="49" charset="0"/>
+              </a:rPr>
+              <a:t> </a:t>
+            </a:r>
+            <a:r>
+              <a:rPr lang="en-US" sz="1100" dirty="0" err="1">
+                <a:solidFill>
+                  <a:srgbClr val="000000"/>
+                </a:solidFill>
+                <a:latin typeface="Courier New" panose="02070309020205020404" pitchFamily="49" charset="0"/>
+                <a:cs typeface="Courier New" panose="02070309020205020404" pitchFamily="49" charset="0"/>
+              </a:rPr>
+              <a:t>ValidationErrorInfo</a:t>
+            </a:r>
+            <a:r>
+              <a:rPr lang="en-US" sz="1100" dirty="0">
+                <a:solidFill>
+                  <a:srgbClr val="000000"/>
+                </a:solidFill>
+                <a:latin typeface="Courier New" panose="02070309020205020404" pitchFamily="49" charset="0"/>
+                <a:cs typeface="Courier New" panose="02070309020205020404" pitchFamily="49" charset="0"/>
+              </a:rPr>
+              <a:t> { </a:t>
+            </a:r>
+            <a:r>
+              <a:rPr lang="en-US" sz="1100" dirty="0" err="1">
+                <a:solidFill>
+                  <a:srgbClr val="000000"/>
+                </a:solidFill>
+                <a:latin typeface="Courier New" panose="02070309020205020404" pitchFamily="49" charset="0"/>
+                <a:cs typeface="Courier New" panose="02070309020205020404" pitchFamily="49" charset="0"/>
+              </a:rPr>
+              <a:t>ErrorCode</a:t>
+            </a:r>
+            <a:r>
+              <a:rPr lang="en-US" sz="1100" dirty="0">
+                <a:solidFill>
+                  <a:srgbClr val="000000"/>
+                </a:solidFill>
+                <a:latin typeface="Courier New" panose="02070309020205020404" pitchFamily="49" charset="0"/>
+                <a:cs typeface="Courier New" panose="02070309020205020404" pitchFamily="49" charset="0"/>
+              </a:rPr>
+              <a:t> = </a:t>
+            </a:r>
+            <a:r>
+              <a:rPr lang="en-US" sz="1100" dirty="0">
+                <a:solidFill>
+                  <a:srgbClr val="A31515"/>
+                </a:solidFill>
+                <a:latin typeface="Courier New" panose="02070309020205020404" pitchFamily="49" charset="0"/>
+                <a:cs typeface="Courier New" panose="02070309020205020404" pitchFamily="49" charset="0"/>
+              </a:rPr>
+              <a:t>$"ambiguous value for </a:t>
+            </a:r>
+            <a:r>
+              <a:rPr lang="en-US" sz="1100" dirty="0">
+                <a:solidFill>
+                  <a:srgbClr val="000000"/>
+                </a:solidFill>
+                <a:latin typeface="Courier New" panose="02070309020205020404" pitchFamily="49" charset="0"/>
+                <a:cs typeface="Courier New" panose="02070309020205020404" pitchFamily="49" charset="0"/>
+              </a:rPr>
+              <a:t>{</a:t>
+            </a:r>
+            <a:r>
+              <a:rPr lang="en-US" sz="1100" dirty="0" err="1">
+                <a:solidFill>
+                  <a:srgbClr val="000000"/>
+                </a:solidFill>
+                <a:latin typeface="Courier New" panose="02070309020205020404" pitchFamily="49" charset="0"/>
+                <a:cs typeface="Courier New" panose="02070309020205020404" pitchFamily="49" charset="0"/>
+              </a:rPr>
+              <a:t>propertyName</a:t>
+            </a:r>
+            <a:r>
+              <a:rPr lang="en-US" sz="1100" dirty="0">
+                <a:solidFill>
+                  <a:srgbClr val="000000"/>
+                </a:solidFill>
+                <a:latin typeface="Courier New" panose="02070309020205020404" pitchFamily="49" charset="0"/>
+                <a:cs typeface="Courier New" panose="02070309020205020404" pitchFamily="49" charset="0"/>
+              </a:rPr>
+              <a:t>}</a:t>
+            </a:r>
+            <a:r>
+              <a:rPr lang="en-US" sz="1100" dirty="0">
+                <a:solidFill>
+                  <a:srgbClr val="A31515"/>
+                </a:solidFill>
+                <a:latin typeface="Courier New" panose="02070309020205020404" pitchFamily="49" charset="0"/>
+                <a:cs typeface="Courier New" panose="02070309020205020404" pitchFamily="49" charset="0"/>
+              </a:rPr>
+              <a:t>"</a:t>
+            </a:r>
+            <a:endParaRPr lang="en-US" sz="1100" dirty="0">
+              <a:solidFill>
+                <a:srgbClr val="000000"/>
+              </a:solidFill>
+              <a:latin typeface="Courier New" panose="02070309020205020404" pitchFamily="49" charset="0"/>
+              <a:cs typeface="Courier New" panose="02070309020205020404" pitchFamily="49" charset="0"/>
+            </a:endParaRPr>
+          </a:p>
+          <a:p>
+            <a:pPr marL="0" indent="0">
+              <a:buNone/>
+            </a:pPr>
+            <a:r>
+              <a:rPr lang="en-US" sz="1100" dirty="0">
+                <a:solidFill>
+                  <a:srgbClr val="000000"/>
+                </a:solidFill>
+                <a:latin typeface="Courier New" panose="02070309020205020404" pitchFamily="49" charset="0"/>
+                <a:cs typeface="Courier New" panose="02070309020205020404" pitchFamily="49" charset="0"/>
+              </a:rPr>
+              <a:t>         </a:t>
+            </a:r>
+            <a:r>
+              <a:rPr lang="en-US" sz="1100" dirty="0" err="1">
+                <a:solidFill>
+                  <a:srgbClr val="000000"/>
+                </a:solidFill>
+                <a:latin typeface="Courier New" panose="02070309020205020404" pitchFamily="49" charset="0"/>
+                <a:cs typeface="Courier New" panose="02070309020205020404" pitchFamily="49" charset="0"/>
+              </a:rPr>
+              <a:t>AssistantAction</a:t>
+            </a:r>
+            <a:r>
+              <a:rPr lang="en-US" sz="1100" dirty="0">
+                <a:solidFill>
+                  <a:srgbClr val="000000"/>
+                </a:solidFill>
+                <a:latin typeface="Courier New" panose="02070309020205020404" pitchFamily="49" charset="0"/>
+                <a:cs typeface="Courier New" panose="02070309020205020404" pitchFamily="49" charset="0"/>
+              </a:rPr>
+              <a:t> = </a:t>
+            </a:r>
+            <a:r>
+              <a:rPr lang="en-US" sz="1100" dirty="0">
+                <a:solidFill>
+                  <a:srgbClr val="A31515"/>
+                </a:solidFill>
+                <a:latin typeface="Courier New" panose="02070309020205020404" pitchFamily="49" charset="0"/>
+                <a:cs typeface="Courier New" panose="02070309020205020404" pitchFamily="49" charset="0"/>
+              </a:rPr>
+              <a:t>$"reply to the user with these exact words: \"choose among the following values for </a:t>
+            </a:r>
+            <a:r>
+              <a:rPr lang="en-US" sz="1100" dirty="0">
+                <a:solidFill>
+                  <a:srgbClr val="000000"/>
+                </a:solidFill>
+                <a:latin typeface="Courier New" panose="02070309020205020404" pitchFamily="49" charset="0"/>
+                <a:cs typeface="Courier New" panose="02070309020205020404" pitchFamily="49" charset="0"/>
+              </a:rPr>
+              <a:t>{</a:t>
+            </a:r>
+            <a:r>
+              <a:rPr lang="en-US" sz="1100" dirty="0" err="1">
+                <a:solidFill>
+                  <a:srgbClr val="000000"/>
+                </a:solidFill>
+                <a:latin typeface="Courier New" panose="02070309020205020404" pitchFamily="49" charset="0"/>
+                <a:cs typeface="Courier New" panose="02070309020205020404" pitchFamily="49" charset="0"/>
+              </a:rPr>
+              <a:t>propertyName</a:t>
+            </a:r>
+            <a:r>
+              <a:rPr lang="en-US" sz="1100" dirty="0">
+                <a:solidFill>
+                  <a:srgbClr val="000000"/>
+                </a:solidFill>
+                <a:latin typeface="Courier New" panose="02070309020205020404" pitchFamily="49" charset="0"/>
+                <a:cs typeface="Courier New" panose="02070309020205020404" pitchFamily="49" charset="0"/>
+              </a:rPr>
+              <a:t>}</a:t>
+            </a:r>
+            <a:r>
+              <a:rPr lang="en-US" sz="1100" dirty="0">
+                <a:solidFill>
+                  <a:srgbClr val="A31515"/>
+                </a:solidFill>
+                <a:latin typeface="Courier New" panose="02070309020205020404" pitchFamily="49" charset="0"/>
+                <a:cs typeface="Courier New" panose="02070309020205020404" pitchFamily="49" charset="0"/>
+              </a:rPr>
+              <a:t> : </a:t>
+            </a:r>
+            <a:r>
+              <a:rPr lang="en-US" sz="1100" dirty="0">
+                <a:solidFill>
+                  <a:srgbClr val="000000"/>
+                </a:solidFill>
+                <a:latin typeface="Courier New" panose="02070309020205020404" pitchFamily="49" charset="0"/>
+                <a:cs typeface="Courier New" panose="02070309020205020404" pitchFamily="49" charset="0"/>
+              </a:rPr>
+              <a:t>{</a:t>
+            </a:r>
+            <a:r>
+              <a:rPr lang="en-US" sz="1100" dirty="0" err="1">
+                <a:solidFill>
+                  <a:srgbClr val="0000FF"/>
+                </a:solidFill>
+                <a:latin typeface="Courier New" panose="02070309020205020404" pitchFamily="49" charset="0"/>
+                <a:cs typeface="Courier New" panose="02070309020205020404" pitchFamily="49" charset="0"/>
+              </a:rPr>
+              <a:t>string</a:t>
+            </a:r>
+            <a:r>
+              <a:rPr lang="en-US" sz="1100" dirty="0" err="1">
+                <a:solidFill>
+                  <a:srgbClr val="000000"/>
+                </a:solidFill>
+                <a:latin typeface="Courier New" panose="02070309020205020404" pitchFamily="49" charset="0"/>
+                <a:cs typeface="Courier New" panose="02070309020205020404" pitchFamily="49" charset="0"/>
+              </a:rPr>
+              <a:t>.Join</a:t>
+            </a:r>
+            <a:r>
+              <a:rPr lang="en-US" sz="1100" dirty="0">
+                <a:solidFill>
+                  <a:srgbClr val="000000"/>
+                </a:solidFill>
+                <a:latin typeface="Courier New" panose="02070309020205020404" pitchFamily="49" charset="0"/>
+                <a:cs typeface="Courier New" panose="02070309020205020404" pitchFamily="49" charset="0"/>
+              </a:rPr>
+              <a:t>(</a:t>
+            </a:r>
+            <a:r>
+              <a:rPr lang="en-US" sz="1100" dirty="0">
+                <a:solidFill>
+                  <a:srgbClr val="A31515"/>
+                </a:solidFill>
+                <a:latin typeface="Courier New" panose="02070309020205020404" pitchFamily="49" charset="0"/>
+                <a:cs typeface="Courier New" panose="02070309020205020404" pitchFamily="49" charset="0"/>
+              </a:rPr>
+              <a:t>','</a:t>
+            </a:r>
+            <a:r>
+              <a:rPr lang="en-US" sz="1100" dirty="0">
+                <a:solidFill>
+                  <a:srgbClr val="000000"/>
+                </a:solidFill>
+                <a:latin typeface="Courier New" panose="02070309020205020404" pitchFamily="49" charset="0"/>
+                <a:cs typeface="Courier New" panose="02070309020205020404" pitchFamily="49" charset="0"/>
+              </a:rPr>
+              <a:t>,</a:t>
+            </a:r>
+            <a:r>
+              <a:rPr lang="en-US" sz="1100" dirty="0" err="1">
+                <a:solidFill>
+                  <a:srgbClr val="000000"/>
+                </a:solidFill>
+                <a:latin typeface="Courier New" panose="02070309020205020404" pitchFamily="49" charset="0"/>
+                <a:cs typeface="Courier New" panose="02070309020205020404" pitchFamily="49" charset="0"/>
+              </a:rPr>
+              <a:t>candidatePorts.Take</a:t>
+            </a:r>
+            <a:r>
+              <a:rPr lang="en-US" sz="1100" dirty="0">
+                <a:solidFill>
+                  <a:srgbClr val="000000"/>
+                </a:solidFill>
+                <a:latin typeface="Courier New" panose="02070309020205020404" pitchFamily="49" charset="0"/>
+                <a:cs typeface="Courier New" panose="02070309020205020404" pitchFamily="49" charset="0"/>
+              </a:rPr>
+              <a:t>(5).Select(</a:t>
+            </a:r>
+            <a:r>
+              <a:rPr lang="en-US" sz="1100" dirty="0" err="1">
+                <a:solidFill>
+                  <a:srgbClr val="000000"/>
+                </a:solidFill>
+                <a:latin typeface="Courier New" panose="02070309020205020404" pitchFamily="49" charset="0"/>
+                <a:cs typeface="Courier New" panose="02070309020205020404" pitchFamily="49" charset="0"/>
+              </a:rPr>
+              <a:t>FormatPort</a:t>
+            </a:r>
+            <a:r>
+              <a:rPr lang="en-US" sz="1100" dirty="0">
+                <a:solidFill>
+                  <a:srgbClr val="000000"/>
+                </a:solidFill>
+                <a:latin typeface="Courier New" panose="02070309020205020404" pitchFamily="49" charset="0"/>
+                <a:cs typeface="Courier New" panose="02070309020205020404" pitchFamily="49" charset="0"/>
+              </a:rPr>
+              <a:t>))}</a:t>
+            </a:r>
+            <a:r>
+              <a:rPr lang="en-US" sz="1100" dirty="0">
+                <a:solidFill>
+                  <a:srgbClr val="A31515"/>
+                </a:solidFill>
+                <a:latin typeface="Courier New" panose="02070309020205020404" pitchFamily="49" charset="0"/>
+                <a:cs typeface="Courier New" panose="02070309020205020404" pitchFamily="49" charset="0"/>
+              </a:rPr>
+              <a:t>\"" </a:t>
+            </a:r>
+            <a:r>
+              <a:rPr lang="en-US" sz="1100" dirty="0">
+                <a:solidFill>
+                  <a:srgbClr val="000000"/>
+                </a:solidFill>
+                <a:latin typeface="Courier New" panose="02070309020205020404" pitchFamily="49" charset="0"/>
+                <a:cs typeface="Courier New" panose="02070309020205020404" pitchFamily="49" charset="0"/>
+              </a:rPr>
+              <a:t>}.</a:t>
+            </a:r>
+            <a:r>
+              <a:rPr lang="en-US" sz="1100" dirty="0" err="1">
+                <a:solidFill>
+                  <a:srgbClr val="000000"/>
+                </a:solidFill>
+                <a:latin typeface="Courier New" panose="02070309020205020404" pitchFamily="49" charset="0"/>
+                <a:cs typeface="Courier New" panose="02070309020205020404" pitchFamily="49" charset="0"/>
+              </a:rPr>
+              <a:t>ToJson</a:t>
+            </a:r>
+            <a:r>
+              <a:rPr lang="en-US" sz="1100" dirty="0">
+                <a:solidFill>
+                  <a:srgbClr val="000000"/>
+                </a:solidFill>
+                <a:latin typeface="Courier New" panose="02070309020205020404" pitchFamily="49" charset="0"/>
+                <a:cs typeface="Courier New" panose="02070309020205020404" pitchFamily="49" charset="0"/>
+              </a:rPr>
+              <a:t>())));</a:t>
+            </a:r>
+          </a:p>
+          <a:p>
+            <a:endParaRPr lang="en-US" dirty="0">
+              <a:sym typeface="Wingdings" panose="05000000000000000000" pitchFamily="2" charset="2"/>
+            </a:endParaRPr>
+          </a:p>
+          <a:p>
+            <a:r>
+              <a:rPr lang="en-US" dirty="0">
+                <a:sym typeface="Wingdings" panose="05000000000000000000" pitchFamily="2" charset="2"/>
+              </a:rPr>
+              <a:t>Given this requirements the api you target the call will be likely a proxy to an actual existing api. </a:t>
             </a:r>
           </a:p>
           <a:p>
@@ -7426,7 +7623,7 @@
     </p:spTree>
     <p:extLst>
       <p:ext uri="{BB962C8B-B14F-4D97-AF65-F5344CB8AC3E}">
-        <p14:creationId xmlns:p14="http://schemas.microsoft.com/office/powerpoint/2010/main" val="3032493198"/>
+        <p14:creationId xmlns:p14="http://schemas.microsoft.com/office/powerpoint/2010/main" val="2234336054"/>
       </p:ext>
     </p:extLst>
   </p:cSld>
@@ -7458,7 +7655,7 @@
           <p:cNvPr id="2" name="Title 1">
             <a:extLst>
               <a:ext uri="{FF2B5EF4-FFF2-40B4-BE49-F238E27FC236}">
-                <a16:creationId xmlns:a16="http://schemas.microsoft.com/office/drawing/2014/main" id="{14C425C7-5AD3-A208-089A-82DD7DC3B7F0}"/>
+                <a16:creationId xmlns:a16="http://schemas.microsoft.com/office/drawing/2014/main" id="{738CD57D-70E7-1BDF-4AB1-754912A38D39}"/>
               </a:ext>
             </a:extLst>
           </p:cNvPr>
@@ -7476,7 +7673,7 @@
           <a:p>
             <a:r>
               <a:rPr lang="en-US" dirty="0"/>
-              <a:t>EXAMPLE</a:t>
+              <a:t>gotchas</a:t>
             </a:r>
           </a:p>
         </p:txBody>
@@ -7486,7 +7683,7 @@
           <p:cNvPr id="3" name="Content Placeholder 2">
             <a:extLst>
               <a:ext uri="{FF2B5EF4-FFF2-40B4-BE49-F238E27FC236}">
-                <a16:creationId xmlns:a16="http://schemas.microsoft.com/office/drawing/2014/main" id="{3E9314EB-C74E-4EDF-32DE-93724FB6B3D8}"/>
+                <a16:creationId xmlns:a16="http://schemas.microsoft.com/office/drawing/2014/main" id="{5D6012E5-8589-D8A0-5999-F8C417FFAA30}"/>
               </a:ext>
             </a:extLst>
           </p:cNvPr>
@@ -7504,12 +7701,22 @@
           <a:p>
             <a:r>
               <a:rPr lang="en-US" dirty="0"/>
-              <a:t>List, Create quotes </a:t>
-            </a:r>
-            <a:r>
-              <a:rPr lang="en-US"/>
-              <a:t>in mymsc</a:t>
-            </a:r>
+              <a:t>The AI sometime make up parameters (e.g. : email)</a:t>
+            </a:r>
+          </a:p>
+          <a:p>
+            <a:r>
+              <a:rPr lang="en-US" dirty="0"/>
+              <a:t>Put up a good system message</a:t>
+            </a:r>
+          </a:p>
+          <a:p>
+            <a:r>
+              <a:rPr lang="en-US" dirty="0"/>
+              <a:t>Do not expect that required setting is always respected for the properties</a:t>
+            </a:r>
+          </a:p>
+          <a:p>
             <a:endParaRPr lang="en-US" dirty="0"/>
           </a:p>
         </p:txBody>
@@ -7517,7 +7724,7 @@
     </p:spTree>
     <p:extLst>
       <p:ext uri="{BB962C8B-B14F-4D97-AF65-F5344CB8AC3E}">
-        <p14:creationId xmlns:p14="http://schemas.microsoft.com/office/powerpoint/2010/main" val="886877064"/>
+        <p14:creationId xmlns:p14="http://schemas.microsoft.com/office/powerpoint/2010/main" val="3032493198"/>
       </p:ext>
     </p:extLst>
   </p:cSld>

--- a/Function calling.pptx
+++ b/Function calling.pptx
@@ -6,19 +6,24 @@
   </p:sldMasterIdLst>
   <p:sldIdLst>
     <p:sldId id="256" r:id="rId2"/>
-    <p:sldId id="269" r:id="rId3"/>
-    <p:sldId id="257" r:id="rId4"/>
-    <p:sldId id="258" r:id="rId5"/>
-    <p:sldId id="263" r:id="rId6"/>
-    <p:sldId id="265" r:id="rId7"/>
-    <p:sldId id="259" r:id="rId8"/>
-    <p:sldId id="261" r:id="rId9"/>
-    <p:sldId id="260" r:id="rId10"/>
-    <p:sldId id="264" r:id="rId11"/>
-    <p:sldId id="266" r:id="rId12"/>
-    <p:sldId id="267" r:id="rId13"/>
-    <p:sldId id="268" r:id="rId14"/>
-    <p:sldId id="262" r:id="rId15"/>
+    <p:sldId id="270" r:id="rId3"/>
+    <p:sldId id="271" r:id="rId4"/>
+    <p:sldId id="272" r:id="rId5"/>
+    <p:sldId id="269" r:id="rId6"/>
+    <p:sldId id="257" r:id="rId7"/>
+    <p:sldId id="258" r:id="rId8"/>
+    <p:sldId id="263" r:id="rId9"/>
+    <p:sldId id="273" r:id="rId10"/>
+    <p:sldId id="265" r:id="rId11"/>
+    <p:sldId id="274" r:id="rId12"/>
+    <p:sldId id="259" r:id="rId13"/>
+    <p:sldId id="261" r:id="rId14"/>
+    <p:sldId id="260" r:id="rId15"/>
+    <p:sldId id="264" r:id="rId16"/>
+    <p:sldId id="266" r:id="rId17"/>
+    <p:sldId id="267" r:id="rId18"/>
+    <p:sldId id="268" r:id="rId19"/>
+    <p:sldId id="262" r:id="rId20"/>
   </p:sldIdLst>
   <p:sldSz cx="12192000" cy="6858000"/>
   <p:notesSz cx="6858000" cy="9144000"/>
@@ -272,7 +277,7 @@
           <a:p>
             <a:fld id="{BAD0B23A-5A61-4A5C-AD01-6CDF493C7C46}" type="datetimeFigureOut">
               <a:rPr lang="en-US" smtClean="0"/>
-              <a:t>2/8/2024</a:t>
+              <a:t>4/2/2024</a:t>
             </a:fld>
             <a:endParaRPr lang="en-US"/>
           </a:p>
@@ -470,7 +475,7 @@
           <a:p>
             <a:fld id="{BAD0B23A-5A61-4A5C-AD01-6CDF493C7C46}" type="datetimeFigureOut">
               <a:rPr lang="en-US" smtClean="0"/>
-              <a:t>2/8/2024</a:t>
+              <a:t>4/2/2024</a:t>
             </a:fld>
             <a:endParaRPr lang="en-US"/>
           </a:p>
@@ -678,7 +683,7 @@
           <a:p>
             <a:fld id="{BAD0B23A-5A61-4A5C-AD01-6CDF493C7C46}" type="datetimeFigureOut">
               <a:rPr lang="en-US" smtClean="0"/>
-              <a:t>2/8/2024</a:t>
+              <a:t>4/2/2024</a:t>
             </a:fld>
             <a:endParaRPr lang="en-US"/>
           </a:p>
@@ -876,7 +881,7 @@
           <a:p>
             <a:fld id="{BAD0B23A-5A61-4A5C-AD01-6CDF493C7C46}" type="datetimeFigureOut">
               <a:rPr lang="en-US" smtClean="0"/>
-              <a:t>2/8/2024</a:t>
+              <a:t>4/2/2024</a:t>
             </a:fld>
             <a:endParaRPr lang="en-US"/>
           </a:p>
@@ -1151,7 +1156,7 @@
           <a:p>
             <a:fld id="{BAD0B23A-5A61-4A5C-AD01-6CDF493C7C46}" type="datetimeFigureOut">
               <a:rPr lang="en-US" smtClean="0"/>
-              <a:t>2/8/2024</a:t>
+              <a:t>4/2/2024</a:t>
             </a:fld>
             <a:endParaRPr lang="en-US"/>
           </a:p>
@@ -1416,7 +1421,7 @@
           <a:p>
             <a:fld id="{BAD0B23A-5A61-4A5C-AD01-6CDF493C7C46}" type="datetimeFigureOut">
               <a:rPr lang="en-US" smtClean="0"/>
-              <a:t>2/8/2024</a:t>
+              <a:t>4/2/2024</a:t>
             </a:fld>
             <a:endParaRPr lang="en-US"/>
           </a:p>
@@ -1828,7 +1833,7 @@
           <a:p>
             <a:fld id="{BAD0B23A-5A61-4A5C-AD01-6CDF493C7C46}" type="datetimeFigureOut">
               <a:rPr lang="en-US" smtClean="0"/>
-              <a:t>2/8/2024</a:t>
+              <a:t>4/2/2024</a:t>
             </a:fld>
             <a:endParaRPr lang="en-US"/>
           </a:p>
@@ -1969,7 +1974,7 @@
           <a:p>
             <a:fld id="{BAD0B23A-5A61-4A5C-AD01-6CDF493C7C46}" type="datetimeFigureOut">
               <a:rPr lang="en-US" smtClean="0"/>
-              <a:t>2/8/2024</a:t>
+              <a:t>4/2/2024</a:t>
             </a:fld>
             <a:endParaRPr lang="en-US"/>
           </a:p>
@@ -2082,7 +2087,7 @@
           <a:p>
             <a:fld id="{BAD0B23A-5A61-4A5C-AD01-6CDF493C7C46}" type="datetimeFigureOut">
               <a:rPr lang="en-US" smtClean="0"/>
-              <a:t>2/8/2024</a:t>
+              <a:t>4/2/2024</a:t>
             </a:fld>
             <a:endParaRPr lang="en-US"/>
           </a:p>
@@ -2393,7 +2398,7 @@
           <a:p>
             <a:fld id="{BAD0B23A-5A61-4A5C-AD01-6CDF493C7C46}" type="datetimeFigureOut">
               <a:rPr lang="en-US" smtClean="0"/>
-              <a:t>2/8/2024</a:t>
+              <a:t>4/2/2024</a:t>
             </a:fld>
             <a:endParaRPr lang="en-US"/>
           </a:p>
@@ -2681,7 +2686,7 @@
           <a:p>
             <a:fld id="{BAD0B23A-5A61-4A5C-AD01-6CDF493C7C46}" type="datetimeFigureOut">
               <a:rPr lang="en-US" smtClean="0"/>
-              <a:t>2/8/2024</a:t>
+              <a:t>4/2/2024</a:t>
             </a:fld>
             <a:endParaRPr lang="en-US"/>
           </a:p>
@@ -2922,7 +2927,7 @@
           <a:p>
             <a:fld id="{BAD0B23A-5A61-4A5C-AD01-6CDF493C7C46}" type="datetimeFigureOut">
               <a:rPr lang="en-US" smtClean="0"/>
-              <a:t>2/8/2024</a:t>
+              <a:t>4/2/2024</a:t>
             </a:fld>
             <a:endParaRPr lang="en-US"/>
           </a:p>
@@ -3546,1361 +3551,6 @@
       </p:grpSpPr>
       <p:sp>
         <p:nvSpPr>
-          <p:cNvPr id="2" name="Title 1">
-            <a:extLst>
-              <a:ext uri="{FF2B5EF4-FFF2-40B4-BE49-F238E27FC236}">
-                <a16:creationId xmlns:a16="http://schemas.microsoft.com/office/drawing/2014/main" id="{14C425C7-5AD3-A208-089A-82DD7DC3B7F0}"/>
-              </a:ext>
-            </a:extLst>
-          </p:cNvPr>
-          <p:cNvSpPr>
-            <a:spLocks noGrp="1"/>
-          </p:cNvSpPr>
-          <p:nvPr>
-            <p:ph type="title"/>
-          </p:nvPr>
-        </p:nvSpPr>
-        <p:spPr/>
-        <p:txBody>
-          <a:bodyPr/>
-          <a:lstStyle/>
-          <a:p>
-            <a:r>
-              <a:rPr lang="en-US" dirty="0"/>
-              <a:t>EXAMPLE</a:t>
-            </a:r>
-          </a:p>
-        </p:txBody>
-      </p:sp>
-      <p:sp>
-        <p:nvSpPr>
-          <p:cNvPr id="3" name="Content Placeholder 2">
-            <a:extLst>
-              <a:ext uri="{FF2B5EF4-FFF2-40B4-BE49-F238E27FC236}">
-                <a16:creationId xmlns:a16="http://schemas.microsoft.com/office/drawing/2014/main" id="{3E9314EB-C74E-4EDF-32DE-93724FB6B3D8}"/>
-              </a:ext>
-            </a:extLst>
-          </p:cNvPr>
-          <p:cNvSpPr>
-            <a:spLocks noGrp="1"/>
-          </p:cNvSpPr>
-          <p:nvPr>
-            <p:ph idx="1"/>
-          </p:nvPr>
-        </p:nvSpPr>
-        <p:spPr/>
-        <p:txBody>
-          <a:bodyPr/>
-          <a:lstStyle/>
-          <a:p>
-            <a:r>
-              <a:rPr lang="en-US" dirty="0"/>
-              <a:t>List, Create quotes </a:t>
-            </a:r>
-            <a:r>
-              <a:rPr lang="en-US"/>
-              <a:t>in mymsc</a:t>
-            </a:r>
-            <a:endParaRPr lang="en-US" dirty="0"/>
-          </a:p>
-        </p:txBody>
-      </p:sp>
-    </p:spTree>
-    <p:extLst>
-      <p:ext uri="{BB962C8B-B14F-4D97-AF65-F5344CB8AC3E}">
-        <p14:creationId xmlns:p14="http://schemas.microsoft.com/office/powerpoint/2010/main" val="886877064"/>
-      </p:ext>
-    </p:extLst>
-  </p:cSld>
-  <p:clrMapOvr>
-    <a:masterClrMapping/>
-  </p:clrMapOvr>
-</p:sld>
-</file>
-
-<file path=ppt/slides/slide11.xml><?xml version="1.0" encoding="utf-8"?>
-<p:sld xmlns:a="http://schemas.openxmlformats.org/drawingml/2006/main" xmlns:r="http://schemas.openxmlformats.org/officeDocument/2006/relationships" xmlns:p="http://schemas.openxmlformats.org/presentationml/2006/main">
-  <p:cSld>
-    <p:spTree>
-      <p:nvGrpSpPr>
-        <p:cNvPr id="1" name=""/>
-        <p:cNvGrpSpPr/>
-        <p:nvPr/>
-      </p:nvGrpSpPr>
-      <p:grpSpPr>
-        <a:xfrm>
-          <a:off x="0" y="0"/>
-          <a:ext cx="0" cy="0"/>
-          <a:chOff x="0" y="0"/>
-          <a:chExt cx="0" cy="0"/>
-        </a:xfrm>
-      </p:grpSpPr>
-      <p:sp>
-        <p:nvSpPr>
-          <p:cNvPr id="2" name="Title 1">
-            <a:extLst>
-              <a:ext uri="{FF2B5EF4-FFF2-40B4-BE49-F238E27FC236}">
-                <a16:creationId xmlns:a16="http://schemas.microsoft.com/office/drawing/2014/main" id="{34C99798-D831-0741-2031-6CC6E08DD38F}"/>
-              </a:ext>
-            </a:extLst>
-          </p:cNvPr>
-          <p:cNvSpPr>
-            <a:spLocks noGrp="1"/>
-          </p:cNvSpPr>
-          <p:nvPr>
-            <p:ph type="title"/>
-          </p:nvPr>
-        </p:nvSpPr>
-        <p:spPr/>
-        <p:txBody>
-          <a:bodyPr/>
-          <a:lstStyle/>
-          <a:p>
-            <a:r>
-              <a:rPr lang="en-US" dirty="0"/>
-              <a:t>Tools-calls</a:t>
-            </a:r>
-          </a:p>
-        </p:txBody>
-      </p:sp>
-      <p:sp>
-        <p:nvSpPr>
-          <p:cNvPr id="3" name="Content Placeholder 2">
-            <a:extLst>
-              <a:ext uri="{FF2B5EF4-FFF2-40B4-BE49-F238E27FC236}">
-                <a16:creationId xmlns:a16="http://schemas.microsoft.com/office/drawing/2014/main" id="{68F51F98-4A09-C940-F5F3-B7703CD32365}"/>
-              </a:ext>
-            </a:extLst>
-          </p:cNvPr>
-          <p:cNvSpPr>
-            <a:spLocks noGrp="1"/>
-          </p:cNvSpPr>
-          <p:nvPr>
-            <p:ph idx="1"/>
-          </p:nvPr>
-        </p:nvSpPr>
-        <p:spPr/>
-        <p:txBody>
-          <a:bodyPr>
-            <a:normAutofit lnSpcReduction="10000"/>
-          </a:bodyPr>
-          <a:lstStyle/>
-          <a:p>
-            <a:r>
-              <a:rPr lang="en-US" dirty="0"/>
-              <a:t>Available starting from </a:t>
-            </a:r>
-            <a:r>
-              <a:rPr lang="en-US" i="1" dirty="0"/>
-              <a:t>gpt-3.5 1106 </a:t>
-            </a:r>
-            <a:r>
-              <a:rPr lang="en-US" dirty="0"/>
-              <a:t>and </a:t>
-            </a:r>
-            <a:r>
-              <a:rPr lang="en-US" i="1" dirty="0"/>
-              <a:t>gpt-4 1106 </a:t>
-            </a:r>
-          </a:p>
-          <a:p>
-            <a:pPr lvl="1"/>
-            <a:r>
-              <a:rPr lang="en-US" dirty="0"/>
-              <a:t>Function calls have become "deprecated": they have become a possible </a:t>
-            </a:r>
-            <a:r>
-              <a:rPr lang="en-US" i="1" dirty="0"/>
-              <a:t>tool-type</a:t>
-            </a:r>
-            <a:r>
-              <a:rPr lang="en-US" dirty="0"/>
-              <a:t> value for tools-calls</a:t>
-            </a:r>
-          </a:p>
-          <a:p>
-            <a:r>
-              <a:rPr lang="en-US" dirty="0"/>
-              <a:t>Tools are an abstraction to accommodate different "external data sources" </a:t>
-            </a:r>
-          </a:p>
-          <a:p>
-            <a:pPr lvl="1"/>
-            <a:r>
-              <a:rPr lang="en-US" i="1" dirty="0"/>
-              <a:t>Currently "function" is the only tool type supported in chat-completion api</a:t>
-            </a:r>
-          </a:p>
-          <a:p>
-            <a:pPr lvl="1"/>
-            <a:r>
-              <a:rPr lang="en-US" i="1" dirty="0"/>
-              <a:t>Assistant Api have more, but that is out of the talk scope</a:t>
-            </a:r>
-          </a:p>
-          <a:p>
-            <a:pPr lvl="1"/>
-            <a:r>
-              <a:rPr lang="en-US" dirty="0"/>
-              <a:t>Chatgpt can return reply with more than one tool call</a:t>
-            </a:r>
-          </a:p>
-          <a:p>
-            <a:r>
-              <a:rPr lang="en-US" dirty="0"/>
-              <a:t>Assistant api have similar concept of tools but support more: Functions, Code interpreter, Knowledge Retrieval</a:t>
-            </a:r>
-          </a:p>
-          <a:p>
-            <a:pPr lvl="1"/>
-            <a:r>
-              <a:rPr lang="en-US" dirty="0"/>
-              <a:t>Still in beta, deserve a dedicated session</a:t>
-            </a:r>
-          </a:p>
-          <a:p>
-            <a:pPr lvl="1"/>
-            <a:endParaRPr lang="en-US" dirty="0"/>
-          </a:p>
-        </p:txBody>
-      </p:sp>
-    </p:spTree>
-    <p:extLst>
-      <p:ext uri="{BB962C8B-B14F-4D97-AF65-F5344CB8AC3E}">
-        <p14:creationId xmlns:p14="http://schemas.microsoft.com/office/powerpoint/2010/main" val="1466022549"/>
-      </p:ext>
-    </p:extLst>
-  </p:cSld>
-  <p:clrMapOvr>
-    <a:masterClrMapping/>
-  </p:clrMapOvr>
-</p:sld>
-</file>
-
-<file path=ppt/slides/slide12.xml><?xml version="1.0" encoding="utf-8"?>
-<p:sld xmlns:a="http://schemas.openxmlformats.org/drawingml/2006/main" xmlns:r="http://schemas.openxmlformats.org/officeDocument/2006/relationships" xmlns:p="http://schemas.openxmlformats.org/presentationml/2006/main">
-  <p:cSld>
-    <p:spTree>
-      <p:nvGrpSpPr>
-        <p:cNvPr id="1" name=""/>
-        <p:cNvGrpSpPr/>
-        <p:nvPr/>
-      </p:nvGrpSpPr>
-      <p:grpSpPr>
-        <a:xfrm>
-          <a:off x="0" y="0"/>
-          <a:ext cx="0" cy="0"/>
-          <a:chOff x="0" y="0"/>
-          <a:chExt cx="0" cy="0"/>
-        </a:xfrm>
-      </p:grpSpPr>
-      <p:sp>
-        <p:nvSpPr>
-          <p:cNvPr id="3" name="Content Placeholder 2">
-            <a:extLst>
-              <a:ext uri="{FF2B5EF4-FFF2-40B4-BE49-F238E27FC236}">
-                <a16:creationId xmlns:a16="http://schemas.microsoft.com/office/drawing/2014/main" id="{962A1F63-26DC-0AF6-E788-C9BDEA11A97E}"/>
-              </a:ext>
-            </a:extLst>
-          </p:cNvPr>
-          <p:cNvSpPr>
-            <a:spLocks noGrp="1"/>
-          </p:cNvSpPr>
-          <p:nvPr>
-            <p:ph idx="1"/>
-          </p:nvPr>
-        </p:nvSpPr>
-        <p:spPr>
-          <a:xfrm>
-            <a:off x="536448" y="115696"/>
-            <a:ext cx="11497056" cy="6413119"/>
-          </a:xfrm>
-        </p:spPr>
-        <p:txBody>
-          <a:bodyPr>
-            <a:noAutofit/>
-          </a:bodyPr>
-          <a:lstStyle/>
-          <a:p>
-            <a:pPr marL="0" indent="0">
-              <a:buNone/>
-            </a:pPr>
-            <a:r>
-              <a:rPr lang="en-US" sz="1800" dirty="0"/>
-              <a:t>tools = [     {</a:t>
-            </a:r>
-            <a:br>
-              <a:rPr lang="en-US" sz="1800" dirty="0"/>
-            </a:br>
-            <a:r>
-              <a:rPr lang="en-US" sz="1800" dirty="0"/>
-              <a:t>        "type": "function",</a:t>
-            </a:r>
-            <a:br>
-              <a:rPr lang="en-US" sz="1800" dirty="0"/>
-            </a:br>
-            <a:r>
-              <a:rPr lang="en-US" sz="1800" dirty="0"/>
-              <a:t>        "function": { "name": "</a:t>
-            </a:r>
-            <a:r>
-              <a:rPr lang="en-US" sz="1800" dirty="0" err="1"/>
-              <a:t>get_current_weather</a:t>
-            </a:r>
-            <a:r>
-              <a:rPr lang="en-US" sz="1800" dirty="0"/>
-              <a:t>",             "description": "Get the current weather",</a:t>
-            </a:r>
-            <a:br>
-              <a:rPr lang="en-US" sz="1800" dirty="0"/>
-            </a:br>
-            <a:r>
-              <a:rPr lang="en-US" sz="1800" dirty="0"/>
-              <a:t>            "parameters": {</a:t>
-            </a:r>
-            <a:br>
-              <a:rPr lang="en-US" sz="1800" dirty="0"/>
-            </a:br>
-            <a:r>
-              <a:rPr lang="en-US" sz="1800" dirty="0"/>
-              <a:t>                "type": "object",</a:t>
-            </a:r>
-            <a:br>
-              <a:rPr lang="en-US" sz="1800" dirty="0"/>
-            </a:br>
-            <a:r>
-              <a:rPr lang="en-US" sz="1800" dirty="0"/>
-              <a:t>                "properties": { </a:t>
-            </a:r>
-            <a:br>
-              <a:rPr lang="en-US" sz="1800" dirty="0"/>
-            </a:br>
-            <a:r>
-              <a:rPr lang="en-US" sz="1800" dirty="0"/>
-              <a:t>                    "location": { "type": "string",  "description": "The city and state, e.g. San Francisco, CA" } </a:t>
-            </a:r>
-            <a:br>
-              <a:rPr lang="en-US" sz="1800" dirty="0"/>
-            </a:br>
-            <a:r>
-              <a:rPr lang="en-US" sz="1800" dirty="0"/>
-              <a:t>                },</a:t>
-            </a:r>
-            <a:br>
-              <a:rPr lang="en-US" sz="1800" dirty="0"/>
-            </a:br>
-            <a:r>
-              <a:rPr lang="en-US" sz="1800" dirty="0"/>
-              <a:t>                "required": ["location"]</a:t>
-            </a:r>
-            <a:br>
-              <a:rPr lang="en-US" sz="1800" dirty="0"/>
-            </a:br>
-            <a:r>
-              <a:rPr lang="en-US" sz="1800" dirty="0"/>
-              <a:t>            },</a:t>
-            </a:r>
-            <a:br>
-              <a:rPr lang="en-US" sz="1800" dirty="0"/>
-            </a:br>
-            <a:r>
-              <a:rPr lang="en-US" sz="1800" dirty="0"/>
-              <a:t>        }</a:t>
-            </a:r>
-            <a:br>
-              <a:rPr lang="en-US" sz="1800" dirty="0"/>
-            </a:br>
-            <a:r>
-              <a:rPr lang="en-US" sz="1800" dirty="0"/>
-              <a:t>    },</a:t>
-            </a:r>
-            <a:br>
-              <a:rPr lang="en-US" sz="1800" dirty="0"/>
-            </a:br>
-            <a:r>
-              <a:rPr lang="en-US" sz="1800" dirty="0"/>
-              <a:t>    {</a:t>
-            </a:r>
-            <a:br>
-              <a:rPr lang="en-US" sz="1800" dirty="0"/>
-            </a:br>
-            <a:r>
-              <a:rPr lang="en-US" sz="1800" dirty="0"/>
-              <a:t>        "type": "function",</a:t>
-            </a:r>
-            <a:br>
-              <a:rPr lang="en-US" sz="1800" dirty="0"/>
-            </a:br>
-            <a:r>
-              <a:rPr lang="en-US" sz="1800" dirty="0"/>
-              <a:t>        "function": { "name": "</a:t>
-            </a:r>
-            <a:r>
-              <a:rPr lang="en-US" sz="1800" dirty="0" err="1"/>
-              <a:t>get_n_day_weather_forecast</a:t>
-            </a:r>
-            <a:r>
-              <a:rPr lang="en-US" sz="1800" dirty="0"/>
-              <a:t>", "description": "Get an N-day weather forecast",</a:t>
-            </a:r>
-            <a:br>
-              <a:rPr lang="en-US" sz="1800" dirty="0"/>
-            </a:br>
-            <a:r>
-              <a:rPr lang="en-US" sz="1800" dirty="0"/>
-              <a:t>            "parameters": {</a:t>
-            </a:r>
-            <a:br>
-              <a:rPr lang="en-US" sz="1800" dirty="0"/>
-            </a:br>
-            <a:r>
-              <a:rPr lang="en-US" sz="1800" dirty="0"/>
-              <a:t>                "type": "object",                </a:t>
-            </a:r>
-            <a:br>
-              <a:rPr lang="en-US" sz="1800" dirty="0"/>
-            </a:br>
-            <a:r>
-              <a:rPr lang="en-US" sz="1800" dirty="0"/>
-              <a:t>                "properties": { </a:t>
-            </a:r>
-            <a:br>
-              <a:rPr lang="en-US" sz="1800" dirty="0"/>
-            </a:br>
-            <a:r>
-              <a:rPr lang="en-US" sz="1800" dirty="0"/>
-              <a:t>                       "location": { "type": "string", "description": "The city and state, e.g. San Francisco, CA"},   </a:t>
-            </a:r>
-            <a:br>
-              <a:rPr lang="en-US" sz="1800" dirty="0"/>
-            </a:br>
-            <a:r>
-              <a:rPr lang="en-US" sz="1800" dirty="0"/>
-              <a:t>                       "</a:t>
-            </a:r>
-            <a:r>
-              <a:rPr lang="en-US" sz="1800" dirty="0" err="1"/>
-              <a:t>num_days</a:t>
-            </a:r>
-            <a:r>
-              <a:rPr lang="en-US" sz="1800" dirty="0"/>
-              <a:t>": {"type": "integer", "description": "The number of days to forecast"}</a:t>
-            </a:r>
-            <a:br>
-              <a:rPr lang="en-US" sz="1800" dirty="0"/>
-            </a:br>
-            <a:r>
-              <a:rPr lang="en-US" sz="1800" dirty="0"/>
-              <a:t>                 },</a:t>
-            </a:r>
-            <a:br>
-              <a:rPr lang="en-US" sz="1800" dirty="0"/>
-            </a:br>
-            <a:r>
-              <a:rPr lang="en-US" sz="1800" dirty="0"/>
-              <a:t>                "required": ["location", "</a:t>
-            </a:r>
-            <a:r>
-              <a:rPr lang="en-US" sz="1800" dirty="0" err="1"/>
-              <a:t>num_days</a:t>
-            </a:r>
-            <a:r>
-              <a:rPr lang="en-US" sz="1800" dirty="0"/>
-              <a:t>"]</a:t>
-            </a:r>
-            <a:br>
-              <a:rPr lang="en-US" sz="1800" dirty="0"/>
-            </a:br>
-            <a:r>
-              <a:rPr lang="en-US" sz="1800" dirty="0"/>
-              <a:t>            },</a:t>
-            </a:r>
-            <a:br>
-              <a:rPr lang="en-US" sz="1800" dirty="0"/>
-            </a:br>
-            <a:r>
-              <a:rPr lang="en-US" sz="1800" dirty="0"/>
-              <a:t>        }</a:t>
-            </a:r>
-            <a:br>
-              <a:rPr lang="en-US" sz="1800" dirty="0"/>
-            </a:br>
-            <a:r>
-              <a:rPr lang="en-US" sz="1800" dirty="0"/>
-              <a:t>    },</a:t>
-            </a:r>
-            <a:br>
-              <a:rPr lang="en-US" sz="1800" dirty="0"/>
-            </a:br>
-            <a:r>
-              <a:rPr lang="en-US" sz="1800" dirty="0"/>
-              <a:t>]</a:t>
-            </a:r>
-          </a:p>
-        </p:txBody>
-      </p:sp>
-    </p:spTree>
-    <p:extLst>
-      <p:ext uri="{BB962C8B-B14F-4D97-AF65-F5344CB8AC3E}">
-        <p14:creationId xmlns:p14="http://schemas.microsoft.com/office/powerpoint/2010/main" val="2373887976"/>
-      </p:ext>
-    </p:extLst>
-  </p:cSld>
-  <p:clrMapOvr>
-    <a:masterClrMapping/>
-  </p:clrMapOvr>
-</p:sld>
-</file>
-
-<file path=ppt/slides/slide13.xml><?xml version="1.0" encoding="utf-8"?>
-<p:sld xmlns:a="http://schemas.openxmlformats.org/drawingml/2006/main" xmlns:r="http://schemas.openxmlformats.org/officeDocument/2006/relationships" xmlns:p="http://schemas.openxmlformats.org/presentationml/2006/main">
-  <p:cSld>
-    <p:spTree>
-      <p:nvGrpSpPr>
-        <p:cNvPr id="1" name=""/>
-        <p:cNvGrpSpPr/>
-        <p:nvPr/>
-      </p:nvGrpSpPr>
-      <p:grpSpPr>
-        <a:xfrm>
-          <a:off x="0" y="0"/>
-          <a:ext cx="0" cy="0"/>
-          <a:chOff x="0" y="0"/>
-          <a:chExt cx="0" cy="0"/>
-        </a:xfrm>
-      </p:grpSpPr>
-      <p:sp>
-        <p:nvSpPr>
-          <p:cNvPr id="2" name="Title 1">
-            <a:extLst>
-              <a:ext uri="{FF2B5EF4-FFF2-40B4-BE49-F238E27FC236}">
-                <a16:creationId xmlns:a16="http://schemas.microsoft.com/office/drawing/2014/main" id="{7A3CD463-38BF-B1AD-F428-F521A5C27A15}"/>
-              </a:ext>
-            </a:extLst>
-          </p:cNvPr>
-          <p:cNvSpPr>
-            <a:spLocks noGrp="1"/>
-          </p:cNvSpPr>
-          <p:nvPr>
-            <p:ph type="title"/>
-          </p:nvPr>
-        </p:nvSpPr>
-        <p:spPr/>
-        <p:txBody>
-          <a:bodyPr/>
-          <a:lstStyle/>
-          <a:p>
-            <a:r>
-              <a:rPr lang="en-US" dirty="0"/>
-              <a:t>Migrate function calls to tools-call </a:t>
-            </a:r>
-            <a:br>
-              <a:rPr lang="en-US" dirty="0"/>
-            </a:br>
-            <a:endParaRPr lang="en-US" dirty="0"/>
-          </a:p>
-        </p:txBody>
-      </p:sp>
-      <p:sp>
-        <p:nvSpPr>
-          <p:cNvPr id="3" name="Content Placeholder 2">
-            <a:extLst>
-              <a:ext uri="{FF2B5EF4-FFF2-40B4-BE49-F238E27FC236}">
-                <a16:creationId xmlns:a16="http://schemas.microsoft.com/office/drawing/2014/main" id="{38A01988-4E4F-7E8B-DBEA-CBC2AF8020B6}"/>
-              </a:ext>
-            </a:extLst>
-          </p:cNvPr>
-          <p:cNvSpPr>
-            <a:spLocks noGrp="1"/>
-          </p:cNvSpPr>
-          <p:nvPr>
-            <p:ph idx="1"/>
-          </p:nvPr>
-        </p:nvSpPr>
-        <p:spPr/>
-        <p:txBody>
-          <a:bodyPr/>
-          <a:lstStyle/>
-          <a:p>
-            <a:r>
-              <a:rPr lang="en-US" dirty="0"/>
-              <a:t>Along with the </a:t>
-            </a:r>
-            <a:r>
-              <a:rPr lang="en-US" dirty="0" err="1"/>
-              <a:t>json</a:t>
-            </a:r>
-            <a:r>
-              <a:rPr lang="en-US" dirty="0"/>
-              <a:t> reply from the api, need to pass also the corresponding </a:t>
-            </a:r>
-            <a:r>
-              <a:rPr lang="en-US" dirty="0" err="1"/>
-              <a:t>json</a:t>
-            </a:r>
-            <a:r>
-              <a:rPr lang="en-US" dirty="0"/>
-              <a:t> returned by the ai in previous step (used as input of the api call)</a:t>
-            </a:r>
-          </a:p>
-          <a:p>
-            <a:r>
-              <a:rPr lang="en-US" dirty="0"/>
-              <a:t>Each function call reply has got an </a:t>
-            </a:r>
-            <a:r>
-              <a:rPr lang="en-US" i="1" dirty="0"/>
-              <a:t>id</a:t>
-            </a:r>
-            <a:r>
-              <a:rPr lang="en-US" dirty="0"/>
-              <a:t> that must be "copied" to the corresponding api reply when passing the </a:t>
-            </a:r>
-            <a:r>
-              <a:rPr lang="en-US" dirty="0" err="1"/>
-              <a:t>json</a:t>
-            </a:r>
-            <a:r>
-              <a:rPr lang="en-US" dirty="0"/>
-              <a:t> reply to the ai </a:t>
-            </a:r>
-          </a:p>
-          <a:p>
-            <a:pPr lvl="1"/>
-            <a:r>
-              <a:rPr lang="en-US" dirty="0"/>
-              <a:t>Likely required to correlate input-output of each function call (there could be more than one)</a:t>
-            </a:r>
-          </a:p>
-        </p:txBody>
-      </p:sp>
-    </p:spTree>
-    <p:extLst>
-      <p:ext uri="{BB962C8B-B14F-4D97-AF65-F5344CB8AC3E}">
-        <p14:creationId xmlns:p14="http://schemas.microsoft.com/office/powerpoint/2010/main" val="1882048807"/>
-      </p:ext>
-    </p:extLst>
-  </p:cSld>
-  <p:clrMapOvr>
-    <a:masterClrMapping/>
-  </p:clrMapOvr>
-</p:sld>
-</file>
-
-<file path=ppt/slides/slide14.xml><?xml version="1.0" encoding="utf-8"?>
-<p:sld xmlns:a="http://schemas.openxmlformats.org/drawingml/2006/main" xmlns:r="http://schemas.openxmlformats.org/officeDocument/2006/relationships" xmlns:p="http://schemas.openxmlformats.org/presentationml/2006/main">
-  <p:cSld>
-    <p:spTree>
-      <p:nvGrpSpPr>
-        <p:cNvPr id="1" name=""/>
-        <p:cNvGrpSpPr/>
-        <p:nvPr/>
-      </p:nvGrpSpPr>
-      <p:grpSpPr>
-        <a:xfrm>
-          <a:off x="0" y="0"/>
-          <a:ext cx="0" cy="0"/>
-          <a:chOff x="0" y="0"/>
-          <a:chExt cx="0" cy="0"/>
-        </a:xfrm>
-      </p:grpSpPr>
-      <p:sp>
-        <p:nvSpPr>
-          <p:cNvPr id="2" name="Title 1">
-            <a:extLst>
-              <a:ext uri="{FF2B5EF4-FFF2-40B4-BE49-F238E27FC236}">
-                <a16:creationId xmlns:a16="http://schemas.microsoft.com/office/drawing/2014/main" id="{21C4ECC1-82EF-B64D-D088-64D7586C53F7}"/>
-              </a:ext>
-            </a:extLst>
-          </p:cNvPr>
-          <p:cNvSpPr>
-            <a:spLocks noGrp="1"/>
-          </p:cNvSpPr>
-          <p:nvPr>
-            <p:ph type="title"/>
-          </p:nvPr>
-        </p:nvSpPr>
-        <p:spPr/>
-        <p:txBody>
-          <a:bodyPr/>
-          <a:lstStyle/>
-          <a:p>
-            <a:endParaRPr lang="en-US"/>
-          </a:p>
-        </p:txBody>
-      </p:sp>
-      <p:sp>
-        <p:nvSpPr>
-          <p:cNvPr id="3" name="Content Placeholder 2">
-            <a:extLst>
-              <a:ext uri="{FF2B5EF4-FFF2-40B4-BE49-F238E27FC236}">
-                <a16:creationId xmlns:a16="http://schemas.microsoft.com/office/drawing/2014/main" id="{07A69565-55FA-6904-454D-1F4EE036EA04}"/>
-              </a:ext>
-            </a:extLst>
-          </p:cNvPr>
-          <p:cNvSpPr>
-            <a:spLocks noGrp="1"/>
-          </p:cNvSpPr>
-          <p:nvPr>
-            <p:ph idx="1"/>
-          </p:nvPr>
-        </p:nvSpPr>
-        <p:spPr/>
-        <p:txBody>
-          <a:bodyPr/>
-          <a:lstStyle/>
-          <a:p>
-            <a:r>
-              <a:rPr lang="en-US" dirty="0">
-                <a:hlinkClick r:id="rId2"/>
-              </a:rPr>
-              <a:t>https://platform.openai.com/docs/guides/function-calling</a:t>
-            </a:r>
-            <a:endParaRPr lang="en-US" dirty="0"/>
-          </a:p>
-          <a:p>
-            <a:r>
-              <a:rPr lang="en-US" dirty="0">
-                <a:hlinkClick r:id="rId3"/>
-              </a:rPr>
-              <a:t>https://cookbook.openai.com/examples/how_to_call_functions_with_chat_models</a:t>
-            </a:r>
-            <a:endParaRPr lang="en-US" dirty="0"/>
-          </a:p>
-          <a:p>
-            <a:endParaRPr lang="en-US" dirty="0"/>
-          </a:p>
-        </p:txBody>
-      </p:sp>
-    </p:spTree>
-    <p:extLst>
-      <p:ext uri="{BB962C8B-B14F-4D97-AF65-F5344CB8AC3E}">
-        <p14:creationId xmlns:p14="http://schemas.microsoft.com/office/powerpoint/2010/main" val="2568979085"/>
-      </p:ext>
-    </p:extLst>
-  </p:cSld>
-  <p:clrMapOvr>
-    <a:masterClrMapping/>
-  </p:clrMapOvr>
-</p:sld>
-</file>
-
-<file path=ppt/slides/slide2.xml><?xml version="1.0" encoding="utf-8"?>
-<p:sld xmlns:a="http://schemas.openxmlformats.org/drawingml/2006/main" xmlns:r="http://schemas.openxmlformats.org/officeDocument/2006/relationships" xmlns:p="http://schemas.openxmlformats.org/presentationml/2006/main">
-  <p:cSld>
-    <p:spTree>
-      <p:nvGrpSpPr>
-        <p:cNvPr id="1" name=""/>
-        <p:cNvGrpSpPr/>
-        <p:nvPr/>
-      </p:nvGrpSpPr>
-      <p:grpSpPr>
-        <a:xfrm>
-          <a:off x="0" y="0"/>
-          <a:ext cx="0" cy="0"/>
-          <a:chOff x="0" y="0"/>
-          <a:chExt cx="0" cy="0"/>
-        </a:xfrm>
-      </p:grpSpPr>
-      <p:sp>
-        <p:nvSpPr>
-          <p:cNvPr id="2" name="Title 1">
-            <a:extLst>
-              <a:ext uri="{FF2B5EF4-FFF2-40B4-BE49-F238E27FC236}">
-                <a16:creationId xmlns:a16="http://schemas.microsoft.com/office/drawing/2014/main" id="{899C6497-7525-A403-ACDD-7A3A718D19B7}"/>
-              </a:ext>
-            </a:extLst>
-          </p:cNvPr>
-          <p:cNvSpPr>
-            <a:spLocks noGrp="1"/>
-          </p:cNvSpPr>
-          <p:nvPr>
-            <p:ph type="title"/>
-          </p:nvPr>
-        </p:nvSpPr>
-        <p:spPr/>
-        <p:txBody>
-          <a:bodyPr/>
-          <a:lstStyle/>
-          <a:p>
-            <a:r>
-              <a:rPr lang="en-US" dirty="0"/>
-              <a:t>Copilot 365</a:t>
-            </a:r>
-          </a:p>
-        </p:txBody>
-      </p:sp>
-      <p:pic>
-        <p:nvPicPr>
-          <p:cNvPr id="5" name="Content Placeholder 4" descr="A diagram of a software company&#10;&#10;Description automatically generated">
-            <a:extLst>
-              <a:ext uri="{FF2B5EF4-FFF2-40B4-BE49-F238E27FC236}">
-                <a16:creationId xmlns:a16="http://schemas.microsoft.com/office/drawing/2014/main" id="{3653F78B-FC8F-0126-3204-97D6838622E2}"/>
-              </a:ext>
-            </a:extLst>
-          </p:cNvPr>
-          <p:cNvPicPr>
-            <a:picLocks noGrp="1" noChangeAspect="1"/>
-          </p:cNvPicPr>
-          <p:nvPr>
-            <p:ph idx="1"/>
-          </p:nvPr>
-        </p:nvPicPr>
-        <p:blipFill>
-          <a:blip r:embed="rId2">
-            <a:extLst>
-              <a:ext uri="{28A0092B-C50C-407E-A947-70E740481C1C}">
-                <a14:useLocalDpi xmlns:a14="http://schemas.microsoft.com/office/drawing/2010/main" val="0"/>
-              </a:ext>
-            </a:extLst>
-          </a:blip>
-          <a:stretch>
-            <a:fillRect/>
-          </a:stretch>
-        </p:blipFill>
-        <p:spPr>
-          <a:xfrm>
-            <a:off x="2149438" y="1825625"/>
-            <a:ext cx="7893124" cy="4351338"/>
-          </a:xfrm>
-        </p:spPr>
-      </p:pic>
-    </p:spTree>
-    <p:extLst>
-      <p:ext uri="{BB962C8B-B14F-4D97-AF65-F5344CB8AC3E}">
-        <p14:creationId xmlns:p14="http://schemas.microsoft.com/office/powerpoint/2010/main" val="2527575947"/>
-      </p:ext>
-    </p:extLst>
-  </p:cSld>
-  <p:clrMapOvr>
-    <a:masterClrMapping/>
-  </p:clrMapOvr>
-</p:sld>
-</file>
-
-<file path=ppt/slides/slide3.xml><?xml version="1.0" encoding="utf-8"?>
-<p:sld xmlns:a="http://schemas.openxmlformats.org/drawingml/2006/main" xmlns:r="http://schemas.openxmlformats.org/officeDocument/2006/relationships" xmlns:p="http://schemas.openxmlformats.org/presentationml/2006/main">
-  <p:cSld>
-    <p:spTree>
-      <p:nvGrpSpPr>
-        <p:cNvPr id="1" name=""/>
-        <p:cNvGrpSpPr/>
-        <p:nvPr/>
-      </p:nvGrpSpPr>
-      <p:grpSpPr>
-        <a:xfrm>
-          <a:off x="0" y="0"/>
-          <a:ext cx="0" cy="0"/>
-          <a:chOff x="0" y="0"/>
-          <a:chExt cx="0" cy="0"/>
-        </a:xfrm>
-      </p:grpSpPr>
-      <p:sp>
-        <p:nvSpPr>
-          <p:cNvPr id="2" name="Title 1">
-            <a:extLst>
-              <a:ext uri="{FF2B5EF4-FFF2-40B4-BE49-F238E27FC236}">
-                <a16:creationId xmlns:a16="http://schemas.microsoft.com/office/drawing/2014/main" id="{0E128FBD-D898-56BC-C281-E6B8ECAA7826}"/>
-              </a:ext>
-            </a:extLst>
-          </p:cNvPr>
-          <p:cNvSpPr>
-            <a:spLocks noGrp="1"/>
-          </p:cNvSpPr>
-          <p:nvPr>
-            <p:ph type="title"/>
-          </p:nvPr>
-        </p:nvSpPr>
-        <p:spPr/>
-        <p:txBody>
-          <a:bodyPr/>
-          <a:lstStyle/>
-          <a:p>
-            <a:r>
-              <a:rPr lang="en-US" dirty="0"/>
-              <a:t>What is function calling</a:t>
-            </a:r>
-          </a:p>
-        </p:txBody>
-      </p:sp>
-      <p:sp>
-        <p:nvSpPr>
-          <p:cNvPr id="3" name="Content Placeholder 2">
-            <a:extLst>
-              <a:ext uri="{FF2B5EF4-FFF2-40B4-BE49-F238E27FC236}">
-                <a16:creationId xmlns:a16="http://schemas.microsoft.com/office/drawing/2014/main" id="{1B5F3137-D397-34CE-1086-6686C6B8B6B1}"/>
-              </a:ext>
-            </a:extLst>
-          </p:cNvPr>
-          <p:cNvSpPr>
-            <a:spLocks noGrp="1"/>
-          </p:cNvSpPr>
-          <p:nvPr>
-            <p:ph idx="1"/>
-          </p:nvPr>
-        </p:nvSpPr>
-        <p:spPr/>
-        <p:txBody>
-          <a:bodyPr>
-            <a:normAutofit/>
-          </a:bodyPr>
-          <a:lstStyle/>
-          <a:p>
-            <a:r>
-              <a:rPr lang="en-US" dirty="0"/>
-              <a:t>It's a functionality available in the </a:t>
-            </a:r>
-            <a:r>
-              <a:rPr lang="en-US" i="1" dirty="0"/>
-              <a:t>completion-chat</a:t>
-            </a:r>
-            <a:r>
-              <a:rPr lang="en-US" dirty="0"/>
-              <a:t> api endpoint </a:t>
-            </a:r>
-          </a:p>
-          <a:p>
-            <a:pPr lvl="1"/>
-            <a:r>
-              <a:rPr lang="en-US" dirty="0"/>
-              <a:t>Gpt-3.5 turbo 0613</a:t>
-            </a:r>
-          </a:p>
-          <a:p>
-            <a:pPr lvl="1"/>
-            <a:r>
-              <a:rPr lang="en-US" dirty="0"/>
-              <a:t>gpt-4-0613</a:t>
-            </a:r>
-          </a:p>
-          <a:p>
-            <a:pPr lvl="1"/>
-            <a:r>
-              <a:rPr lang="en-US" dirty="0"/>
-              <a:t>"embedded/abstracted" into tools-calls in gpt-3.5 1106 and </a:t>
-            </a:r>
-            <a:r>
-              <a:rPr lang="en-US"/>
-              <a:t>gpt-4 1106 (and above)</a:t>
-            </a:r>
-            <a:endParaRPr lang="en-US" dirty="0"/>
-          </a:p>
-          <a:p>
-            <a:r>
-              <a:rPr lang="en-US" dirty="0"/>
-              <a:t>Allows to have ChatGPT convert human natural query and commands into </a:t>
-            </a:r>
-            <a:r>
-              <a:rPr lang="en-US" dirty="0" err="1"/>
-              <a:t>json</a:t>
-            </a:r>
-            <a:endParaRPr lang="en-US" dirty="0"/>
-          </a:p>
-          <a:p>
-            <a:r>
-              <a:rPr lang="en-US" b="1" dirty="0"/>
-              <a:t>Ai does not call an API, it's up to your code to do the call (that's the difference with ChatGPT plug-ins) using the </a:t>
-            </a:r>
-            <a:r>
-              <a:rPr lang="en-US" b="1" dirty="0" err="1"/>
-              <a:t>json</a:t>
-            </a:r>
-            <a:r>
-              <a:rPr lang="en-US" b="1" dirty="0"/>
-              <a:t> provided by the Ai </a:t>
-            </a:r>
-          </a:p>
-          <a:p>
-            <a:pPr lvl="1"/>
-            <a:endParaRPr lang="en-US" dirty="0"/>
-          </a:p>
-        </p:txBody>
-      </p:sp>
-    </p:spTree>
-    <p:extLst>
-      <p:ext uri="{BB962C8B-B14F-4D97-AF65-F5344CB8AC3E}">
-        <p14:creationId xmlns:p14="http://schemas.microsoft.com/office/powerpoint/2010/main" val="2135332399"/>
-      </p:ext>
-    </p:extLst>
-  </p:cSld>
-  <p:clrMapOvr>
-    <a:masterClrMapping/>
-  </p:clrMapOvr>
-</p:sld>
-</file>
-
-<file path=ppt/slides/slide4.xml><?xml version="1.0" encoding="utf-8"?>
-<p:sld xmlns:a="http://schemas.openxmlformats.org/drawingml/2006/main" xmlns:r="http://schemas.openxmlformats.org/officeDocument/2006/relationships" xmlns:p="http://schemas.openxmlformats.org/presentationml/2006/main">
-  <p:cSld>
-    <p:spTree>
-      <p:nvGrpSpPr>
-        <p:cNvPr id="1" name=""/>
-        <p:cNvGrpSpPr/>
-        <p:nvPr/>
-      </p:nvGrpSpPr>
-      <p:grpSpPr>
-        <a:xfrm>
-          <a:off x="0" y="0"/>
-          <a:ext cx="0" cy="0"/>
-          <a:chOff x="0" y="0"/>
-          <a:chExt cx="0" cy="0"/>
-        </a:xfrm>
-      </p:grpSpPr>
-      <p:sp>
-        <p:nvSpPr>
-          <p:cNvPr id="2" name="Title 1">
-            <a:extLst>
-              <a:ext uri="{FF2B5EF4-FFF2-40B4-BE49-F238E27FC236}">
-                <a16:creationId xmlns:a16="http://schemas.microsoft.com/office/drawing/2014/main" id="{3DE6240D-8006-51BB-6F04-2EF1DD882834}"/>
-              </a:ext>
-            </a:extLst>
-          </p:cNvPr>
-          <p:cNvSpPr>
-            <a:spLocks noGrp="1"/>
-          </p:cNvSpPr>
-          <p:nvPr>
-            <p:ph type="title"/>
-          </p:nvPr>
-        </p:nvSpPr>
-        <p:spPr/>
-        <p:txBody>
-          <a:bodyPr/>
-          <a:lstStyle/>
-          <a:p>
-            <a:r>
-              <a:rPr lang="en-US" dirty="0"/>
-              <a:t>What is function calling.. continue</a:t>
-            </a:r>
-          </a:p>
-        </p:txBody>
-      </p:sp>
-      <p:sp>
-        <p:nvSpPr>
-          <p:cNvPr id="3" name="Content Placeholder 2">
-            <a:extLst>
-              <a:ext uri="{FF2B5EF4-FFF2-40B4-BE49-F238E27FC236}">
-                <a16:creationId xmlns:a16="http://schemas.microsoft.com/office/drawing/2014/main" id="{C862D9BB-96CA-1B26-4EDE-3902B705F137}"/>
-              </a:ext>
-            </a:extLst>
-          </p:cNvPr>
-          <p:cNvSpPr>
-            <a:spLocks noGrp="1"/>
-          </p:cNvSpPr>
-          <p:nvPr>
-            <p:ph idx="1"/>
-          </p:nvPr>
-        </p:nvSpPr>
-        <p:spPr/>
-        <p:txBody>
-          <a:bodyPr>
-            <a:normAutofit fontScale="92500" lnSpcReduction="10000"/>
-          </a:bodyPr>
-          <a:lstStyle/>
-          <a:p>
-            <a:r>
-              <a:rPr lang="en-US" dirty="0"/>
-              <a:t>How to use it:</a:t>
-            </a:r>
-            <a:br>
-              <a:rPr lang="en-US" dirty="0"/>
-            </a:br>
-            <a:r>
-              <a:rPr lang="en-US" dirty="0"/>
-              <a:t>Along with user prompt add a list of functions definition</a:t>
-            </a:r>
-          </a:p>
-          <a:p>
-            <a:r>
-              <a:rPr lang="en-US" dirty="0"/>
-              <a:t>A function definition is a </a:t>
-            </a:r>
-            <a:r>
-              <a:rPr lang="en-US" dirty="0" err="1"/>
-              <a:t>json</a:t>
-            </a:r>
-            <a:r>
-              <a:rPr lang="en-US" dirty="0"/>
-              <a:t> following the </a:t>
-            </a:r>
-            <a:r>
-              <a:rPr lang="en-US" dirty="0" err="1"/>
-              <a:t>json</a:t>
-            </a:r>
-            <a:r>
-              <a:rPr lang="en-US" dirty="0"/>
-              <a:t> schema syntax: </a:t>
-            </a:r>
-            <a:br>
-              <a:rPr lang="en-US" dirty="0"/>
-            </a:br>
-            <a:r>
-              <a:rPr lang="en-US" dirty="0"/>
-              <a:t>it is a description of the goal of the function and its parameters </a:t>
-            </a:r>
-            <a:br>
-              <a:rPr lang="en-US" dirty="0"/>
-            </a:br>
-            <a:r>
-              <a:rPr lang="en-US" dirty="0"/>
-              <a:t>(e.g. : temperature given a town name)</a:t>
-            </a:r>
-          </a:p>
-          <a:p>
-            <a:r>
-              <a:rPr lang="en-US" dirty="0"/>
-              <a:t>The AI tries to match the intent of the user with a function and its parameters. </a:t>
-            </a:r>
-          </a:p>
-          <a:p>
-            <a:r>
-              <a:rPr lang="en-US" dirty="0"/>
-              <a:t>If user intent match a function but some parameters are missing the AI "should" ask for the missing values </a:t>
-            </a:r>
-          </a:p>
-          <a:p>
-            <a:r>
-              <a:rPr lang="en-US" dirty="0"/>
-              <a:t>The Json reply from the api call must then be passed to ChatGPT that will make up a human readable reply from the provided </a:t>
-            </a:r>
-            <a:r>
-              <a:rPr lang="en-US" dirty="0" err="1"/>
-              <a:t>json</a:t>
-            </a:r>
-            <a:endParaRPr lang="en-US" dirty="0"/>
-          </a:p>
-          <a:p>
-            <a:endParaRPr lang="en-US" dirty="0"/>
-          </a:p>
-        </p:txBody>
-      </p:sp>
-    </p:spTree>
-    <p:extLst>
-      <p:ext uri="{BB962C8B-B14F-4D97-AF65-F5344CB8AC3E}">
-        <p14:creationId xmlns:p14="http://schemas.microsoft.com/office/powerpoint/2010/main" val="1955413383"/>
-      </p:ext>
-    </p:extLst>
-  </p:cSld>
-  <p:clrMapOvr>
-    <a:masterClrMapping/>
-  </p:clrMapOvr>
-</p:sld>
-</file>
-
-<file path=ppt/slides/slide5.xml><?xml version="1.0" encoding="utf-8"?>
-<p:sld xmlns:a="http://schemas.openxmlformats.org/drawingml/2006/main" xmlns:r="http://schemas.openxmlformats.org/officeDocument/2006/relationships" xmlns:p="http://schemas.openxmlformats.org/presentationml/2006/main">
-  <p:cSld>
-    <p:spTree>
-      <p:nvGrpSpPr>
-        <p:cNvPr id="1" name=""/>
-        <p:cNvGrpSpPr/>
-        <p:nvPr/>
-      </p:nvGrpSpPr>
-      <p:grpSpPr>
-        <a:xfrm>
-          <a:off x="0" y="0"/>
-          <a:ext cx="0" cy="0"/>
-          <a:chOff x="0" y="0"/>
-          <a:chExt cx="0" cy="0"/>
-        </a:xfrm>
-      </p:grpSpPr>
-      <p:sp>
-        <p:nvSpPr>
-          <p:cNvPr id="5" name="TextBox 4">
-            <a:extLst>
-              <a:ext uri="{FF2B5EF4-FFF2-40B4-BE49-F238E27FC236}">
-                <a16:creationId xmlns:a16="http://schemas.microsoft.com/office/drawing/2014/main" id="{215E1604-86AC-2490-62ED-4A5C351823E7}"/>
-              </a:ext>
-            </a:extLst>
-          </p:cNvPr>
-          <p:cNvSpPr txBox="1"/>
-          <p:nvPr/>
-        </p:nvSpPr>
-        <p:spPr>
-          <a:xfrm>
-            <a:off x="457200" y="427813"/>
-            <a:ext cx="11229474" cy="4801314"/>
-          </a:xfrm>
-          <a:prstGeom prst="rect">
-            <a:avLst/>
-          </a:prstGeom>
-          <a:noFill/>
-        </p:spPr>
-        <p:txBody>
-          <a:bodyPr wrap="square">
-            <a:spAutoFit/>
-          </a:bodyPr>
-          <a:lstStyle/>
-          <a:p>
-            <a:r>
-              <a:rPr lang="en-US" dirty="0"/>
-              <a:t>{</a:t>
-            </a:r>
-          </a:p>
-          <a:p>
-            <a:r>
-              <a:rPr lang="en-US" dirty="0"/>
-              <a:t>        "type": "function",</a:t>
-            </a:r>
-          </a:p>
-          <a:p>
-            <a:r>
-              <a:rPr lang="en-US" dirty="0"/>
-              <a:t>        "function": {</a:t>
-            </a:r>
-          </a:p>
-          <a:p>
-            <a:r>
-              <a:rPr lang="en-US" dirty="0"/>
-              <a:t>            "name": "get-weather",</a:t>
-            </a:r>
-          </a:p>
-          <a:p>
-            <a:r>
-              <a:rPr lang="en-US" dirty="0"/>
-              <a:t>            "description": "Get the current weather",</a:t>
-            </a:r>
-          </a:p>
-          <a:p>
-            <a:r>
-              <a:rPr lang="en-US" dirty="0"/>
-              <a:t>            "parameters": {</a:t>
-            </a:r>
-          </a:p>
-          <a:p>
-            <a:r>
-              <a:rPr lang="en-US" dirty="0"/>
-              <a:t>                "type": "object",</a:t>
-            </a:r>
-          </a:p>
-          <a:p>
-            <a:r>
-              <a:rPr lang="en-US" dirty="0"/>
-              <a:t>                "properties": {</a:t>
-            </a:r>
-          </a:p>
-          <a:p>
-            <a:r>
-              <a:rPr lang="en-US" dirty="0"/>
-              <a:t>                    "location": {</a:t>
-            </a:r>
-          </a:p>
-          <a:p>
-            <a:r>
-              <a:rPr lang="en-US" dirty="0"/>
-              <a:t>                        "type": "string",</a:t>
-            </a:r>
-          </a:p>
-          <a:p>
-            <a:r>
-              <a:rPr lang="en-US" dirty="0"/>
-              <a:t>                        "description": "The city and state, e.g. San Francisco, CA",</a:t>
-            </a:r>
-          </a:p>
-          <a:p>
-            <a:r>
-              <a:rPr lang="en-US" dirty="0"/>
-              <a:t>                    }</a:t>
-            </a:r>
-          </a:p>
-          <a:p>
-            <a:r>
-              <a:rPr lang="en-US" dirty="0"/>
-              <a:t>                },</a:t>
-            </a:r>
-          </a:p>
-          <a:p>
-            <a:r>
-              <a:rPr lang="en-US" dirty="0"/>
-              <a:t>                "required": ["location"]</a:t>
-            </a:r>
-          </a:p>
-          <a:p>
-            <a:r>
-              <a:rPr lang="en-US" dirty="0"/>
-              <a:t>            },</a:t>
-            </a:r>
-          </a:p>
-          <a:p>
-            <a:r>
-              <a:rPr lang="en-US" dirty="0"/>
-              <a:t>        }</a:t>
-            </a:r>
-          </a:p>
-          <a:p>
-            <a:r>
-              <a:rPr lang="en-US" dirty="0"/>
-              <a:t>    },</a:t>
-            </a:r>
-          </a:p>
-        </p:txBody>
-      </p:sp>
-      <p:sp>
-        <p:nvSpPr>
-          <p:cNvPr id="2" name="TextBox 1">
-            <a:extLst>
-              <a:ext uri="{FF2B5EF4-FFF2-40B4-BE49-F238E27FC236}">
-                <a16:creationId xmlns:a16="http://schemas.microsoft.com/office/drawing/2014/main" id="{11FF27F2-3810-9393-5046-13F258796858}"/>
-              </a:ext>
-            </a:extLst>
-          </p:cNvPr>
-          <p:cNvSpPr txBox="1"/>
-          <p:nvPr/>
-        </p:nvSpPr>
-        <p:spPr>
-          <a:xfrm>
-            <a:off x="950976" y="5678424"/>
-            <a:ext cx="5259197" cy="369332"/>
-          </a:xfrm>
-          <a:prstGeom prst="rect">
-            <a:avLst/>
-          </a:prstGeom>
-          <a:noFill/>
-        </p:spPr>
-        <p:txBody>
-          <a:bodyPr wrap="none" rtlCol="0">
-            <a:spAutoFit/>
-          </a:bodyPr>
-          <a:lstStyle/>
-          <a:p>
-            <a:r>
-              <a:rPr lang="en-US" dirty="0"/>
-              <a:t>Note: no need to document the corresponding output</a:t>
-            </a:r>
-          </a:p>
-        </p:txBody>
-      </p:sp>
-    </p:spTree>
-    <p:extLst>
-      <p:ext uri="{BB962C8B-B14F-4D97-AF65-F5344CB8AC3E}">
-        <p14:creationId xmlns:p14="http://schemas.microsoft.com/office/powerpoint/2010/main" val="1156657161"/>
-      </p:ext>
-    </p:extLst>
-  </p:cSld>
-  <p:clrMapOvr>
-    <a:masterClrMapping/>
-  </p:clrMapOvr>
-</p:sld>
-</file>
-
-<file path=ppt/slides/slide6.xml><?xml version="1.0" encoding="utf-8"?>
-<p:sld xmlns:a="http://schemas.openxmlformats.org/drawingml/2006/main" xmlns:r="http://schemas.openxmlformats.org/officeDocument/2006/relationships" xmlns:p="http://schemas.openxmlformats.org/presentationml/2006/main">
-  <p:cSld>
-    <p:spTree>
-      <p:nvGrpSpPr>
-        <p:cNvPr id="1" name=""/>
-        <p:cNvGrpSpPr/>
-        <p:nvPr/>
-      </p:nvGrpSpPr>
-      <p:grpSpPr>
-        <a:xfrm>
-          <a:off x="0" y="0"/>
-          <a:ext cx="0" cy="0"/>
-          <a:chOff x="0" y="0"/>
-          <a:chExt cx="0" cy="0"/>
-        </a:xfrm>
-      </p:grpSpPr>
-      <p:sp>
-        <p:nvSpPr>
           <p:cNvPr id="4" name="Rectangle 3">
             <a:extLst>
               <a:ext uri="{FF2B5EF4-FFF2-40B4-BE49-F238E27FC236}">
@@ -5378,7 +4028,7 @@
         <p:spPr>
           <a:xfrm>
             <a:off x="3305264" y="1136011"/>
-            <a:ext cx="1803633" cy="612648"/>
+            <a:ext cx="1950457" cy="612648"/>
           </a:xfrm>
           <a:prstGeom prst="accentBorderCallout1">
             <a:avLst>
@@ -5422,7 +4072,7 @@
                   <a:schemeClr val="tx1"/>
                 </a:solidFill>
               </a:rPr>
-              <a:t>- function: get-weather</a:t>
+              <a:t>- function: get-weather {…}</a:t>
             </a:r>
             <a:br>
               <a:rPr lang="en-US" sz="1200" dirty="0">
@@ -5496,7 +4146,7 @@
                   <a:schemeClr val="tx1"/>
                 </a:solidFill>
               </a:rPr>
-              <a:t>- function: Get-weather</a:t>
+              <a:t>- function: get-weather {…}</a:t>
             </a:r>
             <a:br>
               <a:rPr lang="en-US" sz="1200" dirty="0">
@@ -5526,7 +4176,7 @@
                   <a:schemeClr val="tx1"/>
                 </a:solidFill>
               </a:rPr>
-              <a:t>- user: "how is the weather today in London ?"</a:t>
+              <a:t>- user: "London ?"</a:t>
             </a:r>
           </a:p>
         </p:txBody>
@@ -6852,6 +5502,2333 @@
 </p:sld>
 </file>
 
+<file path=ppt/slides/slide11.xml><?xml version="1.0" encoding="utf-8"?>
+<p:sld xmlns:a="http://schemas.openxmlformats.org/drawingml/2006/main" xmlns:r="http://schemas.openxmlformats.org/officeDocument/2006/relationships" xmlns:p="http://schemas.openxmlformats.org/presentationml/2006/main">
+  <p:cSld>
+    <p:spTree>
+      <p:nvGrpSpPr>
+        <p:cNvPr id="1" name=""/>
+        <p:cNvGrpSpPr/>
+        <p:nvPr/>
+      </p:nvGrpSpPr>
+      <p:grpSpPr>
+        <a:xfrm>
+          <a:off x="0" y="0"/>
+          <a:ext cx="0" cy="0"/>
+          <a:chOff x="0" y="0"/>
+          <a:chExt cx="0" cy="0"/>
+        </a:xfrm>
+      </p:grpSpPr>
+      <p:sp>
+        <p:nvSpPr>
+          <p:cNvPr id="2" name="Title 1">
+            <a:extLst>
+              <a:ext uri="{FF2B5EF4-FFF2-40B4-BE49-F238E27FC236}">
+                <a16:creationId xmlns:a16="http://schemas.microsoft.com/office/drawing/2014/main" id="{14C425C7-5AD3-A208-089A-82DD7DC3B7F0}"/>
+              </a:ext>
+            </a:extLst>
+          </p:cNvPr>
+          <p:cNvSpPr>
+            <a:spLocks noGrp="1"/>
+          </p:cNvSpPr>
+          <p:nvPr>
+            <p:ph type="title"/>
+          </p:nvPr>
+        </p:nvSpPr>
+        <p:spPr/>
+        <p:txBody>
+          <a:bodyPr/>
+          <a:lstStyle/>
+          <a:p>
+            <a:r>
+              <a:rPr lang="en-US" dirty="0"/>
+              <a:t>EXAMPLE</a:t>
+            </a:r>
+          </a:p>
+        </p:txBody>
+      </p:sp>
+      <p:sp>
+        <p:nvSpPr>
+          <p:cNvPr id="3" name="Content Placeholder 2">
+            <a:extLst>
+              <a:ext uri="{FF2B5EF4-FFF2-40B4-BE49-F238E27FC236}">
+                <a16:creationId xmlns:a16="http://schemas.microsoft.com/office/drawing/2014/main" id="{3E9314EB-C74E-4EDF-32DE-93724FB6B3D8}"/>
+              </a:ext>
+            </a:extLst>
+          </p:cNvPr>
+          <p:cNvSpPr>
+            <a:spLocks noGrp="1"/>
+          </p:cNvSpPr>
+          <p:nvPr>
+            <p:ph idx="1"/>
+          </p:nvPr>
+        </p:nvSpPr>
+        <p:spPr/>
+        <p:txBody>
+          <a:bodyPr/>
+          <a:lstStyle/>
+          <a:p>
+            <a:r>
+              <a:rPr lang="en-US" dirty="0"/>
+              <a:t>Ask current and past weather</a:t>
+            </a:r>
+          </a:p>
+        </p:txBody>
+      </p:sp>
+    </p:spTree>
+    <p:extLst>
+      <p:ext uri="{BB962C8B-B14F-4D97-AF65-F5344CB8AC3E}">
+        <p14:creationId xmlns:p14="http://schemas.microsoft.com/office/powerpoint/2010/main" val="2078643897"/>
+      </p:ext>
+    </p:extLst>
+  </p:cSld>
+  <p:clrMapOvr>
+    <a:masterClrMapping/>
+  </p:clrMapOvr>
+</p:sld>
+</file>
+
+<file path=ppt/slides/slide12.xml><?xml version="1.0" encoding="utf-8"?>
+<p:sld xmlns:a="http://schemas.openxmlformats.org/drawingml/2006/main" xmlns:r="http://schemas.openxmlformats.org/officeDocument/2006/relationships" xmlns:p="http://schemas.openxmlformats.org/presentationml/2006/main">
+  <p:cSld>
+    <p:spTree>
+      <p:nvGrpSpPr>
+        <p:cNvPr id="1" name=""/>
+        <p:cNvGrpSpPr/>
+        <p:nvPr/>
+      </p:nvGrpSpPr>
+      <p:grpSpPr>
+        <a:xfrm>
+          <a:off x="0" y="0"/>
+          <a:ext cx="0" cy="0"/>
+          <a:chOff x="0" y="0"/>
+          <a:chExt cx="0" cy="0"/>
+        </a:xfrm>
+      </p:grpSpPr>
+      <p:sp>
+        <p:nvSpPr>
+          <p:cNvPr id="2" name="Title 1">
+            <a:extLst>
+              <a:ext uri="{FF2B5EF4-FFF2-40B4-BE49-F238E27FC236}">
+                <a16:creationId xmlns:a16="http://schemas.microsoft.com/office/drawing/2014/main" id="{EBFCB1D2-0B81-312E-ED64-DBBDE9F62224}"/>
+              </a:ext>
+            </a:extLst>
+          </p:cNvPr>
+          <p:cNvSpPr>
+            <a:spLocks noGrp="1"/>
+          </p:cNvSpPr>
+          <p:nvPr>
+            <p:ph type="title"/>
+          </p:nvPr>
+        </p:nvSpPr>
+        <p:spPr/>
+        <p:txBody>
+          <a:bodyPr/>
+          <a:lstStyle/>
+          <a:p>
+            <a:r>
+              <a:rPr lang="en-US" dirty="0"/>
+              <a:t>Api design for function calling</a:t>
+            </a:r>
+          </a:p>
+        </p:txBody>
+      </p:sp>
+      <p:sp>
+        <p:nvSpPr>
+          <p:cNvPr id="3" name="Content Placeholder 2">
+            <a:extLst>
+              <a:ext uri="{FF2B5EF4-FFF2-40B4-BE49-F238E27FC236}">
+                <a16:creationId xmlns:a16="http://schemas.microsoft.com/office/drawing/2014/main" id="{2F435063-D202-BDFA-876B-EF1DA0371544}"/>
+              </a:ext>
+            </a:extLst>
+          </p:cNvPr>
+          <p:cNvSpPr>
+            <a:spLocks noGrp="1"/>
+          </p:cNvSpPr>
+          <p:nvPr>
+            <p:ph idx="1"/>
+          </p:nvPr>
+        </p:nvSpPr>
+        <p:spPr/>
+        <p:txBody>
+          <a:bodyPr/>
+          <a:lstStyle/>
+          <a:p>
+            <a:r>
+              <a:rPr lang="en-US" dirty="0"/>
+              <a:t>The Json schema syntax (to be provided as function) is the same used to define input – output </a:t>
+            </a:r>
+            <a:r>
+              <a:rPr lang="en-US" dirty="0" err="1"/>
+              <a:t>dto</a:t>
+            </a:r>
+            <a:r>
+              <a:rPr lang="en-US" dirty="0"/>
+              <a:t> in an open-api document (swagger)</a:t>
+            </a:r>
+          </a:p>
+          <a:p>
+            <a:pPr lvl="1"/>
+            <a:r>
+              <a:rPr lang="en-US" dirty="0"/>
+              <a:t>Extract dynamically from the open api document of your target api</a:t>
+            </a:r>
+          </a:p>
+          <a:p>
+            <a:pPr lvl="1"/>
+            <a:r>
+              <a:rPr lang="en-US" dirty="0"/>
+              <a:t>Put clear description on input </a:t>
+            </a:r>
+            <a:r>
+              <a:rPr lang="en-US" dirty="0" err="1"/>
+              <a:t>dto</a:t>
+            </a:r>
+            <a:r>
+              <a:rPr lang="en-US" dirty="0"/>
+              <a:t> and its properties (</a:t>
+            </a:r>
+            <a:r>
+              <a:rPr lang="en-US" b="1" dirty="0"/>
+              <a:t>prompt engineer applied on a swagger doc </a:t>
+            </a:r>
+            <a:r>
+              <a:rPr lang="en-US" b="1" dirty="0">
+                <a:sym typeface="Wingdings" panose="05000000000000000000" pitchFamily="2" charset="2"/>
+              </a:rPr>
+              <a:t></a:t>
+            </a:r>
+            <a:r>
+              <a:rPr lang="en-US" dirty="0">
+                <a:sym typeface="Wingdings" panose="05000000000000000000" pitchFamily="2" charset="2"/>
+              </a:rPr>
+              <a:t>)</a:t>
+            </a:r>
+          </a:p>
+          <a:p>
+            <a:pPr lvl="1"/>
+            <a:r>
+              <a:rPr lang="en-US" dirty="0">
+                <a:sym typeface="Wingdings" panose="05000000000000000000" pitchFamily="2" charset="2"/>
+              </a:rPr>
+              <a:t>Document </a:t>
+            </a:r>
+            <a:r>
+              <a:rPr lang="en-US" b="1" dirty="0">
+                <a:sym typeface="Wingdings" panose="05000000000000000000" pitchFamily="2" charset="2"/>
+              </a:rPr>
+              <a:t>required</a:t>
+            </a:r>
+            <a:r>
+              <a:rPr lang="en-US" dirty="0">
+                <a:sym typeface="Wingdings" panose="05000000000000000000" pitchFamily="2" charset="2"/>
+              </a:rPr>
+              <a:t> properties </a:t>
+            </a:r>
+          </a:p>
+          <a:p>
+            <a:pPr lvl="1"/>
+            <a:r>
+              <a:rPr lang="en-US" dirty="0">
+                <a:sym typeface="Wingdings" panose="05000000000000000000" pitchFamily="2" charset="2"/>
+              </a:rPr>
+              <a:t>Make sure </a:t>
+            </a:r>
+            <a:r>
+              <a:rPr lang="en-US" dirty="0" err="1">
+                <a:sym typeface="Wingdings" panose="05000000000000000000" pitchFamily="2" charset="2"/>
+              </a:rPr>
+              <a:t>enums</a:t>
+            </a:r>
+            <a:r>
+              <a:rPr lang="en-US" dirty="0">
+                <a:sym typeface="Wingdings" panose="05000000000000000000" pitchFamily="2" charset="2"/>
+              </a:rPr>
+              <a:t> are exposed in the swagger doc as strings</a:t>
+            </a:r>
+          </a:p>
+          <a:p>
+            <a:pPr lvl="1"/>
+            <a:r>
+              <a:rPr lang="en-US" dirty="0">
+                <a:sym typeface="Wingdings" panose="05000000000000000000" pitchFamily="2" charset="2"/>
+              </a:rPr>
+              <a:t>Make sure </a:t>
+            </a:r>
+            <a:r>
+              <a:rPr lang="en-US" dirty="0" err="1">
+                <a:sym typeface="Wingdings" panose="05000000000000000000" pitchFamily="2" charset="2"/>
+              </a:rPr>
+              <a:t>enums</a:t>
+            </a:r>
+            <a:r>
+              <a:rPr lang="en-US" dirty="0">
+                <a:sym typeface="Wingdings" panose="05000000000000000000" pitchFamily="2" charset="2"/>
+              </a:rPr>
+              <a:t> as strings are accepted as input at run time</a:t>
+            </a:r>
+          </a:p>
+          <a:p>
+            <a:pPr lvl="2"/>
+            <a:endParaRPr lang="en-US" dirty="0">
+              <a:sym typeface="Wingdings" panose="05000000000000000000" pitchFamily="2" charset="2"/>
+            </a:endParaRPr>
+          </a:p>
+          <a:p>
+            <a:pPr lvl="1"/>
+            <a:endParaRPr lang="en-US" dirty="0"/>
+          </a:p>
+        </p:txBody>
+      </p:sp>
+    </p:spTree>
+    <p:extLst>
+      <p:ext uri="{BB962C8B-B14F-4D97-AF65-F5344CB8AC3E}">
+        <p14:creationId xmlns:p14="http://schemas.microsoft.com/office/powerpoint/2010/main" val="803272294"/>
+      </p:ext>
+    </p:extLst>
+  </p:cSld>
+  <p:clrMapOvr>
+    <a:masterClrMapping/>
+  </p:clrMapOvr>
+</p:sld>
+</file>
+
+<file path=ppt/slides/slide13.xml><?xml version="1.0" encoding="utf-8"?>
+<p:sld xmlns:a="http://schemas.openxmlformats.org/drawingml/2006/main" xmlns:r="http://schemas.openxmlformats.org/officeDocument/2006/relationships" xmlns:p="http://schemas.openxmlformats.org/presentationml/2006/main">
+  <p:cSld>
+    <p:spTree>
+      <p:nvGrpSpPr>
+        <p:cNvPr id="1" name=""/>
+        <p:cNvGrpSpPr/>
+        <p:nvPr/>
+      </p:nvGrpSpPr>
+      <p:grpSpPr>
+        <a:xfrm>
+          <a:off x="0" y="0"/>
+          <a:ext cx="0" cy="0"/>
+          <a:chOff x="0" y="0"/>
+          <a:chExt cx="0" cy="0"/>
+        </a:xfrm>
+      </p:grpSpPr>
+      <p:sp>
+        <p:nvSpPr>
+          <p:cNvPr id="2" name="Title 1">
+            <a:extLst>
+              <a:ext uri="{FF2B5EF4-FFF2-40B4-BE49-F238E27FC236}">
+                <a16:creationId xmlns:a16="http://schemas.microsoft.com/office/drawing/2014/main" id="{472CA6C5-D301-54EC-AECC-79D1CFECC62C}"/>
+              </a:ext>
+            </a:extLst>
+          </p:cNvPr>
+          <p:cNvSpPr>
+            <a:spLocks noGrp="1"/>
+          </p:cNvSpPr>
+          <p:nvPr>
+            <p:ph type="title"/>
+          </p:nvPr>
+        </p:nvSpPr>
+        <p:spPr/>
+        <p:txBody>
+          <a:bodyPr/>
+          <a:lstStyle/>
+          <a:p>
+            <a:r>
+              <a:rPr lang="en-US" dirty="0"/>
+              <a:t>Api design for function calling..  continue</a:t>
+            </a:r>
+          </a:p>
+        </p:txBody>
+      </p:sp>
+      <p:sp>
+        <p:nvSpPr>
+          <p:cNvPr id="3" name="Content Placeholder 2">
+            <a:extLst>
+              <a:ext uri="{FF2B5EF4-FFF2-40B4-BE49-F238E27FC236}">
+                <a16:creationId xmlns:a16="http://schemas.microsoft.com/office/drawing/2014/main" id="{50582BAB-C074-1583-004B-0E400A787E29}"/>
+              </a:ext>
+            </a:extLst>
+          </p:cNvPr>
+          <p:cNvSpPr>
+            <a:spLocks noGrp="1"/>
+          </p:cNvSpPr>
+          <p:nvPr>
+            <p:ph idx="1"/>
+          </p:nvPr>
+        </p:nvSpPr>
+        <p:spPr/>
+        <p:txBody>
+          <a:bodyPr>
+            <a:normAutofit lnSpcReduction="10000"/>
+          </a:bodyPr>
+          <a:lstStyle/>
+          <a:p>
+            <a:r>
+              <a:rPr lang="en-US" dirty="0">
+                <a:sym typeface="Wingdings" panose="05000000000000000000" pitchFamily="2" charset="2"/>
+              </a:rPr>
+              <a:t>Validate the input with care (fluent validation)</a:t>
+            </a:r>
+          </a:p>
+          <a:p>
+            <a:r>
+              <a:rPr lang="en-US" dirty="0">
+                <a:sym typeface="Wingdings" panose="05000000000000000000" pitchFamily="2" charset="2"/>
+              </a:rPr>
+              <a:t>Return errors in Json format, stating clearly each property having problem and the action to take</a:t>
+            </a:r>
+          </a:p>
+          <a:p>
+            <a:r>
+              <a:rPr lang="en-US" dirty="0">
+                <a:sym typeface="Wingdings" panose="05000000000000000000" pitchFamily="2" charset="2"/>
+              </a:rPr>
+              <a:t>Your validation code must be </a:t>
+            </a:r>
+            <a:r>
+              <a:rPr lang="en-US" dirty="0" err="1">
+                <a:sym typeface="Wingdings" panose="05000000000000000000" pitchFamily="2" charset="2"/>
+              </a:rPr>
+              <a:t>conversational,suggesting</a:t>
+            </a:r>
+            <a:r>
+              <a:rPr lang="en-US" dirty="0">
+                <a:sym typeface="Wingdings" panose="05000000000000000000" pitchFamily="2" charset="2"/>
+              </a:rPr>
+              <a:t> action to the chatbot,  e.g. : </a:t>
+            </a:r>
+          </a:p>
+          <a:p>
+            <a:pPr marL="0" indent="0">
+              <a:buNone/>
+            </a:pPr>
+            <a:r>
+              <a:rPr lang="en-US" sz="1100" dirty="0" err="1">
+                <a:solidFill>
+                  <a:srgbClr val="000000"/>
+                </a:solidFill>
+                <a:latin typeface="Courier New" panose="02070309020205020404" pitchFamily="49" charset="0"/>
+                <a:cs typeface="Courier New" panose="02070309020205020404" pitchFamily="49" charset="0"/>
+              </a:rPr>
+              <a:t>ret.Errors.Add</a:t>
+            </a:r>
+            <a:r>
+              <a:rPr lang="en-US" sz="1100" dirty="0">
+                <a:solidFill>
+                  <a:srgbClr val="000000"/>
+                </a:solidFill>
+                <a:latin typeface="Courier New" panose="02070309020205020404" pitchFamily="49" charset="0"/>
+                <a:cs typeface="Courier New" panose="02070309020205020404" pitchFamily="49" charset="0"/>
+              </a:rPr>
+              <a:t>(</a:t>
+            </a:r>
+            <a:r>
+              <a:rPr lang="en-US" sz="1100" dirty="0">
+                <a:solidFill>
+                  <a:srgbClr val="0000FF"/>
+                </a:solidFill>
+                <a:latin typeface="Courier New" panose="02070309020205020404" pitchFamily="49" charset="0"/>
+                <a:cs typeface="Courier New" panose="02070309020205020404" pitchFamily="49" charset="0"/>
+              </a:rPr>
+              <a:t>new</a:t>
+            </a:r>
+            <a:r>
+              <a:rPr lang="en-US" sz="1100" dirty="0">
+                <a:solidFill>
+                  <a:srgbClr val="000000"/>
+                </a:solidFill>
+                <a:latin typeface="Courier New" panose="02070309020205020404" pitchFamily="49" charset="0"/>
+                <a:cs typeface="Courier New" panose="02070309020205020404" pitchFamily="49" charset="0"/>
+              </a:rPr>
+              <a:t> </a:t>
+            </a:r>
+            <a:r>
+              <a:rPr lang="en-US" sz="1100" dirty="0" err="1">
+                <a:solidFill>
+                  <a:srgbClr val="000000"/>
+                </a:solidFill>
+                <a:latin typeface="Courier New" panose="02070309020205020404" pitchFamily="49" charset="0"/>
+                <a:cs typeface="Courier New" panose="02070309020205020404" pitchFamily="49" charset="0"/>
+              </a:rPr>
+              <a:t>ValidationFailure</a:t>
+            </a:r>
+            <a:r>
+              <a:rPr lang="en-US" sz="1100" dirty="0">
+                <a:solidFill>
+                  <a:srgbClr val="000000"/>
+                </a:solidFill>
+                <a:latin typeface="Courier New" panose="02070309020205020404" pitchFamily="49" charset="0"/>
+                <a:cs typeface="Courier New" panose="02070309020205020404" pitchFamily="49" charset="0"/>
+              </a:rPr>
+              <a:t>(</a:t>
+            </a:r>
+            <a:r>
+              <a:rPr lang="en-US" sz="1100" dirty="0" err="1">
+                <a:solidFill>
+                  <a:srgbClr val="000000"/>
+                </a:solidFill>
+                <a:latin typeface="Courier New" panose="02070309020205020404" pitchFamily="49" charset="0"/>
+                <a:cs typeface="Courier New" panose="02070309020205020404" pitchFamily="49" charset="0"/>
+              </a:rPr>
+              <a:t>propertyName</a:t>
+            </a:r>
+            <a:r>
+              <a:rPr lang="en-US" sz="1100" dirty="0">
+                <a:solidFill>
+                  <a:srgbClr val="000000"/>
+                </a:solidFill>
+                <a:latin typeface="Courier New" panose="02070309020205020404" pitchFamily="49" charset="0"/>
+                <a:cs typeface="Courier New" panose="02070309020205020404" pitchFamily="49" charset="0"/>
+              </a:rPr>
+              <a:t>,</a:t>
+            </a:r>
+          </a:p>
+          <a:p>
+            <a:pPr marL="0" indent="0">
+              <a:buNone/>
+            </a:pPr>
+            <a:r>
+              <a:rPr lang="en-US" sz="1100" dirty="0">
+                <a:solidFill>
+                  <a:srgbClr val="000000"/>
+                </a:solidFill>
+                <a:latin typeface="Courier New" panose="02070309020205020404" pitchFamily="49" charset="0"/>
+                <a:cs typeface="Courier New" panose="02070309020205020404" pitchFamily="49" charset="0"/>
+              </a:rPr>
+              <a:t>     (</a:t>
+            </a:r>
+            <a:r>
+              <a:rPr lang="en-US" sz="1100" dirty="0">
+                <a:solidFill>
+                  <a:srgbClr val="0000FF"/>
+                </a:solidFill>
+                <a:latin typeface="Courier New" panose="02070309020205020404" pitchFamily="49" charset="0"/>
+                <a:cs typeface="Courier New" panose="02070309020205020404" pitchFamily="49" charset="0"/>
+              </a:rPr>
+              <a:t>new</a:t>
+            </a:r>
+            <a:r>
+              <a:rPr lang="en-US" sz="1100" dirty="0">
+                <a:solidFill>
+                  <a:srgbClr val="000000"/>
+                </a:solidFill>
+                <a:latin typeface="Courier New" panose="02070309020205020404" pitchFamily="49" charset="0"/>
+                <a:cs typeface="Courier New" panose="02070309020205020404" pitchFamily="49" charset="0"/>
+              </a:rPr>
+              <a:t> </a:t>
+            </a:r>
+            <a:r>
+              <a:rPr lang="en-US" sz="1100" dirty="0" err="1">
+                <a:solidFill>
+                  <a:srgbClr val="000000"/>
+                </a:solidFill>
+                <a:latin typeface="Courier New" panose="02070309020205020404" pitchFamily="49" charset="0"/>
+                <a:cs typeface="Courier New" panose="02070309020205020404" pitchFamily="49" charset="0"/>
+              </a:rPr>
+              <a:t>ValidationErrorInfo</a:t>
+            </a:r>
+            <a:r>
+              <a:rPr lang="en-US" sz="1100" dirty="0">
+                <a:solidFill>
+                  <a:srgbClr val="000000"/>
+                </a:solidFill>
+                <a:latin typeface="Courier New" panose="02070309020205020404" pitchFamily="49" charset="0"/>
+                <a:cs typeface="Courier New" panose="02070309020205020404" pitchFamily="49" charset="0"/>
+              </a:rPr>
+              <a:t> { </a:t>
+            </a:r>
+            <a:r>
+              <a:rPr lang="en-US" sz="1100" dirty="0" err="1">
+                <a:solidFill>
+                  <a:srgbClr val="000000"/>
+                </a:solidFill>
+                <a:latin typeface="Courier New" panose="02070309020205020404" pitchFamily="49" charset="0"/>
+                <a:cs typeface="Courier New" panose="02070309020205020404" pitchFamily="49" charset="0"/>
+              </a:rPr>
+              <a:t>ErrorCode</a:t>
+            </a:r>
+            <a:r>
+              <a:rPr lang="en-US" sz="1100" dirty="0">
+                <a:solidFill>
+                  <a:srgbClr val="000000"/>
+                </a:solidFill>
+                <a:latin typeface="Courier New" panose="02070309020205020404" pitchFamily="49" charset="0"/>
+                <a:cs typeface="Courier New" panose="02070309020205020404" pitchFamily="49" charset="0"/>
+              </a:rPr>
+              <a:t> = </a:t>
+            </a:r>
+            <a:r>
+              <a:rPr lang="en-US" sz="1100" dirty="0">
+                <a:solidFill>
+                  <a:srgbClr val="A31515"/>
+                </a:solidFill>
+                <a:latin typeface="Courier New" panose="02070309020205020404" pitchFamily="49" charset="0"/>
+                <a:cs typeface="Courier New" panose="02070309020205020404" pitchFamily="49" charset="0"/>
+              </a:rPr>
+              <a:t>$"ambiguous value for </a:t>
+            </a:r>
+            <a:r>
+              <a:rPr lang="en-US" sz="1100" dirty="0">
+                <a:solidFill>
+                  <a:srgbClr val="000000"/>
+                </a:solidFill>
+                <a:latin typeface="Courier New" panose="02070309020205020404" pitchFamily="49" charset="0"/>
+                <a:cs typeface="Courier New" panose="02070309020205020404" pitchFamily="49" charset="0"/>
+              </a:rPr>
+              <a:t>{</a:t>
+            </a:r>
+            <a:r>
+              <a:rPr lang="en-US" sz="1100" dirty="0" err="1">
+                <a:solidFill>
+                  <a:srgbClr val="000000"/>
+                </a:solidFill>
+                <a:latin typeface="Courier New" panose="02070309020205020404" pitchFamily="49" charset="0"/>
+                <a:cs typeface="Courier New" panose="02070309020205020404" pitchFamily="49" charset="0"/>
+              </a:rPr>
+              <a:t>propertyName</a:t>
+            </a:r>
+            <a:r>
+              <a:rPr lang="en-US" sz="1100" dirty="0">
+                <a:solidFill>
+                  <a:srgbClr val="000000"/>
+                </a:solidFill>
+                <a:latin typeface="Courier New" panose="02070309020205020404" pitchFamily="49" charset="0"/>
+                <a:cs typeface="Courier New" panose="02070309020205020404" pitchFamily="49" charset="0"/>
+              </a:rPr>
+              <a:t>}</a:t>
+            </a:r>
+            <a:r>
+              <a:rPr lang="en-US" sz="1100" dirty="0">
+                <a:solidFill>
+                  <a:srgbClr val="A31515"/>
+                </a:solidFill>
+                <a:latin typeface="Courier New" panose="02070309020205020404" pitchFamily="49" charset="0"/>
+                <a:cs typeface="Courier New" panose="02070309020205020404" pitchFamily="49" charset="0"/>
+              </a:rPr>
+              <a:t>"</a:t>
+            </a:r>
+            <a:endParaRPr lang="en-US" sz="1100" dirty="0">
+              <a:solidFill>
+                <a:srgbClr val="000000"/>
+              </a:solidFill>
+              <a:latin typeface="Courier New" panose="02070309020205020404" pitchFamily="49" charset="0"/>
+              <a:cs typeface="Courier New" panose="02070309020205020404" pitchFamily="49" charset="0"/>
+            </a:endParaRPr>
+          </a:p>
+          <a:p>
+            <a:pPr marL="0" indent="0">
+              <a:buNone/>
+            </a:pPr>
+            <a:r>
+              <a:rPr lang="en-US" sz="1100" dirty="0">
+                <a:solidFill>
+                  <a:srgbClr val="000000"/>
+                </a:solidFill>
+                <a:latin typeface="Courier New" panose="02070309020205020404" pitchFamily="49" charset="0"/>
+                <a:cs typeface="Courier New" panose="02070309020205020404" pitchFamily="49" charset="0"/>
+              </a:rPr>
+              <a:t>         </a:t>
+            </a:r>
+            <a:r>
+              <a:rPr lang="en-US" sz="1100" dirty="0" err="1">
+                <a:solidFill>
+                  <a:srgbClr val="000000"/>
+                </a:solidFill>
+                <a:latin typeface="Courier New" panose="02070309020205020404" pitchFamily="49" charset="0"/>
+                <a:cs typeface="Courier New" panose="02070309020205020404" pitchFamily="49" charset="0"/>
+              </a:rPr>
+              <a:t>AssistantAction</a:t>
+            </a:r>
+            <a:r>
+              <a:rPr lang="en-US" sz="1100" dirty="0">
+                <a:solidFill>
+                  <a:srgbClr val="000000"/>
+                </a:solidFill>
+                <a:latin typeface="Courier New" panose="02070309020205020404" pitchFamily="49" charset="0"/>
+                <a:cs typeface="Courier New" panose="02070309020205020404" pitchFamily="49" charset="0"/>
+              </a:rPr>
+              <a:t> = </a:t>
+            </a:r>
+            <a:r>
+              <a:rPr lang="en-US" sz="1100" dirty="0">
+                <a:solidFill>
+                  <a:srgbClr val="A31515"/>
+                </a:solidFill>
+                <a:latin typeface="Courier New" panose="02070309020205020404" pitchFamily="49" charset="0"/>
+                <a:cs typeface="Courier New" panose="02070309020205020404" pitchFamily="49" charset="0"/>
+              </a:rPr>
+              <a:t>$"reply to the user with these exact words: \"choose among the following values for </a:t>
+            </a:r>
+            <a:r>
+              <a:rPr lang="en-US" sz="1100" dirty="0">
+                <a:solidFill>
+                  <a:srgbClr val="000000"/>
+                </a:solidFill>
+                <a:latin typeface="Courier New" panose="02070309020205020404" pitchFamily="49" charset="0"/>
+                <a:cs typeface="Courier New" panose="02070309020205020404" pitchFamily="49" charset="0"/>
+              </a:rPr>
+              <a:t>{</a:t>
+            </a:r>
+            <a:r>
+              <a:rPr lang="en-US" sz="1100" dirty="0" err="1">
+                <a:solidFill>
+                  <a:srgbClr val="000000"/>
+                </a:solidFill>
+                <a:latin typeface="Courier New" panose="02070309020205020404" pitchFamily="49" charset="0"/>
+                <a:cs typeface="Courier New" panose="02070309020205020404" pitchFamily="49" charset="0"/>
+              </a:rPr>
+              <a:t>propertyName</a:t>
+            </a:r>
+            <a:r>
+              <a:rPr lang="en-US" sz="1100" dirty="0">
+                <a:solidFill>
+                  <a:srgbClr val="000000"/>
+                </a:solidFill>
+                <a:latin typeface="Courier New" panose="02070309020205020404" pitchFamily="49" charset="0"/>
+                <a:cs typeface="Courier New" panose="02070309020205020404" pitchFamily="49" charset="0"/>
+              </a:rPr>
+              <a:t>}</a:t>
+            </a:r>
+            <a:r>
+              <a:rPr lang="en-US" sz="1100" dirty="0">
+                <a:solidFill>
+                  <a:srgbClr val="A31515"/>
+                </a:solidFill>
+                <a:latin typeface="Courier New" panose="02070309020205020404" pitchFamily="49" charset="0"/>
+                <a:cs typeface="Courier New" panose="02070309020205020404" pitchFamily="49" charset="0"/>
+              </a:rPr>
+              <a:t> : </a:t>
+            </a:r>
+            <a:r>
+              <a:rPr lang="en-US" sz="1100" dirty="0">
+                <a:solidFill>
+                  <a:srgbClr val="000000"/>
+                </a:solidFill>
+                <a:latin typeface="Courier New" panose="02070309020205020404" pitchFamily="49" charset="0"/>
+                <a:cs typeface="Courier New" panose="02070309020205020404" pitchFamily="49" charset="0"/>
+              </a:rPr>
+              <a:t>{</a:t>
+            </a:r>
+            <a:r>
+              <a:rPr lang="en-US" sz="1100" dirty="0" err="1">
+                <a:solidFill>
+                  <a:srgbClr val="0000FF"/>
+                </a:solidFill>
+                <a:latin typeface="Courier New" panose="02070309020205020404" pitchFamily="49" charset="0"/>
+                <a:cs typeface="Courier New" panose="02070309020205020404" pitchFamily="49" charset="0"/>
+              </a:rPr>
+              <a:t>string</a:t>
+            </a:r>
+            <a:r>
+              <a:rPr lang="en-US" sz="1100" dirty="0" err="1">
+                <a:solidFill>
+                  <a:srgbClr val="000000"/>
+                </a:solidFill>
+                <a:latin typeface="Courier New" panose="02070309020205020404" pitchFamily="49" charset="0"/>
+                <a:cs typeface="Courier New" panose="02070309020205020404" pitchFamily="49" charset="0"/>
+              </a:rPr>
+              <a:t>.Join</a:t>
+            </a:r>
+            <a:r>
+              <a:rPr lang="en-US" sz="1100" dirty="0">
+                <a:solidFill>
+                  <a:srgbClr val="000000"/>
+                </a:solidFill>
+                <a:latin typeface="Courier New" panose="02070309020205020404" pitchFamily="49" charset="0"/>
+                <a:cs typeface="Courier New" panose="02070309020205020404" pitchFamily="49" charset="0"/>
+              </a:rPr>
+              <a:t>(</a:t>
+            </a:r>
+            <a:r>
+              <a:rPr lang="en-US" sz="1100" dirty="0">
+                <a:solidFill>
+                  <a:srgbClr val="A31515"/>
+                </a:solidFill>
+                <a:latin typeface="Courier New" panose="02070309020205020404" pitchFamily="49" charset="0"/>
+                <a:cs typeface="Courier New" panose="02070309020205020404" pitchFamily="49" charset="0"/>
+              </a:rPr>
+              <a:t>','</a:t>
+            </a:r>
+            <a:r>
+              <a:rPr lang="en-US" sz="1100" dirty="0">
+                <a:solidFill>
+                  <a:srgbClr val="000000"/>
+                </a:solidFill>
+                <a:latin typeface="Courier New" panose="02070309020205020404" pitchFamily="49" charset="0"/>
+                <a:cs typeface="Courier New" panose="02070309020205020404" pitchFamily="49" charset="0"/>
+              </a:rPr>
+              <a:t>,</a:t>
+            </a:r>
+            <a:r>
+              <a:rPr lang="en-US" sz="1100" dirty="0" err="1">
+                <a:solidFill>
+                  <a:srgbClr val="000000"/>
+                </a:solidFill>
+                <a:latin typeface="Courier New" panose="02070309020205020404" pitchFamily="49" charset="0"/>
+                <a:cs typeface="Courier New" panose="02070309020205020404" pitchFamily="49" charset="0"/>
+              </a:rPr>
+              <a:t>candidatePorts.Take</a:t>
+            </a:r>
+            <a:r>
+              <a:rPr lang="en-US" sz="1100" dirty="0">
+                <a:solidFill>
+                  <a:srgbClr val="000000"/>
+                </a:solidFill>
+                <a:latin typeface="Courier New" panose="02070309020205020404" pitchFamily="49" charset="0"/>
+                <a:cs typeface="Courier New" panose="02070309020205020404" pitchFamily="49" charset="0"/>
+              </a:rPr>
+              <a:t>(5).Select(</a:t>
+            </a:r>
+            <a:r>
+              <a:rPr lang="en-US" sz="1100" dirty="0" err="1">
+                <a:solidFill>
+                  <a:srgbClr val="000000"/>
+                </a:solidFill>
+                <a:latin typeface="Courier New" panose="02070309020205020404" pitchFamily="49" charset="0"/>
+                <a:cs typeface="Courier New" panose="02070309020205020404" pitchFamily="49" charset="0"/>
+              </a:rPr>
+              <a:t>FormatPort</a:t>
+            </a:r>
+            <a:r>
+              <a:rPr lang="en-US" sz="1100" dirty="0">
+                <a:solidFill>
+                  <a:srgbClr val="000000"/>
+                </a:solidFill>
+                <a:latin typeface="Courier New" panose="02070309020205020404" pitchFamily="49" charset="0"/>
+                <a:cs typeface="Courier New" panose="02070309020205020404" pitchFamily="49" charset="0"/>
+              </a:rPr>
+              <a:t>))}</a:t>
+            </a:r>
+            <a:r>
+              <a:rPr lang="en-US" sz="1100" dirty="0">
+                <a:solidFill>
+                  <a:srgbClr val="A31515"/>
+                </a:solidFill>
+                <a:latin typeface="Courier New" panose="02070309020205020404" pitchFamily="49" charset="0"/>
+                <a:cs typeface="Courier New" panose="02070309020205020404" pitchFamily="49" charset="0"/>
+              </a:rPr>
+              <a:t>\"" </a:t>
+            </a:r>
+            <a:r>
+              <a:rPr lang="en-US" sz="1100" dirty="0">
+                <a:solidFill>
+                  <a:srgbClr val="000000"/>
+                </a:solidFill>
+                <a:latin typeface="Courier New" panose="02070309020205020404" pitchFamily="49" charset="0"/>
+                <a:cs typeface="Courier New" panose="02070309020205020404" pitchFamily="49" charset="0"/>
+              </a:rPr>
+              <a:t>}.</a:t>
+            </a:r>
+            <a:r>
+              <a:rPr lang="en-US" sz="1100" dirty="0" err="1">
+                <a:solidFill>
+                  <a:srgbClr val="000000"/>
+                </a:solidFill>
+                <a:latin typeface="Courier New" panose="02070309020205020404" pitchFamily="49" charset="0"/>
+                <a:cs typeface="Courier New" panose="02070309020205020404" pitchFamily="49" charset="0"/>
+              </a:rPr>
+              <a:t>ToJson</a:t>
+            </a:r>
+            <a:r>
+              <a:rPr lang="en-US" sz="1100" dirty="0">
+                <a:solidFill>
+                  <a:srgbClr val="000000"/>
+                </a:solidFill>
+                <a:latin typeface="Courier New" panose="02070309020205020404" pitchFamily="49" charset="0"/>
+                <a:cs typeface="Courier New" panose="02070309020205020404" pitchFamily="49" charset="0"/>
+              </a:rPr>
+              <a:t>())));</a:t>
+            </a:r>
+          </a:p>
+          <a:p>
+            <a:endParaRPr lang="en-US" dirty="0">
+              <a:sym typeface="Wingdings" panose="05000000000000000000" pitchFamily="2" charset="2"/>
+            </a:endParaRPr>
+          </a:p>
+          <a:p>
+            <a:r>
+              <a:rPr lang="en-US" dirty="0">
+                <a:sym typeface="Wingdings" panose="05000000000000000000" pitchFamily="2" charset="2"/>
+              </a:rPr>
+              <a:t>Given this requirements the api you target the call will be likely a proxy to an actual existing api. </a:t>
+            </a:r>
+          </a:p>
+          <a:p>
+            <a:endParaRPr lang="en-US" dirty="0"/>
+          </a:p>
+        </p:txBody>
+      </p:sp>
+    </p:spTree>
+    <p:extLst>
+      <p:ext uri="{BB962C8B-B14F-4D97-AF65-F5344CB8AC3E}">
+        <p14:creationId xmlns:p14="http://schemas.microsoft.com/office/powerpoint/2010/main" val="2234336054"/>
+      </p:ext>
+    </p:extLst>
+  </p:cSld>
+  <p:clrMapOvr>
+    <a:masterClrMapping/>
+  </p:clrMapOvr>
+</p:sld>
+</file>
+
+<file path=ppt/slides/slide14.xml><?xml version="1.0" encoding="utf-8"?>
+<p:sld xmlns:a="http://schemas.openxmlformats.org/drawingml/2006/main" xmlns:r="http://schemas.openxmlformats.org/officeDocument/2006/relationships" xmlns:p="http://schemas.openxmlformats.org/presentationml/2006/main">
+  <p:cSld>
+    <p:spTree>
+      <p:nvGrpSpPr>
+        <p:cNvPr id="1" name=""/>
+        <p:cNvGrpSpPr/>
+        <p:nvPr/>
+      </p:nvGrpSpPr>
+      <p:grpSpPr>
+        <a:xfrm>
+          <a:off x="0" y="0"/>
+          <a:ext cx="0" cy="0"/>
+          <a:chOff x="0" y="0"/>
+          <a:chExt cx="0" cy="0"/>
+        </a:xfrm>
+      </p:grpSpPr>
+      <p:sp>
+        <p:nvSpPr>
+          <p:cNvPr id="2" name="Title 1">
+            <a:extLst>
+              <a:ext uri="{FF2B5EF4-FFF2-40B4-BE49-F238E27FC236}">
+                <a16:creationId xmlns:a16="http://schemas.microsoft.com/office/drawing/2014/main" id="{738CD57D-70E7-1BDF-4AB1-754912A38D39}"/>
+              </a:ext>
+            </a:extLst>
+          </p:cNvPr>
+          <p:cNvSpPr>
+            <a:spLocks noGrp="1"/>
+          </p:cNvSpPr>
+          <p:nvPr>
+            <p:ph type="title"/>
+          </p:nvPr>
+        </p:nvSpPr>
+        <p:spPr/>
+        <p:txBody>
+          <a:bodyPr/>
+          <a:lstStyle/>
+          <a:p>
+            <a:r>
+              <a:rPr lang="en-US" dirty="0"/>
+              <a:t>gotchas</a:t>
+            </a:r>
+          </a:p>
+        </p:txBody>
+      </p:sp>
+      <p:sp>
+        <p:nvSpPr>
+          <p:cNvPr id="3" name="Content Placeholder 2">
+            <a:extLst>
+              <a:ext uri="{FF2B5EF4-FFF2-40B4-BE49-F238E27FC236}">
+                <a16:creationId xmlns:a16="http://schemas.microsoft.com/office/drawing/2014/main" id="{5D6012E5-8589-D8A0-5999-F8C417FFAA30}"/>
+              </a:ext>
+            </a:extLst>
+          </p:cNvPr>
+          <p:cNvSpPr>
+            <a:spLocks noGrp="1"/>
+          </p:cNvSpPr>
+          <p:nvPr>
+            <p:ph idx="1"/>
+          </p:nvPr>
+        </p:nvSpPr>
+        <p:spPr/>
+        <p:txBody>
+          <a:bodyPr/>
+          <a:lstStyle/>
+          <a:p>
+            <a:r>
+              <a:rPr lang="en-US" dirty="0"/>
+              <a:t>The AI sometime make up parameters (e.g. : email)</a:t>
+            </a:r>
+          </a:p>
+          <a:p>
+            <a:r>
+              <a:rPr lang="en-US" dirty="0"/>
+              <a:t>Put up a good system message</a:t>
+            </a:r>
+          </a:p>
+          <a:p>
+            <a:r>
+              <a:rPr lang="en-US" dirty="0"/>
+              <a:t>Do not expect that required setting is always respected for the properties</a:t>
+            </a:r>
+          </a:p>
+          <a:p>
+            <a:endParaRPr lang="en-US" dirty="0"/>
+          </a:p>
+        </p:txBody>
+      </p:sp>
+    </p:spTree>
+    <p:extLst>
+      <p:ext uri="{BB962C8B-B14F-4D97-AF65-F5344CB8AC3E}">
+        <p14:creationId xmlns:p14="http://schemas.microsoft.com/office/powerpoint/2010/main" val="3032493198"/>
+      </p:ext>
+    </p:extLst>
+  </p:cSld>
+  <p:clrMapOvr>
+    <a:masterClrMapping/>
+  </p:clrMapOvr>
+</p:sld>
+</file>
+
+<file path=ppt/slides/slide15.xml><?xml version="1.0" encoding="utf-8"?>
+<p:sld xmlns:a="http://schemas.openxmlformats.org/drawingml/2006/main" xmlns:r="http://schemas.openxmlformats.org/officeDocument/2006/relationships" xmlns:p="http://schemas.openxmlformats.org/presentationml/2006/main">
+  <p:cSld>
+    <p:spTree>
+      <p:nvGrpSpPr>
+        <p:cNvPr id="1" name=""/>
+        <p:cNvGrpSpPr/>
+        <p:nvPr/>
+      </p:nvGrpSpPr>
+      <p:grpSpPr>
+        <a:xfrm>
+          <a:off x="0" y="0"/>
+          <a:ext cx="0" cy="0"/>
+          <a:chOff x="0" y="0"/>
+          <a:chExt cx="0" cy="0"/>
+        </a:xfrm>
+      </p:grpSpPr>
+      <p:sp>
+        <p:nvSpPr>
+          <p:cNvPr id="2" name="Title 1">
+            <a:extLst>
+              <a:ext uri="{FF2B5EF4-FFF2-40B4-BE49-F238E27FC236}">
+                <a16:creationId xmlns:a16="http://schemas.microsoft.com/office/drawing/2014/main" id="{14C425C7-5AD3-A208-089A-82DD7DC3B7F0}"/>
+              </a:ext>
+            </a:extLst>
+          </p:cNvPr>
+          <p:cNvSpPr>
+            <a:spLocks noGrp="1"/>
+          </p:cNvSpPr>
+          <p:nvPr>
+            <p:ph type="title"/>
+          </p:nvPr>
+        </p:nvSpPr>
+        <p:spPr/>
+        <p:txBody>
+          <a:bodyPr/>
+          <a:lstStyle/>
+          <a:p>
+            <a:r>
+              <a:rPr lang="en-US" dirty="0"/>
+              <a:t>EXAMPLE</a:t>
+            </a:r>
+          </a:p>
+        </p:txBody>
+      </p:sp>
+      <p:sp>
+        <p:nvSpPr>
+          <p:cNvPr id="3" name="Content Placeholder 2">
+            <a:extLst>
+              <a:ext uri="{FF2B5EF4-FFF2-40B4-BE49-F238E27FC236}">
+                <a16:creationId xmlns:a16="http://schemas.microsoft.com/office/drawing/2014/main" id="{3E9314EB-C74E-4EDF-32DE-93724FB6B3D8}"/>
+              </a:ext>
+            </a:extLst>
+          </p:cNvPr>
+          <p:cNvSpPr>
+            <a:spLocks noGrp="1"/>
+          </p:cNvSpPr>
+          <p:nvPr>
+            <p:ph idx="1"/>
+          </p:nvPr>
+        </p:nvSpPr>
+        <p:spPr/>
+        <p:txBody>
+          <a:bodyPr/>
+          <a:lstStyle/>
+          <a:p>
+            <a:r>
+              <a:rPr lang="en-US" dirty="0"/>
+              <a:t>List, Create quotes in mymsc</a:t>
+            </a:r>
+          </a:p>
+        </p:txBody>
+      </p:sp>
+    </p:spTree>
+    <p:extLst>
+      <p:ext uri="{BB962C8B-B14F-4D97-AF65-F5344CB8AC3E}">
+        <p14:creationId xmlns:p14="http://schemas.microsoft.com/office/powerpoint/2010/main" val="886877064"/>
+      </p:ext>
+    </p:extLst>
+  </p:cSld>
+  <p:clrMapOvr>
+    <a:masterClrMapping/>
+  </p:clrMapOvr>
+</p:sld>
+</file>
+
+<file path=ppt/slides/slide16.xml><?xml version="1.0" encoding="utf-8"?>
+<p:sld xmlns:a="http://schemas.openxmlformats.org/drawingml/2006/main" xmlns:r="http://schemas.openxmlformats.org/officeDocument/2006/relationships" xmlns:p="http://schemas.openxmlformats.org/presentationml/2006/main">
+  <p:cSld>
+    <p:spTree>
+      <p:nvGrpSpPr>
+        <p:cNvPr id="1" name=""/>
+        <p:cNvGrpSpPr/>
+        <p:nvPr/>
+      </p:nvGrpSpPr>
+      <p:grpSpPr>
+        <a:xfrm>
+          <a:off x="0" y="0"/>
+          <a:ext cx="0" cy="0"/>
+          <a:chOff x="0" y="0"/>
+          <a:chExt cx="0" cy="0"/>
+        </a:xfrm>
+      </p:grpSpPr>
+      <p:sp>
+        <p:nvSpPr>
+          <p:cNvPr id="2" name="Title 1">
+            <a:extLst>
+              <a:ext uri="{FF2B5EF4-FFF2-40B4-BE49-F238E27FC236}">
+                <a16:creationId xmlns:a16="http://schemas.microsoft.com/office/drawing/2014/main" id="{34C99798-D831-0741-2031-6CC6E08DD38F}"/>
+              </a:ext>
+            </a:extLst>
+          </p:cNvPr>
+          <p:cNvSpPr>
+            <a:spLocks noGrp="1"/>
+          </p:cNvSpPr>
+          <p:nvPr>
+            <p:ph type="title"/>
+          </p:nvPr>
+        </p:nvSpPr>
+        <p:spPr/>
+        <p:txBody>
+          <a:bodyPr/>
+          <a:lstStyle/>
+          <a:p>
+            <a:r>
+              <a:rPr lang="en-US" dirty="0"/>
+              <a:t>Tools-calls</a:t>
+            </a:r>
+          </a:p>
+        </p:txBody>
+      </p:sp>
+      <p:sp>
+        <p:nvSpPr>
+          <p:cNvPr id="3" name="Content Placeholder 2">
+            <a:extLst>
+              <a:ext uri="{FF2B5EF4-FFF2-40B4-BE49-F238E27FC236}">
+                <a16:creationId xmlns:a16="http://schemas.microsoft.com/office/drawing/2014/main" id="{68F51F98-4A09-C940-F5F3-B7703CD32365}"/>
+              </a:ext>
+            </a:extLst>
+          </p:cNvPr>
+          <p:cNvSpPr>
+            <a:spLocks noGrp="1"/>
+          </p:cNvSpPr>
+          <p:nvPr>
+            <p:ph idx="1"/>
+          </p:nvPr>
+        </p:nvSpPr>
+        <p:spPr/>
+        <p:txBody>
+          <a:bodyPr>
+            <a:normAutofit/>
+          </a:bodyPr>
+          <a:lstStyle/>
+          <a:p>
+            <a:r>
+              <a:rPr lang="en-US" dirty="0"/>
+              <a:t>Available starting from </a:t>
+            </a:r>
+            <a:r>
+              <a:rPr lang="en-US" i="1" dirty="0"/>
+              <a:t>gpt-3.5 1106 </a:t>
+            </a:r>
+            <a:r>
+              <a:rPr lang="en-US" dirty="0"/>
+              <a:t>and </a:t>
+            </a:r>
+            <a:r>
+              <a:rPr lang="en-US" i="1" dirty="0"/>
+              <a:t>gpt-4 1106 </a:t>
+            </a:r>
+          </a:p>
+          <a:p>
+            <a:pPr lvl="1"/>
+            <a:r>
+              <a:rPr lang="en-US" dirty="0"/>
+              <a:t>Function calls have become "deprecated": they have become a possible </a:t>
+            </a:r>
+            <a:r>
+              <a:rPr lang="en-US" i="1" dirty="0"/>
+              <a:t>tool-type</a:t>
+            </a:r>
+            <a:r>
+              <a:rPr lang="en-US" dirty="0"/>
+              <a:t> value for tools-calls</a:t>
+            </a:r>
+          </a:p>
+          <a:p>
+            <a:r>
+              <a:rPr lang="en-US" dirty="0"/>
+              <a:t>Tools are an abstraction to accommodate different "external data sources" </a:t>
+            </a:r>
+          </a:p>
+          <a:p>
+            <a:pPr lvl="1"/>
+            <a:r>
+              <a:rPr lang="en-US" i="1" dirty="0"/>
+              <a:t>Currently "function" is the only tool type supported in chat-completion api</a:t>
+            </a:r>
+          </a:p>
+          <a:p>
+            <a:pPr lvl="1"/>
+            <a:r>
+              <a:rPr lang="en-US" dirty="0"/>
+              <a:t>Chatgpt can return reply with more than one tool call</a:t>
+            </a:r>
+          </a:p>
+          <a:p>
+            <a:r>
+              <a:rPr lang="en-US" dirty="0"/>
+              <a:t>Assistant api have similar concept of tools but support more: </a:t>
+            </a:r>
+          </a:p>
+          <a:p>
+            <a:pPr lvl="1"/>
+            <a:r>
+              <a:rPr lang="en-US" dirty="0"/>
+              <a:t>Functions, Code interpreter, Knowledge Retrieval</a:t>
+            </a:r>
+          </a:p>
+          <a:p>
+            <a:pPr lvl="1"/>
+            <a:r>
+              <a:rPr lang="en-US" dirty="0"/>
+              <a:t>Still in beta, deserve a dedicated session</a:t>
+            </a:r>
+          </a:p>
+          <a:p>
+            <a:pPr lvl="1"/>
+            <a:endParaRPr lang="en-US" dirty="0"/>
+          </a:p>
+        </p:txBody>
+      </p:sp>
+    </p:spTree>
+    <p:extLst>
+      <p:ext uri="{BB962C8B-B14F-4D97-AF65-F5344CB8AC3E}">
+        <p14:creationId xmlns:p14="http://schemas.microsoft.com/office/powerpoint/2010/main" val="1466022549"/>
+      </p:ext>
+    </p:extLst>
+  </p:cSld>
+  <p:clrMapOvr>
+    <a:masterClrMapping/>
+  </p:clrMapOvr>
+</p:sld>
+</file>
+
+<file path=ppt/slides/slide17.xml><?xml version="1.0" encoding="utf-8"?>
+<p:sld xmlns:a="http://schemas.openxmlformats.org/drawingml/2006/main" xmlns:r="http://schemas.openxmlformats.org/officeDocument/2006/relationships" xmlns:p="http://schemas.openxmlformats.org/presentationml/2006/main">
+  <p:cSld>
+    <p:spTree>
+      <p:nvGrpSpPr>
+        <p:cNvPr id="1" name=""/>
+        <p:cNvGrpSpPr/>
+        <p:nvPr/>
+      </p:nvGrpSpPr>
+      <p:grpSpPr>
+        <a:xfrm>
+          <a:off x="0" y="0"/>
+          <a:ext cx="0" cy="0"/>
+          <a:chOff x="0" y="0"/>
+          <a:chExt cx="0" cy="0"/>
+        </a:xfrm>
+      </p:grpSpPr>
+      <p:sp>
+        <p:nvSpPr>
+          <p:cNvPr id="3" name="Content Placeholder 2">
+            <a:extLst>
+              <a:ext uri="{FF2B5EF4-FFF2-40B4-BE49-F238E27FC236}">
+                <a16:creationId xmlns:a16="http://schemas.microsoft.com/office/drawing/2014/main" id="{962A1F63-26DC-0AF6-E788-C9BDEA11A97E}"/>
+              </a:ext>
+            </a:extLst>
+          </p:cNvPr>
+          <p:cNvSpPr>
+            <a:spLocks noGrp="1"/>
+          </p:cNvSpPr>
+          <p:nvPr>
+            <p:ph idx="1"/>
+          </p:nvPr>
+        </p:nvSpPr>
+        <p:spPr>
+          <a:xfrm>
+            <a:off x="536448" y="115696"/>
+            <a:ext cx="11497056" cy="6413119"/>
+          </a:xfrm>
+        </p:spPr>
+        <p:txBody>
+          <a:bodyPr>
+            <a:noAutofit/>
+          </a:bodyPr>
+          <a:lstStyle/>
+          <a:p>
+            <a:pPr marL="0" indent="0">
+              <a:buNone/>
+            </a:pPr>
+            <a:r>
+              <a:rPr lang="en-US" sz="1800" dirty="0"/>
+              <a:t>tools = [     {</a:t>
+            </a:r>
+            <a:br>
+              <a:rPr lang="en-US" sz="1800" dirty="0"/>
+            </a:br>
+            <a:r>
+              <a:rPr lang="en-US" sz="1800" dirty="0"/>
+              <a:t>        "type": "function",</a:t>
+            </a:r>
+            <a:br>
+              <a:rPr lang="en-US" sz="1800" dirty="0"/>
+            </a:br>
+            <a:r>
+              <a:rPr lang="en-US" sz="1800" dirty="0"/>
+              <a:t>        "function": { "name": "</a:t>
+            </a:r>
+            <a:r>
+              <a:rPr lang="en-US" sz="1800" dirty="0" err="1"/>
+              <a:t>get_current_weather</a:t>
+            </a:r>
+            <a:r>
+              <a:rPr lang="en-US" sz="1800" dirty="0"/>
+              <a:t>", "description": "Get the current weather",</a:t>
+            </a:r>
+            <a:br>
+              <a:rPr lang="en-US" sz="1800" dirty="0"/>
+            </a:br>
+            <a:r>
+              <a:rPr lang="en-US" sz="1800" dirty="0"/>
+              <a:t>            "parameters": {</a:t>
+            </a:r>
+            <a:br>
+              <a:rPr lang="en-US" sz="1800" dirty="0"/>
+            </a:br>
+            <a:r>
+              <a:rPr lang="en-US" sz="1800" dirty="0"/>
+              <a:t>                "type": "object",</a:t>
+            </a:r>
+            <a:br>
+              <a:rPr lang="en-US" sz="1800" dirty="0"/>
+            </a:br>
+            <a:r>
+              <a:rPr lang="en-US" sz="1800" dirty="0"/>
+              <a:t>                "properties": { </a:t>
+            </a:r>
+            <a:br>
+              <a:rPr lang="en-US" sz="1800" dirty="0"/>
+            </a:br>
+            <a:r>
+              <a:rPr lang="en-US" sz="1800" dirty="0"/>
+              <a:t>                    "location": { "type": "string",  "description": "The city and state, e.g. San Francisco, CA" } </a:t>
+            </a:r>
+            <a:br>
+              <a:rPr lang="en-US" sz="1800" dirty="0"/>
+            </a:br>
+            <a:r>
+              <a:rPr lang="en-US" sz="1800" dirty="0"/>
+              <a:t>                },</a:t>
+            </a:r>
+            <a:br>
+              <a:rPr lang="en-US" sz="1800" dirty="0"/>
+            </a:br>
+            <a:r>
+              <a:rPr lang="en-US" sz="1800" dirty="0"/>
+              <a:t>                "required": ["location"]</a:t>
+            </a:r>
+            <a:br>
+              <a:rPr lang="en-US" sz="1800" dirty="0"/>
+            </a:br>
+            <a:r>
+              <a:rPr lang="en-US" sz="1800" dirty="0"/>
+              <a:t>            },</a:t>
+            </a:r>
+            <a:br>
+              <a:rPr lang="en-US" sz="1800" dirty="0"/>
+            </a:br>
+            <a:r>
+              <a:rPr lang="en-US" sz="1800" dirty="0"/>
+              <a:t>        }</a:t>
+            </a:r>
+            <a:br>
+              <a:rPr lang="en-US" sz="1800" dirty="0"/>
+            </a:br>
+            <a:r>
+              <a:rPr lang="en-US" sz="1800" dirty="0"/>
+              <a:t>    },</a:t>
+            </a:r>
+            <a:br>
+              <a:rPr lang="en-US" sz="1800" dirty="0"/>
+            </a:br>
+            <a:r>
+              <a:rPr lang="en-US" sz="1800" dirty="0"/>
+              <a:t>    {</a:t>
+            </a:r>
+            <a:br>
+              <a:rPr lang="en-US" sz="1800" dirty="0"/>
+            </a:br>
+            <a:r>
+              <a:rPr lang="en-US" sz="1800" dirty="0"/>
+              <a:t>        "type": "function",</a:t>
+            </a:r>
+            <a:br>
+              <a:rPr lang="en-US" sz="1800" dirty="0"/>
+            </a:br>
+            <a:r>
+              <a:rPr lang="en-US" sz="1800" dirty="0"/>
+              <a:t>        "function": { "name": "</a:t>
+            </a:r>
+            <a:r>
+              <a:rPr lang="en-US" sz="1800" dirty="0" err="1"/>
+              <a:t>get_n_day_weather_forecast</a:t>
+            </a:r>
+            <a:r>
+              <a:rPr lang="en-US" sz="1800" dirty="0"/>
+              <a:t>", "description": "Get an N-day weather forecast",</a:t>
+            </a:r>
+            <a:br>
+              <a:rPr lang="en-US" sz="1800" dirty="0"/>
+            </a:br>
+            <a:r>
+              <a:rPr lang="en-US" sz="1800" dirty="0"/>
+              <a:t>            "parameters": {</a:t>
+            </a:r>
+            <a:br>
+              <a:rPr lang="en-US" sz="1800" dirty="0"/>
+            </a:br>
+            <a:r>
+              <a:rPr lang="en-US" sz="1800" dirty="0"/>
+              <a:t>                "type": "object",                </a:t>
+            </a:r>
+            <a:br>
+              <a:rPr lang="en-US" sz="1800" dirty="0"/>
+            </a:br>
+            <a:r>
+              <a:rPr lang="en-US" sz="1800" dirty="0"/>
+              <a:t>                "properties": { </a:t>
+            </a:r>
+            <a:br>
+              <a:rPr lang="en-US" sz="1800" dirty="0"/>
+            </a:br>
+            <a:r>
+              <a:rPr lang="en-US" sz="1800" dirty="0"/>
+              <a:t>                       "location": { "type": "string", "description": "The city and state, e.g. San Francisco, CA"},   </a:t>
+            </a:r>
+            <a:br>
+              <a:rPr lang="en-US" sz="1800" dirty="0"/>
+            </a:br>
+            <a:r>
+              <a:rPr lang="en-US" sz="1800" dirty="0"/>
+              <a:t>                       "</a:t>
+            </a:r>
+            <a:r>
+              <a:rPr lang="en-US" sz="1800" dirty="0" err="1"/>
+              <a:t>num_days</a:t>
+            </a:r>
+            <a:r>
+              <a:rPr lang="en-US" sz="1800" dirty="0"/>
+              <a:t>": {"type": "integer", "description": "The number of days to forecast"}</a:t>
+            </a:r>
+            <a:br>
+              <a:rPr lang="en-US" sz="1800" dirty="0"/>
+            </a:br>
+            <a:r>
+              <a:rPr lang="en-US" sz="1800" dirty="0"/>
+              <a:t>                 },</a:t>
+            </a:r>
+            <a:br>
+              <a:rPr lang="en-US" sz="1800" dirty="0"/>
+            </a:br>
+            <a:r>
+              <a:rPr lang="en-US" sz="1800" dirty="0"/>
+              <a:t>                "required": ["location", "</a:t>
+            </a:r>
+            <a:r>
+              <a:rPr lang="en-US" sz="1800" dirty="0" err="1"/>
+              <a:t>num_days</a:t>
+            </a:r>
+            <a:r>
+              <a:rPr lang="en-US" sz="1800" dirty="0"/>
+              <a:t>"]</a:t>
+            </a:r>
+            <a:br>
+              <a:rPr lang="en-US" sz="1800" dirty="0"/>
+            </a:br>
+            <a:r>
+              <a:rPr lang="en-US" sz="1800" dirty="0"/>
+              <a:t>            },</a:t>
+            </a:r>
+            <a:br>
+              <a:rPr lang="en-US" sz="1800" dirty="0"/>
+            </a:br>
+            <a:r>
+              <a:rPr lang="en-US" sz="1800" dirty="0"/>
+              <a:t>        }</a:t>
+            </a:r>
+            <a:br>
+              <a:rPr lang="en-US" sz="1800" dirty="0"/>
+            </a:br>
+            <a:r>
+              <a:rPr lang="en-US" sz="1800" dirty="0"/>
+              <a:t>    },</a:t>
+            </a:r>
+            <a:br>
+              <a:rPr lang="en-US" sz="1800" dirty="0"/>
+            </a:br>
+            <a:r>
+              <a:rPr lang="en-US" sz="1800" dirty="0"/>
+              <a:t>]</a:t>
+            </a:r>
+          </a:p>
+        </p:txBody>
+      </p:sp>
+    </p:spTree>
+    <p:extLst>
+      <p:ext uri="{BB962C8B-B14F-4D97-AF65-F5344CB8AC3E}">
+        <p14:creationId xmlns:p14="http://schemas.microsoft.com/office/powerpoint/2010/main" val="2373887976"/>
+      </p:ext>
+    </p:extLst>
+  </p:cSld>
+  <p:clrMapOvr>
+    <a:masterClrMapping/>
+  </p:clrMapOvr>
+</p:sld>
+</file>
+
+<file path=ppt/slides/slide18.xml><?xml version="1.0" encoding="utf-8"?>
+<p:sld xmlns:a="http://schemas.openxmlformats.org/drawingml/2006/main" xmlns:r="http://schemas.openxmlformats.org/officeDocument/2006/relationships" xmlns:p="http://schemas.openxmlformats.org/presentationml/2006/main">
+  <p:cSld>
+    <p:spTree>
+      <p:nvGrpSpPr>
+        <p:cNvPr id="1" name=""/>
+        <p:cNvGrpSpPr/>
+        <p:nvPr/>
+      </p:nvGrpSpPr>
+      <p:grpSpPr>
+        <a:xfrm>
+          <a:off x="0" y="0"/>
+          <a:ext cx="0" cy="0"/>
+          <a:chOff x="0" y="0"/>
+          <a:chExt cx="0" cy="0"/>
+        </a:xfrm>
+      </p:grpSpPr>
+      <p:sp>
+        <p:nvSpPr>
+          <p:cNvPr id="2" name="Title 1">
+            <a:extLst>
+              <a:ext uri="{FF2B5EF4-FFF2-40B4-BE49-F238E27FC236}">
+                <a16:creationId xmlns:a16="http://schemas.microsoft.com/office/drawing/2014/main" id="{7A3CD463-38BF-B1AD-F428-F521A5C27A15}"/>
+              </a:ext>
+            </a:extLst>
+          </p:cNvPr>
+          <p:cNvSpPr>
+            <a:spLocks noGrp="1"/>
+          </p:cNvSpPr>
+          <p:nvPr>
+            <p:ph type="title"/>
+          </p:nvPr>
+        </p:nvSpPr>
+        <p:spPr/>
+        <p:txBody>
+          <a:bodyPr/>
+          <a:lstStyle/>
+          <a:p>
+            <a:r>
+              <a:rPr lang="en-US" dirty="0"/>
+              <a:t>Migrate function calls to tools-call </a:t>
+            </a:r>
+            <a:br>
+              <a:rPr lang="en-US" dirty="0"/>
+            </a:br>
+            <a:endParaRPr lang="en-US" dirty="0"/>
+          </a:p>
+        </p:txBody>
+      </p:sp>
+      <p:sp>
+        <p:nvSpPr>
+          <p:cNvPr id="3" name="Content Placeholder 2">
+            <a:extLst>
+              <a:ext uri="{FF2B5EF4-FFF2-40B4-BE49-F238E27FC236}">
+                <a16:creationId xmlns:a16="http://schemas.microsoft.com/office/drawing/2014/main" id="{38A01988-4E4F-7E8B-DBEA-CBC2AF8020B6}"/>
+              </a:ext>
+            </a:extLst>
+          </p:cNvPr>
+          <p:cNvSpPr>
+            <a:spLocks noGrp="1"/>
+          </p:cNvSpPr>
+          <p:nvPr>
+            <p:ph idx="1"/>
+          </p:nvPr>
+        </p:nvSpPr>
+        <p:spPr/>
+        <p:txBody>
+          <a:bodyPr/>
+          <a:lstStyle/>
+          <a:p>
+            <a:r>
+              <a:rPr lang="en-US" dirty="0"/>
+              <a:t>Along with the Json reply from the api, need to pass also the corresponding Json returned by the ai in previous step (used as input of the api call)</a:t>
+            </a:r>
+          </a:p>
+          <a:p>
+            <a:r>
+              <a:rPr lang="en-US" dirty="0"/>
+              <a:t>Each function call reply has got an </a:t>
+            </a:r>
+            <a:r>
+              <a:rPr lang="en-US" i="1" dirty="0"/>
+              <a:t>id</a:t>
+            </a:r>
+            <a:r>
+              <a:rPr lang="en-US" dirty="0"/>
+              <a:t> that must be "copied" to the corresponding api reply when passing the Json reply to the ai </a:t>
+            </a:r>
+          </a:p>
+          <a:p>
+            <a:pPr lvl="1"/>
+            <a:r>
+              <a:rPr lang="en-US" dirty="0"/>
+              <a:t>Required to correlate input-output of each function call (since there could be more than one)</a:t>
+            </a:r>
+          </a:p>
+        </p:txBody>
+      </p:sp>
+    </p:spTree>
+    <p:extLst>
+      <p:ext uri="{BB962C8B-B14F-4D97-AF65-F5344CB8AC3E}">
+        <p14:creationId xmlns:p14="http://schemas.microsoft.com/office/powerpoint/2010/main" val="1882048807"/>
+      </p:ext>
+    </p:extLst>
+  </p:cSld>
+  <p:clrMapOvr>
+    <a:masterClrMapping/>
+  </p:clrMapOvr>
+</p:sld>
+</file>
+
+<file path=ppt/slides/slide19.xml><?xml version="1.0" encoding="utf-8"?>
+<p:sld xmlns:a="http://schemas.openxmlformats.org/drawingml/2006/main" xmlns:r="http://schemas.openxmlformats.org/officeDocument/2006/relationships" xmlns:p="http://schemas.openxmlformats.org/presentationml/2006/main">
+  <p:cSld>
+    <p:spTree>
+      <p:nvGrpSpPr>
+        <p:cNvPr id="1" name=""/>
+        <p:cNvGrpSpPr/>
+        <p:nvPr/>
+      </p:nvGrpSpPr>
+      <p:grpSpPr>
+        <a:xfrm>
+          <a:off x="0" y="0"/>
+          <a:ext cx="0" cy="0"/>
+          <a:chOff x="0" y="0"/>
+          <a:chExt cx="0" cy="0"/>
+        </a:xfrm>
+      </p:grpSpPr>
+      <p:sp>
+        <p:nvSpPr>
+          <p:cNvPr id="2" name="Title 1">
+            <a:extLst>
+              <a:ext uri="{FF2B5EF4-FFF2-40B4-BE49-F238E27FC236}">
+                <a16:creationId xmlns:a16="http://schemas.microsoft.com/office/drawing/2014/main" id="{21C4ECC1-82EF-B64D-D088-64D7586C53F7}"/>
+              </a:ext>
+            </a:extLst>
+          </p:cNvPr>
+          <p:cNvSpPr>
+            <a:spLocks noGrp="1"/>
+          </p:cNvSpPr>
+          <p:nvPr>
+            <p:ph type="title"/>
+          </p:nvPr>
+        </p:nvSpPr>
+        <p:spPr/>
+        <p:txBody>
+          <a:bodyPr/>
+          <a:lstStyle/>
+          <a:p>
+            <a:endParaRPr lang="en-US"/>
+          </a:p>
+        </p:txBody>
+      </p:sp>
+      <p:sp>
+        <p:nvSpPr>
+          <p:cNvPr id="3" name="Content Placeholder 2">
+            <a:extLst>
+              <a:ext uri="{FF2B5EF4-FFF2-40B4-BE49-F238E27FC236}">
+                <a16:creationId xmlns:a16="http://schemas.microsoft.com/office/drawing/2014/main" id="{07A69565-55FA-6904-454D-1F4EE036EA04}"/>
+              </a:ext>
+            </a:extLst>
+          </p:cNvPr>
+          <p:cNvSpPr>
+            <a:spLocks noGrp="1"/>
+          </p:cNvSpPr>
+          <p:nvPr>
+            <p:ph idx="1"/>
+          </p:nvPr>
+        </p:nvSpPr>
+        <p:spPr/>
+        <p:txBody>
+          <a:bodyPr/>
+          <a:lstStyle/>
+          <a:p>
+            <a:r>
+              <a:rPr lang="en-US" dirty="0">
+                <a:hlinkClick r:id="rId2"/>
+              </a:rPr>
+              <a:t>https://platform.openai.com/docs/guides/function-calling</a:t>
+            </a:r>
+            <a:endParaRPr lang="en-US" dirty="0"/>
+          </a:p>
+          <a:p>
+            <a:r>
+              <a:rPr lang="en-US" dirty="0">
+                <a:hlinkClick r:id="rId3"/>
+              </a:rPr>
+              <a:t>https://cookbook.openai.com/examples/how_to_call_functions_with_chat_models</a:t>
+            </a:r>
+            <a:endParaRPr lang="en-US" dirty="0"/>
+          </a:p>
+          <a:p>
+            <a:endParaRPr lang="en-US" dirty="0"/>
+          </a:p>
+        </p:txBody>
+      </p:sp>
+    </p:spTree>
+    <p:extLst>
+      <p:ext uri="{BB962C8B-B14F-4D97-AF65-F5344CB8AC3E}">
+        <p14:creationId xmlns:p14="http://schemas.microsoft.com/office/powerpoint/2010/main" val="2568979085"/>
+      </p:ext>
+    </p:extLst>
+  </p:cSld>
+  <p:clrMapOvr>
+    <a:masterClrMapping/>
+  </p:clrMapOvr>
+</p:sld>
+</file>
+
+<file path=ppt/slides/slide2.xml><?xml version="1.0" encoding="utf-8"?>
+<p:sld xmlns:a="http://schemas.openxmlformats.org/drawingml/2006/main" xmlns:r="http://schemas.openxmlformats.org/officeDocument/2006/relationships" xmlns:p="http://schemas.openxmlformats.org/presentationml/2006/main">
+  <p:cSld>
+    <p:spTree>
+      <p:nvGrpSpPr>
+        <p:cNvPr id="1" name=""/>
+        <p:cNvGrpSpPr/>
+        <p:nvPr/>
+      </p:nvGrpSpPr>
+      <p:grpSpPr>
+        <a:xfrm>
+          <a:off x="0" y="0"/>
+          <a:ext cx="0" cy="0"/>
+          <a:chOff x="0" y="0"/>
+          <a:chExt cx="0" cy="0"/>
+        </a:xfrm>
+      </p:grpSpPr>
+      <p:sp>
+        <p:nvSpPr>
+          <p:cNvPr id="2" name="Title 1">
+            <a:extLst>
+              <a:ext uri="{FF2B5EF4-FFF2-40B4-BE49-F238E27FC236}">
+                <a16:creationId xmlns:a16="http://schemas.microsoft.com/office/drawing/2014/main" id="{3828F22E-4F3B-390B-20C4-1CE796867E17}"/>
+              </a:ext>
+            </a:extLst>
+          </p:cNvPr>
+          <p:cNvSpPr>
+            <a:spLocks noGrp="1"/>
+          </p:cNvSpPr>
+          <p:nvPr>
+            <p:ph type="title"/>
+          </p:nvPr>
+        </p:nvSpPr>
+        <p:spPr/>
+        <p:txBody>
+          <a:bodyPr/>
+          <a:lstStyle/>
+          <a:p>
+            <a:r>
+              <a:rPr lang="en-US" dirty="0"/>
+              <a:t>30 Nov 2022 :release of chatgpt </a:t>
+            </a:r>
+          </a:p>
+        </p:txBody>
+      </p:sp>
+      <p:sp>
+        <p:nvSpPr>
+          <p:cNvPr id="3" name="Content Placeholder 2">
+            <a:extLst>
+              <a:ext uri="{FF2B5EF4-FFF2-40B4-BE49-F238E27FC236}">
+                <a16:creationId xmlns:a16="http://schemas.microsoft.com/office/drawing/2014/main" id="{68F534FB-FB6F-C41C-2651-1A7BAAEC0DD6}"/>
+              </a:ext>
+            </a:extLst>
+          </p:cNvPr>
+          <p:cNvSpPr>
+            <a:spLocks noGrp="1"/>
+          </p:cNvSpPr>
+          <p:nvPr>
+            <p:ph idx="1"/>
+          </p:nvPr>
+        </p:nvSpPr>
+        <p:spPr/>
+        <p:txBody>
+          <a:bodyPr/>
+          <a:lstStyle/>
+          <a:p>
+            <a:r>
+              <a:rPr lang="en-US" dirty="0"/>
+              <a:t>We are still in full AI hype</a:t>
+            </a:r>
+          </a:p>
+          <a:p>
+            <a:pPr lvl="1"/>
+            <a:r>
+              <a:rPr lang="en-US" dirty="0"/>
+              <a:t>"daily" release announcement of new LLM models by big tech and open-source community (not to mention generative AI)</a:t>
+            </a:r>
+          </a:p>
+          <a:p>
+            <a:r>
+              <a:rPr lang="en-US" dirty="0"/>
+              <a:t>Many frameworks to orchestrate and abstract the interaction with LLM</a:t>
+            </a:r>
+          </a:p>
+          <a:p>
+            <a:r>
+              <a:rPr lang="en-US" dirty="0"/>
+              <a:t>"Low code" approach solutions</a:t>
+            </a:r>
+          </a:p>
+          <a:p>
+            <a:pPr marL="0" indent="0">
+              <a:buNone/>
+            </a:pPr>
+            <a:r>
+              <a:rPr lang="en-US" dirty="0"/>
+              <a:t>As of now, it's not clear what will be still </a:t>
+            </a:r>
+            <a:r>
+              <a:rPr lang="en-US" i="1" dirty="0"/>
+              <a:t>relevant </a:t>
+            </a:r>
+            <a:r>
+              <a:rPr lang="en-US" dirty="0"/>
+              <a:t>within one year, </a:t>
+            </a:r>
+            <a:r>
+              <a:rPr lang="en-US" i="1" dirty="0"/>
+              <a:t>but most likely function (tools calls) will be </a:t>
+            </a:r>
+            <a:r>
+              <a:rPr lang="en-US" i="1" dirty="0">
+                <a:sym typeface="Wingdings" panose="05000000000000000000" pitchFamily="2" charset="2"/>
+              </a:rPr>
+              <a:t></a:t>
+            </a:r>
+            <a:br>
+              <a:rPr lang="en-US" i="1" dirty="0">
+                <a:sym typeface="Wingdings" panose="05000000000000000000" pitchFamily="2" charset="2"/>
+              </a:rPr>
+            </a:br>
+            <a:br>
+              <a:rPr lang="en-US" i="1" dirty="0">
+                <a:sym typeface="Wingdings" panose="05000000000000000000" pitchFamily="2" charset="2"/>
+              </a:rPr>
+            </a:br>
+            <a:r>
+              <a:rPr lang="en-US" i="1" dirty="0">
+                <a:sym typeface="Wingdings" panose="05000000000000000000" pitchFamily="2" charset="2"/>
+              </a:rPr>
+              <a:t>Evaluate carefully </a:t>
+            </a:r>
+            <a:r>
+              <a:rPr lang="en-US" i="1">
+                <a:sym typeface="Wingdings" panose="05000000000000000000" pitchFamily="2" charset="2"/>
+              </a:rPr>
+              <a:t>when abstracting </a:t>
+            </a:r>
+            <a:r>
+              <a:rPr lang="en-US" i="1" dirty="0">
+                <a:sym typeface="Wingdings" panose="05000000000000000000" pitchFamily="2" charset="2"/>
+              </a:rPr>
+              <a:t>away from "raw" chatgpt api calls</a:t>
+            </a:r>
+            <a:endParaRPr lang="en-US" i="1" dirty="0"/>
+          </a:p>
+          <a:p>
+            <a:endParaRPr lang="en-US" dirty="0"/>
+          </a:p>
+        </p:txBody>
+      </p:sp>
+    </p:spTree>
+    <p:extLst>
+      <p:ext uri="{BB962C8B-B14F-4D97-AF65-F5344CB8AC3E}">
+        <p14:creationId xmlns:p14="http://schemas.microsoft.com/office/powerpoint/2010/main" val="3624378151"/>
+      </p:ext>
+    </p:extLst>
+  </p:cSld>
+  <p:clrMapOvr>
+    <a:masterClrMapping/>
+  </p:clrMapOvr>
+</p:sld>
+</file>
+
+<file path=ppt/slides/slide3.xml><?xml version="1.0" encoding="utf-8"?>
+<p:sld xmlns:a="http://schemas.openxmlformats.org/drawingml/2006/main" xmlns:r="http://schemas.openxmlformats.org/officeDocument/2006/relationships" xmlns:p="http://schemas.openxmlformats.org/presentationml/2006/main">
+  <p:cSld>
+    <p:spTree>
+      <p:nvGrpSpPr>
+        <p:cNvPr id="1" name=""/>
+        <p:cNvGrpSpPr/>
+        <p:nvPr/>
+      </p:nvGrpSpPr>
+      <p:grpSpPr>
+        <a:xfrm>
+          <a:off x="0" y="0"/>
+          <a:ext cx="0" cy="0"/>
+          <a:chOff x="0" y="0"/>
+          <a:chExt cx="0" cy="0"/>
+        </a:xfrm>
+      </p:grpSpPr>
+      <p:sp>
+        <p:nvSpPr>
+          <p:cNvPr id="2" name="Title 1">
+            <a:extLst>
+              <a:ext uri="{FF2B5EF4-FFF2-40B4-BE49-F238E27FC236}">
+                <a16:creationId xmlns:a16="http://schemas.microsoft.com/office/drawing/2014/main" id="{E3DD44CD-9215-3EBC-651F-D9C28EC8D5B8}"/>
+              </a:ext>
+            </a:extLst>
+          </p:cNvPr>
+          <p:cNvSpPr>
+            <a:spLocks noGrp="1"/>
+          </p:cNvSpPr>
+          <p:nvPr>
+            <p:ph type="title"/>
+          </p:nvPr>
+        </p:nvSpPr>
+        <p:spPr/>
+        <p:txBody>
+          <a:bodyPr/>
+          <a:lstStyle/>
+          <a:p>
+            <a:r>
+              <a:rPr lang="en-US" dirty="0"/>
+              <a:t>Agents and Tools</a:t>
+            </a:r>
+          </a:p>
+        </p:txBody>
+      </p:sp>
+      <p:sp>
+        <p:nvSpPr>
+          <p:cNvPr id="3" name="Content Placeholder 2">
+            <a:extLst>
+              <a:ext uri="{FF2B5EF4-FFF2-40B4-BE49-F238E27FC236}">
+                <a16:creationId xmlns:a16="http://schemas.microsoft.com/office/drawing/2014/main" id="{D7C3E31D-828A-3651-BDB9-4617F23B96E5}"/>
+              </a:ext>
+            </a:extLst>
+          </p:cNvPr>
+          <p:cNvSpPr>
+            <a:spLocks noGrp="1"/>
+          </p:cNvSpPr>
+          <p:nvPr>
+            <p:ph idx="1"/>
+          </p:nvPr>
+        </p:nvSpPr>
+        <p:spPr/>
+        <p:txBody>
+          <a:bodyPr>
+            <a:normAutofit lnSpcReduction="10000"/>
+          </a:bodyPr>
+          <a:lstStyle/>
+          <a:p>
+            <a:r>
+              <a:rPr lang="en-US" dirty="0"/>
+              <a:t>Some concepts and terms are emerging and being commonly accepted by the community</a:t>
+            </a:r>
+          </a:p>
+          <a:p>
+            <a:r>
+              <a:rPr lang="en-US" b="1" dirty="0"/>
+              <a:t>Agent</a:t>
+            </a:r>
+            <a:r>
+              <a:rPr lang="en-US" dirty="0"/>
+              <a:t> </a:t>
+            </a:r>
+            <a:br>
+              <a:rPr lang="en-US" dirty="0"/>
+            </a:br>
+            <a:r>
+              <a:rPr lang="en-US" dirty="0"/>
+              <a:t>An LLM agent is an artificial intelligence system that utilizes a large language model (LLM) as its core computational engine to exhibit capabilities beyond text generation solely based on its "built-in" training/knowledge </a:t>
+            </a:r>
+          </a:p>
+          <a:p>
+            <a:r>
+              <a:rPr lang="en-US" b="1" dirty="0"/>
+              <a:t>Tools</a:t>
+            </a:r>
+            <a:br>
+              <a:rPr lang="en-US" b="1" dirty="0"/>
+            </a:br>
+            <a:r>
+              <a:rPr lang="en-US" dirty="0"/>
+              <a:t>LLM agents utilize a suites of </a:t>
+            </a:r>
+            <a:r>
+              <a:rPr lang="en-US" i="1" dirty="0"/>
+              <a:t>tools</a:t>
+            </a:r>
+            <a:r>
+              <a:rPr lang="en-US" dirty="0"/>
+              <a:t> - calculators, APIs, search engines - to gather information and take action towards completing assigned tasks. </a:t>
+            </a:r>
+            <a:br>
+              <a:rPr lang="en-US" sz="1800" b="0" i="0" u="none" strike="noStrike" baseline="0" dirty="0">
+                <a:latin typeface="Times New Roman" panose="02020603050405020304" pitchFamily="18" charset="0"/>
+              </a:rPr>
+            </a:br>
+            <a:endParaRPr lang="en-US" sz="1800" b="0" i="0" u="none" strike="noStrike" baseline="0" dirty="0">
+              <a:latin typeface="Aptos" panose="020B0004020202020204" pitchFamily="34" charset="0"/>
+            </a:endParaRPr>
+          </a:p>
+          <a:p>
+            <a:endParaRPr lang="en-US" dirty="0"/>
+          </a:p>
+          <a:p>
+            <a:endParaRPr lang="en-US" dirty="0"/>
+          </a:p>
+        </p:txBody>
+      </p:sp>
+    </p:spTree>
+    <p:extLst>
+      <p:ext uri="{BB962C8B-B14F-4D97-AF65-F5344CB8AC3E}">
+        <p14:creationId xmlns:p14="http://schemas.microsoft.com/office/powerpoint/2010/main" val="3915835240"/>
+      </p:ext>
+    </p:extLst>
+  </p:cSld>
+  <p:clrMapOvr>
+    <a:masterClrMapping/>
+  </p:clrMapOvr>
+</p:sld>
+</file>
+
+<file path=ppt/slides/slide4.xml><?xml version="1.0" encoding="utf-8"?>
+<p:sld xmlns:a="http://schemas.openxmlformats.org/drawingml/2006/main" xmlns:r="http://schemas.openxmlformats.org/officeDocument/2006/relationships" xmlns:p="http://schemas.openxmlformats.org/presentationml/2006/main">
+  <p:cSld>
+    <p:spTree>
+      <p:nvGrpSpPr>
+        <p:cNvPr id="1" name=""/>
+        <p:cNvGrpSpPr/>
+        <p:nvPr/>
+      </p:nvGrpSpPr>
+      <p:grpSpPr>
+        <a:xfrm>
+          <a:off x="0" y="0"/>
+          <a:ext cx="0" cy="0"/>
+          <a:chOff x="0" y="0"/>
+          <a:chExt cx="0" cy="0"/>
+        </a:xfrm>
+      </p:grpSpPr>
+      <p:sp>
+        <p:nvSpPr>
+          <p:cNvPr id="2" name="Title 1">
+            <a:extLst>
+              <a:ext uri="{FF2B5EF4-FFF2-40B4-BE49-F238E27FC236}">
+                <a16:creationId xmlns:a16="http://schemas.microsoft.com/office/drawing/2014/main" id="{D2982563-4BA2-F068-A973-629D0E733207}"/>
+              </a:ext>
+            </a:extLst>
+          </p:cNvPr>
+          <p:cNvSpPr>
+            <a:spLocks noGrp="1"/>
+          </p:cNvSpPr>
+          <p:nvPr>
+            <p:ph type="title"/>
+          </p:nvPr>
+        </p:nvSpPr>
+        <p:spPr/>
+        <p:txBody>
+          <a:bodyPr/>
+          <a:lstStyle/>
+          <a:p>
+            <a:endParaRPr lang="en-US"/>
+          </a:p>
+        </p:txBody>
+      </p:sp>
+      <p:sp>
+        <p:nvSpPr>
+          <p:cNvPr id="3" name="Content Placeholder 2">
+            <a:extLst>
+              <a:ext uri="{FF2B5EF4-FFF2-40B4-BE49-F238E27FC236}">
+                <a16:creationId xmlns:a16="http://schemas.microsoft.com/office/drawing/2014/main" id="{40DD0950-D4AC-1C0C-632C-465D2E13760A}"/>
+              </a:ext>
+            </a:extLst>
+          </p:cNvPr>
+          <p:cNvSpPr>
+            <a:spLocks noGrp="1"/>
+          </p:cNvSpPr>
+          <p:nvPr>
+            <p:ph idx="1"/>
+          </p:nvPr>
+        </p:nvSpPr>
+        <p:spPr/>
+        <p:txBody>
+          <a:bodyPr/>
+          <a:lstStyle/>
+          <a:p>
+            <a:r>
+              <a:rPr lang="en-US" dirty="0"/>
+              <a:t>The agents "ecosystem", can be split into two domains </a:t>
+            </a:r>
+          </a:p>
+          <a:p>
+            <a:pPr lvl="1"/>
+            <a:r>
+              <a:rPr lang="en-US" dirty="0"/>
+              <a:t>Conversational Agents : RAG</a:t>
+            </a:r>
+          </a:p>
+          <a:p>
+            <a:pPr lvl="1"/>
+            <a:r>
+              <a:rPr lang="en-US" dirty="0"/>
+              <a:t>Task/Workflow-Oriented Agents</a:t>
+            </a:r>
+          </a:p>
+          <a:p>
+            <a:endParaRPr lang="en-US" dirty="0"/>
+          </a:p>
+        </p:txBody>
+      </p:sp>
+    </p:spTree>
+    <p:extLst>
+      <p:ext uri="{BB962C8B-B14F-4D97-AF65-F5344CB8AC3E}">
+        <p14:creationId xmlns:p14="http://schemas.microsoft.com/office/powerpoint/2010/main" val="1902101332"/>
+      </p:ext>
+    </p:extLst>
+  </p:cSld>
+  <p:clrMapOvr>
+    <a:masterClrMapping/>
+  </p:clrMapOvr>
+</p:sld>
+</file>
+
+<file path=ppt/slides/slide5.xml><?xml version="1.0" encoding="utf-8"?>
+<p:sld xmlns:a="http://schemas.openxmlformats.org/drawingml/2006/main" xmlns:r="http://schemas.openxmlformats.org/officeDocument/2006/relationships" xmlns:p="http://schemas.openxmlformats.org/presentationml/2006/main">
+  <p:cSld>
+    <p:spTree>
+      <p:nvGrpSpPr>
+        <p:cNvPr id="1" name=""/>
+        <p:cNvGrpSpPr/>
+        <p:nvPr/>
+      </p:nvGrpSpPr>
+      <p:grpSpPr>
+        <a:xfrm>
+          <a:off x="0" y="0"/>
+          <a:ext cx="0" cy="0"/>
+          <a:chOff x="0" y="0"/>
+          <a:chExt cx="0" cy="0"/>
+        </a:xfrm>
+      </p:grpSpPr>
+      <p:sp>
+        <p:nvSpPr>
+          <p:cNvPr id="2" name="Title 1">
+            <a:extLst>
+              <a:ext uri="{FF2B5EF4-FFF2-40B4-BE49-F238E27FC236}">
+                <a16:creationId xmlns:a16="http://schemas.microsoft.com/office/drawing/2014/main" id="{899C6497-7525-A403-ACDD-7A3A718D19B7}"/>
+              </a:ext>
+            </a:extLst>
+          </p:cNvPr>
+          <p:cNvSpPr>
+            <a:spLocks noGrp="1"/>
+          </p:cNvSpPr>
+          <p:nvPr>
+            <p:ph type="title"/>
+          </p:nvPr>
+        </p:nvSpPr>
+        <p:spPr/>
+        <p:txBody>
+          <a:bodyPr/>
+          <a:lstStyle/>
+          <a:p>
+            <a:r>
+              <a:rPr lang="en-US" dirty="0"/>
+              <a:t>Copilot 365</a:t>
+            </a:r>
+          </a:p>
+        </p:txBody>
+      </p:sp>
+      <p:pic>
+        <p:nvPicPr>
+          <p:cNvPr id="5" name="Content Placeholder 4" descr="A diagram of a software company&#10;&#10;Description automatically generated">
+            <a:extLst>
+              <a:ext uri="{FF2B5EF4-FFF2-40B4-BE49-F238E27FC236}">
+                <a16:creationId xmlns:a16="http://schemas.microsoft.com/office/drawing/2014/main" id="{3653F78B-FC8F-0126-3204-97D6838622E2}"/>
+              </a:ext>
+            </a:extLst>
+          </p:cNvPr>
+          <p:cNvPicPr>
+            <a:picLocks noGrp="1" noChangeAspect="1"/>
+          </p:cNvPicPr>
+          <p:nvPr>
+            <p:ph idx="1"/>
+          </p:nvPr>
+        </p:nvPicPr>
+        <p:blipFill>
+          <a:blip r:embed="rId2">
+            <a:extLst>
+              <a:ext uri="{28A0092B-C50C-407E-A947-70E740481C1C}">
+                <a14:useLocalDpi xmlns:a14="http://schemas.microsoft.com/office/drawing/2010/main" val="0"/>
+              </a:ext>
+            </a:extLst>
+          </a:blip>
+          <a:stretch>
+            <a:fillRect/>
+          </a:stretch>
+        </p:blipFill>
+        <p:spPr>
+          <a:xfrm>
+            <a:off x="2149438" y="1825625"/>
+            <a:ext cx="7893124" cy="4351338"/>
+          </a:xfrm>
+        </p:spPr>
+      </p:pic>
+    </p:spTree>
+    <p:extLst>
+      <p:ext uri="{BB962C8B-B14F-4D97-AF65-F5344CB8AC3E}">
+        <p14:creationId xmlns:p14="http://schemas.microsoft.com/office/powerpoint/2010/main" val="2527575947"/>
+      </p:ext>
+    </p:extLst>
+  </p:cSld>
+  <p:clrMapOvr>
+    <a:masterClrMapping/>
+  </p:clrMapOvr>
+</p:sld>
+</file>
+
+<file path=ppt/slides/slide6.xml><?xml version="1.0" encoding="utf-8"?>
+<p:sld xmlns:a="http://schemas.openxmlformats.org/drawingml/2006/main" xmlns:r="http://schemas.openxmlformats.org/officeDocument/2006/relationships" xmlns:p="http://schemas.openxmlformats.org/presentationml/2006/main">
+  <p:cSld>
+    <p:spTree>
+      <p:nvGrpSpPr>
+        <p:cNvPr id="1" name=""/>
+        <p:cNvGrpSpPr/>
+        <p:nvPr/>
+      </p:nvGrpSpPr>
+      <p:grpSpPr>
+        <a:xfrm>
+          <a:off x="0" y="0"/>
+          <a:ext cx="0" cy="0"/>
+          <a:chOff x="0" y="0"/>
+          <a:chExt cx="0" cy="0"/>
+        </a:xfrm>
+      </p:grpSpPr>
+      <p:sp>
+        <p:nvSpPr>
+          <p:cNvPr id="2" name="Title 1">
+            <a:extLst>
+              <a:ext uri="{FF2B5EF4-FFF2-40B4-BE49-F238E27FC236}">
+                <a16:creationId xmlns:a16="http://schemas.microsoft.com/office/drawing/2014/main" id="{0E128FBD-D898-56BC-C281-E6B8ECAA7826}"/>
+              </a:ext>
+            </a:extLst>
+          </p:cNvPr>
+          <p:cNvSpPr>
+            <a:spLocks noGrp="1"/>
+          </p:cNvSpPr>
+          <p:nvPr>
+            <p:ph type="title"/>
+          </p:nvPr>
+        </p:nvSpPr>
+        <p:spPr/>
+        <p:txBody>
+          <a:bodyPr/>
+          <a:lstStyle/>
+          <a:p>
+            <a:r>
+              <a:rPr lang="en-US" dirty="0"/>
+              <a:t>What is function calling</a:t>
+            </a:r>
+          </a:p>
+        </p:txBody>
+      </p:sp>
+      <p:sp>
+        <p:nvSpPr>
+          <p:cNvPr id="3" name="Content Placeholder 2">
+            <a:extLst>
+              <a:ext uri="{FF2B5EF4-FFF2-40B4-BE49-F238E27FC236}">
+                <a16:creationId xmlns:a16="http://schemas.microsoft.com/office/drawing/2014/main" id="{1B5F3137-D397-34CE-1086-6686C6B8B6B1}"/>
+              </a:ext>
+            </a:extLst>
+          </p:cNvPr>
+          <p:cNvSpPr>
+            <a:spLocks noGrp="1"/>
+          </p:cNvSpPr>
+          <p:nvPr>
+            <p:ph idx="1"/>
+          </p:nvPr>
+        </p:nvSpPr>
+        <p:spPr/>
+        <p:txBody>
+          <a:bodyPr>
+            <a:normAutofit/>
+          </a:bodyPr>
+          <a:lstStyle/>
+          <a:p>
+            <a:r>
+              <a:rPr lang="en-US" dirty="0"/>
+              <a:t>It's a functionality available in the </a:t>
+            </a:r>
+            <a:r>
+              <a:rPr lang="en-US" i="1" dirty="0"/>
+              <a:t>completion-chat</a:t>
+            </a:r>
+            <a:r>
+              <a:rPr lang="en-US" dirty="0"/>
+              <a:t> api endpoint starting from </a:t>
+            </a:r>
+          </a:p>
+          <a:p>
+            <a:pPr lvl="1"/>
+            <a:r>
+              <a:rPr lang="en-US" dirty="0"/>
+              <a:t>Gpt-3.5 turbo 0613</a:t>
+            </a:r>
+          </a:p>
+          <a:p>
+            <a:pPr lvl="1"/>
+            <a:r>
+              <a:rPr lang="en-US" dirty="0"/>
+              <a:t>Gpt-4-0613</a:t>
+            </a:r>
+          </a:p>
+          <a:p>
+            <a:pPr lvl="1"/>
+            <a:r>
+              <a:rPr lang="en-US" dirty="0"/>
+              <a:t>"embedded/abstracted" into tools-calls in gpt-3.5 1106 and gpt-4 1106 (and above)</a:t>
+            </a:r>
+          </a:p>
+          <a:p>
+            <a:r>
+              <a:rPr lang="en-US" dirty="0"/>
+              <a:t>Allows to have ChatGPT convert human natural query and commands into Json</a:t>
+            </a:r>
+          </a:p>
+          <a:p>
+            <a:r>
+              <a:rPr lang="en-US" b="1" dirty="0"/>
+              <a:t>Ai does not call an API, it's up to your code to do the call using the Json provided by the Ai </a:t>
+            </a:r>
+          </a:p>
+          <a:p>
+            <a:pPr lvl="1"/>
+            <a:endParaRPr lang="en-US" dirty="0"/>
+          </a:p>
+        </p:txBody>
+      </p:sp>
+    </p:spTree>
+    <p:extLst>
+      <p:ext uri="{BB962C8B-B14F-4D97-AF65-F5344CB8AC3E}">
+        <p14:creationId xmlns:p14="http://schemas.microsoft.com/office/powerpoint/2010/main" val="2135332399"/>
+      </p:ext>
+    </p:extLst>
+  </p:cSld>
+  <p:clrMapOvr>
+    <a:masterClrMapping/>
+  </p:clrMapOvr>
+</p:sld>
+</file>
+
 <file path=ppt/slides/slide7.xml><?xml version="1.0" encoding="utf-8"?>
 <p:sld xmlns:a="http://schemas.openxmlformats.org/drawingml/2006/main" xmlns:r="http://schemas.openxmlformats.org/officeDocument/2006/relationships" xmlns:p="http://schemas.openxmlformats.org/presentationml/2006/main">
   <p:cSld>
@@ -6874,7 +7851,7 @@
           <p:cNvPr id="2" name="Title 1">
             <a:extLst>
               <a:ext uri="{FF2B5EF4-FFF2-40B4-BE49-F238E27FC236}">
-                <a16:creationId xmlns:a16="http://schemas.microsoft.com/office/drawing/2014/main" id="{EBFCB1D2-0B81-312E-ED64-DBBDE9F62224}"/>
+                <a16:creationId xmlns:a16="http://schemas.microsoft.com/office/drawing/2014/main" id="{3DE6240D-8006-51BB-6F04-2EF1DD882834}"/>
               </a:ext>
             </a:extLst>
           </p:cNvPr>
@@ -6892,7 +7869,7 @@
           <a:p>
             <a:r>
               <a:rPr lang="en-US" dirty="0"/>
-              <a:t>Api design for function calling</a:t>
+              <a:t>What is function calling.. continue</a:t>
             </a:r>
           </a:p>
         </p:txBody>
@@ -6902,7 +7879,7 @@
           <p:cNvPr id="3" name="Content Placeholder 2">
             <a:extLst>
               <a:ext uri="{FF2B5EF4-FFF2-40B4-BE49-F238E27FC236}">
-                <a16:creationId xmlns:a16="http://schemas.microsoft.com/office/drawing/2014/main" id="{2F435063-D202-BDFA-876B-EF1DA0371544}"/>
+                <a16:creationId xmlns:a16="http://schemas.microsoft.com/office/drawing/2014/main" id="{C862D9BB-96CA-1B26-4EDE-3902B705F137}"/>
               </a:ext>
             </a:extLst>
           </p:cNvPr>
@@ -6915,131 +7892,44 @@
         </p:nvSpPr>
         <p:spPr/>
         <p:txBody>
-          <a:bodyPr/>
-          <a:lstStyle/>
-          <a:p>
-            <a:r>
-              <a:rPr lang="en-US" dirty="0"/>
-              <a:t>The Json schema syntax (to be provided as function) is the same used to define input – output </a:t>
-            </a:r>
-            <a:r>
-              <a:rPr lang="en-US" dirty="0" err="1"/>
-              <a:t>dto</a:t>
-            </a:r>
-            <a:r>
-              <a:rPr lang="en-US" dirty="0"/>
-              <a:t> in an open-api document (swagger)</a:t>
+          <a:bodyPr>
+            <a:normAutofit/>
+          </a:bodyPr>
+          <a:lstStyle/>
+          <a:p>
+            <a:r>
+              <a:rPr lang="en-US" dirty="0"/>
+              <a:t>How to use it:</a:t>
+            </a:r>
+            <a:br>
+              <a:rPr lang="en-US" dirty="0"/>
+            </a:br>
+            <a:r>
+              <a:rPr lang="en-US" dirty="0"/>
+              <a:t>Along with user prompt add a list of functions definition</a:t>
+            </a:r>
+          </a:p>
+          <a:p>
+            <a:r>
+              <a:rPr lang="en-US" dirty="0"/>
+              <a:t>A function definition is a Json following the Json schema syntax: </a:t>
             </a:r>
           </a:p>
           <a:p>
             <a:pPr lvl="1"/>
             <a:r>
               <a:rPr lang="en-US" dirty="0"/>
-              <a:t>Extract dynamically from the open api document of your target api</a:t>
-            </a:r>
-          </a:p>
-          <a:p>
-            <a:pPr lvl="1"/>
-            <a:r>
-              <a:rPr lang="en-US" dirty="0"/>
-              <a:t>Put clear description on input </a:t>
-            </a:r>
-            <a:r>
-              <a:rPr lang="en-US" dirty="0" err="1"/>
-              <a:t>dto</a:t>
-            </a:r>
-            <a:r>
-              <a:rPr lang="en-US" dirty="0"/>
-              <a:t> and its properties (</a:t>
-            </a:r>
-            <a:r>
-              <a:rPr lang="en-US" b="1" dirty="0"/>
-              <a:t>prompt engineer applied on a swagger doc </a:t>
-            </a:r>
-            <a:r>
-              <a:rPr lang="en-US" b="1" dirty="0">
-                <a:sym typeface="Wingdings" panose="05000000000000000000" pitchFamily="2" charset="2"/>
-              </a:rPr>
-              <a:t></a:t>
-            </a:r>
-            <a:r>
-              <a:rPr lang="en-US" dirty="0">
-                <a:sym typeface="Wingdings" panose="05000000000000000000" pitchFamily="2" charset="2"/>
-              </a:rPr>
-              <a:t>)</a:t>
-            </a:r>
-          </a:p>
-          <a:p>
-            <a:pPr lvl="1"/>
-            <a:r>
-              <a:rPr lang="en-US" dirty="0">
-                <a:sym typeface="Wingdings" panose="05000000000000000000" pitchFamily="2" charset="2"/>
-              </a:rPr>
-              <a:t>Document </a:t>
-            </a:r>
-            <a:r>
-              <a:rPr lang="en-US" b="1" dirty="0">
-                <a:sym typeface="Wingdings" panose="05000000000000000000" pitchFamily="2" charset="2"/>
-              </a:rPr>
-              <a:t>required</a:t>
-            </a:r>
-            <a:r>
-              <a:rPr lang="en-US" dirty="0">
-                <a:sym typeface="Wingdings" panose="05000000000000000000" pitchFamily="2" charset="2"/>
-              </a:rPr>
-              <a:t> properties </a:t>
-            </a:r>
-          </a:p>
-          <a:p>
-            <a:pPr lvl="1"/>
-            <a:r>
-              <a:rPr lang="en-US" dirty="0">
-                <a:sym typeface="Wingdings" panose="05000000000000000000" pitchFamily="2" charset="2"/>
-              </a:rPr>
-              <a:t>Make sure </a:t>
-            </a:r>
-            <a:r>
-              <a:rPr lang="en-US" dirty="0" err="1">
-                <a:sym typeface="Wingdings" panose="05000000000000000000" pitchFamily="2" charset="2"/>
-              </a:rPr>
-              <a:t>enums</a:t>
-            </a:r>
-            <a:r>
-              <a:rPr lang="en-US" dirty="0">
-                <a:sym typeface="Wingdings" panose="05000000000000000000" pitchFamily="2" charset="2"/>
-              </a:rPr>
-              <a:t> are exposed in the swagger doc as strings</a:t>
-            </a:r>
-          </a:p>
-          <a:p>
-            <a:pPr lvl="1"/>
-            <a:r>
-              <a:rPr lang="en-US" dirty="0">
-                <a:sym typeface="Wingdings" panose="05000000000000000000" pitchFamily="2" charset="2"/>
-              </a:rPr>
-              <a:t>Make sure </a:t>
-            </a:r>
-            <a:r>
-              <a:rPr lang="en-US" dirty="0" err="1">
-                <a:sym typeface="Wingdings" panose="05000000000000000000" pitchFamily="2" charset="2"/>
-              </a:rPr>
-              <a:t>enums</a:t>
-            </a:r>
-            <a:r>
-              <a:rPr lang="en-US" dirty="0">
-                <a:sym typeface="Wingdings" panose="05000000000000000000" pitchFamily="2" charset="2"/>
-              </a:rPr>
-              <a:t> as strings are accepted as input at run time</a:t>
-            </a:r>
-          </a:p>
-          <a:p>
-            <a:pPr lvl="2"/>
-            <a:endParaRPr lang="en-US" dirty="0">
-              <a:sym typeface="Wingdings" panose="05000000000000000000" pitchFamily="2" charset="2"/>
-            </a:endParaRPr>
-          </a:p>
-          <a:p>
-            <a:pPr lvl="1"/>
+              <a:t>a description of the goal of the function and its parameters </a:t>
+            </a:r>
+            <a:br>
+              <a:rPr lang="en-US" dirty="0"/>
+            </a:br>
+            <a:r>
+              <a:rPr lang="en-US" dirty="0"/>
+              <a:t>(e.g. : temperature given a town name)</a:t>
+            </a:r>
+          </a:p>
+          <a:p>
             <a:endParaRPr lang="en-US" dirty="0"/>
           </a:p>
         </p:txBody>
@@ -7047,7 +7937,7 @@
     </p:spTree>
     <p:extLst>
       <p:ext uri="{BB962C8B-B14F-4D97-AF65-F5344CB8AC3E}">
-        <p14:creationId xmlns:p14="http://schemas.microsoft.com/office/powerpoint/2010/main" val="803272294"/>
+        <p14:creationId xmlns:p14="http://schemas.microsoft.com/office/powerpoint/2010/main" val="1955413383"/>
       </p:ext>
     </p:extLst>
   </p:cSld>
@@ -7076,554 +7966,186 @@
       </p:grpSpPr>
       <p:sp>
         <p:nvSpPr>
-          <p:cNvPr id="2" name="Title 1">
-            <a:extLst>
-              <a:ext uri="{FF2B5EF4-FFF2-40B4-BE49-F238E27FC236}">
-                <a16:creationId xmlns:a16="http://schemas.microsoft.com/office/drawing/2014/main" id="{472CA6C5-D301-54EC-AECC-79D1CFECC62C}"/>
-              </a:ext>
-            </a:extLst>
-          </p:cNvPr>
-          <p:cNvSpPr>
-            <a:spLocks noGrp="1"/>
-          </p:cNvSpPr>
-          <p:nvPr>
-            <p:ph type="title"/>
-          </p:nvPr>
-        </p:nvSpPr>
-        <p:spPr/>
-        <p:txBody>
-          <a:bodyPr/>
-          <a:lstStyle/>
-          <a:p>
-            <a:r>
-              <a:rPr lang="en-US" dirty="0"/>
-              <a:t>Api design for function calling..  continue</a:t>
-            </a:r>
-          </a:p>
-        </p:txBody>
-      </p:sp>
-      <p:sp>
-        <p:nvSpPr>
-          <p:cNvPr id="3" name="Content Placeholder 2">
-            <a:extLst>
-              <a:ext uri="{FF2B5EF4-FFF2-40B4-BE49-F238E27FC236}">
-                <a16:creationId xmlns:a16="http://schemas.microsoft.com/office/drawing/2014/main" id="{50582BAB-C074-1583-004B-0E400A787E29}"/>
-              </a:ext>
-            </a:extLst>
-          </p:cNvPr>
-          <p:cNvSpPr>
-            <a:spLocks noGrp="1"/>
-          </p:cNvSpPr>
-          <p:nvPr>
-            <p:ph idx="1"/>
-          </p:nvPr>
-        </p:nvSpPr>
-        <p:spPr/>
-        <p:txBody>
-          <a:bodyPr>
-            <a:normAutofit lnSpcReduction="10000"/>
+          <p:cNvPr id="5" name="TextBox 4">
+            <a:extLst>
+              <a:ext uri="{FF2B5EF4-FFF2-40B4-BE49-F238E27FC236}">
+                <a16:creationId xmlns:a16="http://schemas.microsoft.com/office/drawing/2014/main" id="{215E1604-86AC-2490-62ED-4A5C351823E7}"/>
+              </a:ext>
+            </a:extLst>
+          </p:cNvPr>
+          <p:cNvSpPr txBox="1"/>
+          <p:nvPr/>
+        </p:nvSpPr>
+        <p:spPr>
+          <a:xfrm>
+            <a:off x="457200" y="427813"/>
+            <a:ext cx="11229474" cy="5078313"/>
+          </a:xfrm>
+          <a:prstGeom prst="rect">
+            <a:avLst/>
+          </a:prstGeom>
+          <a:noFill/>
+        </p:spPr>
+        <p:txBody>
+          <a:bodyPr wrap="square">
+            <a:spAutoFit/>
           </a:bodyPr>
           <a:lstStyle/>
           <a:p>
             <a:r>
-              <a:rPr lang="en-US" dirty="0">
-                <a:sym typeface="Wingdings" panose="05000000000000000000" pitchFamily="2" charset="2"/>
-              </a:rPr>
-              <a:t>Validate the input with care (fluent validation)</a:t>
-            </a:r>
-          </a:p>
-          <a:p>
-            <a:r>
-              <a:rPr lang="en-US" dirty="0">
-                <a:sym typeface="Wingdings" panose="05000000000000000000" pitchFamily="2" charset="2"/>
-              </a:rPr>
-              <a:t>Return errors in Json format, stating clearly each property having problem and the action to take</a:t>
-            </a:r>
-          </a:p>
-          <a:p>
-            <a:r>
-              <a:rPr lang="en-US" dirty="0">
-                <a:sym typeface="Wingdings" panose="05000000000000000000" pitchFamily="2" charset="2"/>
-              </a:rPr>
-              <a:t>Your validation code must be </a:t>
-            </a:r>
-            <a:r>
-              <a:rPr lang="en-US" dirty="0" err="1">
-                <a:sym typeface="Wingdings" panose="05000000000000000000" pitchFamily="2" charset="2"/>
-              </a:rPr>
-              <a:t>conversational,suggesting</a:t>
-            </a:r>
-            <a:r>
-              <a:rPr lang="en-US" dirty="0">
-                <a:sym typeface="Wingdings" panose="05000000000000000000" pitchFamily="2" charset="2"/>
-              </a:rPr>
-              <a:t> action to the chatbot,  e.g. : </a:t>
-            </a:r>
-          </a:p>
-          <a:p>
-            <a:pPr marL="0" indent="0">
-              <a:buNone/>
-            </a:pPr>
-            <a:r>
-              <a:rPr lang="en-US" sz="1100" dirty="0" err="1">
-                <a:solidFill>
-                  <a:srgbClr val="000000"/>
-                </a:solidFill>
-                <a:latin typeface="Courier New" panose="02070309020205020404" pitchFamily="49" charset="0"/>
-                <a:cs typeface="Courier New" panose="02070309020205020404" pitchFamily="49" charset="0"/>
-              </a:rPr>
-              <a:t>ret.Errors.Add</a:t>
-            </a:r>
-            <a:r>
-              <a:rPr lang="en-US" sz="1100" dirty="0">
-                <a:solidFill>
-                  <a:srgbClr val="000000"/>
-                </a:solidFill>
-                <a:latin typeface="Courier New" panose="02070309020205020404" pitchFamily="49" charset="0"/>
-                <a:cs typeface="Courier New" panose="02070309020205020404" pitchFamily="49" charset="0"/>
-              </a:rPr>
-              <a:t>(</a:t>
-            </a:r>
-            <a:r>
-              <a:rPr lang="en-US" sz="1100" dirty="0">
-                <a:solidFill>
-                  <a:srgbClr val="0000FF"/>
-                </a:solidFill>
-                <a:latin typeface="Courier New" panose="02070309020205020404" pitchFamily="49" charset="0"/>
-                <a:cs typeface="Courier New" panose="02070309020205020404" pitchFamily="49" charset="0"/>
-              </a:rPr>
-              <a:t>new</a:t>
-            </a:r>
-            <a:r>
-              <a:rPr lang="en-US" sz="1100" dirty="0">
-                <a:solidFill>
-                  <a:srgbClr val="000000"/>
-                </a:solidFill>
-                <a:latin typeface="Courier New" panose="02070309020205020404" pitchFamily="49" charset="0"/>
-                <a:cs typeface="Courier New" panose="02070309020205020404" pitchFamily="49" charset="0"/>
-              </a:rPr>
-              <a:t> </a:t>
-            </a:r>
-            <a:r>
-              <a:rPr lang="en-US" sz="1100" dirty="0" err="1">
-                <a:solidFill>
-                  <a:srgbClr val="000000"/>
-                </a:solidFill>
-                <a:latin typeface="Courier New" panose="02070309020205020404" pitchFamily="49" charset="0"/>
-                <a:cs typeface="Courier New" panose="02070309020205020404" pitchFamily="49" charset="0"/>
-              </a:rPr>
-              <a:t>ValidationFailure</a:t>
-            </a:r>
-            <a:r>
-              <a:rPr lang="en-US" sz="1100" dirty="0">
-                <a:solidFill>
-                  <a:srgbClr val="000000"/>
-                </a:solidFill>
-                <a:latin typeface="Courier New" panose="02070309020205020404" pitchFamily="49" charset="0"/>
-                <a:cs typeface="Courier New" panose="02070309020205020404" pitchFamily="49" charset="0"/>
-              </a:rPr>
-              <a:t>(</a:t>
-            </a:r>
-            <a:r>
-              <a:rPr lang="en-US" sz="1100" dirty="0" err="1">
-                <a:solidFill>
-                  <a:srgbClr val="000000"/>
-                </a:solidFill>
-                <a:latin typeface="Courier New" panose="02070309020205020404" pitchFamily="49" charset="0"/>
-                <a:cs typeface="Courier New" panose="02070309020205020404" pitchFamily="49" charset="0"/>
-              </a:rPr>
-              <a:t>propertyName</a:t>
-            </a:r>
-            <a:r>
-              <a:rPr lang="en-US" sz="1100" dirty="0">
-                <a:solidFill>
-                  <a:srgbClr val="000000"/>
-                </a:solidFill>
-                <a:latin typeface="Courier New" panose="02070309020205020404" pitchFamily="49" charset="0"/>
-                <a:cs typeface="Courier New" panose="02070309020205020404" pitchFamily="49" charset="0"/>
-              </a:rPr>
-              <a:t>,</a:t>
-            </a:r>
-          </a:p>
-          <a:p>
-            <a:pPr marL="0" indent="0">
-              <a:buNone/>
-            </a:pPr>
-            <a:r>
-              <a:rPr lang="en-US" sz="1100" dirty="0">
-                <a:solidFill>
-                  <a:srgbClr val="000000"/>
-                </a:solidFill>
-                <a:latin typeface="Courier New" panose="02070309020205020404" pitchFamily="49" charset="0"/>
-                <a:cs typeface="Courier New" panose="02070309020205020404" pitchFamily="49" charset="0"/>
-              </a:rPr>
-              <a:t>     (</a:t>
-            </a:r>
-            <a:r>
-              <a:rPr lang="en-US" sz="1100" dirty="0">
-                <a:solidFill>
-                  <a:srgbClr val="0000FF"/>
-                </a:solidFill>
-                <a:latin typeface="Courier New" panose="02070309020205020404" pitchFamily="49" charset="0"/>
-                <a:cs typeface="Courier New" panose="02070309020205020404" pitchFamily="49" charset="0"/>
-              </a:rPr>
-              <a:t>new</a:t>
-            </a:r>
-            <a:r>
-              <a:rPr lang="en-US" sz="1100" dirty="0">
-                <a:solidFill>
-                  <a:srgbClr val="000000"/>
-                </a:solidFill>
-                <a:latin typeface="Courier New" panose="02070309020205020404" pitchFamily="49" charset="0"/>
-                <a:cs typeface="Courier New" panose="02070309020205020404" pitchFamily="49" charset="0"/>
-              </a:rPr>
-              <a:t> </a:t>
-            </a:r>
-            <a:r>
-              <a:rPr lang="en-US" sz="1100" dirty="0" err="1">
-                <a:solidFill>
-                  <a:srgbClr val="000000"/>
-                </a:solidFill>
-                <a:latin typeface="Courier New" panose="02070309020205020404" pitchFamily="49" charset="0"/>
-                <a:cs typeface="Courier New" panose="02070309020205020404" pitchFamily="49" charset="0"/>
-              </a:rPr>
-              <a:t>ValidationErrorInfo</a:t>
-            </a:r>
-            <a:r>
-              <a:rPr lang="en-US" sz="1100" dirty="0">
-                <a:solidFill>
-                  <a:srgbClr val="000000"/>
-                </a:solidFill>
-                <a:latin typeface="Courier New" panose="02070309020205020404" pitchFamily="49" charset="0"/>
-                <a:cs typeface="Courier New" panose="02070309020205020404" pitchFamily="49" charset="0"/>
-              </a:rPr>
-              <a:t> { </a:t>
-            </a:r>
-            <a:r>
-              <a:rPr lang="en-US" sz="1100" dirty="0" err="1">
-                <a:solidFill>
-                  <a:srgbClr val="000000"/>
-                </a:solidFill>
-                <a:latin typeface="Courier New" panose="02070309020205020404" pitchFamily="49" charset="0"/>
-                <a:cs typeface="Courier New" panose="02070309020205020404" pitchFamily="49" charset="0"/>
-              </a:rPr>
-              <a:t>ErrorCode</a:t>
-            </a:r>
-            <a:r>
-              <a:rPr lang="en-US" sz="1100" dirty="0">
-                <a:solidFill>
-                  <a:srgbClr val="000000"/>
-                </a:solidFill>
-                <a:latin typeface="Courier New" panose="02070309020205020404" pitchFamily="49" charset="0"/>
-                <a:cs typeface="Courier New" panose="02070309020205020404" pitchFamily="49" charset="0"/>
-              </a:rPr>
-              <a:t> = </a:t>
-            </a:r>
-            <a:r>
-              <a:rPr lang="en-US" sz="1100" dirty="0">
-                <a:solidFill>
-                  <a:srgbClr val="A31515"/>
-                </a:solidFill>
-                <a:latin typeface="Courier New" panose="02070309020205020404" pitchFamily="49" charset="0"/>
-                <a:cs typeface="Courier New" panose="02070309020205020404" pitchFamily="49" charset="0"/>
-              </a:rPr>
-              <a:t>$"ambiguous value for </a:t>
-            </a:r>
-            <a:r>
-              <a:rPr lang="en-US" sz="1100" dirty="0">
-                <a:solidFill>
-                  <a:srgbClr val="000000"/>
-                </a:solidFill>
-                <a:latin typeface="Courier New" panose="02070309020205020404" pitchFamily="49" charset="0"/>
-                <a:cs typeface="Courier New" panose="02070309020205020404" pitchFamily="49" charset="0"/>
-              </a:rPr>
+              <a:rPr lang="en-US" dirty="0"/>
               <a:t>{</a:t>
             </a:r>
-            <a:r>
-              <a:rPr lang="en-US" sz="1100" dirty="0" err="1">
-                <a:solidFill>
-                  <a:srgbClr val="000000"/>
-                </a:solidFill>
-                <a:latin typeface="Courier New" panose="02070309020205020404" pitchFamily="49" charset="0"/>
-                <a:cs typeface="Courier New" panose="02070309020205020404" pitchFamily="49" charset="0"/>
-              </a:rPr>
-              <a:t>propertyName</a:t>
-            </a:r>
-            <a:r>
-              <a:rPr lang="en-US" sz="1100" dirty="0">
-                <a:solidFill>
-                  <a:srgbClr val="000000"/>
-                </a:solidFill>
-                <a:latin typeface="Courier New" panose="02070309020205020404" pitchFamily="49" charset="0"/>
-                <a:cs typeface="Courier New" panose="02070309020205020404" pitchFamily="49" charset="0"/>
-              </a:rPr>
-              <a:t>}</a:t>
-            </a:r>
-            <a:r>
-              <a:rPr lang="en-US" sz="1100" dirty="0">
-                <a:solidFill>
-                  <a:srgbClr val="A31515"/>
-                </a:solidFill>
-                <a:latin typeface="Courier New" panose="02070309020205020404" pitchFamily="49" charset="0"/>
-                <a:cs typeface="Courier New" panose="02070309020205020404" pitchFamily="49" charset="0"/>
-              </a:rPr>
-              <a:t>"</a:t>
-            </a:r>
-            <a:endParaRPr lang="en-US" sz="1100" dirty="0">
-              <a:solidFill>
-                <a:srgbClr val="000000"/>
-              </a:solidFill>
-              <a:latin typeface="Courier New" panose="02070309020205020404" pitchFamily="49" charset="0"/>
-              <a:cs typeface="Courier New" panose="02070309020205020404" pitchFamily="49" charset="0"/>
-            </a:endParaRPr>
-          </a:p>
-          <a:p>
-            <a:pPr marL="0" indent="0">
-              <a:buNone/>
-            </a:pPr>
-            <a:r>
-              <a:rPr lang="en-US" sz="1100" dirty="0">
-                <a:solidFill>
-                  <a:srgbClr val="000000"/>
-                </a:solidFill>
-                <a:latin typeface="Courier New" panose="02070309020205020404" pitchFamily="49" charset="0"/>
-                <a:cs typeface="Courier New" panose="02070309020205020404" pitchFamily="49" charset="0"/>
-              </a:rPr>
-              <a:t>         </a:t>
-            </a:r>
-            <a:r>
-              <a:rPr lang="en-US" sz="1100" dirty="0" err="1">
-                <a:solidFill>
-                  <a:srgbClr val="000000"/>
-                </a:solidFill>
-                <a:latin typeface="Courier New" panose="02070309020205020404" pitchFamily="49" charset="0"/>
-                <a:cs typeface="Courier New" panose="02070309020205020404" pitchFamily="49" charset="0"/>
-              </a:rPr>
-              <a:t>AssistantAction</a:t>
-            </a:r>
-            <a:r>
-              <a:rPr lang="en-US" sz="1100" dirty="0">
-                <a:solidFill>
-                  <a:srgbClr val="000000"/>
-                </a:solidFill>
-                <a:latin typeface="Courier New" panose="02070309020205020404" pitchFamily="49" charset="0"/>
-                <a:cs typeface="Courier New" panose="02070309020205020404" pitchFamily="49" charset="0"/>
-              </a:rPr>
-              <a:t> = </a:t>
-            </a:r>
-            <a:r>
-              <a:rPr lang="en-US" sz="1100" dirty="0">
-                <a:solidFill>
-                  <a:srgbClr val="A31515"/>
-                </a:solidFill>
-                <a:latin typeface="Courier New" panose="02070309020205020404" pitchFamily="49" charset="0"/>
-                <a:cs typeface="Courier New" panose="02070309020205020404" pitchFamily="49" charset="0"/>
-              </a:rPr>
-              <a:t>$"reply to the user with these exact words: \"choose among the following values for </a:t>
-            </a:r>
-            <a:r>
-              <a:rPr lang="en-US" sz="1100" dirty="0">
-                <a:solidFill>
-                  <a:srgbClr val="000000"/>
-                </a:solidFill>
-                <a:latin typeface="Courier New" panose="02070309020205020404" pitchFamily="49" charset="0"/>
-                <a:cs typeface="Courier New" panose="02070309020205020404" pitchFamily="49" charset="0"/>
-              </a:rPr>
-              <a:t>{</a:t>
-            </a:r>
-            <a:r>
-              <a:rPr lang="en-US" sz="1100" dirty="0" err="1">
-                <a:solidFill>
-                  <a:srgbClr val="000000"/>
-                </a:solidFill>
-                <a:latin typeface="Courier New" panose="02070309020205020404" pitchFamily="49" charset="0"/>
-                <a:cs typeface="Courier New" panose="02070309020205020404" pitchFamily="49" charset="0"/>
-              </a:rPr>
-              <a:t>propertyName</a:t>
-            </a:r>
-            <a:r>
-              <a:rPr lang="en-US" sz="1100" dirty="0">
-                <a:solidFill>
-                  <a:srgbClr val="000000"/>
-                </a:solidFill>
-                <a:latin typeface="Courier New" panose="02070309020205020404" pitchFamily="49" charset="0"/>
-                <a:cs typeface="Courier New" panose="02070309020205020404" pitchFamily="49" charset="0"/>
-              </a:rPr>
-              <a:t>}</a:t>
-            </a:r>
-            <a:r>
-              <a:rPr lang="en-US" sz="1100" dirty="0">
-                <a:solidFill>
-                  <a:srgbClr val="A31515"/>
-                </a:solidFill>
-                <a:latin typeface="Courier New" panose="02070309020205020404" pitchFamily="49" charset="0"/>
-                <a:cs typeface="Courier New" panose="02070309020205020404" pitchFamily="49" charset="0"/>
-              </a:rPr>
-              <a:t> : </a:t>
-            </a:r>
-            <a:r>
-              <a:rPr lang="en-US" sz="1100" dirty="0">
-                <a:solidFill>
-                  <a:srgbClr val="000000"/>
-                </a:solidFill>
-                <a:latin typeface="Courier New" panose="02070309020205020404" pitchFamily="49" charset="0"/>
-                <a:cs typeface="Courier New" panose="02070309020205020404" pitchFamily="49" charset="0"/>
-              </a:rPr>
-              <a:t>{</a:t>
-            </a:r>
-            <a:r>
-              <a:rPr lang="en-US" sz="1100" dirty="0" err="1">
-                <a:solidFill>
-                  <a:srgbClr val="0000FF"/>
-                </a:solidFill>
-                <a:latin typeface="Courier New" panose="02070309020205020404" pitchFamily="49" charset="0"/>
-                <a:cs typeface="Courier New" panose="02070309020205020404" pitchFamily="49" charset="0"/>
-              </a:rPr>
-              <a:t>string</a:t>
-            </a:r>
-            <a:r>
-              <a:rPr lang="en-US" sz="1100" dirty="0" err="1">
-                <a:solidFill>
-                  <a:srgbClr val="000000"/>
-                </a:solidFill>
-                <a:latin typeface="Courier New" panose="02070309020205020404" pitchFamily="49" charset="0"/>
-                <a:cs typeface="Courier New" panose="02070309020205020404" pitchFamily="49" charset="0"/>
-              </a:rPr>
-              <a:t>.Join</a:t>
-            </a:r>
-            <a:r>
-              <a:rPr lang="en-US" sz="1100" dirty="0">
-                <a:solidFill>
-                  <a:srgbClr val="000000"/>
-                </a:solidFill>
-                <a:latin typeface="Courier New" panose="02070309020205020404" pitchFamily="49" charset="0"/>
-                <a:cs typeface="Courier New" panose="02070309020205020404" pitchFamily="49" charset="0"/>
-              </a:rPr>
-              <a:t>(</a:t>
-            </a:r>
-            <a:r>
-              <a:rPr lang="en-US" sz="1100" dirty="0">
-                <a:solidFill>
-                  <a:srgbClr val="A31515"/>
-                </a:solidFill>
-                <a:latin typeface="Courier New" panose="02070309020205020404" pitchFamily="49" charset="0"/>
-                <a:cs typeface="Courier New" panose="02070309020205020404" pitchFamily="49" charset="0"/>
-              </a:rPr>
-              <a:t>','</a:t>
-            </a:r>
-            <a:r>
-              <a:rPr lang="en-US" sz="1100" dirty="0">
-                <a:solidFill>
-                  <a:srgbClr val="000000"/>
-                </a:solidFill>
-                <a:latin typeface="Courier New" panose="02070309020205020404" pitchFamily="49" charset="0"/>
-                <a:cs typeface="Courier New" panose="02070309020205020404" pitchFamily="49" charset="0"/>
-              </a:rPr>
-              <a:t>,</a:t>
-            </a:r>
-            <a:r>
-              <a:rPr lang="en-US" sz="1100" dirty="0" err="1">
-                <a:solidFill>
-                  <a:srgbClr val="000000"/>
-                </a:solidFill>
-                <a:latin typeface="Courier New" panose="02070309020205020404" pitchFamily="49" charset="0"/>
-                <a:cs typeface="Courier New" panose="02070309020205020404" pitchFamily="49" charset="0"/>
-              </a:rPr>
-              <a:t>candidatePorts.Take</a:t>
-            </a:r>
-            <a:r>
-              <a:rPr lang="en-US" sz="1100" dirty="0">
-                <a:solidFill>
-                  <a:srgbClr val="000000"/>
-                </a:solidFill>
-                <a:latin typeface="Courier New" panose="02070309020205020404" pitchFamily="49" charset="0"/>
-                <a:cs typeface="Courier New" panose="02070309020205020404" pitchFamily="49" charset="0"/>
-              </a:rPr>
-              <a:t>(5).Select(</a:t>
-            </a:r>
-            <a:r>
-              <a:rPr lang="en-US" sz="1100" dirty="0" err="1">
-                <a:solidFill>
-                  <a:srgbClr val="000000"/>
-                </a:solidFill>
-                <a:latin typeface="Courier New" panose="02070309020205020404" pitchFamily="49" charset="0"/>
-                <a:cs typeface="Courier New" panose="02070309020205020404" pitchFamily="49" charset="0"/>
-              </a:rPr>
-              <a:t>FormatPort</a:t>
-            </a:r>
-            <a:r>
-              <a:rPr lang="en-US" sz="1100" dirty="0">
-                <a:solidFill>
-                  <a:srgbClr val="000000"/>
-                </a:solidFill>
-                <a:latin typeface="Courier New" panose="02070309020205020404" pitchFamily="49" charset="0"/>
-                <a:cs typeface="Courier New" panose="02070309020205020404" pitchFamily="49" charset="0"/>
-              </a:rPr>
-              <a:t>))}</a:t>
-            </a:r>
-            <a:r>
-              <a:rPr lang="en-US" sz="1100" dirty="0">
-                <a:solidFill>
-                  <a:srgbClr val="A31515"/>
-                </a:solidFill>
-                <a:latin typeface="Courier New" panose="02070309020205020404" pitchFamily="49" charset="0"/>
-                <a:cs typeface="Courier New" panose="02070309020205020404" pitchFamily="49" charset="0"/>
-              </a:rPr>
-              <a:t>\"" </a:t>
-            </a:r>
-            <a:r>
-              <a:rPr lang="en-US" sz="1100" dirty="0">
-                <a:solidFill>
-                  <a:srgbClr val="000000"/>
-                </a:solidFill>
-                <a:latin typeface="Courier New" panose="02070309020205020404" pitchFamily="49" charset="0"/>
-                <a:cs typeface="Courier New" panose="02070309020205020404" pitchFamily="49" charset="0"/>
-              </a:rPr>
-              <a:t>}.</a:t>
-            </a:r>
-            <a:r>
-              <a:rPr lang="en-US" sz="1100" dirty="0" err="1">
-                <a:solidFill>
-                  <a:srgbClr val="000000"/>
-                </a:solidFill>
-                <a:latin typeface="Courier New" panose="02070309020205020404" pitchFamily="49" charset="0"/>
-                <a:cs typeface="Courier New" panose="02070309020205020404" pitchFamily="49" charset="0"/>
-              </a:rPr>
-              <a:t>ToJson</a:t>
-            </a:r>
-            <a:r>
-              <a:rPr lang="en-US" sz="1100" dirty="0">
-                <a:solidFill>
-                  <a:srgbClr val="000000"/>
-                </a:solidFill>
-                <a:latin typeface="Courier New" panose="02070309020205020404" pitchFamily="49" charset="0"/>
-                <a:cs typeface="Courier New" panose="02070309020205020404" pitchFamily="49" charset="0"/>
-              </a:rPr>
-              <a:t>())));</a:t>
-            </a:r>
-          </a:p>
-          <a:p>
-            <a:endParaRPr lang="en-US" dirty="0">
-              <a:sym typeface="Wingdings" panose="05000000000000000000" pitchFamily="2" charset="2"/>
-            </a:endParaRPr>
-          </a:p>
-          <a:p>
-            <a:r>
-              <a:rPr lang="en-US" dirty="0">
-                <a:sym typeface="Wingdings" panose="05000000000000000000" pitchFamily="2" charset="2"/>
-              </a:rPr>
-              <a:t>Given this requirements the api you target the call will be likely a proxy to an actual existing api. </a:t>
-            </a:r>
-          </a:p>
-          <a:p>
-            <a:endParaRPr lang="en-US" dirty="0"/>
+          </a:p>
+          <a:p>
+            <a:r>
+              <a:rPr lang="en-US" dirty="0"/>
+              <a:t>        "type": "function",</a:t>
+            </a:r>
+          </a:p>
+          <a:p>
+            <a:r>
+              <a:rPr lang="en-US" dirty="0"/>
+              <a:t>        "function": {</a:t>
+            </a:r>
+          </a:p>
+          <a:p>
+            <a:r>
+              <a:rPr lang="en-US" dirty="0"/>
+              <a:t>            "name": "get-weather",</a:t>
+            </a:r>
+          </a:p>
+          <a:p>
+            <a:r>
+              <a:rPr lang="en-US" i="1" dirty="0">
+                <a:highlight>
+                  <a:srgbClr val="FFFF00"/>
+                </a:highlight>
+              </a:rPr>
+              <a:t>            "description": "Get the current weather",</a:t>
+            </a:r>
+          </a:p>
+          <a:p>
+            <a:r>
+              <a:rPr lang="en-US" dirty="0"/>
+              <a:t>            "parameters": {</a:t>
+            </a:r>
+          </a:p>
+          <a:p>
+            <a:r>
+              <a:rPr lang="en-US" dirty="0"/>
+              <a:t>                "type": "object",</a:t>
+            </a:r>
+          </a:p>
+          <a:p>
+            <a:r>
+              <a:rPr lang="en-US" dirty="0"/>
+              <a:t>                "properties": {</a:t>
+            </a:r>
+          </a:p>
+          <a:p>
+            <a:r>
+              <a:rPr lang="en-US" dirty="0"/>
+              <a:t>                    "location": {</a:t>
+            </a:r>
+          </a:p>
+          <a:p>
+            <a:r>
+              <a:rPr lang="en-US" dirty="0"/>
+              <a:t>                        "type": "string",</a:t>
+            </a:r>
+          </a:p>
+          <a:p>
+            <a:r>
+              <a:rPr lang="en-US" i="1" dirty="0">
+                <a:highlight>
+                  <a:srgbClr val="FFFF00"/>
+                </a:highlight>
+              </a:rPr>
+              <a:t>                        "description": "The city or state the user want to know the current weather. IMPORTANT : Assistant must ask the user a value for location if not provided in the conversation. Assistant MUST NOT make up one",</a:t>
+            </a:r>
+          </a:p>
+          <a:p>
+            <a:r>
+              <a:rPr lang="en-US" dirty="0"/>
+              <a:t>                    }</a:t>
+            </a:r>
+          </a:p>
+          <a:p>
+            <a:r>
+              <a:rPr lang="en-US" dirty="0"/>
+              <a:t>                },</a:t>
+            </a:r>
+          </a:p>
+          <a:p>
+            <a:r>
+              <a:rPr lang="en-US" i="1" dirty="0">
+                <a:highlight>
+                  <a:srgbClr val="FFFF00"/>
+                </a:highlight>
+              </a:rPr>
+              <a:t>                "required": ["location"]</a:t>
+            </a:r>
+          </a:p>
+          <a:p>
+            <a:r>
+              <a:rPr lang="en-US" dirty="0"/>
+              <a:t>            },</a:t>
+            </a:r>
+          </a:p>
+          <a:p>
+            <a:r>
+              <a:rPr lang="en-US" dirty="0"/>
+              <a:t>        }</a:t>
+            </a:r>
+          </a:p>
+          <a:p>
+            <a:r>
+              <a:rPr lang="en-US" dirty="0"/>
+              <a:t>    },</a:t>
+            </a:r>
+          </a:p>
+        </p:txBody>
+      </p:sp>
+      <p:sp>
+        <p:nvSpPr>
+          <p:cNvPr id="2" name="TextBox 1">
+            <a:extLst>
+              <a:ext uri="{FF2B5EF4-FFF2-40B4-BE49-F238E27FC236}">
+                <a16:creationId xmlns:a16="http://schemas.microsoft.com/office/drawing/2014/main" id="{11FF27F2-3810-9393-5046-13F258796858}"/>
+              </a:ext>
+            </a:extLst>
+          </p:cNvPr>
+          <p:cNvSpPr txBox="1"/>
+          <p:nvPr/>
+        </p:nvSpPr>
+        <p:spPr>
+          <a:xfrm>
+            <a:off x="950976" y="5678424"/>
+            <a:ext cx="5259197" cy="369332"/>
+          </a:xfrm>
+          <a:prstGeom prst="rect">
+            <a:avLst/>
+          </a:prstGeom>
+          <a:noFill/>
+        </p:spPr>
+        <p:txBody>
+          <a:bodyPr wrap="none" rtlCol="0">
+            <a:spAutoFit/>
+          </a:bodyPr>
+          <a:lstStyle/>
+          <a:p>
+            <a:r>
+              <a:rPr lang="en-US" dirty="0"/>
+              <a:t>Note: no need to document the corresponding output</a:t>
+            </a:r>
           </a:p>
         </p:txBody>
       </p:sp>
     </p:spTree>
     <p:extLst>
       <p:ext uri="{BB962C8B-B14F-4D97-AF65-F5344CB8AC3E}">
-        <p14:creationId xmlns:p14="http://schemas.microsoft.com/office/powerpoint/2010/main" val="2234336054"/>
+        <p14:creationId xmlns:p14="http://schemas.microsoft.com/office/powerpoint/2010/main" val="1156657161"/>
       </p:ext>
     </p:extLst>
   </p:cSld>
@@ -7655,7 +8177,7 @@
           <p:cNvPr id="2" name="Title 1">
             <a:extLst>
               <a:ext uri="{FF2B5EF4-FFF2-40B4-BE49-F238E27FC236}">
-                <a16:creationId xmlns:a16="http://schemas.microsoft.com/office/drawing/2014/main" id="{738CD57D-70E7-1BDF-4AB1-754912A38D39}"/>
+                <a16:creationId xmlns:a16="http://schemas.microsoft.com/office/drawing/2014/main" id="{1BF0F279-FD6F-A0A5-EE22-087CDD2F029D}"/>
               </a:ext>
             </a:extLst>
           </p:cNvPr>
@@ -7673,7 +8195,7 @@
           <a:p>
             <a:r>
               <a:rPr lang="en-US" dirty="0"/>
-              <a:t>gotchas</a:t>
+              <a:t>What is function calling.. continue</a:t>
             </a:r>
           </a:p>
         </p:txBody>
@@ -7683,7 +8205,7 @@
           <p:cNvPr id="3" name="Content Placeholder 2">
             <a:extLst>
               <a:ext uri="{FF2B5EF4-FFF2-40B4-BE49-F238E27FC236}">
-                <a16:creationId xmlns:a16="http://schemas.microsoft.com/office/drawing/2014/main" id="{5D6012E5-8589-D8A0-5999-F8C417FFAA30}"/>
+                <a16:creationId xmlns:a16="http://schemas.microsoft.com/office/drawing/2014/main" id="{24CEE839-23F8-C9A4-B89C-22402DEE7AB6}"/>
               </a:ext>
             </a:extLst>
           </p:cNvPr>
@@ -7701,19 +8223,42 @@
           <a:p>
             <a:r>
               <a:rPr lang="en-US" dirty="0"/>
-              <a:t>The AI sometime make up parameters (e.g. : email)</a:t>
-            </a:r>
-          </a:p>
-          <a:p>
-            <a:r>
-              <a:rPr lang="en-US" dirty="0"/>
-              <a:t>Put up a good system message</a:t>
-            </a:r>
-          </a:p>
-          <a:p>
-            <a:r>
-              <a:rPr lang="en-US" dirty="0"/>
-              <a:t>Do not expect that required setting is always respected for the properties</a:t>
+              <a:t>The AI tries to </a:t>
+            </a:r>
+            <a:r>
+              <a:rPr lang="en-US" b="1" i="1" dirty="0"/>
+              <a:t>match the intent </a:t>
+            </a:r>
+            <a:r>
+              <a:rPr lang="en-US" dirty="0"/>
+              <a:t>of the user with a function and its parameters. </a:t>
+            </a:r>
+          </a:p>
+          <a:p>
+            <a:pPr lvl="1"/>
+            <a:r>
+              <a:rPr lang="en-US" dirty="0"/>
+              <a:t>If user intent match a function but some parameters are missing the AI "should" ask for the missing values </a:t>
+            </a:r>
+          </a:p>
+          <a:p>
+            <a:r>
+              <a:rPr lang="en-US" dirty="0"/>
+              <a:t>When the AI reply with a </a:t>
+            </a:r>
+            <a:r>
+              <a:rPr lang="en-US" i="1" dirty="0"/>
+              <a:t>function call</a:t>
+            </a:r>
+            <a:r>
+              <a:rPr lang="en-US" dirty="0"/>
+              <a:t>, our code will call the api with the provided Json.</a:t>
+            </a:r>
+          </a:p>
+          <a:p>
+            <a:r>
+              <a:rPr lang="en-US" dirty="0"/>
+              <a:t>The Json reply from the api call must then be passed to ChatGPT that will make up a human readable reply from the provided Json</a:t>
             </a:r>
           </a:p>
           <a:p>
@@ -7724,7 +8269,7 @@
     </p:spTree>
     <p:extLst>
       <p:ext uri="{BB962C8B-B14F-4D97-AF65-F5344CB8AC3E}">
-        <p14:creationId xmlns:p14="http://schemas.microsoft.com/office/powerpoint/2010/main" val="3032493198"/>
+        <p14:creationId xmlns:p14="http://schemas.microsoft.com/office/powerpoint/2010/main" val="4086392512"/>
       </p:ext>
     </p:extLst>
   </p:cSld>

--- a/Function calling.pptx
+++ b/Function calling.pptx
@@ -6,24 +6,18 @@
   </p:sldMasterIdLst>
   <p:sldIdLst>
     <p:sldId id="256" r:id="rId2"/>
-    <p:sldId id="270" r:id="rId3"/>
-    <p:sldId id="271" r:id="rId4"/>
-    <p:sldId id="272" r:id="rId5"/>
-    <p:sldId id="269" r:id="rId6"/>
-    <p:sldId id="257" r:id="rId7"/>
-    <p:sldId id="258" r:id="rId8"/>
-    <p:sldId id="263" r:id="rId9"/>
-    <p:sldId id="273" r:id="rId10"/>
-    <p:sldId id="265" r:id="rId11"/>
-    <p:sldId id="274" r:id="rId12"/>
-    <p:sldId id="259" r:id="rId13"/>
-    <p:sldId id="261" r:id="rId14"/>
-    <p:sldId id="260" r:id="rId15"/>
-    <p:sldId id="264" r:id="rId16"/>
-    <p:sldId id="266" r:id="rId17"/>
-    <p:sldId id="267" r:id="rId18"/>
-    <p:sldId id="268" r:id="rId19"/>
-    <p:sldId id="262" r:id="rId20"/>
+    <p:sldId id="257" r:id="rId3"/>
+    <p:sldId id="258" r:id="rId4"/>
+    <p:sldId id="263" r:id="rId5"/>
+    <p:sldId id="265" r:id="rId6"/>
+    <p:sldId id="259" r:id="rId7"/>
+    <p:sldId id="261" r:id="rId8"/>
+    <p:sldId id="260" r:id="rId9"/>
+    <p:sldId id="264" r:id="rId10"/>
+    <p:sldId id="266" r:id="rId11"/>
+    <p:sldId id="267" r:id="rId12"/>
+    <p:sldId id="268" r:id="rId13"/>
+    <p:sldId id="262" r:id="rId14"/>
   </p:sldIdLst>
   <p:sldSz cx="12192000" cy="6858000"/>
   <p:notesSz cx="6858000" cy="9144000"/>
@@ -3407,24 +3401,14 @@
             <p:ph type="ctrTitle"/>
           </p:nvPr>
         </p:nvSpPr>
-        <p:spPr>
-          <a:xfrm>
-            <a:off x="1524000" y="3668401"/>
-            <a:ext cx="9144000" cy="548649"/>
-          </a:xfrm>
-        </p:spPr>
-        <p:txBody>
-          <a:bodyPr>
-            <a:normAutofit fontScale="90000"/>
-          </a:bodyPr>
-          <a:lstStyle/>
-          <a:p>
-            <a:br>
+        <p:spPr/>
+        <p:txBody>
+          <a:bodyPr/>
+          <a:lstStyle/>
+          <a:p>
+            <a:r>
               <a:rPr lang="en-US" dirty="0"/>
-            </a:br>
-            <a:r>
-              <a:rPr lang="en-US" sz="2800" dirty="0"/>
-              <a:t>"Copilot on steroids"</a:t>
+              <a:t>Function calling</a:t>
             </a:r>
           </a:p>
         </p:txBody>
@@ -3445,12 +3429,7 @@
             <p:ph type="subTitle" idx="1"/>
           </p:nvPr>
         </p:nvSpPr>
-        <p:spPr>
-          <a:xfrm>
-            <a:off x="1641446" y="4429919"/>
-            <a:ext cx="9144000" cy="1655762"/>
-          </a:xfrm>
-        </p:spPr>
+        <p:spPr/>
         <p:txBody>
           <a:bodyPr/>
           <a:lstStyle/>
@@ -3458,63 +3437,6 @@
             <a:r>
               <a:rPr lang="en-US" dirty="0"/>
               <a:t>enrico sabbadin</a:t>
-            </a:r>
-          </a:p>
-        </p:txBody>
-      </p:sp>
-      <p:sp>
-        <p:nvSpPr>
-          <p:cNvPr id="4" name="Title 1">
-            <a:extLst>
-              <a:ext uri="{FF2B5EF4-FFF2-40B4-BE49-F238E27FC236}">
-                <a16:creationId xmlns:a16="http://schemas.microsoft.com/office/drawing/2014/main" id="{16A2EA26-143A-24EF-70D7-F5C151DAB9C5}"/>
-              </a:ext>
-            </a:extLst>
-          </p:cNvPr>
-          <p:cNvSpPr txBox="1">
-            <a:spLocks/>
-          </p:cNvSpPr>
-          <p:nvPr/>
-        </p:nvSpPr>
-        <p:spPr>
-          <a:xfrm>
-            <a:off x="1407953" y="1623068"/>
-            <a:ext cx="9144000" cy="2045333"/>
-          </a:xfrm>
-          <a:prstGeom prst="rect">
-            <a:avLst/>
-          </a:prstGeom>
-        </p:spPr>
-        <p:txBody>
-          <a:bodyPr vert="horz" lIns="91440" tIns="45720" rIns="91440" bIns="45720" rtlCol="0" anchor="b">
-            <a:noAutofit/>
-          </a:bodyPr>
-          <a:lstStyle>
-            <a:lvl1pPr algn="ctr" defTabSz="914400" rtl="0" eaLnBrk="1" latinLnBrk="0" hangingPunct="1">
-              <a:lnSpc>
-                <a:spcPct val="90000"/>
-              </a:lnSpc>
-              <a:spcBef>
-                <a:spcPct val="0"/>
-              </a:spcBef>
-              <a:buNone/>
-              <a:defRPr sz="6000" kern="1200">
-                <a:solidFill>
-                  <a:schemeClr val="tx1"/>
-                </a:solidFill>
-                <a:latin typeface="+mj-lt"/>
-                <a:ea typeface="+mj-ea"/>
-                <a:cs typeface="+mj-cs"/>
-              </a:defRPr>
-            </a:lvl1pPr>
-          </a:lstStyle>
-          <a:p>
-            <a:br>
-              <a:rPr lang="en-US" sz="4800" dirty="0"/>
-            </a:br>
-            <a:r>
-              <a:rPr lang="en-US" sz="4800" dirty="0"/>
-              <a:t>Give a conversational interface to your enterprise API using ChatGPT and tools/function calling</a:t>
             </a:r>
           </a:p>
         </p:txBody>
@@ -3533,6 +3455,1171 @@
 </file>
 
 <file path=ppt/slides/slide10.xml><?xml version="1.0" encoding="utf-8"?>
+<p:sld xmlns:a="http://schemas.openxmlformats.org/drawingml/2006/main" xmlns:r="http://schemas.openxmlformats.org/officeDocument/2006/relationships" xmlns:p="http://schemas.openxmlformats.org/presentationml/2006/main">
+  <p:cSld>
+    <p:spTree>
+      <p:nvGrpSpPr>
+        <p:cNvPr id="1" name=""/>
+        <p:cNvGrpSpPr/>
+        <p:nvPr/>
+      </p:nvGrpSpPr>
+      <p:grpSpPr>
+        <a:xfrm>
+          <a:off x="0" y="0"/>
+          <a:ext cx="0" cy="0"/>
+          <a:chOff x="0" y="0"/>
+          <a:chExt cx="0" cy="0"/>
+        </a:xfrm>
+      </p:grpSpPr>
+      <p:sp>
+        <p:nvSpPr>
+          <p:cNvPr id="2" name="Title 1">
+            <a:extLst>
+              <a:ext uri="{FF2B5EF4-FFF2-40B4-BE49-F238E27FC236}">
+                <a16:creationId xmlns:a16="http://schemas.microsoft.com/office/drawing/2014/main" id="{34C99798-D831-0741-2031-6CC6E08DD38F}"/>
+              </a:ext>
+            </a:extLst>
+          </p:cNvPr>
+          <p:cNvSpPr>
+            <a:spLocks noGrp="1"/>
+          </p:cNvSpPr>
+          <p:nvPr>
+            <p:ph type="title"/>
+          </p:nvPr>
+        </p:nvSpPr>
+        <p:spPr/>
+        <p:txBody>
+          <a:bodyPr/>
+          <a:lstStyle/>
+          <a:p>
+            <a:r>
+              <a:rPr lang="en-US" dirty="0"/>
+              <a:t>Tools-calls</a:t>
+            </a:r>
+          </a:p>
+        </p:txBody>
+      </p:sp>
+      <p:sp>
+        <p:nvSpPr>
+          <p:cNvPr id="3" name="Content Placeholder 2">
+            <a:extLst>
+              <a:ext uri="{FF2B5EF4-FFF2-40B4-BE49-F238E27FC236}">
+                <a16:creationId xmlns:a16="http://schemas.microsoft.com/office/drawing/2014/main" id="{68F51F98-4A09-C940-F5F3-B7703CD32365}"/>
+              </a:ext>
+            </a:extLst>
+          </p:cNvPr>
+          <p:cNvSpPr>
+            <a:spLocks noGrp="1"/>
+          </p:cNvSpPr>
+          <p:nvPr>
+            <p:ph idx="1"/>
+          </p:nvPr>
+        </p:nvSpPr>
+        <p:spPr/>
+        <p:txBody>
+          <a:bodyPr/>
+          <a:lstStyle/>
+          <a:p>
+            <a:r>
+              <a:rPr lang="en-US" dirty="0"/>
+              <a:t>gpt-3.5 1106 and gpt-4 1106 have made Function calls "deprecated": they have become a possible </a:t>
+            </a:r>
+            <a:r>
+              <a:rPr lang="en-US" i="1" dirty="0"/>
+              <a:t>tool-type</a:t>
+            </a:r>
+            <a:r>
+              <a:rPr lang="en-US" dirty="0"/>
+              <a:t> value for tools-calls</a:t>
+            </a:r>
+          </a:p>
+          <a:p>
+            <a:r>
+              <a:rPr lang="en-US" dirty="0"/>
+              <a:t>Tools are an abstraction to accommodate different "external data sources" </a:t>
+            </a:r>
+          </a:p>
+          <a:p>
+            <a:pPr lvl="1"/>
+            <a:r>
+              <a:rPr lang="en-US" dirty="0"/>
+              <a:t>Currently "function" is the only tool type supported</a:t>
+            </a:r>
+          </a:p>
+          <a:p>
+            <a:pPr lvl="1"/>
+            <a:r>
+              <a:rPr lang="en-US" dirty="0"/>
+              <a:t>Chatgpt can return reply with more than one tool call</a:t>
+            </a:r>
+          </a:p>
+          <a:p>
+            <a:r>
+              <a:rPr lang="en-US" dirty="0"/>
+              <a:t>Assistant api have similar concept of tools but support more: Functions, Code interpreter, Knowledge Retrieval</a:t>
+            </a:r>
+          </a:p>
+          <a:p>
+            <a:pPr lvl="1"/>
+            <a:r>
+              <a:rPr lang="en-US" dirty="0"/>
+              <a:t>Still in beta, deserve a dedicated session</a:t>
+            </a:r>
+          </a:p>
+          <a:p>
+            <a:pPr lvl="1"/>
+            <a:endParaRPr lang="en-US" dirty="0"/>
+          </a:p>
+        </p:txBody>
+      </p:sp>
+    </p:spTree>
+    <p:extLst>
+      <p:ext uri="{BB962C8B-B14F-4D97-AF65-F5344CB8AC3E}">
+        <p14:creationId xmlns:p14="http://schemas.microsoft.com/office/powerpoint/2010/main" val="1466022549"/>
+      </p:ext>
+    </p:extLst>
+  </p:cSld>
+  <p:clrMapOvr>
+    <a:masterClrMapping/>
+  </p:clrMapOvr>
+</p:sld>
+</file>
+
+<file path=ppt/slides/slide11.xml><?xml version="1.0" encoding="utf-8"?>
+<p:sld xmlns:a="http://schemas.openxmlformats.org/drawingml/2006/main" xmlns:r="http://schemas.openxmlformats.org/officeDocument/2006/relationships" xmlns:p="http://schemas.openxmlformats.org/presentationml/2006/main">
+  <p:cSld>
+    <p:spTree>
+      <p:nvGrpSpPr>
+        <p:cNvPr id="1" name=""/>
+        <p:cNvGrpSpPr/>
+        <p:nvPr/>
+      </p:nvGrpSpPr>
+      <p:grpSpPr>
+        <a:xfrm>
+          <a:off x="0" y="0"/>
+          <a:ext cx="0" cy="0"/>
+          <a:chOff x="0" y="0"/>
+          <a:chExt cx="0" cy="0"/>
+        </a:xfrm>
+      </p:grpSpPr>
+      <p:sp>
+        <p:nvSpPr>
+          <p:cNvPr id="3" name="Content Placeholder 2">
+            <a:extLst>
+              <a:ext uri="{FF2B5EF4-FFF2-40B4-BE49-F238E27FC236}">
+                <a16:creationId xmlns:a16="http://schemas.microsoft.com/office/drawing/2014/main" id="{962A1F63-26DC-0AF6-E788-C9BDEA11A97E}"/>
+              </a:ext>
+            </a:extLst>
+          </p:cNvPr>
+          <p:cNvSpPr>
+            <a:spLocks noGrp="1"/>
+          </p:cNvSpPr>
+          <p:nvPr>
+            <p:ph idx="1"/>
+          </p:nvPr>
+        </p:nvSpPr>
+        <p:spPr>
+          <a:xfrm>
+            <a:off x="536448" y="115696"/>
+            <a:ext cx="11497056" cy="6413119"/>
+          </a:xfrm>
+        </p:spPr>
+        <p:txBody>
+          <a:bodyPr>
+            <a:noAutofit/>
+          </a:bodyPr>
+          <a:lstStyle/>
+          <a:p>
+            <a:pPr marL="0" indent="0">
+              <a:buNone/>
+            </a:pPr>
+            <a:r>
+              <a:rPr lang="en-US" sz="1800" dirty="0"/>
+              <a:t>tools = [     {</a:t>
+            </a:r>
+            <a:br>
+              <a:rPr lang="en-US" sz="1800" dirty="0"/>
+            </a:br>
+            <a:r>
+              <a:rPr lang="en-US" sz="1800" dirty="0"/>
+              <a:t>        "type": "function",</a:t>
+            </a:r>
+            <a:br>
+              <a:rPr lang="en-US" sz="1800" dirty="0"/>
+            </a:br>
+            <a:r>
+              <a:rPr lang="en-US" sz="1800" dirty="0"/>
+              <a:t>        "function": { "name": "</a:t>
+            </a:r>
+            <a:r>
+              <a:rPr lang="en-US" sz="1800" dirty="0" err="1"/>
+              <a:t>get_current_weather</a:t>
+            </a:r>
+            <a:r>
+              <a:rPr lang="en-US" sz="1800" dirty="0"/>
+              <a:t>",             "description": "Get the current weather",</a:t>
+            </a:r>
+            <a:br>
+              <a:rPr lang="en-US" sz="1800" dirty="0"/>
+            </a:br>
+            <a:r>
+              <a:rPr lang="en-US" sz="1800" dirty="0"/>
+              <a:t>            "parameters": {</a:t>
+            </a:r>
+            <a:br>
+              <a:rPr lang="en-US" sz="1800" dirty="0"/>
+            </a:br>
+            <a:r>
+              <a:rPr lang="en-US" sz="1800" dirty="0"/>
+              <a:t>                "type": "object",</a:t>
+            </a:r>
+            <a:br>
+              <a:rPr lang="en-US" sz="1800" dirty="0"/>
+            </a:br>
+            <a:r>
+              <a:rPr lang="en-US" sz="1800" dirty="0"/>
+              <a:t>                "properties": { </a:t>
+            </a:r>
+            <a:br>
+              <a:rPr lang="en-US" sz="1800" dirty="0"/>
+            </a:br>
+            <a:r>
+              <a:rPr lang="en-US" sz="1800" dirty="0"/>
+              <a:t>                    "location": { "type": "string",  "description": "The city and state, e.g. San Francisco, CA" } </a:t>
+            </a:r>
+            <a:br>
+              <a:rPr lang="en-US" sz="1800" dirty="0"/>
+            </a:br>
+            <a:r>
+              <a:rPr lang="en-US" sz="1800" dirty="0"/>
+              <a:t>                },</a:t>
+            </a:r>
+            <a:br>
+              <a:rPr lang="en-US" sz="1800" dirty="0"/>
+            </a:br>
+            <a:r>
+              <a:rPr lang="en-US" sz="1800" dirty="0"/>
+              <a:t>                "required": ["location"]</a:t>
+            </a:r>
+            <a:br>
+              <a:rPr lang="en-US" sz="1800" dirty="0"/>
+            </a:br>
+            <a:r>
+              <a:rPr lang="en-US" sz="1800" dirty="0"/>
+              <a:t>            },</a:t>
+            </a:r>
+            <a:br>
+              <a:rPr lang="en-US" sz="1800" dirty="0"/>
+            </a:br>
+            <a:r>
+              <a:rPr lang="en-US" sz="1800" dirty="0"/>
+              <a:t>        }</a:t>
+            </a:r>
+            <a:br>
+              <a:rPr lang="en-US" sz="1800" dirty="0"/>
+            </a:br>
+            <a:r>
+              <a:rPr lang="en-US" sz="1800" dirty="0"/>
+              <a:t>    },</a:t>
+            </a:r>
+            <a:br>
+              <a:rPr lang="en-US" sz="1800" dirty="0"/>
+            </a:br>
+            <a:r>
+              <a:rPr lang="en-US" sz="1800" dirty="0"/>
+              <a:t>    {</a:t>
+            </a:r>
+            <a:br>
+              <a:rPr lang="en-US" sz="1800" dirty="0"/>
+            </a:br>
+            <a:r>
+              <a:rPr lang="en-US" sz="1800" dirty="0"/>
+              <a:t>        "type": "function",</a:t>
+            </a:r>
+            <a:br>
+              <a:rPr lang="en-US" sz="1800" dirty="0"/>
+            </a:br>
+            <a:r>
+              <a:rPr lang="en-US" sz="1800" dirty="0"/>
+              <a:t>        "function": { "name": "</a:t>
+            </a:r>
+            <a:r>
+              <a:rPr lang="en-US" sz="1800" dirty="0" err="1"/>
+              <a:t>get_n_day_weather_forecast</a:t>
+            </a:r>
+            <a:r>
+              <a:rPr lang="en-US" sz="1800" dirty="0"/>
+              <a:t>", "description": "Get an N-day weather forecast",</a:t>
+            </a:r>
+            <a:br>
+              <a:rPr lang="en-US" sz="1800" dirty="0"/>
+            </a:br>
+            <a:r>
+              <a:rPr lang="en-US" sz="1800" dirty="0"/>
+              <a:t>            "parameters": {</a:t>
+            </a:r>
+            <a:br>
+              <a:rPr lang="en-US" sz="1800" dirty="0"/>
+            </a:br>
+            <a:r>
+              <a:rPr lang="en-US" sz="1800" dirty="0"/>
+              <a:t>                "type": "object",                </a:t>
+            </a:r>
+            <a:br>
+              <a:rPr lang="en-US" sz="1800" dirty="0"/>
+            </a:br>
+            <a:r>
+              <a:rPr lang="en-US" sz="1800" dirty="0"/>
+              <a:t>                "properties": { </a:t>
+            </a:r>
+            <a:br>
+              <a:rPr lang="en-US" sz="1800" dirty="0"/>
+            </a:br>
+            <a:r>
+              <a:rPr lang="en-US" sz="1800" dirty="0"/>
+              <a:t>                       "location": { "type": "string", "description": "The city and state, e.g. San Francisco, CA"},   </a:t>
+            </a:r>
+            <a:br>
+              <a:rPr lang="en-US" sz="1800" dirty="0"/>
+            </a:br>
+            <a:r>
+              <a:rPr lang="en-US" sz="1800" dirty="0"/>
+              <a:t>                       "</a:t>
+            </a:r>
+            <a:r>
+              <a:rPr lang="en-US" sz="1800" dirty="0" err="1"/>
+              <a:t>num_days</a:t>
+            </a:r>
+            <a:r>
+              <a:rPr lang="en-US" sz="1800" dirty="0"/>
+              <a:t>": {"type": "integer", "description": "The number of days to forecast"}</a:t>
+            </a:r>
+            <a:br>
+              <a:rPr lang="en-US" sz="1800" dirty="0"/>
+            </a:br>
+            <a:r>
+              <a:rPr lang="en-US" sz="1800" dirty="0"/>
+              <a:t>                 },</a:t>
+            </a:r>
+            <a:br>
+              <a:rPr lang="en-US" sz="1800" dirty="0"/>
+            </a:br>
+            <a:r>
+              <a:rPr lang="en-US" sz="1800" dirty="0"/>
+              <a:t>                "required": ["location", "</a:t>
+            </a:r>
+            <a:r>
+              <a:rPr lang="en-US" sz="1800" dirty="0" err="1"/>
+              <a:t>num_days</a:t>
+            </a:r>
+            <a:r>
+              <a:rPr lang="en-US" sz="1800" dirty="0"/>
+              <a:t>"]</a:t>
+            </a:r>
+            <a:br>
+              <a:rPr lang="en-US" sz="1800" dirty="0"/>
+            </a:br>
+            <a:r>
+              <a:rPr lang="en-US" sz="1800" dirty="0"/>
+              <a:t>            },</a:t>
+            </a:r>
+            <a:br>
+              <a:rPr lang="en-US" sz="1800" dirty="0"/>
+            </a:br>
+            <a:r>
+              <a:rPr lang="en-US" sz="1800" dirty="0"/>
+              <a:t>        }</a:t>
+            </a:r>
+            <a:br>
+              <a:rPr lang="en-US" sz="1800" dirty="0"/>
+            </a:br>
+            <a:r>
+              <a:rPr lang="en-US" sz="1800" dirty="0"/>
+              <a:t>    },</a:t>
+            </a:r>
+            <a:br>
+              <a:rPr lang="en-US" sz="1800" dirty="0"/>
+            </a:br>
+            <a:r>
+              <a:rPr lang="en-US" sz="1800" dirty="0"/>
+              <a:t>]</a:t>
+            </a:r>
+          </a:p>
+        </p:txBody>
+      </p:sp>
+    </p:spTree>
+    <p:extLst>
+      <p:ext uri="{BB962C8B-B14F-4D97-AF65-F5344CB8AC3E}">
+        <p14:creationId xmlns:p14="http://schemas.microsoft.com/office/powerpoint/2010/main" val="2373887976"/>
+      </p:ext>
+    </p:extLst>
+  </p:cSld>
+  <p:clrMapOvr>
+    <a:masterClrMapping/>
+  </p:clrMapOvr>
+</p:sld>
+</file>
+
+<file path=ppt/slides/slide12.xml><?xml version="1.0" encoding="utf-8"?>
+<p:sld xmlns:a="http://schemas.openxmlformats.org/drawingml/2006/main" xmlns:r="http://schemas.openxmlformats.org/officeDocument/2006/relationships" xmlns:p="http://schemas.openxmlformats.org/presentationml/2006/main">
+  <p:cSld>
+    <p:spTree>
+      <p:nvGrpSpPr>
+        <p:cNvPr id="1" name=""/>
+        <p:cNvGrpSpPr/>
+        <p:nvPr/>
+      </p:nvGrpSpPr>
+      <p:grpSpPr>
+        <a:xfrm>
+          <a:off x="0" y="0"/>
+          <a:ext cx="0" cy="0"/>
+          <a:chOff x="0" y="0"/>
+          <a:chExt cx="0" cy="0"/>
+        </a:xfrm>
+      </p:grpSpPr>
+      <p:sp>
+        <p:nvSpPr>
+          <p:cNvPr id="2" name="Title 1">
+            <a:extLst>
+              <a:ext uri="{FF2B5EF4-FFF2-40B4-BE49-F238E27FC236}">
+                <a16:creationId xmlns:a16="http://schemas.microsoft.com/office/drawing/2014/main" id="{7A3CD463-38BF-B1AD-F428-F521A5C27A15}"/>
+              </a:ext>
+            </a:extLst>
+          </p:cNvPr>
+          <p:cNvSpPr>
+            <a:spLocks noGrp="1"/>
+          </p:cNvSpPr>
+          <p:nvPr>
+            <p:ph type="title"/>
+          </p:nvPr>
+        </p:nvSpPr>
+        <p:spPr/>
+        <p:txBody>
+          <a:bodyPr/>
+          <a:lstStyle/>
+          <a:p>
+            <a:r>
+              <a:rPr lang="en-US" dirty="0"/>
+              <a:t>Migrate function calls to tools-call </a:t>
+            </a:r>
+            <a:br>
+              <a:rPr lang="en-US" dirty="0"/>
+            </a:br>
+            <a:endParaRPr lang="en-US" dirty="0"/>
+          </a:p>
+        </p:txBody>
+      </p:sp>
+      <p:sp>
+        <p:nvSpPr>
+          <p:cNvPr id="3" name="Content Placeholder 2">
+            <a:extLst>
+              <a:ext uri="{FF2B5EF4-FFF2-40B4-BE49-F238E27FC236}">
+                <a16:creationId xmlns:a16="http://schemas.microsoft.com/office/drawing/2014/main" id="{38A01988-4E4F-7E8B-DBEA-CBC2AF8020B6}"/>
+              </a:ext>
+            </a:extLst>
+          </p:cNvPr>
+          <p:cNvSpPr>
+            <a:spLocks noGrp="1"/>
+          </p:cNvSpPr>
+          <p:nvPr>
+            <p:ph idx="1"/>
+          </p:nvPr>
+        </p:nvSpPr>
+        <p:spPr/>
+        <p:txBody>
+          <a:bodyPr/>
+          <a:lstStyle/>
+          <a:p>
+            <a:r>
+              <a:rPr lang="en-US" dirty="0"/>
+              <a:t>Along with the </a:t>
+            </a:r>
+            <a:r>
+              <a:rPr lang="en-US" dirty="0" err="1"/>
+              <a:t>json</a:t>
+            </a:r>
+            <a:r>
+              <a:rPr lang="en-US" dirty="0"/>
+              <a:t> reply from the api, need to pass also the corresponding </a:t>
+            </a:r>
+            <a:r>
+              <a:rPr lang="en-US" dirty="0" err="1"/>
+              <a:t>json</a:t>
+            </a:r>
+            <a:r>
+              <a:rPr lang="en-US" dirty="0"/>
+              <a:t> returned by the ai in previous step (used as input of the api call)</a:t>
+            </a:r>
+          </a:p>
+          <a:p>
+            <a:r>
+              <a:rPr lang="en-US" dirty="0"/>
+              <a:t>Each function call reply has got an </a:t>
+            </a:r>
+            <a:r>
+              <a:rPr lang="en-US" i="1" dirty="0"/>
+              <a:t>id</a:t>
+            </a:r>
+            <a:r>
+              <a:rPr lang="en-US" dirty="0"/>
+              <a:t> that must be "copied" to the corresponding api reply when passing the </a:t>
+            </a:r>
+            <a:r>
+              <a:rPr lang="en-US" dirty="0" err="1"/>
+              <a:t>json</a:t>
+            </a:r>
+            <a:r>
+              <a:rPr lang="en-US" dirty="0"/>
+              <a:t> reply to the ai </a:t>
+            </a:r>
+          </a:p>
+          <a:p>
+            <a:pPr lvl="1"/>
+            <a:r>
+              <a:rPr lang="en-US" dirty="0"/>
+              <a:t>Likely required to correlate input-output of each function call (there could be more than one)</a:t>
+            </a:r>
+          </a:p>
+        </p:txBody>
+      </p:sp>
+    </p:spTree>
+    <p:extLst>
+      <p:ext uri="{BB962C8B-B14F-4D97-AF65-F5344CB8AC3E}">
+        <p14:creationId xmlns:p14="http://schemas.microsoft.com/office/powerpoint/2010/main" val="1882048807"/>
+      </p:ext>
+    </p:extLst>
+  </p:cSld>
+  <p:clrMapOvr>
+    <a:masterClrMapping/>
+  </p:clrMapOvr>
+</p:sld>
+</file>
+
+<file path=ppt/slides/slide13.xml><?xml version="1.0" encoding="utf-8"?>
+<p:sld xmlns:a="http://schemas.openxmlformats.org/drawingml/2006/main" xmlns:r="http://schemas.openxmlformats.org/officeDocument/2006/relationships" xmlns:p="http://schemas.openxmlformats.org/presentationml/2006/main">
+  <p:cSld>
+    <p:bg>
+      <p:bgRef idx="1001">
+        <a:schemeClr val="bg1"/>
+      </p:bgRef>
+    </p:bg>
+    <p:spTree>
+      <p:nvGrpSpPr>
+        <p:cNvPr id="1" name=""/>
+        <p:cNvGrpSpPr/>
+        <p:nvPr/>
+      </p:nvGrpSpPr>
+      <p:grpSpPr>
+        <a:xfrm>
+          <a:off x="0" y="0"/>
+          <a:ext cx="0" cy="0"/>
+          <a:chOff x="0" y="0"/>
+          <a:chExt cx="0" cy="0"/>
+        </a:xfrm>
+      </p:grpSpPr>
+      <p:sp>
+        <p:nvSpPr>
+          <p:cNvPr id="2" name="Title 1">
+            <a:extLst>
+              <a:ext uri="{FF2B5EF4-FFF2-40B4-BE49-F238E27FC236}">
+                <a16:creationId xmlns:a16="http://schemas.microsoft.com/office/drawing/2014/main" id="{21C4ECC1-82EF-B64D-D088-64D7586C53F7}"/>
+              </a:ext>
+            </a:extLst>
+          </p:cNvPr>
+          <p:cNvSpPr>
+            <a:spLocks noGrp="1"/>
+          </p:cNvSpPr>
+          <p:nvPr>
+            <p:ph type="title"/>
+          </p:nvPr>
+        </p:nvSpPr>
+        <p:spPr/>
+        <p:txBody>
+          <a:bodyPr/>
+          <a:lstStyle/>
+          <a:p>
+            <a:endParaRPr lang="en-US"/>
+          </a:p>
+        </p:txBody>
+      </p:sp>
+      <p:sp>
+        <p:nvSpPr>
+          <p:cNvPr id="3" name="Content Placeholder 2">
+            <a:extLst>
+              <a:ext uri="{FF2B5EF4-FFF2-40B4-BE49-F238E27FC236}">
+                <a16:creationId xmlns:a16="http://schemas.microsoft.com/office/drawing/2014/main" id="{07A69565-55FA-6904-454D-1F4EE036EA04}"/>
+              </a:ext>
+            </a:extLst>
+          </p:cNvPr>
+          <p:cNvSpPr>
+            <a:spLocks noGrp="1"/>
+          </p:cNvSpPr>
+          <p:nvPr>
+            <p:ph idx="1"/>
+          </p:nvPr>
+        </p:nvSpPr>
+        <p:spPr/>
+        <p:txBody>
+          <a:bodyPr/>
+          <a:lstStyle/>
+          <a:p>
+            <a:r>
+              <a:rPr lang="en-US" dirty="0"/>
+              <a:t>OpenAI function/tools calling documentation</a:t>
+            </a:r>
+            <a:endParaRPr lang="en-US" dirty="0">
+              <a:hlinkClick r:id="rId3"/>
+            </a:endParaRPr>
+          </a:p>
+          <a:p>
+            <a:pPr lvl="1"/>
+            <a:r>
+              <a:rPr lang="en-US" dirty="0">
+                <a:hlinkClick r:id="rId3"/>
+              </a:rPr>
+              <a:t>https://platform.openai.com/docs/guides/function-calling</a:t>
+            </a:r>
+            <a:endParaRPr lang="en-US" dirty="0"/>
+          </a:p>
+          <a:p>
+            <a:pPr lvl="1"/>
+            <a:r>
+              <a:rPr lang="en-US" dirty="0">
+                <a:hlinkClick r:id="rId4"/>
+              </a:rPr>
+              <a:t>https://cookbook.openai.com/examples/how_to_call_functions_with_chat_models</a:t>
+            </a:r>
+            <a:endParaRPr lang="en-US" dirty="0"/>
+          </a:p>
+          <a:p>
+            <a:endParaRPr lang="en-US" dirty="0"/>
+          </a:p>
+          <a:p>
+            <a:r>
+              <a:rPr lang="en-US" dirty="0"/>
+              <a:t>Azure OpenAI client library for .NET</a:t>
+            </a:r>
+          </a:p>
+          <a:p>
+            <a:pPr lvl="1"/>
+            <a:r>
+              <a:rPr lang="en-US" dirty="0">
+                <a:hlinkClick r:id="rId5"/>
+              </a:rPr>
+              <a:t>https://github.com/Azure/azure-sdk-for-net/blob/main/sdk/openai/Azure.AI.OpenAI/README.md</a:t>
+            </a:r>
+            <a:endParaRPr lang="en-US" dirty="0"/>
+          </a:p>
+          <a:p>
+            <a:endParaRPr lang="en-US" dirty="0"/>
+          </a:p>
+        </p:txBody>
+      </p:sp>
+    </p:spTree>
+    <p:extLst>
+      <p:ext uri="{BB962C8B-B14F-4D97-AF65-F5344CB8AC3E}">
+        <p14:creationId xmlns:p14="http://schemas.microsoft.com/office/powerpoint/2010/main" val="2568979085"/>
+      </p:ext>
+    </p:extLst>
+  </p:cSld>
+  <p:clrMapOvr>
+    <a:overrideClrMapping bg1="lt1" tx1="dk1" bg2="lt2" tx2="dk2" accent1="accent1" accent2="accent2" accent3="accent3" accent4="accent4" accent5="accent5" accent6="accent6" hlink="hlink" folHlink="folHlink"/>
+  </p:clrMapOvr>
+</p:sld>
+</file>
+
+<file path=ppt/slides/slide2.xml><?xml version="1.0" encoding="utf-8"?>
+<p:sld xmlns:a="http://schemas.openxmlformats.org/drawingml/2006/main" xmlns:r="http://schemas.openxmlformats.org/officeDocument/2006/relationships" xmlns:p="http://schemas.openxmlformats.org/presentationml/2006/main">
+  <p:cSld>
+    <p:spTree>
+      <p:nvGrpSpPr>
+        <p:cNvPr id="1" name=""/>
+        <p:cNvGrpSpPr/>
+        <p:nvPr/>
+      </p:nvGrpSpPr>
+      <p:grpSpPr>
+        <a:xfrm>
+          <a:off x="0" y="0"/>
+          <a:ext cx="0" cy="0"/>
+          <a:chOff x="0" y="0"/>
+          <a:chExt cx="0" cy="0"/>
+        </a:xfrm>
+      </p:grpSpPr>
+      <p:sp>
+        <p:nvSpPr>
+          <p:cNvPr id="2" name="Title 1">
+            <a:extLst>
+              <a:ext uri="{FF2B5EF4-FFF2-40B4-BE49-F238E27FC236}">
+                <a16:creationId xmlns:a16="http://schemas.microsoft.com/office/drawing/2014/main" id="{0E128FBD-D898-56BC-C281-E6B8ECAA7826}"/>
+              </a:ext>
+            </a:extLst>
+          </p:cNvPr>
+          <p:cNvSpPr>
+            <a:spLocks noGrp="1"/>
+          </p:cNvSpPr>
+          <p:nvPr>
+            <p:ph type="title"/>
+          </p:nvPr>
+        </p:nvSpPr>
+        <p:spPr/>
+        <p:txBody>
+          <a:bodyPr/>
+          <a:lstStyle/>
+          <a:p>
+            <a:r>
+              <a:rPr lang="en-US" dirty="0"/>
+              <a:t>What is function calling</a:t>
+            </a:r>
+          </a:p>
+        </p:txBody>
+      </p:sp>
+      <p:sp>
+        <p:nvSpPr>
+          <p:cNvPr id="3" name="Content Placeholder 2">
+            <a:extLst>
+              <a:ext uri="{FF2B5EF4-FFF2-40B4-BE49-F238E27FC236}">
+                <a16:creationId xmlns:a16="http://schemas.microsoft.com/office/drawing/2014/main" id="{1B5F3137-D397-34CE-1086-6686C6B8B6B1}"/>
+              </a:ext>
+            </a:extLst>
+          </p:cNvPr>
+          <p:cNvSpPr>
+            <a:spLocks noGrp="1"/>
+          </p:cNvSpPr>
+          <p:nvPr>
+            <p:ph idx="1"/>
+          </p:nvPr>
+        </p:nvSpPr>
+        <p:spPr/>
+        <p:txBody>
+          <a:bodyPr>
+            <a:normAutofit/>
+          </a:bodyPr>
+          <a:lstStyle/>
+          <a:p>
+            <a:r>
+              <a:rPr lang="en-US" dirty="0"/>
+              <a:t>It's a functionality available in the completion-chat api endpoint </a:t>
+            </a:r>
+          </a:p>
+          <a:p>
+            <a:pPr lvl="1"/>
+            <a:r>
+              <a:rPr lang="en-US" dirty="0"/>
+              <a:t>Gpt-3.5 turbo 0613</a:t>
+            </a:r>
+          </a:p>
+          <a:p>
+            <a:pPr lvl="1"/>
+            <a:r>
+              <a:rPr lang="en-US" dirty="0"/>
+              <a:t>gpt-4-0613</a:t>
+            </a:r>
+          </a:p>
+          <a:p>
+            <a:pPr lvl="1"/>
+            <a:r>
+              <a:rPr lang="en-US" dirty="0"/>
+              <a:t>"embedded/abstracted" into tools-calls in gpt-3.5 1106 and gpt-4 1106</a:t>
+            </a:r>
+          </a:p>
+          <a:p>
+            <a:r>
+              <a:rPr lang="en-US" dirty="0"/>
+              <a:t>Allows to have ChatGPT convert human natural query and commands into </a:t>
+            </a:r>
+            <a:r>
+              <a:rPr lang="en-US" dirty="0" err="1"/>
+              <a:t>json</a:t>
+            </a:r>
+            <a:endParaRPr lang="en-US" dirty="0"/>
+          </a:p>
+          <a:p>
+            <a:r>
+              <a:rPr lang="en-US" b="1" dirty="0"/>
+              <a:t>Ai does not call an API, it's up to your code to do the call (that's the difference with ChatGPT plug-ins) using the </a:t>
+            </a:r>
+            <a:r>
+              <a:rPr lang="en-US" b="1" dirty="0" err="1"/>
+              <a:t>json</a:t>
+            </a:r>
+            <a:r>
+              <a:rPr lang="en-US" b="1" dirty="0"/>
+              <a:t> provided by the Ai </a:t>
+            </a:r>
+          </a:p>
+          <a:p>
+            <a:pPr lvl="1"/>
+            <a:endParaRPr lang="en-US" dirty="0"/>
+          </a:p>
+        </p:txBody>
+      </p:sp>
+    </p:spTree>
+    <p:extLst>
+      <p:ext uri="{BB962C8B-B14F-4D97-AF65-F5344CB8AC3E}">
+        <p14:creationId xmlns:p14="http://schemas.microsoft.com/office/powerpoint/2010/main" val="2135332399"/>
+      </p:ext>
+    </p:extLst>
+  </p:cSld>
+  <p:clrMapOvr>
+    <a:masterClrMapping/>
+  </p:clrMapOvr>
+</p:sld>
+</file>
+
+<file path=ppt/slides/slide3.xml><?xml version="1.0" encoding="utf-8"?>
+<p:sld xmlns:a="http://schemas.openxmlformats.org/drawingml/2006/main" xmlns:r="http://schemas.openxmlformats.org/officeDocument/2006/relationships" xmlns:p="http://schemas.openxmlformats.org/presentationml/2006/main">
+  <p:cSld>
+    <p:spTree>
+      <p:nvGrpSpPr>
+        <p:cNvPr id="1" name=""/>
+        <p:cNvGrpSpPr/>
+        <p:nvPr/>
+      </p:nvGrpSpPr>
+      <p:grpSpPr>
+        <a:xfrm>
+          <a:off x="0" y="0"/>
+          <a:ext cx="0" cy="0"/>
+          <a:chOff x="0" y="0"/>
+          <a:chExt cx="0" cy="0"/>
+        </a:xfrm>
+      </p:grpSpPr>
+      <p:sp>
+        <p:nvSpPr>
+          <p:cNvPr id="2" name="Title 1">
+            <a:extLst>
+              <a:ext uri="{FF2B5EF4-FFF2-40B4-BE49-F238E27FC236}">
+                <a16:creationId xmlns:a16="http://schemas.microsoft.com/office/drawing/2014/main" id="{3DE6240D-8006-51BB-6F04-2EF1DD882834}"/>
+              </a:ext>
+            </a:extLst>
+          </p:cNvPr>
+          <p:cNvSpPr>
+            <a:spLocks noGrp="1"/>
+          </p:cNvSpPr>
+          <p:nvPr>
+            <p:ph type="title"/>
+          </p:nvPr>
+        </p:nvSpPr>
+        <p:spPr/>
+        <p:txBody>
+          <a:bodyPr/>
+          <a:lstStyle/>
+          <a:p>
+            <a:r>
+              <a:rPr lang="en-US" dirty="0"/>
+              <a:t>What is function calling.. continue</a:t>
+            </a:r>
+          </a:p>
+        </p:txBody>
+      </p:sp>
+      <p:sp>
+        <p:nvSpPr>
+          <p:cNvPr id="3" name="Content Placeholder 2">
+            <a:extLst>
+              <a:ext uri="{FF2B5EF4-FFF2-40B4-BE49-F238E27FC236}">
+                <a16:creationId xmlns:a16="http://schemas.microsoft.com/office/drawing/2014/main" id="{C862D9BB-96CA-1B26-4EDE-3902B705F137}"/>
+              </a:ext>
+            </a:extLst>
+          </p:cNvPr>
+          <p:cNvSpPr>
+            <a:spLocks noGrp="1"/>
+          </p:cNvSpPr>
+          <p:nvPr>
+            <p:ph idx="1"/>
+          </p:nvPr>
+        </p:nvSpPr>
+        <p:spPr/>
+        <p:txBody>
+          <a:bodyPr>
+            <a:normAutofit fontScale="92500" lnSpcReduction="10000"/>
+          </a:bodyPr>
+          <a:lstStyle/>
+          <a:p>
+            <a:r>
+              <a:rPr lang="en-US" dirty="0"/>
+              <a:t>How to use it:</a:t>
+            </a:r>
+            <a:br>
+              <a:rPr lang="en-US" dirty="0"/>
+            </a:br>
+            <a:r>
+              <a:rPr lang="en-US" dirty="0"/>
+              <a:t>Along with user prompt add a list of functions definition</a:t>
+            </a:r>
+          </a:p>
+          <a:p>
+            <a:r>
+              <a:rPr lang="en-US" dirty="0"/>
+              <a:t>A function definition is a </a:t>
+            </a:r>
+            <a:r>
+              <a:rPr lang="en-US" dirty="0" err="1"/>
+              <a:t>json</a:t>
+            </a:r>
+            <a:r>
+              <a:rPr lang="en-US" dirty="0"/>
+              <a:t> following the </a:t>
+            </a:r>
+            <a:r>
+              <a:rPr lang="en-US" dirty="0" err="1"/>
+              <a:t>json</a:t>
+            </a:r>
+            <a:r>
+              <a:rPr lang="en-US" dirty="0"/>
+              <a:t> schema syntax: </a:t>
+            </a:r>
+            <a:br>
+              <a:rPr lang="en-US" dirty="0"/>
+            </a:br>
+            <a:r>
+              <a:rPr lang="en-US" dirty="0"/>
+              <a:t>it is a description of the goal of the function and its parameters </a:t>
+            </a:r>
+            <a:br>
+              <a:rPr lang="en-US" dirty="0"/>
+            </a:br>
+            <a:r>
+              <a:rPr lang="en-US" dirty="0"/>
+              <a:t>(e.g. : temperature given a town name)</a:t>
+            </a:r>
+          </a:p>
+          <a:p>
+            <a:r>
+              <a:rPr lang="en-US" dirty="0"/>
+              <a:t>The AI tries to match the intent of the user with a function and its parameters. </a:t>
+            </a:r>
+          </a:p>
+          <a:p>
+            <a:r>
+              <a:rPr lang="en-US" dirty="0"/>
+              <a:t>If user intent match a function but some parameters are missing the AI "should" ask for the missing values </a:t>
+            </a:r>
+          </a:p>
+          <a:p>
+            <a:r>
+              <a:rPr lang="en-US" dirty="0"/>
+              <a:t>The Json reply from the api call must then be passed to ChatGPT that will make up a human readable reply from the provided </a:t>
+            </a:r>
+            <a:r>
+              <a:rPr lang="en-US" dirty="0" err="1"/>
+              <a:t>json</a:t>
+            </a:r>
+            <a:endParaRPr lang="en-US" dirty="0"/>
+          </a:p>
+          <a:p>
+            <a:endParaRPr lang="en-US" dirty="0"/>
+          </a:p>
+        </p:txBody>
+      </p:sp>
+    </p:spTree>
+    <p:extLst>
+      <p:ext uri="{BB962C8B-B14F-4D97-AF65-F5344CB8AC3E}">
+        <p14:creationId xmlns:p14="http://schemas.microsoft.com/office/powerpoint/2010/main" val="1955413383"/>
+      </p:ext>
+    </p:extLst>
+  </p:cSld>
+  <p:clrMapOvr>
+    <a:masterClrMapping/>
+  </p:clrMapOvr>
+</p:sld>
+</file>
+
+<file path=ppt/slides/slide4.xml><?xml version="1.0" encoding="utf-8"?>
+<p:sld xmlns:a="http://schemas.openxmlformats.org/drawingml/2006/main" xmlns:r="http://schemas.openxmlformats.org/officeDocument/2006/relationships" xmlns:p="http://schemas.openxmlformats.org/presentationml/2006/main">
+  <p:cSld>
+    <p:spTree>
+      <p:nvGrpSpPr>
+        <p:cNvPr id="1" name=""/>
+        <p:cNvGrpSpPr/>
+        <p:nvPr/>
+      </p:nvGrpSpPr>
+      <p:grpSpPr>
+        <a:xfrm>
+          <a:off x="0" y="0"/>
+          <a:ext cx="0" cy="0"/>
+          <a:chOff x="0" y="0"/>
+          <a:chExt cx="0" cy="0"/>
+        </a:xfrm>
+      </p:grpSpPr>
+      <p:sp>
+        <p:nvSpPr>
+          <p:cNvPr id="5" name="TextBox 4">
+            <a:extLst>
+              <a:ext uri="{FF2B5EF4-FFF2-40B4-BE49-F238E27FC236}">
+                <a16:creationId xmlns:a16="http://schemas.microsoft.com/office/drawing/2014/main" id="{215E1604-86AC-2490-62ED-4A5C351823E7}"/>
+              </a:ext>
+            </a:extLst>
+          </p:cNvPr>
+          <p:cNvSpPr txBox="1"/>
+          <p:nvPr/>
+        </p:nvSpPr>
+        <p:spPr>
+          <a:xfrm>
+            <a:off x="457200" y="427813"/>
+            <a:ext cx="11229474" cy="4801314"/>
+          </a:xfrm>
+          <a:prstGeom prst="rect">
+            <a:avLst/>
+          </a:prstGeom>
+          <a:noFill/>
+        </p:spPr>
+        <p:txBody>
+          <a:bodyPr wrap="square">
+            <a:spAutoFit/>
+          </a:bodyPr>
+          <a:lstStyle/>
+          <a:p>
+            <a:r>
+              <a:rPr lang="en-US" dirty="0"/>
+              <a:t>{</a:t>
+            </a:r>
+          </a:p>
+          <a:p>
+            <a:r>
+              <a:rPr lang="en-US" dirty="0"/>
+              <a:t>        "type": "function",</a:t>
+            </a:r>
+          </a:p>
+          <a:p>
+            <a:r>
+              <a:rPr lang="en-US" dirty="0"/>
+              <a:t>        "function": {</a:t>
+            </a:r>
+          </a:p>
+          <a:p>
+            <a:r>
+              <a:rPr lang="en-US" dirty="0"/>
+              <a:t>            "name": "get-weather",</a:t>
+            </a:r>
+          </a:p>
+          <a:p>
+            <a:r>
+              <a:rPr lang="en-US" dirty="0"/>
+              <a:t>            "description": "Get the current weather",</a:t>
+            </a:r>
+          </a:p>
+          <a:p>
+            <a:r>
+              <a:rPr lang="en-US" dirty="0"/>
+              <a:t>            "parameters": {</a:t>
+            </a:r>
+          </a:p>
+          <a:p>
+            <a:r>
+              <a:rPr lang="en-US" dirty="0"/>
+              <a:t>                "type": "object",</a:t>
+            </a:r>
+          </a:p>
+          <a:p>
+            <a:r>
+              <a:rPr lang="en-US" dirty="0"/>
+              <a:t>                "properties": {</a:t>
+            </a:r>
+          </a:p>
+          <a:p>
+            <a:r>
+              <a:rPr lang="en-US" dirty="0"/>
+              <a:t>                    "location": {</a:t>
+            </a:r>
+          </a:p>
+          <a:p>
+            <a:r>
+              <a:rPr lang="en-US" dirty="0"/>
+              <a:t>                        "type": "string",</a:t>
+            </a:r>
+          </a:p>
+          <a:p>
+            <a:r>
+              <a:rPr lang="en-US" dirty="0"/>
+              <a:t>                        "description": "The city and state, e.g. San Francisco, CA",</a:t>
+            </a:r>
+          </a:p>
+          <a:p>
+            <a:r>
+              <a:rPr lang="en-US" dirty="0"/>
+              <a:t>                    }</a:t>
+            </a:r>
+          </a:p>
+          <a:p>
+            <a:r>
+              <a:rPr lang="en-US" dirty="0"/>
+              <a:t>                },</a:t>
+            </a:r>
+          </a:p>
+          <a:p>
+            <a:r>
+              <a:rPr lang="en-US" dirty="0"/>
+              <a:t>                "required": ["location"]</a:t>
+            </a:r>
+          </a:p>
+          <a:p>
+            <a:r>
+              <a:rPr lang="en-US" dirty="0"/>
+              <a:t>            },</a:t>
+            </a:r>
+          </a:p>
+          <a:p>
+            <a:r>
+              <a:rPr lang="en-US" dirty="0"/>
+              <a:t>        }</a:t>
+            </a:r>
+          </a:p>
+          <a:p>
+            <a:r>
+              <a:rPr lang="en-US" dirty="0"/>
+              <a:t>    },</a:t>
+            </a:r>
+          </a:p>
+        </p:txBody>
+      </p:sp>
+      <p:sp>
+        <p:nvSpPr>
+          <p:cNvPr id="2" name="TextBox 1">
+            <a:extLst>
+              <a:ext uri="{FF2B5EF4-FFF2-40B4-BE49-F238E27FC236}">
+                <a16:creationId xmlns:a16="http://schemas.microsoft.com/office/drawing/2014/main" id="{11FF27F2-3810-9393-5046-13F258796858}"/>
+              </a:ext>
+            </a:extLst>
+          </p:cNvPr>
+          <p:cNvSpPr txBox="1"/>
+          <p:nvPr/>
+        </p:nvSpPr>
+        <p:spPr>
+          <a:xfrm>
+            <a:off x="950976" y="5678424"/>
+            <a:ext cx="5259197" cy="369332"/>
+          </a:xfrm>
+          <a:prstGeom prst="rect">
+            <a:avLst/>
+          </a:prstGeom>
+          <a:noFill/>
+        </p:spPr>
+        <p:txBody>
+          <a:bodyPr wrap="none" rtlCol="0">
+            <a:spAutoFit/>
+          </a:bodyPr>
+          <a:lstStyle/>
+          <a:p>
+            <a:r>
+              <a:rPr lang="en-US" dirty="0"/>
+              <a:t>Note: no need to document the corresponding output</a:t>
+            </a:r>
+          </a:p>
+        </p:txBody>
+      </p:sp>
+    </p:spTree>
+    <p:extLst>
+      <p:ext uri="{BB962C8B-B14F-4D97-AF65-F5344CB8AC3E}">
+        <p14:creationId xmlns:p14="http://schemas.microsoft.com/office/powerpoint/2010/main" val="1156657161"/>
+      </p:ext>
+    </p:extLst>
+  </p:cSld>
+  <p:clrMapOvr>
+    <a:masterClrMapping/>
+  </p:clrMapOvr>
+</p:sld>
+</file>
+
+<file path=ppt/slides/slide5.xml><?xml version="1.0" encoding="utf-8"?>
 <p:sld xmlns:a="http://schemas.openxmlformats.org/drawingml/2006/main" xmlns:r="http://schemas.openxmlformats.org/officeDocument/2006/relationships" xmlns:p="http://schemas.openxmlformats.org/presentationml/2006/main">
   <p:cSld>
     <p:spTree>
@@ -4028,7 +5115,7 @@
         <p:spPr>
           <a:xfrm>
             <a:off x="3305264" y="1136011"/>
-            <a:ext cx="1950457" cy="612648"/>
+            <a:ext cx="1803633" cy="612648"/>
           </a:xfrm>
           <a:prstGeom prst="accentBorderCallout1">
             <a:avLst>
@@ -4072,7 +5159,7 @@
                   <a:schemeClr val="tx1"/>
                 </a:solidFill>
               </a:rPr>
-              <a:t>- function: get-weather {…}</a:t>
+              <a:t>- function: get-weather</a:t>
             </a:r>
             <a:br>
               <a:rPr lang="en-US" sz="1200" dirty="0">
@@ -4146,7 +5233,7 @@
                   <a:schemeClr val="tx1"/>
                 </a:solidFill>
               </a:rPr>
-              <a:t>- function: get-weather {…}</a:t>
+              <a:t>- function: Get-weather</a:t>
             </a:r>
             <a:br>
               <a:rPr lang="en-US" sz="1200" dirty="0">
@@ -4176,7 +5263,7 @@
                   <a:schemeClr val="tx1"/>
                 </a:solidFill>
               </a:rPr>
-              <a:t>- user: "London ?"</a:t>
+              <a:t>- user: "how is the weather today in London ?"</a:t>
             </a:r>
           </a:p>
         </p:txBody>
@@ -5502,2200 +6589,6 @@
 </p:sld>
 </file>
 
-<file path=ppt/slides/slide11.xml><?xml version="1.0" encoding="utf-8"?>
-<p:sld xmlns:a="http://schemas.openxmlformats.org/drawingml/2006/main" xmlns:r="http://schemas.openxmlformats.org/officeDocument/2006/relationships" xmlns:p="http://schemas.openxmlformats.org/presentationml/2006/main">
-  <p:cSld>
-    <p:spTree>
-      <p:nvGrpSpPr>
-        <p:cNvPr id="1" name=""/>
-        <p:cNvGrpSpPr/>
-        <p:nvPr/>
-      </p:nvGrpSpPr>
-      <p:grpSpPr>
-        <a:xfrm>
-          <a:off x="0" y="0"/>
-          <a:ext cx="0" cy="0"/>
-          <a:chOff x="0" y="0"/>
-          <a:chExt cx="0" cy="0"/>
-        </a:xfrm>
-      </p:grpSpPr>
-      <p:sp>
-        <p:nvSpPr>
-          <p:cNvPr id="2" name="Title 1">
-            <a:extLst>
-              <a:ext uri="{FF2B5EF4-FFF2-40B4-BE49-F238E27FC236}">
-                <a16:creationId xmlns:a16="http://schemas.microsoft.com/office/drawing/2014/main" id="{14C425C7-5AD3-A208-089A-82DD7DC3B7F0}"/>
-              </a:ext>
-            </a:extLst>
-          </p:cNvPr>
-          <p:cNvSpPr>
-            <a:spLocks noGrp="1"/>
-          </p:cNvSpPr>
-          <p:nvPr>
-            <p:ph type="title"/>
-          </p:nvPr>
-        </p:nvSpPr>
-        <p:spPr/>
-        <p:txBody>
-          <a:bodyPr/>
-          <a:lstStyle/>
-          <a:p>
-            <a:r>
-              <a:rPr lang="en-US" dirty="0"/>
-              <a:t>EXAMPLE</a:t>
-            </a:r>
-          </a:p>
-        </p:txBody>
-      </p:sp>
-      <p:sp>
-        <p:nvSpPr>
-          <p:cNvPr id="3" name="Content Placeholder 2">
-            <a:extLst>
-              <a:ext uri="{FF2B5EF4-FFF2-40B4-BE49-F238E27FC236}">
-                <a16:creationId xmlns:a16="http://schemas.microsoft.com/office/drawing/2014/main" id="{3E9314EB-C74E-4EDF-32DE-93724FB6B3D8}"/>
-              </a:ext>
-            </a:extLst>
-          </p:cNvPr>
-          <p:cNvSpPr>
-            <a:spLocks noGrp="1"/>
-          </p:cNvSpPr>
-          <p:nvPr>
-            <p:ph idx="1"/>
-          </p:nvPr>
-        </p:nvSpPr>
-        <p:spPr/>
-        <p:txBody>
-          <a:bodyPr/>
-          <a:lstStyle/>
-          <a:p>
-            <a:r>
-              <a:rPr lang="en-US" dirty="0"/>
-              <a:t>Ask current and past weather</a:t>
-            </a:r>
-          </a:p>
-        </p:txBody>
-      </p:sp>
-    </p:spTree>
-    <p:extLst>
-      <p:ext uri="{BB962C8B-B14F-4D97-AF65-F5344CB8AC3E}">
-        <p14:creationId xmlns:p14="http://schemas.microsoft.com/office/powerpoint/2010/main" val="2078643897"/>
-      </p:ext>
-    </p:extLst>
-  </p:cSld>
-  <p:clrMapOvr>
-    <a:masterClrMapping/>
-  </p:clrMapOvr>
-</p:sld>
-</file>
-
-<file path=ppt/slides/slide12.xml><?xml version="1.0" encoding="utf-8"?>
-<p:sld xmlns:a="http://schemas.openxmlformats.org/drawingml/2006/main" xmlns:r="http://schemas.openxmlformats.org/officeDocument/2006/relationships" xmlns:p="http://schemas.openxmlformats.org/presentationml/2006/main">
-  <p:cSld>
-    <p:spTree>
-      <p:nvGrpSpPr>
-        <p:cNvPr id="1" name=""/>
-        <p:cNvGrpSpPr/>
-        <p:nvPr/>
-      </p:nvGrpSpPr>
-      <p:grpSpPr>
-        <a:xfrm>
-          <a:off x="0" y="0"/>
-          <a:ext cx="0" cy="0"/>
-          <a:chOff x="0" y="0"/>
-          <a:chExt cx="0" cy="0"/>
-        </a:xfrm>
-      </p:grpSpPr>
-      <p:sp>
-        <p:nvSpPr>
-          <p:cNvPr id="2" name="Title 1">
-            <a:extLst>
-              <a:ext uri="{FF2B5EF4-FFF2-40B4-BE49-F238E27FC236}">
-                <a16:creationId xmlns:a16="http://schemas.microsoft.com/office/drawing/2014/main" id="{EBFCB1D2-0B81-312E-ED64-DBBDE9F62224}"/>
-              </a:ext>
-            </a:extLst>
-          </p:cNvPr>
-          <p:cNvSpPr>
-            <a:spLocks noGrp="1"/>
-          </p:cNvSpPr>
-          <p:nvPr>
-            <p:ph type="title"/>
-          </p:nvPr>
-        </p:nvSpPr>
-        <p:spPr/>
-        <p:txBody>
-          <a:bodyPr/>
-          <a:lstStyle/>
-          <a:p>
-            <a:r>
-              <a:rPr lang="en-US" dirty="0"/>
-              <a:t>Api design for function calling</a:t>
-            </a:r>
-          </a:p>
-        </p:txBody>
-      </p:sp>
-      <p:sp>
-        <p:nvSpPr>
-          <p:cNvPr id="3" name="Content Placeholder 2">
-            <a:extLst>
-              <a:ext uri="{FF2B5EF4-FFF2-40B4-BE49-F238E27FC236}">
-                <a16:creationId xmlns:a16="http://schemas.microsoft.com/office/drawing/2014/main" id="{2F435063-D202-BDFA-876B-EF1DA0371544}"/>
-              </a:ext>
-            </a:extLst>
-          </p:cNvPr>
-          <p:cNvSpPr>
-            <a:spLocks noGrp="1"/>
-          </p:cNvSpPr>
-          <p:nvPr>
-            <p:ph idx="1"/>
-          </p:nvPr>
-        </p:nvSpPr>
-        <p:spPr/>
-        <p:txBody>
-          <a:bodyPr/>
-          <a:lstStyle/>
-          <a:p>
-            <a:r>
-              <a:rPr lang="en-US" dirty="0"/>
-              <a:t>The Json schema syntax (to be provided as function) is the same used to define input – output </a:t>
-            </a:r>
-            <a:r>
-              <a:rPr lang="en-US" dirty="0" err="1"/>
-              <a:t>dto</a:t>
-            </a:r>
-            <a:r>
-              <a:rPr lang="en-US" dirty="0"/>
-              <a:t> in an open-api document (swagger)</a:t>
-            </a:r>
-          </a:p>
-          <a:p>
-            <a:pPr lvl="1"/>
-            <a:r>
-              <a:rPr lang="en-US" dirty="0"/>
-              <a:t>Extract dynamically from the open api document of your target api</a:t>
-            </a:r>
-          </a:p>
-          <a:p>
-            <a:pPr lvl="1"/>
-            <a:r>
-              <a:rPr lang="en-US" dirty="0"/>
-              <a:t>Put clear description on input </a:t>
-            </a:r>
-            <a:r>
-              <a:rPr lang="en-US" dirty="0" err="1"/>
-              <a:t>dto</a:t>
-            </a:r>
-            <a:r>
-              <a:rPr lang="en-US" dirty="0"/>
-              <a:t> and its properties (</a:t>
-            </a:r>
-            <a:r>
-              <a:rPr lang="en-US" b="1" dirty="0"/>
-              <a:t>prompt engineer applied on a swagger doc </a:t>
-            </a:r>
-            <a:r>
-              <a:rPr lang="en-US" b="1" dirty="0">
-                <a:sym typeface="Wingdings" panose="05000000000000000000" pitchFamily="2" charset="2"/>
-              </a:rPr>
-              <a:t></a:t>
-            </a:r>
-            <a:r>
-              <a:rPr lang="en-US" dirty="0">
-                <a:sym typeface="Wingdings" panose="05000000000000000000" pitchFamily="2" charset="2"/>
-              </a:rPr>
-              <a:t>)</a:t>
-            </a:r>
-          </a:p>
-          <a:p>
-            <a:pPr lvl="1"/>
-            <a:r>
-              <a:rPr lang="en-US" dirty="0">
-                <a:sym typeface="Wingdings" panose="05000000000000000000" pitchFamily="2" charset="2"/>
-              </a:rPr>
-              <a:t>Document </a:t>
-            </a:r>
-            <a:r>
-              <a:rPr lang="en-US" b="1" dirty="0">
-                <a:sym typeface="Wingdings" panose="05000000000000000000" pitchFamily="2" charset="2"/>
-              </a:rPr>
-              <a:t>required</a:t>
-            </a:r>
-            <a:r>
-              <a:rPr lang="en-US" dirty="0">
-                <a:sym typeface="Wingdings" panose="05000000000000000000" pitchFamily="2" charset="2"/>
-              </a:rPr>
-              <a:t> properties </a:t>
-            </a:r>
-          </a:p>
-          <a:p>
-            <a:pPr lvl="1"/>
-            <a:r>
-              <a:rPr lang="en-US" dirty="0">
-                <a:sym typeface="Wingdings" panose="05000000000000000000" pitchFamily="2" charset="2"/>
-              </a:rPr>
-              <a:t>Make sure </a:t>
-            </a:r>
-            <a:r>
-              <a:rPr lang="en-US" dirty="0" err="1">
-                <a:sym typeface="Wingdings" panose="05000000000000000000" pitchFamily="2" charset="2"/>
-              </a:rPr>
-              <a:t>enums</a:t>
-            </a:r>
-            <a:r>
-              <a:rPr lang="en-US" dirty="0">
-                <a:sym typeface="Wingdings" panose="05000000000000000000" pitchFamily="2" charset="2"/>
-              </a:rPr>
-              <a:t> are exposed in the swagger doc as strings</a:t>
-            </a:r>
-          </a:p>
-          <a:p>
-            <a:pPr lvl="1"/>
-            <a:r>
-              <a:rPr lang="en-US" dirty="0">
-                <a:sym typeface="Wingdings" panose="05000000000000000000" pitchFamily="2" charset="2"/>
-              </a:rPr>
-              <a:t>Make sure </a:t>
-            </a:r>
-            <a:r>
-              <a:rPr lang="en-US" dirty="0" err="1">
-                <a:sym typeface="Wingdings" panose="05000000000000000000" pitchFamily="2" charset="2"/>
-              </a:rPr>
-              <a:t>enums</a:t>
-            </a:r>
-            <a:r>
-              <a:rPr lang="en-US" dirty="0">
-                <a:sym typeface="Wingdings" panose="05000000000000000000" pitchFamily="2" charset="2"/>
-              </a:rPr>
-              <a:t> as strings are accepted as input at run time</a:t>
-            </a:r>
-          </a:p>
-          <a:p>
-            <a:pPr lvl="2"/>
-            <a:endParaRPr lang="en-US" dirty="0">
-              <a:sym typeface="Wingdings" panose="05000000000000000000" pitchFamily="2" charset="2"/>
-            </a:endParaRPr>
-          </a:p>
-          <a:p>
-            <a:pPr lvl="1"/>
-            <a:endParaRPr lang="en-US" dirty="0"/>
-          </a:p>
-        </p:txBody>
-      </p:sp>
-    </p:spTree>
-    <p:extLst>
-      <p:ext uri="{BB962C8B-B14F-4D97-AF65-F5344CB8AC3E}">
-        <p14:creationId xmlns:p14="http://schemas.microsoft.com/office/powerpoint/2010/main" val="803272294"/>
-      </p:ext>
-    </p:extLst>
-  </p:cSld>
-  <p:clrMapOvr>
-    <a:masterClrMapping/>
-  </p:clrMapOvr>
-</p:sld>
-</file>
-
-<file path=ppt/slides/slide13.xml><?xml version="1.0" encoding="utf-8"?>
-<p:sld xmlns:a="http://schemas.openxmlformats.org/drawingml/2006/main" xmlns:r="http://schemas.openxmlformats.org/officeDocument/2006/relationships" xmlns:p="http://schemas.openxmlformats.org/presentationml/2006/main">
-  <p:cSld>
-    <p:spTree>
-      <p:nvGrpSpPr>
-        <p:cNvPr id="1" name=""/>
-        <p:cNvGrpSpPr/>
-        <p:nvPr/>
-      </p:nvGrpSpPr>
-      <p:grpSpPr>
-        <a:xfrm>
-          <a:off x="0" y="0"/>
-          <a:ext cx="0" cy="0"/>
-          <a:chOff x="0" y="0"/>
-          <a:chExt cx="0" cy="0"/>
-        </a:xfrm>
-      </p:grpSpPr>
-      <p:sp>
-        <p:nvSpPr>
-          <p:cNvPr id="2" name="Title 1">
-            <a:extLst>
-              <a:ext uri="{FF2B5EF4-FFF2-40B4-BE49-F238E27FC236}">
-                <a16:creationId xmlns:a16="http://schemas.microsoft.com/office/drawing/2014/main" id="{472CA6C5-D301-54EC-AECC-79D1CFECC62C}"/>
-              </a:ext>
-            </a:extLst>
-          </p:cNvPr>
-          <p:cNvSpPr>
-            <a:spLocks noGrp="1"/>
-          </p:cNvSpPr>
-          <p:nvPr>
-            <p:ph type="title"/>
-          </p:nvPr>
-        </p:nvSpPr>
-        <p:spPr/>
-        <p:txBody>
-          <a:bodyPr/>
-          <a:lstStyle/>
-          <a:p>
-            <a:r>
-              <a:rPr lang="en-US" dirty="0"/>
-              <a:t>Api design for function calling..  continue</a:t>
-            </a:r>
-          </a:p>
-        </p:txBody>
-      </p:sp>
-      <p:sp>
-        <p:nvSpPr>
-          <p:cNvPr id="3" name="Content Placeholder 2">
-            <a:extLst>
-              <a:ext uri="{FF2B5EF4-FFF2-40B4-BE49-F238E27FC236}">
-                <a16:creationId xmlns:a16="http://schemas.microsoft.com/office/drawing/2014/main" id="{50582BAB-C074-1583-004B-0E400A787E29}"/>
-              </a:ext>
-            </a:extLst>
-          </p:cNvPr>
-          <p:cNvSpPr>
-            <a:spLocks noGrp="1"/>
-          </p:cNvSpPr>
-          <p:nvPr>
-            <p:ph idx="1"/>
-          </p:nvPr>
-        </p:nvSpPr>
-        <p:spPr/>
-        <p:txBody>
-          <a:bodyPr>
-            <a:normAutofit lnSpcReduction="10000"/>
-          </a:bodyPr>
-          <a:lstStyle/>
-          <a:p>
-            <a:r>
-              <a:rPr lang="en-US" dirty="0">
-                <a:sym typeface="Wingdings" panose="05000000000000000000" pitchFamily="2" charset="2"/>
-              </a:rPr>
-              <a:t>Validate the input with care (fluent validation)</a:t>
-            </a:r>
-          </a:p>
-          <a:p>
-            <a:r>
-              <a:rPr lang="en-US" dirty="0">
-                <a:sym typeface="Wingdings" panose="05000000000000000000" pitchFamily="2" charset="2"/>
-              </a:rPr>
-              <a:t>Return errors in Json format, stating clearly each property having problem and the action to take</a:t>
-            </a:r>
-          </a:p>
-          <a:p>
-            <a:r>
-              <a:rPr lang="en-US" dirty="0">
-                <a:sym typeface="Wingdings" panose="05000000000000000000" pitchFamily="2" charset="2"/>
-              </a:rPr>
-              <a:t>Your validation code must be </a:t>
-            </a:r>
-            <a:r>
-              <a:rPr lang="en-US" dirty="0" err="1">
-                <a:sym typeface="Wingdings" panose="05000000000000000000" pitchFamily="2" charset="2"/>
-              </a:rPr>
-              <a:t>conversational,suggesting</a:t>
-            </a:r>
-            <a:r>
-              <a:rPr lang="en-US" dirty="0">
-                <a:sym typeface="Wingdings" panose="05000000000000000000" pitchFamily="2" charset="2"/>
-              </a:rPr>
-              <a:t> action to the chatbot,  e.g. : </a:t>
-            </a:r>
-          </a:p>
-          <a:p>
-            <a:pPr marL="0" indent="0">
-              <a:buNone/>
-            </a:pPr>
-            <a:r>
-              <a:rPr lang="en-US" sz="1100" dirty="0" err="1">
-                <a:solidFill>
-                  <a:srgbClr val="000000"/>
-                </a:solidFill>
-                <a:latin typeface="Courier New" panose="02070309020205020404" pitchFamily="49" charset="0"/>
-                <a:cs typeface="Courier New" panose="02070309020205020404" pitchFamily="49" charset="0"/>
-              </a:rPr>
-              <a:t>ret.Errors.Add</a:t>
-            </a:r>
-            <a:r>
-              <a:rPr lang="en-US" sz="1100" dirty="0">
-                <a:solidFill>
-                  <a:srgbClr val="000000"/>
-                </a:solidFill>
-                <a:latin typeface="Courier New" panose="02070309020205020404" pitchFamily="49" charset="0"/>
-                <a:cs typeface="Courier New" panose="02070309020205020404" pitchFamily="49" charset="0"/>
-              </a:rPr>
-              <a:t>(</a:t>
-            </a:r>
-            <a:r>
-              <a:rPr lang="en-US" sz="1100" dirty="0">
-                <a:solidFill>
-                  <a:srgbClr val="0000FF"/>
-                </a:solidFill>
-                <a:latin typeface="Courier New" panose="02070309020205020404" pitchFamily="49" charset="0"/>
-                <a:cs typeface="Courier New" panose="02070309020205020404" pitchFamily="49" charset="0"/>
-              </a:rPr>
-              <a:t>new</a:t>
-            </a:r>
-            <a:r>
-              <a:rPr lang="en-US" sz="1100" dirty="0">
-                <a:solidFill>
-                  <a:srgbClr val="000000"/>
-                </a:solidFill>
-                <a:latin typeface="Courier New" panose="02070309020205020404" pitchFamily="49" charset="0"/>
-                <a:cs typeface="Courier New" panose="02070309020205020404" pitchFamily="49" charset="0"/>
-              </a:rPr>
-              <a:t> </a:t>
-            </a:r>
-            <a:r>
-              <a:rPr lang="en-US" sz="1100" dirty="0" err="1">
-                <a:solidFill>
-                  <a:srgbClr val="000000"/>
-                </a:solidFill>
-                <a:latin typeface="Courier New" panose="02070309020205020404" pitchFamily="49" charset="0"/>
-                <a:cs typeface="Courier New" panose="02070309020205020404" pitchFamily="49" charset="0"/>
-              </a:rPr>
-              <a:t>ValidationFailure</a:t>
-            </a:r>
-            <a:r>
-              <a:rPr lang="en-US" sz="1100" dirty="0">
-                <a:solidFill>
-                  <a:srgbClr val="000000"/>
-                </a:solidFill>
-                <a:latin typeface="Courier New" panose="02070309020205020404" pitchFamily="49" charset="0"/>
-                <a:cs typeface="Courier New" panose="02070309020205020404" pitchFamily="49" charset="0"/>
-              </a:rPr>
-              <a:t>(</a:t>
-            </a:r>
-            <a:r>
-              <a:rPr lang="en-US" sz="1100" dirty="0" err="1">
-                <a:solidFill>
-                  <a:srgbClr val="000000"/>
-                </a:solidFill>
-                <a:latin typeface="Courier New" panose="02070309020205020404" pitchFamily="49" charset="0"/>
-                <a:cs typeface="Courier New" panose="02070309020205020404" pitchFamily="49" charset="0"/>
-              </a:rPr>
-              <a:t>propertyName</a:t>
-            </a:r>
-            <a:r>
-              <a:rPr lang="en-US" sz="1100" dirty="0">
-                <a:solidFill>
-                  <a:srgbClr val="000000"/>
-                </a:solidFill>
-                <a:latin typeface="Courier New" panose="02070309020205020404" pitchFamily="49" charset="0"/>
-                <a:cs typeface="Courier New" panose="02070309020205020404" pitchFamily="49" charset="0"/>
-              </a:rPr>
-              <a:t>,</a:t>
-            </a:r>
-          </a:p>
-          <a:p>
-            <a:pPr marL="0" indent="0">
-              <a:buNone/>
-            </a:pPr>
-            <a:r>
-              <a:rPr lang="en-US" sz="1100" dirty="0">
-                <a:solidFill>
-                  <a:srgbClr val="000000"/>
-                </a:solidFill>
-                <a:latin typeface="Courier New" panose="02070309020205020404" pitchFamily="49" charset="0"/>
-                <a:cs typeface="Courier New" panose="02070309020205020404" pitchFamily="49" charset="0"/>
-              </a:rPr>
-              <a:t>     (</a:t>
-            </a:r>
-            <a:r>
-              <a:rPr lang="en-US" sz="1100" dirty="0">
-                <a:solidFill>
-                  <a:srgbClr val="0000FF"/>
-                </a:solidFill>
-                <a:latin typeface="Courier New" panose="02070309020205020404" pitchFamily="49" charset="0"/>
-                <a:cs typeface="Courier New" panose="02070309020205020404" pitchFamily="49" charset="0"/>
-              </a:rPr>
-              <a:t>new</a:t>
-            </a:r>
-            <a:r>
-              <a:rPr lang="en-US" sz="1100" dirty="0">
-                <a:solidFill>
-                  <a:srgbClr val="000000"/>
-                </a:solidFill>
-                <a:latin typeface="Courier New" panose="02070309020205020404" pitchFamily="49" charset="0"/>
-                <a:cs typeface="Courier New" panose="02070309020205020404" pitchFamily="49" charset="0"/>
-              </a:rPr>
-              <a:t> </a:t>
-            </a:r>
-            <a:r>
-              <a:rPr lang="en-US" sz="1100" dirty="0" err="1">
-                <a:solidFill>
-                  <a:srgbClr val="000000"/>
-                </a:solidFill>
-                <a:latin typeface="Courier New" panose="02070309020205020404" pitchFamily="49" charset="0"/>
-                <a:cs typeface="Courier New" panose="02070309020205020404" pitchFamily="49" charset="0"/>
-              </a:rPr>
-              <a:t>ValidationErrorInfo</a:t>
-            </a:r>
-            <a:r>
-              <a:rPr lang="en-US" sz="1100" dirty="0">
-                <a:solidFill>
-                  <a:srgbClr val="000000"/>
-                </a:solidFill>
-                <a:latin typeface="Courier New" panose="02070309020205020404" pitchFamily="49" charset="0"/>
-                <a:cs typeface="Courier New" panose="02070309020205020404" pitchFamily="49" charset="0"/>
-              </a:rPr>
-              <a:t> { </a:t>
-            </a:r>
-            <a:r>
-              <a:rPr lang="en-US" sz="1100" dirty="0" err="1">
-                <a:solidFill>
-                  <a:srgbClr val="000000"/>
-                </a:solidFill>
-                <a:latin typeface="Courier New" panose="02070309020205020404" pitchFamily="49" charset="0"/>
-                <a:cs typeface="Courier New" panose="02070309020205020404" pitchFamily="49" charset="0"/>
-              </a:rPr>
-              <a:t>ErrorCode</a:t>
-            </a:r>
-            <a:r>
-              <a:rPr lang="en-US" sz="1100" dirty="0">
-                <a:solidFill>
-                  <a:srgbClr val="000000"/>
-                </a:solidFill>
-                <a:latin typeface="Courier New" panose="02070309020205020404" pitchFamily="49" charset="0"/>
-                <a:cs typeface="Courier New" panose="02070309020205020404" pitchFamily="49" charset="0"/>
-              </a:rPr>
-              <a:t> = </a:t>
-            </a:r>
-            <a:r>
-              <a:rPr lang="en-US" sz="1100" dirty="0">
-                <a:solidFill>
-                  <a:srgbClr val="A31515"/>
-                </a:solidFill>
-                <a:latin typeface="Courier New" panose="02070309020205020404" pitchFamily="49" charset="0"/>
-                <a:cs typeface="Courier New" panose="02070309020205020404" pitchFamily="49" charset="0"/>
-              </a:rPr>
-              <a:t>$"ambiguous value for </a:t>
-            </a:r>
-            <a:r>
-              <a:rPr lang="en-US" sz="1100" dirty="0">
-                <a:solidFill>
-                  <a:srgbClr val="000000"/>
-                </a:solidFill>
-                <a:latin typeface="Courier New" panose="02070309020205020404" pitchFamily="49" charset="0"/>
-                <a:cs typeface="Courier New" panose="02070309020205020404" pitchFamily="49" charset="0"/>
-              </a:rPr>
-              <a:t>{</a:t>
-            </a:r>
-            <a:r>
-              <a:rPr lang="en-US" sz="1100" dirty="0" err="1">
-                <a:solidFill>
-                  <a:srgbClr val="000000"/>
-                </a:solidFill>
-                <a:latin typeface="Courier New" panose="02070309020205020404" pitchFamily="49" charset="0"/>
-                <a:cs typeface="Courier New" panose="02070309020205020404" pitchFamily="49" charset="0"/>
-              </a:rPr>
-              <a:t>propertyName</a:t>
-            </a:r>
-            <a:r>
-              <a:rPr lang="en-US" sz="1100" dirty="0">
-                <a:solidFill>
-                  <a:srgbClr val="000000"/>
-                </a:solidFill>
-                <a:latin typeface="Courier New" panose="02070309020205020404" pitchFamily="49" charset="0"/>
-                <a:cs typeface="Courier New" panose="02070309020205020404" pitchFamily="49" charset="0"/>
-              </a:rPr>
-              <a:t>}</a:t>
-            </a:r>
-            <a:r>
-              <a:rPr lang="en-US" sz="1100" dirty="0">
-                <a:solidFill>
-                  <a:srgbClr val="A31515"/>
-                </a:solidFill>
-                <a:latin typeface="Courier New" panose="02070309020205020404" pitchFamily="49" charset="0"/>
-                <a:cs typeface="Courier New" panose="02070309020205020404" pitchFamily="49" charset="0"/>
-              </a:rPr>
-              <a:t>"</a:t>
-            </a:r>
-            <a:endParaRPr lang="en-US" sz="1100" dirty="0">
-              <a:solidFill>
-                <a:srgbClr val="000000"/>
-              </a:solidFill>
-              <a:latin typeface="Courier New" panose="02070309020205020404" pitchFamily="49" charset="0"/>
-              <a:cs typeface="Courier New" panose="02070309020205020404" pitchFamily="49" charset="0"/>
-            </a:endParaRPr>
-          </a:p>
-          <a:p>
-            <a:pPr marL="0" indent="0">
-              <a:buNone/>
-            </a:pPr>
-            <a:r>
-              <a:rPr lang="en-US" sz="1100" dirty="0">
-                <a:solidFill>
-                  <a:srgbClr val="000000"/>
-                </a:solidFill>
-                <a:latin typeface="Courier New" panose="02070309020205020404" pitchFamily="49" charset="0"/>
-                <a:cs typeface="Courier New" panose="02070309020205020404" pitchFamily="49" charset="0"/>
-              </a:rPr>
-              <a:t>         </a:t>
-            </a:r>
-            <a:r>
-              <a:rPr lang="en-US" sz="1100" dirty="0" err="1">
-                <a:solidFill>
-                  <a:srgbClr val="000000"/>
-                </a:solidFill>
-                <a:latin typeface="Courier New" panose="02070309020205020404" pitchFamily="49" charset="0"/>
-                <a:cs typeface="Courier New" panose="02070309020205020404" pitchFamily="49" charset="0"/>
-              </a:rPr>
-              <a:t>AssistantAction</a:t>
-            </a:r>
-            <a:r>
-              <a:rPr lang="en-US" sz="1100" dirty="0">
-                <a:solidFill>
-                  <a:srgbClr val="000000"/>
-                </a:solidFill>
-                <a:latin typeface="Courier New" panose="02070309020205020404" pitchFamily="49" charset="0"/>
-                <a:cs typeface="Courier New" panose="02070309020205020404" pitchFamily="49" charset="0"/>
-              </a:rPr>
-              <a:t> = </a:t>
-            </a:r>
-            <a:r>
-              <a:rPr lang="en-US" sz="1100" dirty="0">
-                <a:solidFill>
-                  <a:srgbClr val="A31515"/>
-                </a:solidFill>
-                <a:latin typeface="Courier New" panose="02070309020205020404" pitchFamily="49" charset="0"/>
-                <a:cs typeface="Courier New" panose="02070309020205020404" pitchFamily="49" charset="0"/>
-              </a:rPr>
-              <a:t>$"reply to the user with these exact words: \"choose among the following values for </a:t>
-            </a:r>
-            <a:r>
-              <a:rPr lang="en-US" sz="1100" dirty="0">
-                <a:solidFill>
-                  <a:srgbClr val="000000"/>
-                </a:solidFill>
-                <a:latin typeface="Courier New" panose="02070309020205020404" pitchFamily="49" charset="0"/>
-                <a:cs typeface="Courier New" panose="02070309020205020404" pitchFamily="49" charset="0"/>
-              </a:rPr>
-              <a:t>{</a:t>
-            </a:r>
-            <a:r>
-              <a:rPr lang="en-US" sz="1100" dirty="0" err="1">
-                <a:solidFill>
-                  <a:srgbClr val="000000"/>
-                </a:solidFill>
-                <a:latin typeface="Courier New" panose="02070309020205020404" pitchFamily="49" charset="0"/>
-                <a:cs typeface="Courier New" panose="02070309020205020404" pitchFamily="49" charset="0"/>
-              </a:rPr>
-              <a:t>propertyName</a:t>
-            </a:r>
-            <a:r>
-              <a:rPr lang="en-US" sz="1100" dirty="0">
-                <a:solidFill>
-                  <a:srgbClr val="000000"/>
-                </a:solidFill>
-                <a:latin typeface="Courier New" panose="02070309020205020404" pitchFamily="49" charset="0"/>
-                <a:cs typeface="Courier New" panose="02070309020205020404" pitchFamily="49" charset="0"/>
-              </a:rPr>
-              <a:t>}</a:t>
-            </a:r>
-            <a:r>
-              <a:rPr lang="en-US" sz="1100" dirty="0">
-                <a:solidFill>
-                  <a:srgbClr val="A31515"/>
-                </a:solidFill>
-                <a:latin typeface="Courier New" panose="02070309020205020404" pitchFamily="49" charset="0"/>
-                <a:cs typeface="Courier New" panose="02070309020205020404" pitchFamily="49" charset="0"/>
-              </a:rPr>
-              <a:t> : </a:t>
-            </a:r>
-            <a:r>
-              <a:rPr lang="en-US" sz="1100" dirty="0">
-                <a:solidFill>
-                  <a:srgbClr val="000000"/>
-                </a:solidFill>
-                <a:latin typeface="Courier New" panose="02070309020205020404" pitchFamily="49" charset="0"/>
-                <a:cs typeface="Courier New" panose="02070309020205020404" pitchFamily="49" charset="0"/>
-              </a:rPr>
-              <a:t>{</a:t>
-            </a:r>
-            <a:r>
-              <a:rPr lang="en-US" sz="1100" dirty="0" err="1">
-                <a:solidFill>
-                  <a:srgbClr val="0000FF"/>
-                </a:solidFill>
-                <a:latin typeface="Courier New" panose="02070309020205020404" pitchFamily="49" charset="0"/>
-                <a:cs typeface="Courier New" panose="02070309020205020404" pitchFamily="49" charset="0"/>
-              </a:rPr>
-              <a:t>string</a:t>
-            </a:r>
-            <a:r>
-              <a:rPr lang="en-US" sz="1100" dirty="0" err="1">
-                <a:solidFill>
-                  <a:srgbClr val="000000"/>
-                </a:solidFill>
-                <a:latin typeface="Courier New" panose="02070309020205020404" pitchFamily="49" charset="0"/>
-                <a:cs typeface="Courier New" panose="02070309020205020404" pitchFamily="49" charset="0"/>
-              </a:rPr>
-              <a:t>.Join</a:t>
-            </a:r>
-            <a:r>
-              <a:rPr lang="en-US" sz="1100" dirty="0">
-                <a:solidFill>
-                  <a:srgbClr val="000000"/>
-                </a:solidFill>
-                <a:latin typeface="Courier New" panose="02070309020205020404" pitchFamily="49" charset="0"/>
-                <a:cs typeface="Courier New" panose="02070309020205020404" pitchFamily="49" charset="0"/>
-              </a:rPr>
-              <a:t>(</a:t>
-            </a:r>
-            <a:r>
-              <a:rPr lang="en-US" sz="1100" dirty="0">
-                <a:solidFill>
-                  <a:srgbClr val="A31515"/>
-                </a:solidFill>
-                <a:latin typeface="Courier New" panose="02070309020205020404" pitchFamily="49" charset="0"/>
-                <a:cs typeface="Courier New" panose="02070309020205020404" pitchFamily="49" charset="0"/>
-              </a:rPr>
-              <a:t>','</a:t>
-            </a:r>
-            <a:r>
-              <a:rPr lang="en-US" sz="1100" dirty="0">
-                <a:solidFill>
-                  <a:srgbClr val="000000"/>
-                </a:solidFill>
-                <a:latin typeface="Courier New" panose="02070309020205020404" pitchFamily="49" charset="0"/>
-                <a:cs typeface="Courier New" panose="02070309020205020404" pitchFamily="49" charset="0"/>
-              </a:rPr>
-              <a:t>,</a:t>
-            </a:r>
-            <a:r>
-              <a:rPr lang="en-US" sz="1100" dirty="0" err="1">
-                <a:solidFill>
-                  <a:srgbClr val="000000"/>
-                </a:solidFill>
-                <a:latin typeface="Courier New" panose="02070309020205020404" pitchFamily="49" charset="0"/>
-                <a:cs typeface="Courier New" panose="02070309020205020404" pitchFamily="49" charset="0"/>
-              </a:rPr>
-              <a:t>candidatePorts.Take</a:t>
-            </a:r>
-            <a:r>
-              <a:rPr lang="en-US" sz="1100" dirty="0">
-                <a:solidFill>
-                  <a:srgbClr val="000000"/>
-                </a:solidFill>
-                <a:latin typeface="Courier New" panose="02070309020205020404" pitchFamily="49" charset="0"/>
-                <a:cs typeface="Courier New" panose="02070309020205020404" pitchFamily="49" charset="0"/>
-              </a:rPr>
-              <a:t>(5).Select(</a:t>
-            </a:r>
-            <a:r>
-              <a:rPr lang="en-US" sz="1100" dirty="0" err="1">
-                <a:solidFill>
-                  <a:srgbClr val="000000"/>
-                </a:solidFill>
-                <a:latin typeface="Courier New" panose="02070309020205020404" pitchFamily="49" charset="0"/>
-                <a:cs typeface="Courier New" panose="02070309020205020404" pitchFamily="49" charset="0"/>
-              </a:rPr>
-              <a:t>FormatPort</a:t>
-            </a:r>
-            <a:r>
-              <a:rPr lang="en-US" sz="1100" dirty="0">
-                <a:solidFill>
-                  <a:srgbClr val="000000"/>
-                </a:solidFill>
-                <a:latin typeface="Courier New" panose="02070309020205020404" pitchFamily="49" charset="0"/>
-                <a:cs typeface="Courier New" panose="02070309020205020404" pitchFamily="49" charset="0"/>
-              </a:rPr>
-              <a:t>))}</a:t>
-            </a:r>
-            <a:r>
-              <a:rPr lang="en-US" sz="1100" dirty="0">
-                <a:solidFill>
-                  <a:srgbClr val="A31515"/>
-                </a:solidFill>
-                <a:latin typeface="Courier New" panose="02070309020205020404" pitchFamily="49" charset="0"/>
-                <a:cs typeface="Courier New" panose="02070309020205020404" pitchFamily="49" charset="0"/>
-              </a:rPr>
-              <a:t>\"" </a:t>
-            </a:r>
-            <a:r>
-              <a:rPr lang="en-US" sz="1100" dirty="0">
-                <a:solidFill>
-                  <a:srgbClr val="000000"/>
-                </a:solidFill>
-                <a:latin typeface="Courier New" panose="02070309020205020404" pitchFamily="49" charset="0"/>
-                <a:cs typeface="Courier New" panose="02070309020205020404" pitchFamily="49" charset="0"/>
-              </a:rPr>
-              <a:t>}.</a:t>
-            </a:r>
-            <a:r>
-              <a:rPr lang="en-US" sz="1100" dirty="0" err="1">
-                <a:solidFill>
-                  <a:srgbClr val="000000"/>
-                </a:solidFill>
-                <a:latin typeface="Courier New" panose="02070309020205020404" pitchFamily="49" charset="0"/>
-                <a:cs typeface="Courier New" panose="02070309020205020404" pitchFamily="49" charset="0"/>
-              </a:rPr>
-              <a:t>ToJson</a:t>
-            </a:r>
-            <a:r>
-              <a:rPr lang="en-US" sz="1100" dirty="0">
-                <a:solidFill>
-                  <a:srgbClr val="000000"/>
-                </a:solidFill>
-                <a:latin typeface="Courier New" panose="02070309020205020404" pitchFamily="49" charset="0"/>
-                <a:cs typeface="Courier New" panose="02070309020205020404" pitchFamily="49" charset="0"/>
-              </a:rPr>
-              <a:t>())));</a:t>
-            </a:r>
-          </a:p>
-          <a:p>
-            <a:endParaRPr lang="en-US" dirty="0">
-              <a:sym typeface="Wingdings" panose="05000000000000000000" pitchFamily="2" charset="2"/>
-            </a:endParaRPr>
-          </a:p>
-          <a:p>
-            <a:r>
-              <a:rPr lang="en-US" dirty="0">
-                <a:sym typeface="Wingdings" panose="05000000000000000000" pitchFamily="2" charset="2"/>
-              </a:rPr>
-              <a:t>Given this requirements the api you target the call will be likely a proxy to an actual existing api. </a:t>
-            </a:r>
-          </a:p>
-          <a:p>
-            <a:endParaRPr lang="en-US" dirty="0"/>
-          </a:p>
-        </p:txBody>
-      </p:sp>
-    </p:spTree>
-    <p:extLst>
-      <p:ext uri="{BB962C8B-B14F-4D97-AF65-F5344CB8AC3E}">
-        <p14:creationId xmlns:p14="http://schemas.microsoft.com/office/powerpoint/2010/main" val="2234336054"/>
-      </p:ext>
-    </p:extLst>
-  </p:cSld>
-  <p:clrMapOvr>
-    <a:masterClrMapping/>
-  </p:clrMapOvr>
-</p:sld>
-</file>
-
-<file path=ppt/slides/slide14.xml><?xml version="1.0" encoding="utf-8"?>
-<p:sld xmlns:a="http://schemas.openxmlformats.org/drawingml/2006/main" xmlns:r="http://schemas.openxmlformats.org/officeDocument/2006/relationships" xmlns:p="http://schemas.openxmlformats.org/presentationml/2006/main">
-  <p:cSld>
-    <p:spTree>
-      <p:nvGrpSpPr>
-        <p:cNvPr id="1" name=""/>
-        <p:cNvGrpSpPr/>
-        <p:nvPr/>
-      </p:nvGrpSpPr>
-      <p:grpSpPr>
-        <a:xfrm>
-          <a:off x="0" y="0"/>
-          <a:ext cx="0" cy="0"/>
-          <a:chOff x="0" y="0"/>
-          <a:chExt cx="0" cy="0"/>
-        </a:xfrm>
-      </p:grpSpPr>
-      <p:sp>
-        <p:nvSpPr>
-          <p:cNvPr id="2" name="Title 1">
-            <a:extLst>
-              <a:ext uri="{FF2B5EF4-FFF2-40B4-BE49-F238E27FC236}">
-                <a16:creationId xmlns:a16="http://schemas.microsoft.com/office/drawing/2014/main" id="{738CD57D-70E7-1BDF-4AB1-754912A38D39}"/>
-              </a:ext>
-            </a:extLst>
-          </p:cNvPr>
-          <p:cNvSpPr>
-            <a:spLocks noGrp="1"/>
-          </p:cNvSpPr>
-          <p:nvPr>
-            <p:ph type="title"/>
-          </p:nvPr>
-        </p:nvSpPr>
-        <p:spPr/>
-        <p:txBody>
-          <a:bodyPr/>
-          <a:lstStyle/>
-          <a:p>
-            <a:r>
-              <a:rPr lang="en-US" dirty="0"/>
-              <a:t>gotchas</a:t>
-            </a:r>
-          </a:p>
-        </p:txBody>
-      </p:sp>
-      <p:sp>
-        <p:nvSpPr>
-          <p:cNvPr id="3" name="Content Placeholder 2">
-            <a:extLst>
-              <a:ext uri="{FF2B5EF4-FFF2-40B4-BE49-F238E27FC236}">
-                <a16:creationId xmlns:a16="http://schemas.microsoft.com/office/drawing/2014/main" id="{5D6012E5-8589-D8A0-5999-F8C417FFAA30}"/>
-              </a:ext>
-            </a:extLst>
-          </p:cNvPr>
-          <p:cNvSpPr>
-            <a:spLocks noGrp="1"/>
-          </p:cNvSpPr>
-          <p:nvPr>
-            <p:ph idx="1"/>
-          </p:nvPr>
-        </p:nvSpPr>
-        <p:spPr/>
-        <p:txBody>
-          <a:bodyPr/>
-          <a:lstStyle/>
-          <a:p>
-            <a:r>
-              <a:rPr lang="en-US" dirty="0"/>
-              <a:t>The AI sometime make up parameters (e.g. : email)</a:t>
-            </a:r>
-          </a:p>
-          <a:p>
-            <a:r>
-              <a:rPr lang="en-US" dirty="0"/>
-              <a:t>Put up a good system message</a:t>
-            </a:r>
-          </a:p>
-          <a:p>
-            <a:r>
-              <a:rPr lang="en-US" dirty="0"/>
-              <a:t>Do not expect that required setting is always respected for the properties</a:t>
-            </a:r>
-          </a:p>
-          <a:p>
-            <a:endParaRPr lang="en-US" dirty="0"/>
-          </a:p>
-        </p:txBody>
-      </p:sp>
-    </p:spTree>
-    <p:extLst>
-      <p:ext uri="{BB962C8B-B14F-4D97-AF65-F5344CB8AC3E}">
-        <p14:creationId xmlns:p14="http://schemas.microsoft.com/office/powerpoint/2010/main" val="3032493198"/>
-      </p:ext>
-    </p:extLst>
-  </p:cSld>
-  <p:clrMapOvr>
-    <a:masterClrMapping/>
-  </p:clrMapOvr>
-</p:sld>
-</file>
-
-<file path=ppt/slides/slide15.xml><?xml version="1.0" encoding="utf-8"?>
-<p:sld xmlns:a="http://schemas.openxmlformats.org/drawingml/2006/main" xmlns:r="http://schemas.openxmlformats.org/officeDocument/2006/relationships" xmlns:p="http://schemas.openxmlformats.org/presentationml/2006/main">
-  <p:cSld>
-    <p:spTree>
-      <p:nvGrpSpPr>
-        <p:cNvPr id="1" name=""/>
-        <p:cNvGrpSpPr/>
-        <p:nvPr/>
-      </p:nvGrpSpPr>
-      <p:grpSpPr>
-        <a:xfrm>
-          <a:off x="0" y="0"/>
-          <a:ext cx="0" cy="0"/>
-          <a:chOff x="0" y="0"/>
-          <a:chExt cx="0" cy="0"/>
-        </a:xfrm>
-      </p:grpSpPr>
-      <p:sp>
-        <p:nvSpPr>
-          <p:cNvPr id="2" name="Title 1">
-            <a:extLst>
-              <a:ext uri="{FF2B5EF4-FFF2-40B4-BE49-F238E27FC236}">
-                <a16:creationId xmlns:a16="http://schemas.microsoft.com/office/drawing/2014/main" id="{14C425C7-5AD3-A208-089A-82DD7DC3B7F0}"/>
-              </a:ext>
-            </a:extLst>
-          </p:cNvPr>
-          <p:cNvSpPr>
-            <a:spLocks noGrp="1"/>
-          </p:cNvSpPr>
-          <p:nvPr>
-            <p:ph type="title"/>
-          </p:nvPr>
-        </p:nvSpPr>
-        <p:spPr/>
-        <p:txBody>
-          <a:bodyPr/>
-          <a:lstStyle/>
-          <a:p>
-            <a:r>
-              <a:rPr lang="en-US" dirty="0"/>
-              <a:t>EXAMPLE</a:t>
-            </a:r>
-          </a:p>
-        </p:txBody>
-      </p:sp>
-      <p:sp>
-        <p:nvSpPr>
-          <p:cNvPr id="3" name="Content Placeholder 2">
-            <a:extLst>
-              <a:ext uri="{FF2B5EF4-FFF2-40B4-BE49-F238E27FC236}">
-                <a16:creationId xmlns:a16="http://schemas.microsoft.com/office/drawing/2014/main" id="{3E9314EB-C74E-4EDF-32DE-93724FB6B3D8}"/>
-              </a:ext>
-            </a:extLst>
-          </p:cNvPr>
-          <p:cNvSpPr>
-            <a:spLocks noGrp="1"/>
-          </p:cNvSpPr>
-          <p:nvPr>
-            <p:ph idx="1"/>
-          </p:nvPr>
-        </p:nvSpPr>
-        <p:spPr/>
-        <p:txBody>
-          <a:bodyPr/>
-          <a:lstStyle/>
-          <a:p>
-            <a:r>
-              <a:rPr lang="en-US" dirty="0"/>
-              <a:t>List, Create quotes in mymsc</a:t>
-            </a:r>
-          </a:p>
-        </p:txBody>
-      </p:sp>
-    </p:spTree>
-    <p:extLst>
-      <p:ext uri="{BB962C8B-B14F-4D97-AF65-F5344CB8AC3E}">
-        <p14:creationId xmlns:p14="http://schemas.microsoft.com/office/powerpoint/2010/main" val="886877064"/>
-      </p:ext>
-    </p:extLst>
-  </p:cSld>
-  <p:clrMapOvr>
-    <a:masterClrMapping/>
-  </p:clrMapOvr>
-</p:sld>
-</file>
-
-<file path=ppt/slides/slide16.xml><?xml version="1.0" encoding="utf-8"?>
-<p:sld xmlns:a="http://schemas.openxmlformats.org/drawingml/2006/main" xmlns:r="http://schemas.openxmlformats.org/officeDocument/2006/relationships" xmlns:p="http://schemas.openxmlformats.org/presentationml/2006/main">
-  <p:cSld>
-    <p:spTree>
-      <p:nvGrpSpPr>
-        <p:cNvPr id="1" name=""/>
-        <p:cNvGrpSpPr/>
-        <p:nvPr/>
-      </p:nvGrpSpPr>
-      <p:grpSpPr>
-        <a:xfrm>
-          <a:off x="0" y="0"/>
-          <a:ext cx="0" cy="0"/>
-          <a:chOff x="0" y="0"/>
-          <a:chExt cx="0" cy="0"/>
-        </a:xfrm>
-      </p:grpSpPr>
-      <p:sp>
-        <p:nvSpPr>
-          <p:cNvPr id="2" name="Title 1">
-            <a:extLst>
-              <a:ext uri="{FF2B5EF4-FFF2-40B4-BE49-F238E27FC236}">
-                <a16:creationId xmlns:a16="http://schemas.microsoft.com/office/drawing/2014/main" id="{34C99798-D831-0741-2031-6CC6E08DD38F}"/>
-              </a:ext>
-            </a:extLst>
-          </p:cNvPr>
-          <p:cNvSpPr>
-            <a:spLocks noGrp="1"/>
-          </p:cNvSpPr>
-          <p:nvPr>
-            <p:ph type="title"/>
-          </p:nvPr>
-        </p:nvSpPr>
-        <p:spPr/>
-        <p:txBody>
-          <a:bodyPr/>
-          <a:lstStyle/>
-          <a:p>
-            <a:r>
-              <a:rPr lang="en-US" dirty="0"/>
-              <a:t>Tools-calls</a:t>
-            </a:r>
-          </a:p>
-        </p:txBody>
-      </p:sp>
-      <p:sp>
-        <p:nvSpPr>
-          <p:cNvPr id="3" name="Content Placeholder 2">
-            <a:extLst>
-              <a:ext uri="{FF2B5EF4-FFF2-40B4-BE49-F238E27FC236}">
-                <a16:creationId xmlns:a16="http://schemas.microsoft.com/office/drawing/2014/main" id="{68F51F98-4A09-C940-F5F3-B7703CD32365}"/>
-              </a:ext>
-            </a:extLst>
-          </p:cNvPr>
-          <p:cNvSpPr>
-            <a:spLocks noGrp="1"/>
-          </p:cNvSpPr>
-          <p:nvPr>
-            <p:ph idx="1"/>
-          </p:nvPr>
-        </p:nvSpPr>
-        <p:spPr/>
-        <p:txBody>
-          <a:bodyPr>
-            <a:normAutofit/>
-          </a:bodyPr>
-          <a:lstStyle/>
-          <a:p>
-            <a:r>
-              <a:rPr lang="en-US" dirty="0"/>
-              <a:t>Available starting from </a:t>
-            </a:r>
-            <a:r>
-              <a:rPr lang="en-US" i="1" dirty="0"/>
-              <a:t>gpt-3.5 1106 </a:t>
-            </a:r>
-            <a:r>
-              <a:rPr lang="en-US" dirty="0"/>
-              <a:t>and </a:t>
-            </a:r>
-            <a:r>
-              <a:rPr lang="en-US" i="1" dirty="0"/>
-              <a:t>gpt-4 1106 </a:t>
-            </a:r>
-          </a:p>
-          <a:p>
-            <a:pPr lvl="1"/>
-            <a:r>
-              <a:rPr lang="en-US" dirty="0"/>
-              <a:t>Function calls have become "deprecated": they have become a possible </a:t>
-            </a:r>
-            <a:r>
-              <a:rPr lang="en-US" i="1" dirty="0"/>
-              <a:t>tool-type</a:t>
-            </a:r>
-            <a:r>
-              <a:rPr lang="en-US" dirty="0"/>
-              <a:t> value for tools-calls</a:t>
-            </a:r>
-          </a:p>
-          <a:p>
-            <a:r>
-              <a:rPr lang="en-US" dirty="0"/>
-              <a:t>Tools are an abstraction to accommodate different "external data sources" </a:t>
-            </a:r>
-          </a:p>
-          <a:p>
-            <a:pPr lvl="1"/>
-            <a:r>
-              <a:rPr lang="en-US" i="1" dirty="0"/>
-              <a:t>Currently "function" is the only tool type supported in chat-completion api</a:t>
-            </a:r>
-          </a:p>
-          <a:p>
-            <a:pPr lvl="1"/>
-            <a:r>
-              <a:rPr lang="en-US" dirty="0"/>
-              <a:t>Chatgpt can return reply with more than one tool call</a:t>
-            </a:r>
-          </a:p>
-          <a:p>
-            <a:r>
-              <a:rPr lang="en-US" dirty="0"/>
-              <a:t>Assistant api have similar concept of tools but support more: </a:t>
-            </a:r>
-          </a:p>
-          <a:p>
-            <a:pPr lvl="1"/>
-            <a:r>
-              <a:rPr lang="en-US" dirty="0"/>
-              <a:t>Functions, Code interpreter, Knowledge Retrieval</a:t>
-            </a:r>
-          </a:p>
-          <a:p>
-            <a:pPr lvl="1"/>
-            <a:r>
-              <a:rPr lang="en-US" dirty="0"/>
-              <a:t>Still in beta, deserve a dedicated session</a:t>
-            </a:r>
-          </a:p>
-          <a:p>
-            <a:pPr lvl="1"/>
-            <a:endParaRPr lang="en-US" dirty="0"/>
-          </a:p>
-        </p:txBody>
-      </p:sp>
-    </p:spTree>
-    <p:extLst>
-      <p:ext uri="{BB962C8B-B14F-4D97-AF65-F5344CB8AC3E}">
-        <p14:creationId xmlns:p14="http://schemas.microsoft.com/office/powerpoint/2010/main" val="1466022549"/>
-      </p:ext>
-    </p:extLst>
-  </p:cSld>
-  <p:clrMapOvr>
-    <a:masterClrMapping/>
-  </p:clrMapOvr>
-</p:sld>
-</file>
-
-<file path=ppt/slides/slide17.xml><?xml version="1.0" encoding="utf-8"?>
-<p:sld xmlns:a="http://schemas.openxmlformats.org/drawingml/2006/main" xmlns:r="http://schemas.openxmlformats.org/officeDocument/2006/relationships" xmlns:p="http://schemas.openxmlformats.org/presentationml/2006/main">
-  <p:cSld>
-    <p:spTree>
-      <p:nvGrpSpPr>
-        <p:cNvPr id="1" name=""/>
-        <p:cNvGrpSpPr/>
-        <p:nvPr/>
-      </p:nvGrpSpPr>
-      <p:grpSpPr>
-        <a:xfrm>
-          <a:off x="0" y="0"/>
-          <a:ext cx="0" cy="0"/>
-          <a:chOff x="0" y="0"/>
-          <a:chExt cx="0" cy="0"/>
-        </a:xfrm>
-      </p:grpSpPr>
-      <p:sp>
-        <p:nvSpPr>
-          <p:cNvPr id="3" name="Content Placeholder 2">
-            <a:extLst>
-              <a:ext uri="{FF2B5EF4-FFF2-40B4-BE49-F238E27FC236}">
-                <a16:creationId xmlns:a16="http://schemas.microsoft.com/office/drawing/2014/main" id="{962A1F63-26DC-0AF6-E788-C9BDEA11A97E}"/>
-              </a:ext>
-            </a:extLst>
-          </p:cNvPr>
-          <p:cNvSpPr>
-            <a:spLocks noGrp="1"/>
-          </p:cNvSpPr>
-          <p:nvPr>
-            <p:ph idx="1"/>
-          </p:nvPr>
-        </p:nvSpPr>
-        <p:spPr>
-          <a:xfrm>
-            <a:off x="536448" y="115696"/>
-            <a:ext cx="11497056" cy="6413119"/>
-          </a:xfrm>
-        </p:spPr>
-        <p:txBody>
-          <a:bodyPr>
-            <a:noAutofit/>
-          </a:bodyPr>
-          <a:lstStyle/>
-          <a:p>
-            <a:pPr marL="0" indent="0">
-              <a:buNone/>
-            </a:pPr>
-            <a:r>
-              <a:rPr lang="en-US" sz="1800" dirty="0"/>
-              <a:t>tools = [     {</a:t>
-            </a:r>
-            <a:br>
-              <a:rPr lang="en-US" sz="1800" dirty="0"/>
-            </a:br>
-            <a:r>
-              <a:rPr lang="en-US" sz="1800" dirty="0"/>
-              <a:t>        "type": "function",</a:t>
-            </a:r>
-            <a:br>
-              <a:rPr lang="en-US" sz="1800" dirty="0"/>
-            </a:br>
-            <a:r>
-              <a:rPr lang="en-US" sz="1800" dirty="0"/>
-              <a:t>        "function": { "name": "</a:t>
-            </a:r>
-            <a:r>
-              <a:rPr lang="en-US" sz="1800" dirty="0" err="1"/>
-              <a:t>get_current_weather</a:t>
-            </a:r>
-            <a:r>
-              <a:rPr lang="en-US" sz="1800" dirty="0"/>
-              <a:t>", "description": "Get the current weather",</a:t>
-            </a:r>
-            <a:br>
-              <a:rPr lang="en-US" sz="1800" dirty="0"/>
-            </a:br>
-            <a:r>
-              <a:rPr lang="en-US" sz="1800" dirty="0"/>
-              <a:t>            "parameters": {</a:t>
-            </a:r>
-            <a:br>
-              <a:rPr lang="en-US" sz="1800" dirty="0"/>
-            </a:br>
-            <a:r>
-              <a:rPr lang="en-US" sz="1800" dirty="0"/>
-              <a:t>                "type": "object",</a:t>
-            </a:r>
-            <a:br>
-              <a:rPr lang="en-US" sz="1800" dirty="0"/>
-            </a:br>
-            <a:r>
-              <a:rPr lang="en-US" sz="1800" dirty="0"/>
-              <a:t>                "properties": { </a:t>
-            </a:r>
-            <a:br>
-              <a:rPr lang="en-US" sz="1800" dirty="0"/>
-            </a:br>
-            <a:r>
-              <a:rPr lang="en-US" sz="1800" dirty="0"/>
-              <a:t>                    "location": { "type": "string",  "description": "The city and state, e.g. San Francisco, CA" } </a:t>
-            </a:r>
-            <a:br>
-              <a:rPr lang="en-US" sz="1800" dirty="0"/>
-            </a:br>
-            <a:r>
-              <a:rPr lang="en-US" sz="1800" dirty="0"/>
-              <a:t>                },</a:t>
-            </a:r>
-            <a:br>
-              <a:rPr lang="en-US" sz="1800" dirty="0"/>
-            </a:br>
-            <a:r>
-              <a:rPr lang="en-US" sz="1800" dirty="0"/>
-              <a:t>                "required": ["location"]</a:t>
-            </a:r>
-            <a:br>
-              <a:rPr lang="en-US" sz="1800" dirty="0"/>
-            </a:br>
-            <a:r>
-              <a:rPr lang="en-US" sz="1800" dirty="0"/>
-              <a:t>            },</a:t>
-            </a:r>
-            <a:br>
-              <a:rPr lang="en-US" sz="1800" dirty="0"/>
-            </a:br>
-            <a:r>
-              <a:rPr lang="en-US" sz="1800" dirty="0"/>
-              <a:t>        }</a:t>
-            </a:r>
-            <a:br>
-              <a:rPr lang="en-US" sz="1800" dirty="0"/>
-            </a:br>
-            <a:r>
-              <a:rPr lang="en-US" sz="1800" dirty="0"/>
-              <a:t>    },</a:t>
-            </a:r>
-            <a:br>
-              <a:rPr lang="en-US" sz="1800" dirty="0"/>
-            </a:br>
-            <a:r>
-              <a:rPr lang="en-US" sz="1800" dirty="0"/>
-              <a:t>    {</a:t>
-            </a:r>
-            <a:br>
-              <a:rPr lang="en-US" sz="1800" dirty="0"/>
-            </a:br>
-            <a:r>
-              <a:rPr lang="en-US" sz="1800" dirty="0"/>
-              <a:t>        "type": "function",</a:t>
-            </a:r>
-            <a:br>
-              <a:rPr lang="en-US" sz="1800" dirty="0"/>
-            </a:br>
-            <a:r>
-              <a:rPr lang="en-US" sz="1800" dirty="0"/>
-              <a:t>        "function": { "name": "</a:t>
-            </a:r>
-            <a:r>
-              <a:rPr lang="en-US" sz="1800" dirty="0" err="1"/>
-              <a:t>get_n_day_weather_forecast</a:t>
-            </a:r>
-            <a:r>
-              <a:rPr lang="en-US" sz="1800" dirty="0"/>
-              <a:t>", "description": "Get an N-day weather forecast",</a:t>
-            </a:r>
-            <a:br>
-              <a:rPr lang="en-US" sz="1800" dirty="0"/>
-            </a:br>
-            <a:r>
-              <a:rPr lang="en-US" sz="1800" dirty="0"/>
-              <a:t>            "parameters": {</a:t>
-            </a:r>
-            <a:br>
-              <a:rPr lang="en-US" sz="1800" dirty="0"/>
-            </a:br>
-            <a:r>
-              <a:rPr lang="en-US" sz="1800" dirty="0"/>
-              <a:t>                "type": "object",                </a:t>
-            </a:r>
-            <a:br>
-              <a:rPr lang="en-US" sz="1800" dirty="0"/>
-            </a:br>
-            <a:r>
-              <a:rPr lang="en-US" sz="1800" dirty="0"/>
-              <a:t>                "properties": { </a:t>
-            </a:r>
-            <a:br>
-              <a:rPr lang="en-US" sz="1800" dirty="0"/>
-            </a:br>
-            <a:r>
-              <a:rPr lang="en-US" sz="1800" dirty="0"/>
-              <a:t>                       "location": { "type": "string", "description": "The city and state, e.g. San Francisco, CA"},   </a:t>
-            </a:r>
-            <a:br>
-              <a:rPr lang="en-US" sz="1800" dirty="0"/>
-            </a:br>
-            <a:r>
-              <a:rPr lang="en-US" sz="1800" dirty="0"/>
-              <a:t>                       "</a:t>
-            </a:r>
-            <a:r>
-              <a:rPr lang="en-US" sz="1800" dirty="0" err="1"/>
-              <a:t>num_days</a:t>
-            </a:r>
-            <a:r>
-              <a:rPr lang="en-US" sz="1800" dirty="0"/>
-              <a:t>": {"type": "integer", "description": "The number of days to forecast"}</a:t>
-            </a:r>
-            <a:br>
-              <a:rPr lang="en-US" sz="1800" dirty="0"/>
-            </a:br>
-            <a:r>
-              <a:rPr lang="en-US" sz="1800" dirty="0"/>
-              <a:t>                 },</a:t>
-            </a:r>
-            <a:br>
-              <a:rPr lang="en-US" sz="1800" dirty="0"/>
-            </a:br>
-            <a:r>
-              <a:rPr lang="en-US" sz="1800" dirty="0"/>
-              <a:t>                "required": ["location", "</a:t>
-            </a:r>
-            <a:r>
-              <a:rPr lang="en-US" sz="1800" dirty="0" err="1"/>
-              <a:t>num_days</a:t>
-            </a:r>
-            <a:r>
-              <a:rPr lang="en-US" sz="1800" dirty="0"/>
-              <a:t>"]</a:t>
-            </a:r>
-            <a:br>
-              <a:rPr lang="en-US" sz="1800" dirty="0"/>
-            </a:br>
-            <a:r>
-              <a:rPr lang="en-US" sz="1800" dirty="0"/>
-              <a:t>            },</a:t>
-            </a:r>
-            <a:br>
-              <a:rPr lang="en-US" sz="1800" dirty="0"/>
-            </a:br>
-            <a:r>
-              <a:rPr lang="en-US" sz="1800" dirty="0"/>
-              <a:t>        }</a:t>
-            </a:r>
-            <a:br>
-              <a:rPr lang="en-US" sz="1800" dirty="0"/>
-            </a:br>
-            <a:r>
-              <a:rPr lang="en-US" sz="1800" dirty="0"/>
-              <a:t>    },</a:t>
-            </a:r>
-            <a:br>
-              <a:rPr lang="en-US" sz="1800" dirty="0"/>
-            </a:br>
-            <a:r>
-              <a:rPr lang="en-US" sz="1800" dirty="0"/>
-              <a:t>]</a:t>
-            </a:r>
-          </a:p>
-        </p:txBody>
-      </p:sp>
-    </p:spTree>
-    <p:extLst>
-      <p:ext uri="{BB962C8B-B14F-4D97-AF65-F5344CB8AC3E}">
-        <p14:creationId xmlns:p14="http://schemas.microsoft.com/office/powerpoint/2010/main" val="2373887976"/>
-      </p:ext>
-    </p:extLst>
-  </p:cSld>
-  <p:clrMapOvr>
-    <a:masterClrMapping/>
-  </p:clrMapOvr>
-</p:sld>
-</file>
-
-<file path=ppt/slides/slide18.xml><?xml version="1.0" encoding="utf-8"?>
-<p:sld xmlns:a="http://schemas.openxmlformats.org/drawingml/2006/main" xmlns:r="http://schemas.openxmlformats.org/officeDocument/2006/relationships" xmlns:p="http://schemas.openxmlformats.org/presentationml/2006/main">
-  <p:cSld>
-    <p:spTree>
-      <p:nvGrpSpPr>
-        <p:cNvPr id="1" name=""/>
-        <p:cNvGrpSpPr/>
-        <p:nvPr/>
-      </p:nvGrpSpPr>
-      <p:grpSpPr>
-        <a:xfrm>
-          <a:off x="0" y="0"/>
-          <a:ext cx="0" cy="0"/>
-          <a:chOff x="0" y="0"/>
-          <a:chExt cx="0" cy="0"/>
-        </a:xfrm>
-      </p:grpSpPr>
-      <p:sp>
-        <p:nvSpPr>
-          <p:cNvPr id="2" name="Title 1">
-            <a:extLst>
-              <a:ext uri="{FF2B5EF4-FFF2-40B4-BE49-F238E27FC236}">
-                <a16:creationId xmlns:a16="http://schemas.microsoft.com/office/drawing/2014/main" id="{7A3CD463-38BF-B1AD-F428-F521A5C27A15}"/>
-              </a:ext>
-            </a:extLst>
-          </p:cNvPr>
-          <p:cNvSpPr>
-            <a:spLocks noGrp="1"/>
-          </p:cNvSpPr>
-          <p:nvPr>
-            <p:ph type="title"/>
-          </p:nvPr>
-        </p:nvSpPr>
-        <p:spPr/>
-        <p:txBody>
-          <a:bodyPr/>
-          <a:lstStyle/>
-          <a:p>
-            <a:r>
-              <a:rPr lang="en-US" dirty="0"/>
-              <a:t>Migrate function calls to tools-call </a:t>
-            </a:r>
-            <a:br>
-              <a:rPr lang="en-US" dirty="0"/>
-            </a:br>
-            <a:endParaRPr lang="en-US" dirty="0"/>
-          </a:p>
-        </p:txBody>
-      </p:sp>
-      <p:sp>
-        <p:nvSpPr>
-          <p:cNvPr id="3" name="Content Placeholder 2">
-            <a:extLst>
-              <a:ext uri="{FF2B5EF4-FFF2-40B4-BE49-F238E27FC236}">
-                <a16:creationId xmlns:a16="http://schemas.microsoft.com/office/drawing/2014/main" id="{38A01988-4E4F-7E8B-DBEA-CBC2AF8020B6}"/>
-              </a:ext>
-            </a:extLst>
-          </p:cNvPr>
-          <p:cNvSpPr>
-            <a:spLocks noGrp="1"/>
-          </p:cNvSpPr>
-          <p:nvPr>
-            <p:ph idx="1"/>
-          </p:nvPr>
-        </p:nvSpPr>
-        <p:spPr/>
-        <p:txBody>
-          <a:bodyPr/>
-          <a:lstStyle/>
-          <a:p>
-            <a:r>
-              <a:rPr lang="en-US" dirty="0"/>
-              <a:t>Along with the Json reply from the api, need to pass also the corresponding Json returned by the ai in previous step (used as input of the api call)</a:t>
-            </a:r>
-          </a:p>
-          <a:p>
-            <a:r>
-              <a:rPr lang="en-US" dirty="0"/>
-              <a:t>Each function call reply has got an </a:t>
-            </a:r>
-            <a:r>
-              <a:rPr lang="en-US" i="1" dirty="0"/>
-              <a:t>id</a:t>
-            </a:r>
-            <a:r>
-              <a:rPr lang="en-US" dirty="0"/>
-              <a:t> that must be "copied" to the corresponding api reply when passing the Json reply to the ai </a:t>
-            </a:r>
-          </a:p>
-          <a:p>
-            <a:pPr lvl="1"/>
-            <a:r>
-              <a:rPr lang="en-US" dirty="0"/>
-              <a:t>Required to correlate input-output of each function call (since there could be more than one)</a:t>
-            </a:r>
-          </a:p>
-        </p:txBody>
-      </p:sp>
-    </p:spTree>
-    <p:extLst>
-      <p:ext uri="{BB962C8B-B14F-4D97-AF65-F5344CB8AC3E}">
-        <p14:creationId xmlns:p14="http://schemas.microsoft.com/office/powerpoint/2010/main" val="1882048807"/>
-      </p:ext>
-    </p:extLst>
-  </p:cSld>
-  <p:clrMapOvr>
-    <a:masterClrMapping/>
-  </p:clrMapOvr>
-</p:sld>
-</file>
-
-<file path=ppt/slides/slide19.xml><?xml version="1.0" encoding="utf-8"?>
-<p:sld xmlns:a="http://schemas.openxmlformats.org/drawingml/2006/main" xmlns:r="http://schemas.openxmlformats.org/officeDocument/2006/relationships" xmlns:p="http://schemas.openxmlformats.org/presentationml/2006/main">
-  <p:cSld>
-    <p:spTree>
-      <p:nvGrpSpPr>
-        <p:cNvPr id="1" name=""/>
-        <p:cNvGrpSpPr/>
-        <p:nvPr/>
-      </p:nvGrpSpPr>
-      <p:grpSpPr>
-        <a:xfrm>
-          <a:off x="0" y="0"/>
-          <a:ext cx="0" cy="0"/>
-          <a:chOff x="0" y="0"/>
-          <a:chExt cx="0" cy="0"/>
-        </a:xfrm>
-      </p:grpSpPr>
-      <p:sp>
-        <p:nvSpPr>
-          <p:cNvPr id="2" name="Title 1">
-            <a:extLst>
-              <a:ext uri="{FF2B5EF4-FFF2-40B4-BE49-F238E27FC236}">
-                <a16:creationId xmlns:a16="http://schemas.microsoft.com/office/drawing/2014/main" id="{21C4ECC1-82EF-B64D-D088-64D7586C53F7}"/>
-              </a:ext>
-            </a:extLst>
-          </p:cNvPr>
-          <p:cNvSpPr>
-            <a:spLocks noGrp="1"/>
-          </p:cNvSpPr>
-          <p:nvPr>
-            <p:ph type="title"/>
-          </p:nvPr>
-        </p:nvSpPr>
-        <p:spPr/>
-        <p:txBody>
-          <a:bodyPr/>
-          <a:lstStyle/>
-          <a:p>
-            <a:endParaRPr lang="en-US"/>
-          </a:p>
-        </p:txBody>
-      </p:sp>
-      <p:sp>
-        <p:nvSpPr>
-          <p:cNvPr id="3" name="Content Placeholder 2">
-            <a:extLst>
-              <a:ext uri="{FF2B5EF4-FFF2-40B4-BE49-F238E27FC236}">
-                <a16:creationId xmlns:a16="http://schemas.microsoft.com/office/drawing/2014/main" id="{07A69565-55FA-6904-454D-1F4EE036EA04}"/>
-              </a:ext>
-            </a:extLst>
-          </p:cNvPr>
-          <p:cNvSpPr>
-            <a:spLocks noGrp="1"/>
-          </p:cNvSpPr>
-          <p:nvPr>
-            <p:ph idx="1"/>
-          </p:nvPr>
-        </p:nvSpPr>
-        <p:spPr/>
-        <p:txBody>
-          <a:bodyPr/>
-          <a:lstStyle/>
-          <a:p>
-            <a:r>
-              <a:rPr lang="en-US" dirty="0">
-                <a:hlinkClick r:id="rId2"/>
-              </a:rPr>
-              <a:t>https://platform.openai.com/docs/guides/function-calling</a:t>
-            </a:r>
-            <a:endParaRPr lang="en-US" dirty="0"/>
-          </a:p>
-          <a:p>
-            <a:r>
-              <a:rPr lang="en-US" dirty="0">
-                <a:hlinkClick r:id="rId3"/>
-              </a:rPr>
-              <a:t>https://cookbook.openai.com/examples/how_to_call_functions_with_chat_models</a:t>
-            </a:r>
-            <a:endParaRPr lang="en-US" dirty="0"/>
-          </a:p>
-          <a:p>
-            <a:endParaRPr lang="en-US" dirty="0"/>
-          </a:p>
-        </p:txBody>
-      </p:sp>
-    </p:spTree>
-    <p:extLst>
-      <p:ext uri="{BB962C8B-B14F-4D97-AF65-F5344CB8AC3E}">
-        <p14:creationId xmlns:p14="http://schemas.microsoft.com/office/powerpoint/2010/main" val="2568979085"/>
-      </p:ext>
-    </p:extLst>
-  </p:cSld>
-  <p:clrMapOvr>
-    <a:masterClrMapping/>
-  </p:clrMapOvr>
-</p:sld>
-</file>
-
-<file path=ppt/slides/slide2.xml><?xml version="1.0" encoding="utf-8"?>
-<p:sld xmlns:a="http://schemas.openxmlformats.org/drawingml/2006/main" xmlns:r="http://schemas.openxmlformats.org/officeDocument/2006/relationships" xmlns:p="http://schemas.openxmlformats.org/presentationml/2006/main">
-  <p:cSld>
-    <p:spTree>
-      <p:nvGrpSpPr>
-        <p:cNvPr id="1" name=""/>
-        <p:cNvGrpSpPr/>
-        <p:nvPr/>
-      </p:nvGrpSpPr>
-      <p:grpSpPr>
-        <a:xfrm>
-          <a:off x="0" y="0"/>
-          <a:ext cx="0" cy="0"/>
-          <a:chOff x="0" y="0"/>
-          <a:chExt cx="0" cy="0"/>
-        </a:xfrm>
-      </p:grpSpPr>
-      <p:sp>
-        <p:nvSpPr>
-          <p:cNvPr id="2" name="Title 1">
-            <a:extLst>
-              <a:ext uri="{FF2B5EF4-FFF2-40B4-BE49-F238E27FC236}">
-                <a16:creationId xmlns:a16="http://schemas.microsoft.com/office/drawing/2014/main" id="{3828F22E-4F3B-390B-20C4-1CE796867E17}"/>
-              </a:ext>
-            </a:extLst>
-          </p:cNvPr>
-          <p:cNvSpPr>
-            <a:spLocks noGrp="1"/>
-          </p:cNvSpPr>
-          <p:nvPr>
-            <p:ph type="title"/>
-          </p:nvPr>
-        </p:nvSpPr>
-        <p:spPr/>
-        <p:txBody>
-          <a:bodyPr/>
-          <a:lstStyle/>
-          <a:p>
-            <a:r>
-              <a:rPr lang="en-US" dirty="0"/>
-              <a:t>30 Nov 2022 :release of chatgpt </a:t>
-            </a:r>
-          </a:p>
-        </p:txBody>
-      </p:sp>
-      <p:sp>
-        <p:nvSpPr>
-          <p:cNvPr id="3" name="Content Placeholder 2">
-            <a:extLst>
-              <a:ext uri="{FF2B5EF4-FFF2-40B4-BE49-F238E27FC236}">
-                <a16:creationId xmlns:a16="http://schemas.microsoft.com/office/drawing/2014/main" id="{68F534FB-FB6F-C41C-2651-1A7BAAEC0DD6}"/>
-              </a:ext>
-            </a:extLst>
-          </p:cNvPr>
-          <p:cNvSpPr>
-            <a:spLocks noGrp="1"/>
-          </p:cNvSpPr>
-          <p:nvPr>
-            <p:ph idx="1"/>
-          </p:nvPr>
-        </p:nvSpPr>
-        <p:spPr/>
-        <p:txBody>
-          <a:bodyPr/>
-          <a:lstStyle/>
-          <a:p>
-            <a:r>
-              <a:rPr lang="en-US" dirty="0"/>
-              <a:t>We are still in full AI hype</a:t>
-            </a:r>
-          </a:p>
-          <a:p>
-            <a:pPr lvl="1"/>
-            <a:r>
-              <a:rPr lang="en-US" dirty="0"/>
-              <a:t>"daily" release announcement of new LLM models by big tech and open-source community (not to mention generative AI)</a:t>
-            </a:r>
-          </a:p>
-          <a:p>
-            <a:r>
-              <a:rPr lang="en-US" dirty="0"/>
-              <a:t>Many frameworks to orchestrate and abstract the interaction with LLM</a:t>
-            </a:r>
-          </a:p>
-          <a:p>
-            <a:r>
-              <a:rPr lang="en-US" dirty="0"/>
-              <a:t>"Low code" approach solutions</a:t>
-            </a:r>
-          </a:p>
-          <a:p>
-            <a:pPr marL="0" indent="0">
-              <a:buNone/>
-            </a:pPr>
-            <a:r>
-              <a:rPr lang="en-US" dirty="0"/>
-              <a:t>As of now, it's not clear what will be still </a:t>
-            </a:r>
-            <a:r>
-              <a:rPr lang="en-US" i="1" dirty="0"/>
-              <a:t>relevant </a:t>
-            </a:r>
-            <a:r>
-              <a:rPr lang="en-US" dirty="0"/>
-              <a:t>within one year, </a:t>
-            </a:r>
-            <a:r>
-              <a:rPr lang="en-US" i="1" dirty="0"/>
-              <a:t>but most likely function (tools calls) will be </a:t>
-            </a:r>
-            <a:r>
-              <a:rPr lang="en-US" i="1" dirty="0">
-                <a:sym typeface="Wingdings" panose="05000000000000000000" pitchFamily="2" charset="2"/>
-              </a:rPr>
-              <a:t></a:t>
-            </a:r>
-            <a:br>
-              <a:rPr lang="en-US" i="1" dirty="0">
-                <a:sym typeface="Wingdings" panose="05000000000000000000" pitchFamily="2" charset="2"/>
-              </a:rPr>
-            </a:br>
-            <a:br>
-              <a:rPr lang="en-US" i="1" dirty="0">
-                <a:sym typeface="Wingdings" panose="05000000000000000000" pitchFamily="2" charset="2"/>
-              </a:rPr>
-            </a:br>
-            <a:r>
-              <a:rPr lang="en-US" i="1" dirty="0">
-                <a:sym typeface="Wingdings" panose="05000000000000000000" pitchFamily="2" charset="2"/>
-              </a:rPr>
-              <a:t>Evaluate carefully </a:t>
-            </a:r>
-            <a:r>
-              <a:rPr lang="en-US" i="1">
-                <a:sym typeface="Wingdings" panose="05000000000000000000" pitchFamily="2" charset="2"/>
-              </a:rPr>
-              <a:t>when abstracting </a:t>
-            </a:r>
-            <a:r>
-              <a:rPr lang="en-US" i="1" dirty="0">
-                <a:sym typeface="Wingdings" panose="05000000000000000000" pitchFamily="2" charset="2"/>
-              </a:rPr>
-              <a:t>away from "raw" chatgpt api calls</a:t>
-            </a:r>
-            <a:endParaRPr lang="en-US" i="1" dirty="0"/>
-          </a:p>
-          <a:p>
-            <a:endParaRPr lang="en-US" dirty="0"/>
-          </a:p>
-        </p:txBody>
-      </p:sp>
-    </p:spTree>
-    <p:extLst>
-      <p:ext uri="{BB962C8B-B14F-4D97-AF65-F5344CB8AC3E}">
-        <p14:creationId xmlns:p14="http://schemas.microsoft.com/office/powerpoint/2010/main" val="3624378151"/>
-      </p:ext>
-    </p:extLst>
-  </p:cSld>
-  <p:clrMapOvr>
-    <a:masterClrMapping/>
-  </p:clrMapOvr>
-</p:sld>
-</file>
-
-<file path=ppt/slides/slide3.xml><?xml version="1.0" encoding="utf-8"?>
-<p:sld xmlns:a="http://schemas.openxmlformats.org/drawingml/2006/main" xmlns:r="http://schemas.openxmlformats.org/officeDocument/2006/relationships" xmlns:p="http://schemas.openxmlformats.org/presentationml/2006/main">
-  <p:cSld>
-    <p:spTree>
-      <p:nvGrpSpPr>
-        <p:cNvPr id="1" name=""/>
-        <p:cNvGrpSpPr/>
-        <p:nvPr/>
-      </p:nvGrpSpPr>
-      <p:grpSpPr>
-        <a:xfrm>
-          <a:off x="0" y="0"/>
-          <a:ext cx="0" cy="0"/>
-          <a:chOff x="0" y="0"/>
-          <a:chExt cx="0" cy="0"/>
-        </a:xfrm>
-      </p:grpSpPr>
-      <p:sp>
-        <p:nvSpPr>
-          <p:cNvPr id="2" name="Title 1">
-            <a:extLst>
-              <a:ext uri="{FF2B5EF4-FFF2-40B4-BE49-F238E27FC236}">
-                <a16:creationId xmlns:a16="http://schemas.microsoft.com/office/drawing/2014/main" id="{E3DD44CD-9215-3EBC-651F-D9C28EC8D5B8}"/>
-              </a:ext>
-            </a:extLst>
-          </p:cNvPr>
-          <p:cNvSpPr>
-            <a:spLocks noGrp="1"/>
-          </p:cNvSpPr>
-          <p:nvPr>
-            <p:ph type="title"/>
-          </p:nvPr>
-        </p:nvSpPr>
-        <p:spPr/>
-        <p:txBody>
-          <a:bodyPr/>
-          <a:lstStyle/>
-          <a:p>
-            <a:r>
-              <a:rPr lang="en-US" dirty="0"/>
-              <a:t>Agents and Tools</a:t>
-            </a:r>
-          </a:p>
-        </p:txBody>
-      </p:sp>
-      <p:sp>
-        <p:nvSpPr>
-          <p:cNvPr id="3" name="Content Placeholder 2">
-            <a:extLst>
-              <a:ext uri="{FF2B5EF4-FFF2-40B4-BE49-F238E27FC236}">
-                <a16:creationId xmlns:a16="http://schemas.microsoft.com/office/drawing/2014/main" id="{D7C3E31D-828A-3651-BDB9-4617F23B96E5}"/>
-              </a:ext>
-            </a:extLst>
-          </p:cNvPr>
-          <p:cNvSpPr>
-            <a:spLocks noGrp="1"/>
-          </p:cNvSpPr>
-          <p:nvPr>
-            <p:ph idx="1"/>
-          </p:nvPr>
-        </p:nvSpPr>
-        <p:spPr/>
-        <p:txBody>
-          <a:bodyPr>
-            <a:normAutofit lnSpcReduction="10000"/>
-          </a:bodyPr>
-          <a:lstStyle/>
-          <a:p>
-            <a:r>
-              <a:rPr lang="en-US" dirty="0"/>
-              <a:t>Some concepts and terms are emerging and being commonly accepted by the community</a:t>
-            </a:r>
-          </a:p>
-          <a:p>
-            <a:r>
-              <a:rPr lang="en-US" b="1" dirty="0"/>
-              <a:t>Agent</a:t>
-            </a:r>
-            <a:r>
-              <a:rPr lang="en-US" dirty="0"/>
-              <a:t> </a:t>
-            </a:r>
-            <a:br>
-              <a:rPr lang="en-US" dirty="0"/>
-            </a:br>
-            <a:r>
-              <a:rPr lang="en-US" dirty="0"/>
-              <a:t>An LLM agent is an artificial intelligence system that utilizes a large language model (LLM) as its core computational engine to exhibit capabilities beyond text generation solely based on its "built-in" training/knowledge </a:t>
-            </a:r>
-          </a:p>
-          <a:p>
-            <a:r>
-              <a:rPr lang="en-US" b="1" dirty="0"/>
-              <a:t>Tools</a:t>
-            </a:r>
-            <a:br>
-              <a:rPr lang="en-US" b="1" dirty="0"/>
-            </a:br>
-            <a:r>
-              <a:rPr lang="en-US" dirty="0"/>
-              <a:t>LLM agents utilize a suites of </a:t>
-            </a:r>
-            <a:r>
-              <a:rPr lang="en-US" i="1" dirty="0"/>
-              <a:t>tools</a:t>
-            </a:r>
-            <a:r>
-              <a:rPr lang="en-US" dirty="0"/>
-              <a:t> - calculators, APIs, search engines - to gather information and take action towards completing assigned tasks. </a:t>
-            </a:r>
-            <a:br>
-              <a:rPr lang="en-US" sz="1800" b="0" i="0" u="none" strike="noStrike" baseline="0" dirty="0">
-                <a:latin typeface="Times New Roman" panose="02020603050405020304" pitchFamily="18" charset="0"/>
-              </a:rPr>
-            </a:br>
-            <a:endParaRPr lang="en-US" sz="1800" b="0" i="0" u="none" strike="noStrike" baseline="0" dirty="0">
-              <a:latin typeface="Aptos" panose="020B0004020202020204" pitchFamily="34" charset="0"/>
-            </a:endParaRPr>
-          </a:p>
-          <a:p>
-            <a:endParaRPr lang="en-US" dirty="0"/>
-          </a:p>
-          <a:p>
-            <a:endParaRPr lang="en-US" dirty="0"/>
-          </a:p>
-        </p:txBody>
-      </p:sp>
-    </p:spTree>
-    <p:extLst>
-      <p:ext uri="{BB962C8B-B14F-4D97-AF65-F5344CB8AC3E}">
-        <p14:creationId xmlns:p14="http://schemas.microsoft.com/office/powerpoint/2010/main" val="3915835240"/>
-      </p:ext>
-    </p:extLst>
-  </p:cSld>
-  <p:clrMapOvr>
-    <a:masterClrMapping/>
-  </p:clrMapOvr>
-</p:sld>
-</file>
-
-<file path=ppt/slides/slide4.xml><?xml version="1.0" encoding="utf-8"?>
-<p:sld xmlns:a="http://schemas.openxmlformats.org/drawingml/2006/main" xmlns:r="http://schemas.openxmlformats.org/officeDocument/2006/relationships" xmlns:p="http://schemas.openxmlformats.org/presentationml/2006/main">
-  <p:cSld>
-    <p:spTree>
-      <p:nvGrpSpPr>
-        <p:cNvPr id="1" name=""/>
-        <p:cNvGrpSpPr/>
-        <p:nvPr/>
-      </p:nvGrpSpPr>
-      <p:grpSpPr>
-        <a:xfrm>
-          <a:off x="0" y="0"/>
-          <a:ext cx="0" cy="0"/>
-          <a:chOff x="0" y="0"/>
-          <a:chExt cx="0" cy="0"/>
-        </a:xfrm>
-      </p:grpSpPr>
-      <p:sp>
-        <p:nvSpPr>
-          <p:cNvPr id="2" name="Title 1">
-            <a:extLst>
-              <a:ext uri="{FF2B5EF4-FFF2-40B4-BE49-F238E27FC236}">
-                <a16:creationId xmlns:a16="http://schemas.microsoft.com/office/drawing/2014/main" id="{D2982563-4BA2-F068-A973-629D0E733207}"/>
-              </a:ext>
-            </a:extLst>
-          </p:cNvPr>
-          <p:cNvSpPr>
-            <a:spLocks noGrp="1"/>
-          </p:cNvSpPr>
-          <p:nvPr>
-            <p:ph type="title"/>
-          </p:nvPr>
-        </p:nvSpPr>
-        <p:spPr/>
-        <p:txBody>
-          <a:bodyPr/>
-          <a:lstStyle/>
-          <a:p>
-            <a:endParaRPr lang="en-US"/>
-          </a:p>
-        </p:txBody>
-      </p:sp>
-      <p:sp>
-        <p:nvSpPr>
-          <p:cNvPr id="3" name="Content Placeholder 2">
-            <a:extLst>
-              <a:ext uri="{FF2B5EF4-FFF2-40B4-BE49-F238E27FC236}">
-                <a16:creationId xmlns:a16="http://schemas.microsoft.com/office/drawing/2014/main" id="{40DD0950-D4AC-1C0C-632C-465D2E13760A}"/>
-              </a:ext>
-            </a:extLst>
-          </p:cNvPr>
-          <p:cNvSpPr>
-            <a:spLocks noGrp="1"/>
-          </p:cNvSpPr>
-          <p:nvPr>
-            <p:ph idx="1"/>
-          </p:nvPr>
-        </p:nvSpPr>
-        <p:spPr/>
-        <p:txBody>
-          <a:bodyPr/>
-          <a:lstStyle/>
-          <a:p>
-            <a:r>
-              <a:rPr lang="en-US" dirty="0"/>
-              <a:t>The agents "ecosystem", can be split into two domains </a:t>
-            </a:r>
-          </a:p>
-          <a:p>
-            <a:pPr lvl="1"/>
-            <a:r>
-              <a:rPr lang="en-US" dirty="0"/>
-              <a:t>Conversational Agents : RAG</a:t>
-            </a:r>
-          </a:p>
-          <a:p>
-            <a:pPr lvl="1"/>
-            <a:r>
-              <a:rPr lang="en-US" dirty="0"/>
-              <a:t>Task/Workflow-Oriented Agents</a:t>
-            </a:r>
-          </a:p>
-          <a:p>
-            <a:endParaRPr lang="en-US" dirty="0"/>
-          </a:p>
-        </p:txBody>
-      </p:sp>
-    </p:spTree>
-    <p:extLst>
-      <p:ext uri="{BB962C8B-B14F-4D97-AF65-F5344CB8AC3E}">
-        <p14:creationId xmlns:p14="http://schemas.microsoft.com/office/powerpoint/2010/main" val="1902101332"/>
-      </p:ext>
-    </p:extLst>
-  </p:cSld>
-  <p:clrMapOvr>
-    <a:masterClrMapping/>
-  </p:clrMapOvr>
-</p:sld>
-</file>
-
-<file path=ppt/slides/slide5.xml><?xml version="1.0" encoding="utf-8"?>
-<p:sld xmlns:a="http://schemas.openxmlformats.org/drawingml/2006/main" xmlns:r="http://schemas.openxmlformats.org/officeDocument/2006/relationships" xmlns:p="http://schemas.openxmlformats.org/presentationml/2006/main">
-  <p:cSld>
-    <p:spTree>
-      <p:nvGrpSpPr>
-        <p:cNvPr id="1" name=""/>
-        <p:cNvGrpSpPr/>
-        <p:nvPr/>
-      </p:nvGrpSpPr>
-      <p:grpSpPr>
-        <a:xfrm>
-          <a:off x="0" y="0"/>
-          <a:ext cx="0" cy="0"/>
-          <a:chOff x="0" y="0"/>
-          <a:chExt cx="0" cy="0"/>
-        </a:xfrm>
-      </p:grpSpPr>
-      <p:sp>
-        <p:nvSpPr>
-          <p:cNvPr id="2" name="Title 1">
-            <a:extLst>
-              <a:ext uri="{FF2B5EF4-FFF2-40B4-BE49-F238E27FC236}">
-                <a16:creationId xmlns:a16="http://schemas.microsoft.com/office/drawing/2014/main" id="{899C6497-7525-A403-ACDD-7A3A718D19B7}"/>
-              </a:ext>
-            </a:extLst>
-          </p:cNvPr>
-          <p:cNvSpPr>
-            <a:spLocks noGrp="1"/>
-          </p:cNvSpPr>
-          <p:nvPr>
-            <p:ph type="title"/>
-          </p:nvPr>
-        </p:nvSpPr>
-        <p:spPr/>
-        <p:txBody>
-          <a:bodyPr/>
-          <a:lstStyle/>
-          <a:p>
-            <a:r>
-              <a:rPr lang="en-US" dirty="0"/>
-              <a:t>Copilot 365</a:t>
-            </a:r>
-          </a:p>
-        </p:txBody>
-      </p:sp>
-      <p:pic>
-        <p:nvPicPr>
-          <p:cNvPr id="5" name="Content Placeholder 4" descr="A diagram of a software company&#10;&#10;Description automatically generated">
-            <a:extLst>
-              <a:ext uri="{FF2B5EF4-FFF2-40B4-BE49-F238E27FC236}">
-                <a16:creationId xmlns:a16="http://schemas.microsoft.com/office/drawing/2014/main" id="{3653F78B-FC8F-0126-3204-97D6838622E2}"/>
-              </a:ext>
-            </a:extLst>
-          </p:cNvPr>
-          <p:cNvPicPr>
-            <a:picLocks noGrp="1" noChangeAspect="1"/>
-          </p:cNvPicPr>
-          <p:nvPr>
-            <p:ph idx="1"/>
-          </p:nvPr>
-        </p:nvPicPr>
-        <p:blipFill>
-          <a:blip r:embed="rId2">
-            <a:extLst>
-              <a:ext uri="{28A0092B-C50C-407E-A947-70E740481C1C}">
-                <a14:useLocalDpi xmlns:a14="http://schemas.microsoft.com/office/drawing/2010/main" val="0"/>
-              </a:ext>
-            </a:extLst>
-          </a:blip>
-          <a:stretch>
-            <a:fillRect/>
-          </a:stretch>
-        </p:blipFill>
-        <p:spPr>
-          <a:xfrm>
-            <a:off x="2149438" y="1825625"/>
-            <a:ext cx="7893124" cy="4351338"/>
-          </a:xfrm>
-        </p:spPr>
-      </p:pic>
-    </p:spTree>
-    <p:extLst>
-      <p:ext uri="{BB962C8B-B14F-4D97-AF65-F5344CB8AC3E}">
-        <p14:creationId xmlns:p14="http://schemas.microsoft.com/office/powerpoint/2010/main" val="2527575947"/>
-      </p:ext>
-    </p:extLst>
-  </p:cSld>
-  <p:clrMapOvr>
-    <a:masterClrMapping/>
-  </p:clrMapOvr>
-</p:sld>
-</file>
-
 <file path=ppt/slides/slide6.xml><?xml version="1.0" encoding="utf-8"?>
 <p:sld xmlns:a="http://schemas.openxmlformats.org/drawingml/2006/main" xmlns:r="http://schemas.openxmlformats.org/officeDocument/2006/relationships" xmlns:p="http://schemas.openxmlformats.org/presentationml/2006/main">
   <p:cSld>
@@ -7718,7 +6611,7 @@
           <p:cNvPr id="2" name="Title 1">
             <a:extLst>
               <a:ext uri="{FF2B5EF4-FFF2-40B4-BE49-F238E27FC236}">
-                <a16:creationId xmlns:a16="http://schemas.microsoft.com/office/drawing/2014/main" id="{0E128FBD-D898-56BC-C281-E6B8ECAA7826}"/>
+                <a16:creationId xmlns:a16="http://schemas.microsoft.com/office/drawing/2014/main" id="{EBFCB1D2-0B81-312E-ED64-DBBDE9F62224}"/>
               </a:ext>
             </a:extLst>
           </p:cNvPr>
@@ -7736,7 +6629,7 @@
           <a:p>
             <a:r>
               <a:rPr lang="en-US" dirty="0"/>
-              <a:t>What is function calling</a:t>
+              <a:t>Api design for function calling</a:t>
             </a:r>
           </a:p>
         </p:txBody>
@@ -7746,7 +6639,7 @@
           <p:cNvPr id="3" name="Content Placeholder 2">
             <a:extLst>
               <a:ext uri="{FF2B5EF4-FFF2-40B4-BE49-F238E27FC236}">
-                <a16:creationId xmlns:a16="http://schemas.microsoft.com/office/drawing/2014/main" id="{1B5F3137-D397-34CE-1086-6686C6B8B6B1}"/>
+                <a16:creationId xmlns:a16="http://schemas.microsoft.com/office/drawing/2014/main" id="{2F435063-D202-BDFA-876B-EF1DA0371544}"/>
               </a:ext>
             </a:extLst>
           </p:cNvPr>
@@ -7759,56 +6652,132 @@
         </p:nvSpPr>
         <p:spPr/>
         <p:txBody>
-          <a:bodyPr>
-            <a:normAutofit/>
-          </a:bodyPr>
+          <a:bodyPr/>
           <a:lstStyle/>
           <a:p>
             <a:r>
               <a:rPr lang="en-US" dirty="0"/>
-              <a:t>It's a functionality available in the </a:t>
-            </a:r>
-            <a:r>
-              <a:rPr lang="en-US" i="1" dirty="0"/>
-              <a:t>completion-chat</a:t>
+              <a:t>The Json schema syntax (to be provided as function) is the same used to define input – output </a:t>
+            </a:r>
+            <a:r>
+              <a:rPr lang="en-US" dirty="0" err="1"/>
+              <a:t>dto</a:t>
             </a:r>
             <a:r>
               <a:rPr lang="en-US" dirty="0"/>
-              <a:t> api endpoint starting from </a:t>
+              <a:t> in an open-api document (swagger)</a:t>
             </a:r>
           </a:p>
           <a:p>
             <a:pPr lvl="1"/>
             <a:r>
+              <a:rPr lang="en-US"/>
+              <a:t>Extract the Json </a:t>
+            </a:r>
+            <a:r>
               <a:rPr lang="en-US" dirty="0"/>
-              <a:t>Gpt-3.5 turbo 0613</a:t>
+              <a:t>schema dynamically from the open api document of your target api</a:t>
             </a:r>
           </a:p>
           <a:p>
             <a:pPr lvl="1"/>
             <a:r>
               <a:rPr lang="en-US" dirty="0"/>
-              <a:t>Gpt-4-0613</a:t>
+              <a:t>Put clear description on input </a:t>
+            </a:r>
+            <a:r>
+              <a:rPr lang="en-US" dirty="0" err="1"/>
+              <a:t>dto</a:t>
+            </a:r>
+            <a:r>
+              <a:rPr lang="en-US" dirty="0"/>
+              <a:t> and its properties (</a:t>
+            </a:r>
+            <a:r>
+              <a:rPr lang="en-US" b="1" dirty="0"/>
+              <a:t>prompt engineer applied on a swagger doc </a:t>
+            </a:r>
+            <a:r>
+              <a:rPr lang="en-US" b="1" dirty="0">
+                <a:sym typeface="Wingdings" panose="05000000000000000000" pitchFamily="2" charset="2"/>
+              </a:rPr>
+              <a:t></a:t>
+            </a:r>
+            <a:r>
+              <a:rPr lang="en-US" dirty="0">
+                <a:sym typeface="Wingdings" panose="05000000000000000000" pitchFamily="2" charset="2"/>
+              </a:rPr>
+              <a:t>)</a:t>
             </a:r>
           </a:p>
           <a:p>
             <a:pPr lvl="1"/>
             <a:r>
-              <a:rPr lang="en-US" dirty="0"/>
-              <a:t>"embedded/abstracted" into tools-calls in gpt-3.5 1106 and gpt-4 1106 (and above)</a:t>
-            </a:r>
-          </a:p>
-          <a:p>
-            <a:r>
-              <a:rPr lang="en-US" dirty="0"/>
-              <a:t>Allows to have ChatGPT convert human natural query and commands into Json</a:t>
-            </a:r>
-          </a:p>
-          <a:p>
-            <a:r>
-              <a:rPr lang="en-US" b="1" dirty="0"/>
-              <a:t>Ai does not call an API, it's up to your code to do the call using the Json provided by the Ai </a:t>
-            </a:r>
+              <a:rPr lang="en-US" dirty="0">
+                <a:sym typeface="Wingdings" panose="05000000000000000000" pitchFamily="2" charset="2"/>
+              </a:rPr>
+              <a:t>Document </a:t>
+            </a:r>
+            <a:r>
+              <a:rPr lang="en-US" b="1" dirty="0">
+                <a:sym typeface="Wingdings" panose="05000000000000000000" pitchFamily="2" charset="2"/>
+              </a:rPr>
+              <a:t>required</a:t>
+            </a:r>
+            <a:r>
+              <a:rPr lang="en-US" dirty="0">
+                <a:sym typeface="Wingdings" panose="05000000000000000000" pitchFamily="2" charset="2"/>
+              </a:rPr>
+              <a:t> properties </a:t>
+            </a:r>
+          </a:p>
+          <a:p>
+            <a:pPr lvl="1"/>
+            <a:r>
+              <a:rPr lang="en-US" dirty="0">
+                <a:sym typeface="Wingdings" panose="05000000000000000000" pitchFamily="2" charset="2"/>
+              </a:rPr>
+              <a:t>Make sure </a:t>
+            </a:r>
+            <a:r>
+              <a:rPr lang="en-US" dirty="0" err="1">
+                <a:sym typeface="Wingdings" panose="05000000000000000000" pitchFamily="2" charset="2"/>
+              </a:rPr>
+              <a:t>enums</a:t>
+            </a:r>
+            <a:r>
+              <a:rPr lang="en-US" dirty="0">
+                <a:sym typeface="Wingdings" panose="05000000000000000000" pitchFamily="2" charset="2"/>
+              </a:rPr>
+              <a:t> are exposed in the swagger doc as strings</a:t>
+            </a:r>
+          </a:p>
+          <a:p>
+            <a:pPr lvl="1"/>
+            <a:r>
+              <a:rPr lang="en-US" dirty="0">
+                <a:sym typeface="Wingdings" panose="05000000000000000000" pitchFamily="2" charset="2"/>
+              </a:rPr>
+              <a:t>Make sure </a:t>
+            </a:r>
+            <a:r>
+              <a:rPr lang="en-US" dirty="0" err="1">
+                <a:sym typeface="Wingdings" panose="05000000000000000000" pitchFamily="2" charset="2"/>
+              </a:rPr>
+              <a:t>enums</a:t>
+            </a:r>
+            <a:r>
+              <a:rPr lang="en-US" dirty="0">
+                <a:sym typeface="Wingdings" panose="05000000000000000000" pitchFamily="2" charset="2"/>
+              </a:rPr>
+              <a:t> as strings are accepted as input at run time</a:t>
+            </a:r>
+          </a:p>
+          <a:p>
+            <a:pPr lvl="2"/>
+            <a:endParaRPr lang="en-US" dirty="0">
+              <a:sym typeface="Wingdings" panose="05000000000000000000" pitchFamily="2" charset="2"/>
+            </a:endParaRPr>
           </a:p>
           <a:p>
             <a:pPr lvl="1"/>
@@ -7819,7 +6788,7 @@
     </p:spTree>
     <p:extLst>
       <p:ext uri="{BB962C8B-B14F-4D97-AF65-F5344CB8AC3E}">
-        <p14:creationId xmlns:p14="http://schemas.microsoft.com/office/powerpoint/2010/main" val="2135332399"/>
+        <p14:creationId xmlns:p14="http://schemas.microsoft.com/office/powerpoint/2010/main" val="803272294"/>
       </p:ext>
     </p:extLst>
   </p:cSld>
@@ -7851,7 +6820,7 @@
           <p:cNvPr id="2" name="Title 1">
             <a:extLst>
               <a:ext uri="{FF2B5EF4-FFF2-40B4-BE49-F238E27FC236}">
-                <a16:creationId xmlns:a16="http://schemas.microsoft.com/office/drawing/2014/main" id="{3DE6240D-8006-51BB-6F04-2EF1DD882834}"/>
+                <a16:creationId xmlns:a16="http://schemas.microsoft.com/office/drawing/2014/main" id="{472CA6C5-D301-54EC-AECC-79D1CFECC62C}"/>
               </a:ext>
             </a:extLst>
           </p:cNvPr>
@@ -7869,7 +6838,7 @@
           <a:p>
             <a:r>
               <a:rPr lang="en-US" dirty="0"/>
-              <a:t>What is function calling.. continue</a:t>
+              <a:t>Api design for function calling..  continue</a:t>
             </a:r>
           </a:p>
         </p:txBody>
@@ -7879,7 +6848,7 @@
           <p:cNvPr id="3" name="Content Placeholder 2">
             <a:extLst>
               <a:ext uri="{FF2B5EF4-FFF2-40B4-BE49-F238E27FC236}">
-                <a16:creationId xmlns:a16="http://schemas.microsoft.com/office/drawing/2014/main" id="{C862D9BB-96CA-1B26-4EDE-3902B705F137}"/>
+                <a16:creationId xmlns:a16="http://schemas.microsoft.com/office/drawing/2014/main" id="{50582BAB-C074-1583-004B-0E400A787E29}"/>
               </a:ext>
             </a:extLst>
           </p:cNvPr>
@@ -7893,40 +6862,498 @@
         <p:spPr/>
         <p:txBody>
           <a:bodyPr>
-            <a:normAutofit/>
+            <a:normAutofit lnSpcReduction="10000"/>
           </a:bodyPr>
           <a:lstStyle/>
           <a:p>
             <a:r>
-              <a:rPr lang="en-US" dirty="0"/>
-              <a:t>How to use it:</a:t>
-            </a:r>
-            <a:br>
-              <a:rPr lang="en-US" dirty="0"/>
-            </a:br>
-            <a:r>
-              <a:rPr lang="en-US" dirty="0"/>
-              <a:t>Along with user prompt add a list of functions definition</a:t>
-            </a:r>
-          </a:p>
-          <a:p>
-            <a:r>
-              <a:rPr lang="en-US" dirty="0"/>
-              <a:t>A function definition is a Json following the Json schema syntax: </a:t>
-            </a:r>
-          </a:p>
-          <a:p>
-            <a:pPr lvl="1"/>
-            <a:r>
-              <a:rPr lang="en-US" dirty="0"/>
-              <a:t>a description of the goal of the function and its parameters </a:t>
-            </a:r>
-            <a:br>
-              <a:rPr lang="en-US" dirty="0"/>
-            </a:br>
-            <a:r>
-              <a:rPr lang="en-US" dirty="0"/>
-              <a:t>(e.g. : temperature given a town name)</a:t>
+              <a:rPr lang="en-US" dirty="0">
+                <a:sym typeface="Wingdings" panose="05000000000000000000" pitchFamily="2" charset="2"/>
+              </a:rPr>
+              <a:t>Validate the input with care (fluent validation)</a:t>
+            </a:r>
+          </a:p>
+          <a:p>
+            <a:r>
+              <a:rPr lang="en-US" dirty="0">
+                <a:sym typeface="Wingdings" panose="05000000000000000000" pitchFamily="2" charset="2"/>
+              </a:rPr>
+              <a:t>Return errors in Json format, stating clearly each property having problem and the action to take</a:t>
+            </a:r>
+          </a:p>
+          <a:p>
+            <a:r>
+              <a:rPr lang="en-US" dirty="0">
+                <a:sym typeface="Wingdings" panose="05000000000000000000" pitchFamily="2" charset="2"/>
+              </a:rPr>
+              <a:t>Your validation code must be </a:t>
+            </a:r>
+            <a:r>
+              <a:rPr lang="en-US" dirty="0" err="1">
+                <a:sym typeface="Wingdings" panose="05000000000000000000" pitchFamily="2" charset="2"/>
+              </a:rPr>
+              <a:t>conversational,suggesting</a:t>
+            </a:r>
+            <a:r>
+              <a:rPr lang="en-US" dirty="0">
+                <a:sym typeface="Wingdings" panose="05000000000000000000" pitchFamily="2" charset="2"/>
+              </a:rPr>
+              <a:t> action to the chatbot,  e.g. : </a:t>
+            </a:r>
+          </a:p>
+          <a:p>
+            <a:pPr marL="0" indent="0">
+              <a:buNone/>
+            </a:pPr>
+            <a:r>
+              <a:rPr lang="en-US" sz="1100" dirty="0" err="1">
+                <a:solidFill>
+                  <a:srgbClr val="000000"/>
+                </a:solidFill>
+                <a:latin typeface="Courier New" panose="02070309020205020404" pitchFamily="49" charset="0"/>
+                <a:cs typeface="Courier New" panose="02070309020205020404" pitchFamily="49" charset="0"/>
+              </a:rPr>
+              <a:t>ret.Errors.Add</a:t>
+            </a:r>
+            <a:r>
+              <a:rPr lang="en-US" sz="1100" dirty="0">
+                <a:solidFill>
+                  <a:srgbClr val="000000"/>
+                </a:solidFill>
+                <a:latin typeface="Courier New" panose="02070309020205020404" pitchFamily="49" charset="0"/>
+                <a:cs typeface="Courier New" panose="02070309020205020404" pitchFamily="49" charset="0"/>
+              </a:rPr>
+              <a:t>(</a:t>
+            </a:r>
+            <a:r>
+              <a:rPr lang="en-US" sz="1100" dirty="0">
+                <a:solidFill>
+                  <a:srgbClr val="0000FF"/>
+                </a:solidFill>
+                <a:latin typeface="Courier New" panose="02070309020205020404" pitchFamily="49" charset="0"/>
+                <a:cs typeface="Courier New" panose="02070309020205020404" pitchFamily="49" charset="0"/>
+              </a:rPr>
+              <a:t>new</a:t>
+            </a:r>
+            <a:r>
+              <a:rPr lang="en-US" sz="1100" dirty="0">
+                <a:solidFill>
+                  <a:srgbClr val="000000"/>
+                </a:solidFill>
+                <a:latin typeface="Courier New" panose="02070309020205020404" pitchFamily="49" charset="0"/>
+                <a:cs typeface="Courier New" panose="02070309020205020404" pitchFamily="49" charset="0"/>
+              </a:rPr>
+              <a:t> </a:t>
+            </a:r>
+            <a:r>
+              <a:rPr lang="en-US" sz="1100" dirty="0" err="1">
+                <a:solidFill>
+                  <a:srgbClr val="000000"/>
+                </a:solidFill>
+                <a:latin typeface="Courier New" panose="02070309020205020404" pitchFamily="49" charset="0"/>
+                <a:cs typeface="Courier New" panose="02070309020205020404" pitchFamily="49" charset="0"/>
+              </a:rPr>
+              <a:t>ValidationFailure</a:t>
+            </a:r>
+            <a:r>
+              <a:rPr lang="en-US" sz="1100" dirty="0">
+                <a:solidFill>
+                  <a:srgbClr val="000000"/>
+                </a:solidFill>
+                <a:latin typeface="Courier New" panose="02070309020205020404" pitchFamily="49" charset="0"/>
+                <a:cs typeface="Courier New" panose="02070309020205020404" pitchFamily="49" charset="0"/>
+              </a:rPr>
+              <a:t>(</a:t>
+            </a:r>
+            <a:r>
+              <a:rPr lang="en-US" sz="1100" dirty="0" err="1">
+                <a:solidFill>
+                  <a:srgbClr val="000000"/>
+                </a:solidFill>
+                <a:latin typeface="Courier New" panose="02070309020205020404" pitchFamily="49" charset="0"/>
+                <a:cs typeface="Courier New" panose="02070309020205020404" pitchFamily="49" charset="0"/>
+              </a:rPr>
+              <a:t>propertyName</a:t>
+            </a:r>
+            <a:r>
+              <a:rPr lang="en-US" sz="1100" dirty="0">
+                <a:solidFill>
+                  <a:srgbClr val="000000"/>
+                </a:solidFill>
+                <a:latin typeface="Courier New" panose="02070309020205020404" pitchFamily="49" charset="0"/>
+                <a:cs typeface="Courier New" panose="02070309020205020404" pitchFamily="49" charset="0"/>
+              </a:rPr>
+              <a:t>,</a:t>
+            </a:r>
+          </a:p>
+          <a:p>
+            <a:pPr marL="0" indent="0">
+              <a:buNone/>
+            </a:pPr>
+            <a:r>
+              <a:rPr lang="en-US" sz="1100" dirty="0">
+                <a:solidFill>
+                  <a:srgbClr val="000000"/>
+                </a:solidFill>
+                <a:latin typeface="Courier New" panose="02070309020205020404" pitchFamily="49" charset="0"/>
+                <a:cs typeface="Courier New" panose="02070309020205020404" pitchFamily="49" charset="0"/>
+              </a:rPr>
+              <a:t>     (</a:t>
+            </a:r>
+            <a:r>
+              <a:rPr lang="en-US" sz="1100" dirty="0">
+                <a:solidFill>
+                  <a:srgbClr val="0000FF"/>
+                </a:solidFill>
+                <a:latin typeface="Courier New" panose="02070309020205020404" pitchFamily="49" charset="0"/>
+                <a:cs typeface="Courier New" panose="02070309020205020404" pitchFamily="49" charset="0"/>
+              </a:rPr>
+              <a:t>new</a:t>
+            </a:r>
+            <a:r>
+              <a:rPr lang="en-US" sz="1100" dirty="0">
+                <a:solidFill>
+                  <a:srgbClr val="000000"/>
+                </a:solidFill>
+                <a:latin typeface="Courier New" panose="02070309020205020404" pitchFamily="49" charset="0"/>
+                <a:cs typeface="Courier New" panose="02070309020205020404" pitchFamily="49" charset="0"/>
+              </a:rPr>
+              <a:t> </a:t>
+            </a:r>
+            <a:r>
+              <a:rPr lang="en-US" sz="1100" dirty="0" err="1">
+                <a:solidFill>
+                  <a:srgbClr val="000000"/>
+                </a:solidFill>
+                <a:latin typeface="Courier New" panose="02070309020205020404" pitchFamily="49" charset="0"/>
+                <a:cs typeface="Courier New" panose="02070309020205020404" pitchFamily="49" charset="0"/>
+              </a:rPr>
+              <a:t>ValidationErrorInfo</a:t>
+            </a:r>
+            <a:r>
+              <a:rPr lang="en-US" sz="1100" dirty="0">
+                <a:solidFill>
+                  <a:srgbClr val="000000"/>
+                </a:solidFill>
+                <a:latin typeface="Courier New" panose="02070309020205020404" pitchFamily="49" charset="0"/>
+                <a:cs typeface="Courier New" panose="02070309020205020404" pitchFamily="49" charset="0"/>
+              </a:rPr>
+              <a:t> { </a:t>
+            </a:r>
+            <a:r>
+              <a:rPr lang="en-US" sz="1100" dirty="0" err="1">
+                <a:solidFill>
+                  <a:srgbClr val="000000"/>
+                </a:solidFill>
+                <a:latin typeface="Courier New" panose="02070309020205020404" pitchFamily="49" charset="0"/>
+                <a:cs typeface="Courier New" panose="02070309020205020404" pitchFamily="49" charset="0"/>
+              </a:rPr>
+              <a:t>ErrorCode</a:t>
+            </a:r>
+            <a:r>
+              <a:rPr lang="en-US" sz="1100" dirty="0">
+                <a:solidFill>
+                  <a:srgbClr val="000000"/>
+                </a:solidFill>
+                <a:latin typeface="Courier New" panose="02070309020205020404" pitchFamily="49" charset="0"/>
+                <a:cs typeface="Courier New" panose="02070309020205020404" pitchFamily="49" charset="0"/>
+              </a:rPr>
+              <a:t> = </a:t>
+            </a:r>
+            <a:r>
+              <a:rPr lang="en-US" sz="1100" dirty="0">
+                <a:solidFill>
+                  <a:srgbClr val="A31515"/>
+                </a:solidFill>
+                <a:latin typeface="Courier New" panose="02070309020205020404" pitchFamily="49" charset="0"/>
+                <a:cs typeface="Courier New" panose="02070309020205020404" pitchFamily="49" charset="0"/>
+              </a:rPr>
+              <a:t>$"ambiguous value for </a:t>
+            </a:r>
+            <a:r>
+              <a:rPr lang="en-US" sz="1100" dirty="0">
+                <a:solidFill>
+                  <a:srgbClr val="000000"/>
+                </a:solidFill>
+                <a:latin typeface="Courier New" panose="02070309020205020404" pitchFamily="49" charset="0"/>
+                <a:cs typeface="Courier New" panose="02070309020205020404" pitchFamily="49" charset="0"/>
+              </a:rPr>
+              <a:t>{</a:t>
+            </a:r>
+            <a:r>
+              <a:rPr lang="en-US" sz="1100" dirty="0" err="1">
+                <a:solidFill>
+                  <a:srgbClr val="000000"/>
+                </a:solidFill>
+                <a:latin typeface="Courier New" panose="02070309020205020404" pitchFamily="49" charset="0"/>
+                <a:cs typeface="Courier New" panose="02070309020205020404" pitchFamily="49" charset="0"/>
+              </a:rPr>
+              <a:t>propertyName</a:t>
+            </a:r>
+            <a:r>
+              <a:rPr lang="en-US" sz="1100" dirty="0">
+                <a:solidFill>
+                  <a:srgbClr val="000000"/>
+                </a:solidFill>
+                <a:latin typeface="Courier New" panose="02070309020205020404" pitchFamily="49" charset="0"/>
+                <a:cs typeface="Courier New" panose="02070309020205020404" pitchFamily="49" charset="0"/>
+              </a:rPr>
+              <a:t>}</a:t>
+            </a:r>
+            <a:r>
+              <a:rPr lang="en-US" sz="1100" dirty="0">
+                <a:solidFill>
+                  <a:srgbClr val="A31515"/>
+                </a:solidFill>
+                <a:latin typeface="Courier New" panose="02070309020205020404" pitchFamily="49" charset="0"/>
+                <a:cs typeface="Courier New" panose="02070309020205020404" pitchFamily="49" charset="0"/>
+              </a:rPr>
+              <a:t>"</a:t>
+            </a:r>
+            <a:endParaRPr lang="en-US" sz="1100" dirty="0">
+              <a:solidFill>
+                <a:srgbClr val="000000"/>
+              </a:solidFill>
+              <a:latin typeface="Courier New" panose="02070309020205020404" pitchFamily="49" charset="0"/>
+              <a:cs typeface="Courier New" panose="02070309020205020404" pitchFamily="49" charset="0"/>
+            </a:endParaRPr>
+          </a:p>
+          <a:p>
+            <a:pPr marL="0" indent="0">
+              <a:buNone/>
+            </a:pPr>
+            <a:r>
+              <a:rPr lang="en-US" sz="1100" dirty="0">
+                <a:solidFill>
+                  <a:srgbClr val="000000"/>
+                </a:solidFill>
+                <a:latin typeface="Courier New" panose="02070309020205020404" pitchFamily="49" charset="0"/>
+                <a:cs typeface="Courier New" panose="02070309020205020404" pitchFamily="49" charset="0"/>
+              </a:rPr>
+              <a:t>         </a:t>
+            </a:r>
+            <a:r>
+              <a:rPr lang="en-US" sz="1100" dirty="0" err="1">
+                <a:solidFill>
+                  <a:srgbClr val="000000"/>
+                </a:solidFill>
+                <a:latin typeface="Courier New" panose="02070309020205020404" pitchFamily="49" charset="0"/>
+                <a:cs typeface="Courier New" panose="02070309020205020404" pitchFamily="49" charset="0"/>
+              </a:rPr>
+              <a:t>AssistantAction</a:t>
+            </a:r>
+            <a:r>
+              <a:rPr lang="en-US" sz="1100" dirty="0">
+                <a:solidFill>
+                  <a:srgbClr val="000000"/>
+                </a:solidFill>
+                <a:latin typeface="Courier New" panose="02070309020205020404" pitchFamily="49" charset="0"/>
+                <a:cs typeface="Courier New" panose="02070309020205020404" pitchFamily="49" charset="0"/>
+              </a:rPr>
+              <a:t> = </a:t>
+            </a:r>
+            <a:r>
+              <a:rPr lang="en-US" sz="1100" dirty="0">
+                <a:solidFill>
+                  <a:srgbClr val="A31515"/>
+                </a:solidFill>
+                <a:latin typeface="Courier New" panose="02070309020205020404" pitchFamily="49" charset="0"/>
+                <a:cs typeface="Courier New" panose="02070309020205020404" pitchFamily="49" charset="0"/>
+              </a:rPr>
+              <a:t>$"reply to the user with these exact words: \"choose among the following values for </a:t>
+            </a:r>
+            <a:r>
+              <a:rPr lang="en-US" sz="1100" dirty="0">
+                <a:solidFill>
+                  <a:srgbClr val="000000"/>
+                </a:solidFill>
+                <a:latin typeface="Courier New" panose="02070309020205020404" pitchFamily="49" charset="0"/>
+                <a:cs typeface="Courier New" panose="02070309020205020404" pitchFamily="49" charset="0"/>
+              </a:rPr>
+              <a:t>{</a:t>
+            </a:r>
+            <a:r>
+              <a:rPr lang="en-US" sz="1100" dirty="0" err="1">
+                <a:solidFill>
+                  <a:srgbClr val="000000"/>
+                </a:solidFill>
+                <a:latin typeface="Courier New" panose="02070309020205020404" pitchFamily="49" charset="0"/>
+                <a:cs typeface="Courier New" panose="02070309020205020404" pitchFamily="49" charset="0"/>
+              </a:rPr>
+              <a:t>propertyName</a:t>
+            </a:r>
+            <a:r>
+              <a:rPr lang="en-US" sz="1100" dirty="0">
+                <a:solidFill>
+                  <a:srgbClr val="000000"/>
+                </a:solidFill>
+                <a:latin typeface="Courier New" panose="02070309020205020404" pitchFamily="49" charset="0"/>
+                <a:cs typeface="Courier New" panose="02070309020205020404" pitchFamily="49" charset="0"/>
+              </a:rPr>
+              <a:t>}</a:t>
+            </a:r>
+            <a:r>
+              <a:rPr lang="en-US" sz="1100" dirty="0">
+                <a:solidFill>
+                  <a:srgbClr val="A31515"/>
+                </a:solidFill>
+                <a:latin typeface="Courier New" panose="02070309020205020404" pitchFamily="49" charset="0"/>
+                <a:cs typeface="Courier New" panose="02070309020205020404" pitchFamily="49" charset="0"/>
+              </a:rPr>
+              <a:t> : </a:t>
+            </a:r>
+            <a:r>
+              <a:rPr lang="en-US" sz="1100" dirty="0">
+                <a:solidFill>
+                  <a:srgbClr val="000000"/>
+                </a:solidFill>
+                <a:latin typeface="Courier New" panose="02070309020205020404" pitchFamily="49" charset="0"/>
+                <a:cs typeface="Courier New" panose="02070309020205020404" pitchFamily="49" charset="0"/>
+              </a:rPr>
+              <a:t>{</a:t>
+            </a:r>
+            <a:r>
+              <a:rPr lang="en-US" sz="1100" dirty="0" err="1">
+                <a:solidFill>
+                  <a:srgbClr val="0000FF"/>
+                </a:solidFill>
+                <a:latin typeface="Courier New" panose="02070309020205020404" pitchFamily="49" charset="0"/>
+                <a:cs typeface="Courier New" panose="02070309020205020404" pitchFamily="49" charset="0"/>
+              </a:rPr>
+              <a:t>string</a:t>
+            </a:r>
+            <a:r>
+              <a:rPr lang="en-US" sz="1100" dirty="0" err="1">
+                <a:solidFill>
+                  <a:srgbClr val="000000"/>
+                </a:solidFill>
+                <a:latin typeface="Courier New" panose="02070309020205020404" pitchFamily="49" charset="0"/>
+                <a:cs typeface="Courier New" panose="02070309020205020404" pitchFamily="49" charset="0"/>
+              </a:rPr>
+              <a:t>.Join</a:t>
+            </a:r>
+            <a:r>
+              <a:rPr lang="en-US" sz="1100" dirty="0">
+                <a:solidFill>
+                  <a:srgbClr val="000000"/>
+                </a:solidFill>
+                <a:latin typeface="Courier New" panose="02070309020205020404" pitchFamily="49" charset="0"/>
+                <a:cs typeface="Courier New" panose="02070309020205020404" pitchFamily="49" charset="0"/>
+              </a:rPr>
+              <a:t>(</a:t>
+            </a:r>
+            <a:r>
+              <a:rPr lang="en-US" sz="1100" dirty="0">
+                <a:solidFill>
+                  <a:srgbClr val="A31515"/>
+                </a:solidFill>
+                <a:latin typeface="Courier New" panose="02070309020205020404" pitchFamily="49" charset="0"/>
+                <a:cs typeface="Courier New" panose="02070309020205020404" pitchFamily="49" charset="0"/>
+              </a:rPr>
+              <a:t>','</a:t>
+            </a:r>
+            <a:r>
+              <a:rPr lang="en-US" sz="1100" dirty="0">
+                <a:solidFill>
+                  <a:srgbClr val="000000"/>
+                </a:solidFill>
+                <a:latin typeface="Courier New" panose="02070309020205020404" pitchFamily="49" charset="0"/>
+                <a:cs typeface="Courier New" panose="02070309020205020404" pitchFamily="49" charset="0"/>
+              </a:rPr>
+              <a:t>,</a:t>
+            </a:r>
+            <a:r>
+              <a:rPr lang="en-US" sz="1100" dirty="0" err="1">
+                <a:solidFill>
+                  <a:srgbClr val="000000"/>
+                </a:solidFill>
+                <a:latin typeface="Courier New" panose="02070309020205020404" pitchFamily="49" charset="0"/>
+                <a:cs typeface="Courier New" panose="02070309020205020404" pitchFamily="49" charset="0"/>
+              </a:rPr>
+              <a:t>candidatePorts.Take</a:t>
+            </a:r>
+            <a:r>
+              <a:rPr lang="en-US" sz="1100" dirty="0">
+                <a:solidFill>
+                  <a:srgbClr val="000000"/>
+                </a:solidFill>
+                <a:latin typeface="Courier New" panose="02070309020205020404" pitchFamily="49" charset="0"/>
+                <a:cs typeface="Courier New" panose="02070309020205020404" pitchFamily="49" charset="0"/>
+              </a:rPr>
+              <a:t>(5).Select(</a:t>
+            </a:r>
+            <a:r>
+              <a:rPr lang="en-US" sz="1100" dirty="0" err="1">
+                <a:solidFill>
+                  <a:srgbClr val="000000"/>
+                </a:solidFill>
+                <a:latin typeface="Courier New" panose="02070309020205020404" pitchFamily="49" charset="0"/>
+                <a:cs typeface="Courier New" panose="02070309020205020404" pitchFamily="49" charset="0"/>
+              </a:rPr>
+              <a:t>FormatPort</a:t>
+            </a:r>
+            <a:r>
+              <a:rPr lang="en-US" sz="1100" dirty="0">
+                <a:solidFill>
+                  <a:srgbClr val="000000"/>
+                </a:solidFill>
+                <a:latin typeface="Courier New" panose="02070309020205020404" pitchFamily="49" charset="0"/>
+                <a:cs typeface="Courier New" panose="02070309020205020404" pitchFamily="49" charset="0"/>
+              </a:rPr>
+              <a:t>))}</a:t>
+            </a:r>
+            <a:r>
+              <a:rPr lang="en-US" sz="1100" dirty="0">
+                <a:solidFill>
+                  <a:srgbClr val="A31515"/>
+                </a:solidFill>
+                <a:latin typeface="Courier New" panose="02070309020205020404" pitchFamily="49" charset="0"/>
+                <a:cs typeface="Courier New" panose="02070309020205020404" pitchFamily="49" charset="0"/>
+              </a:rPr>
+              <a:t>\"" </a:t>
+            </a:r>
+            <a:r>
+              <a:rPr lang="en-US" sz="1100" dirty="0">
+                <a:solidFill>
+                  <a:srgbClr val="000000"/>
+                </a:solidFill>
+                <a:latin typeface="Courier New" panose="02070309020205020404" pitchFamily="49" charset="0"/>
+                <a:cs typeface="Courier New" panose="02070309020205020404" pitchFamily="49" charset="0"/>
+              </a:rPr>
+              <a:t>}.</a:t>
+            </a:r>
+            <a:r>
+              <a:rPr lang="en-US" sz="1100" dirty="0" err="1">
+                <a:solidFill>
+                  <a:srgbClr val="000000"/>
+                </a:solidFill>
+                <a:latin typeface="Courier New" panose="02070309020205020404" pitchFamily="49" charset="0"/>
+                <a:cs typeface="Courier New" panose="02070309020205020404" pitchFamily="49" charset="0"/>
+              </a:rPr>
+              <a:t>ToJson</a:t>
+            </a:r>
+            <a:r>
+              <a:rPr lang="en-US" sz="1100" dirty="0">
+                <a:solidFill>
+                  <a:srgbClr val="000000"/>
+                </a:solidFill>
+                <a:latin typeface="Courier New" panose="02070309020205020404" pitchFamily="49" charset="0"/>
+                <a:cs typeface="Courier New" panose="02070309020205020404" pitchFamily="49" charset="0"/>
+              </a:rPr>
+              <a:t>())));</a:t>
+            </a:r>
+          </a:p>
+          <a:p>
+            <a:endParaRPr lang="en-US" dirty="0">
+              <a:sym typeface="Wingdings" panose="05000000000000000000" pitchFamily="2" charset="2"/>
+            </a:endParaRPr>
+          </a:p>
+          <a:p>
+            <a:r>
+              <a:rPr lang="en-US" dirty="0">
+                <a:sym typeface="Wingdings" panose="05000000000000000000" pitchFamily="2" charset="2"/>
+              </a:rPr>
+              <a:t>Given this requirements the api you target the call will be likely a proxy to an actual existing api. </a:t>
             </a:r>
           </a:p>
           <a:p>
@@ -7937,7 +7364,7 @@
     </p:spTree>
     <p:extLst>
       <p:ext uri="{BB962C8B-B14F-4D97-AF65-F5344CB8AC3E}">
-        <p14:creationId xmlns:p14="http://schemas.microsoft.com/office/powerpoint/2010/main" val="1955413383"/>
+        <p14:creationId xmlns:p14="http://schemas.microsoft.com/office/powerpoint/2010/main" val="2234336054"/>
       </p:ext>
     </p:extLst>
   </p:cSld>
@@ -7966,186 +7393,79 @@
       </p:grpSpPr>
       <p:sp>
         <p:nvSpPr>
-          <p:cNvPr id="5" name="TextBox 4">
-            <a:extLst>
-              <a:ext uri="{FF2B5EF4-FFF2-40B4-BE49-F238E27FC236}">
-                <a16:creationId xmlns:a16="http://schemas.microsoft.com/office/drawing/2014/main" id="{215E1604-86AC-2490-62ED-4A5C351823E7}"/>
-              </a:ext>
-            </a:extLst>
-          </p:cNvPr>
-          <p:cNvSpPr txBox="1"/>
-          <p:nvPr/>
-        </p:nvSpPr>
-        <p:spPr>
-          <a:xfrm>
-            <a:off x="457200" y="427813"/>
-            <a:ext cx="11229474" cy="5078313"/>
-          </a:xfrm>
-          <a:prstGeom prst="rect">
-            <a:avLst/>
-          </a:prstGeom>
-          <a:noFill/>
-        </p:spPr>
-        <p:txBody>
-          <a:bodyPr wrap="square">
-            <a:spAutoFit/>
-          </a:bodyPr>
+          <p:cNvPr id="2" name="Title 1">
+            <a:extLst>
+              <a:ext uri="{FF2B5EF4-FFF2-40B4-BE49-F238E27FC236}">
+                <a16:creationId xmlns:a16="http://schemas.microsoft.com/office/drawing/2014/main" id="{738CD57D-70E7-1BDF-4AB1-754912A38D39}"/>
+              </a:ext>
+            </a:extLst>
+          </p:cNvPr>
+          <p:cNvSpPr>
+            <a:spLocks noGrp="1"/>
+          </p:cNvSpPr>
+          <p:nvPr>
+            <p:ph type="title"/>
+          </p:nvPr>
+        </p:nvSpPr>
+        <p:spPr/>
+        <p:txBody>
+          <a:bodyPr/>
           <a:lstStyle/>
           <a:p>
             <a:r>
               <a:rPr lang="en-US" dirty="0"/>
-              <a:t>{</a:t>
-            </a:r>
-          </a:p>
+              <a:t>gotchas</a:t>
+            </a:r>
+          </a:p>
+        </p:txBody>
+      </p:sp>
+      <p:sp>
+        <p:nvSpPr>
+          <p:cNvPr id="3" name="Content Placeholder 2">
+            <a:extLst>
+              <a:ext uri="{FF2B5EF4-FFF2-40B4-BE49-F238E27FC236}">
+                <a16:creationId xmlns:a16="http://schemas.microsoft.com/office/drawing/2014/main" id="{5D6012E5-8589-D8A0-5999-F8C417FFAA30}"/>
+              </a:ext>
+            </a:extLst>
+          </p:cNvPr>
+          <p:cNvSpPr>
+            <a:spLocks noGrp="1"/>
+          </p:cNvSpPr>
+          <p:nvPr>
+            <p:ph idx="1"/>
+          </p:nvPr>
+        </p:nvSpPr>
+        <p:spPr/>
+        <p:txBody>
+          <a:bodyPr/>
+          <a:lstStyle/>
           <a:p>
             <a:r>
               <a:rPr lang="en-US" dirty="0"/>
-              <a:t>        "type": "function",</a:t>
+              <a:t>The AI sometime make up parameters (e.g. : email)</a:t>
             </a:r>
           </a:p>
           <a:p>
             <a:r>
               <a:rPr lang="en-US" dirty="0"/>
-              <a:t>        "function": {</a:t>
+              <a:t>Put up a good system message</a:t>
             </a:r>
           </a:p>
           <a:p>
             <a:r>
               <a:rPr lang="en-US" dirty="0"/>
-              <a:t>            "name": "get-weather",</a:t>
-            </a:r>
-          </a:p>
-          <a:p>
-            <a:r>
-              <a:rPr lang="en-US" i="1" dirty="0">
-                <a:highlight>
-                  <a:srgbClr val="FFFF00"/>
-                </a:highlight>
-              </a:rPr>
-              <a:t>            "description": "Get the current weather",</a:t>
-            </a:r>
-          </a:p>
-          <a:p>
-            <a:r>
-              <a:rPr lang="en-US" dirty="0"/>
-              <a:t>            "parameters": {</a:t>
-            </a:r>
-          </a:p>
-          <a:p>
-            <a:r>
-              <a:rPr lang="en-US" dirty="0"/>
-              <a:t>                "type": "object",</a:t>
-            </a:r>
-          </a:p>
-          <a:p>
-            <a:r>
-              <a:rPr lang="en-US" dirty="0"/>
-              <a:t>                "properties": {</a:t>
-            </a:r>
-          </a:p>
-          <a:p>
-            <a:r>
-              <a:rPr lang="en-US" dirty="0"/>
-              <a:t>                    "location": {</a:t>
-            </a:r>
-          </a:p>
-          <a:p>
-            <a:r>
-              <a:rPr lang="en-US" dirty="0"/>
-              <a:t>                        "type": "string",</a:t>
-            </a:r>
-          </a:p>
-          <a:p>
-            <a:r>
-              <a:rPr lang="en-US" i="1" dirty="0">
-                <a:highlight>
-                  <a:srgbClr val="FFFF00"/>
-                </a:highlight>
-              </a:rPr>
-              <a:t>                        "description": "The city or state the user want to know the current weather. IMPORTANT : Assistant must ask the user a value for location if not provided in the conversation. Assistant MUST NOT make up one",</a:t>
-            </a:r>
-          </a:p>
-          <a:p>
-            <a:r>
-              <a:rPr lang="en-US" dirty="0"/>
-              <a:t>                    }</a:t>
-            </a:r>
-          </a:p>
-          <a:p>
-            <a:r>
-              <a:rPr lang="en-US" dirty="0"/>
-              <a:t>                },</a:t>
-            </a:r>
-          </a:p>
-          <a:p>
-            <a:r>
-              <a:rPr lang="en-US" i="1" dirty="0">
-                <a:highlight>
-                  <a:srgbClr val="FFFF00"/>
-                </a:highlight>
-              </a:rPr>
-              <a:t>                "required": ["location"]</a:t>
-            </a:r>
-          </a:p>
-          <a:p>
-            <a:r>
-              <a:rPr lang="en-US" dirty="0"/>
-              <a:t>            },</a:t>
-            </a:r>
-          </a:p>
-          <a:p>
-            <a:r>
-              <a:rPr lang="en-US" dirty="0"/>
-              <a:t>        }</a:t>
-            </a:r>
-          </a:p>
-          <a:p>
-            <a:r>
-              <a:rPr lang="en-US" dirty="0"/>
-              <a:t>    },</a:t>
-            </a:r>
-          </a:p>
-        </p:txBody>
-      </p:sp>
-      <p:sp>
-        <p:nvSpPr>
-          <p:cNvPr id="2" name="TextBox 1">
-            <a:extLst>
-              <a:ext uri="{FF2B5EF4-FFF2-40B4-BE49-F238E27FC236}">
-                <a16:creationId xmlns:a16="http://schemas.microsoft.com/office/drawing/2014/main" id="{11FF27F2-3810-9393-5046-13F258796858}"/>
-              </a:ext>
-            </a:extLst>
-          </p:cNvPr>
-          <p:cNvSpPr txBox="1"/>
-          <p:nvPr/>
-        </p:nvSpPr>
-        <p:spPr>
-          <a:xfrm>
-            <a:off x="950976" y="5678424"/>
-            <a:ext cx="5259197" cy="369332"/>
-          </a:xfrm>
-          <a:prstGeom prst="rect">
-            <a:avLst/>
-          </a:prstGeom>
-          <a:noFill/>
-        </p:spPr>
-        <p:txBody>
-          <a:bodyPr wrap="none" rtlCol="0">
-            <a:spAutoFit/>
-          </a:bodyPr>
-          <a:lstStyle/>
-          <a:p>
-            <a:r>
-              <a:rPr lang="en-US" dirty="0"/>
-              <a:t>Note: no need to document the corresponding output</a:t>
-            </a:r>
+              <a:t>Do not expect that required setting is always respected for the properties</a:t>
+            </a:r>
+          </a:p>
+          <a:p>
+            <a:endParaRPr lang="en-US" dirty="0"/>
           </a:p>
         </p:txBody>
       </p:sp>
     </p:spTree>
     <p:extLst>
       <p:ext uri="{BB962C8B-B14F-4D97-AF65-F5344CB8AC3E}">
-        <p14:creationId xmlns:p14="http://schemas.microsoft.com/office/powerpoint/2010/main" val="1156657161"/>
+        <p14:creationId xmlns:p14="http://schemas.microsoft.com/office/powerpoint/2010/main" val="3032493198"/>
       </p:ext>
     </p:extLst>
   </p:cSld>
@@ -8177,7 +7497,7 @@
           <p:cNvPr id="2" name="Title 1">
             <a:extLst>
               <a:ext uri="{FF2B5EF4-FFF2-40B4-BE49-F238E27FC236}">
-                <a16:creationId xmlns:a16="http://schemas.microsoft.com/office/drawing/2014/main" id="{1BF0F279-FD6F-A0A5-EE22-087CDD2F029D}"/>
+                <a16:creationId xmlns:a16="http://schemas.microsoft.com/office/drawing/2014/main" id="{14C425C7-5AD3-A208-089A-82DD7DC3B7F0}"/>
               </a:ext>
             </a:extLst>
           </p:cNvPr>
@@ -8195,7 +7515,7 @@
           <a:p>
             <a:r>
               <a:rPr lang="en-US" dirty="0"/>
-              <a:t>What is function calling.. continue</a:t>
+              <a:t>EXAMPLE</a:t>
             </a:r>
           </a:p>
         </p:txBody>
@@ -8205,7 +7525,7 @@
           <p:cNvPr id="3" name="Content Placeholder 2">
             <a:extLst>
               <a:ext uri="{FF2B5EF4-FFF2-40B4-BE49-F238E27FC236}">
-                <a16:creationId xmlns:a16="http://schemas.microsoft.com/office/drawing/2014/main" id="{24CEE839-23F8-C9A4-B89C-22402DEE7AB6}"/>
+                <a16:creationId xmlns:a16="http://schemas.microsoft.com/office/drawing/2014/main" id="{3E9314EB-C74E-4EDF-32DE-93724FB6B3D8}"/>
               </a:ext>
             </a:extLst>
           </p:cNvPr>
@@ -8223,45 +7543,12 @@
           <a:p>
             <a:r>
               <a:rPr lang="en-US" dirty="0"/>
-              <a:t>The AI tries to </a:t>
-            </a:r>
-            <a:r>
-              <a:rPr lang="en-US" b="1" i="1" dirty="0"/>
-              <a:t>match the intent </a:t>
-            </a:r>
-            <a:r>
-              <a:rPr lang="en-US" dirty="0"/>
-              <a:t>of the user with a function and its parameters. </a:t>
-            </a:r>
-          </a:p>
-          <a:p>
-            <a:pPr lvl="1"/>
-            <a:r>
-              <a:rPr lang="en-US" dirty="0"/>
-              <a:t>If user intent match a function but some parameters are missing the AI "should" ask for the missing values </a:t>
-            </a:r>
-          </a:p>
-          <a:p>
-            <a:r>
-              <a:rPr lang="en-US" dirty="0"/>
-              <a:t>When the AI reply with a </a:t>
-            </a:r>
-            <a:r>
-              <a:rPr lang="en-US" i="1" dirty="0"/>
-              <a:t>function call</a:t>
-            </a:r>
-            <a:r>
-              <a:rPr lang="en-US" dirty="0"/>
-              <a:t>, our code will call the api with the provided Json.</a:t>
-            </a:r>
-          </a:p>
-          <a:p>
-            <a:r>
-              <a:rPr lang="en-US" dirty="0"/>
-              <a:t>The Json reply from the api call must then be passed to ChatGPT that will make up a human readable reply from the provided Json</a:t>
-            </a:r>
-          </a:p>
-          <a:p>
+              <a:t>List, Create quotes </a:t>
+            </a:r>
+            <a:r>
+              <a:rPr lang="en-US"/>
+              <a:t>in mymsc</a:t>
+            </a:r>
             <a:endParaRPr lang="en-US" dirty="0"/>
           </a:p>
         </p:txBody>
@@ -8269,7 +7556,7 @@
     </p:spTree>
     <p:extLst>
       <p:ext uri="{BB962C8B-B14F-4D97-AF65-F5344CB8AC3E}">
-        <p14:creationId xmlns:p14="http://schemas.microsoft.com/office/powerpoint/2010/main" val="4086392512"/>
+        <p14:creationId xmlns:p14="http://schemas.microsoft.com/office/powerpoint/2010/main" val="886877064"/>
       </p:ext>
     </p:extLst>
   </p:cSld>
@@ -8574,6 +7861,49 @@
 </a:theme>
 </file>
 
+<file path=ppt/theme/themeOverride1.xml><?xml version="1.0" encoding="utf-8"?>
+<a:themeOverride xmlns:a="http://schemas.openxmlformats.org/drawingml/2006/main">
+  <a:clrScheme name="Office">
+    <a:dk1>
+      <a:sysClr val="windowText" lastClr="000000"/>
+    </a:dk1>
+    <a:lt1>
+      <a:sysClr val="window" lastClr="FFFFFF"/>
+    </a:lt1>
+    <a:dk2>
+      <a:srgbClr val="44546A"/>
+    </a:dk2>
+    <a:lt2>
+      <a:srgbClr val="E7E6E6"/>
+    </a:lt2>
+    <a:accent1>
+      <a:srgbClr val="4472C4"/>
+    </a:accent1>
+    <a:accent2>
+      <a:srgbClr val="ED7D31"/>
+    </a:accent2>
+    <a:accent3>
+      <a:srgbClr val="A5A5A5"/>
+    </a:accent3>
+    <a:accent4>
+      <a:srgbClr val="FFC000"/>
+    </a:accent4>
+    <a:accent5>
+      <a:srgbClr val="5B9BD5"/>
+    </a:accent5>
+    <a:accent6>
+      <a:srgbClr val="70AD47"/>
+    </a:accent6>
+    <a:hlink>
+      <a:srgbClr val="0563C1"/>
+    </a:hlink>
+    <a:folHlink>
+      <a:srgbClr val="954F72"/>
+    </a:folHlink>
+  </a:clrScheme>
+</a:themeOverride>
+</file>
+
 <file path=docMetadata/LabelInfo.xml><?xml version="1.0" encoding="utf-8"?>
 <clbl:labelList xmlns:clbl="http://schemas.microsoft.com/office/2020/mipLabelMetadata">
   <clbl:label id="{fc24caf1-31f7-40c1-bde0-ca915f0156e3}" enabled="1" method="Standard" siteId="{088e9b00-ffd0-458e-bfa1-acf4c596d3cb}" removed="0"/>
